--- a/CICD.pptx
+++ b/CICD.pptx
@@ -13,7 +13,7 @@
   <p:sldIdLst>
     <p:sldId id="259" r:id="rId5"/>
     <p:sldId id="265" r:id="rId6"/>
-    <p:sldId id="267" r:id="rId7"/>
+    <p:sldId id="375" r:id="rId7"/>
     <p:sldId id="266" r:id="rId8"/>
     <p:sldId id="316" r:id="rId9"/>
     <p:sldId id="367" r:id="rId10"/>
@@ -382,7 +382,7 @@
           <a:p>
             <a:fld id="{13F6AEEE-E778-402E-8B8F-9A98AED26EB8}" type="datetimeFigureOut">
               <a:rPr lang="en-GB" sz="1000" smtClean="0"/>
-              <a:t>12/02/2020</a:t>
+              <a:t>13/02/2020</a:t>
             </a:fld>
             <a:endParaRPr lang="en-GB" sz="1000"/>
           </a:p>
@@ -542,7 +542,7 @@
             <a:fld id="{1386E511-D742-4EFE-90B5-C9FC42762E0F}" type="datetimeFigureOut">
               <a:rPr lang="en-GB" smtClean="0"/>
               <a:pPr/>
-              <a:t>12/02/2020</a:t>
+              <a:t>13/02/2020</a:t>
             </a:fld>
             <a:endParaRPr lang="en-GB"/>
           </a:p>
@@ -1887,7 +1887,10 @@
           <a:bodyPr/>
           <a:lstStyle/>
           <a:p>
-            <a:endParaRPr lang="en-US"/>
+            <a:r>
+              <a:rPr lang="en-US" dirty="0"/>
+              <a:t>Ask how many have heard something about it and what</a:t>
+            </a:r>
           </a:p>
         </p:txBody>
       </p:sp>
@@ -1918,7 +1921,7 @@
     </p:spTree>
     <p:extLst>
       <p:ext uri="{BB962C8B-B14F-4D97-AF65-F5344CB8AC3E}">
-        <p14:creationId xmlns:p14="http://schemas.microsoft.com/office/powerpoint/2010/main" val="4202623894"/>
+        <p14:creationId xmlns:p14="http://schemas.microsoft.com/office/powerpoint/2010/main" val="245553383"/>
       </p:ext>
     </p:extLst>
   </p:cSld>
@@ -17618,7 +17621,7 @@
     </p:spTree>
     <p:extLst>
       <p:ext uri="{BB962C8B-B14F-4D97-AF65-F5344CB8AC3E}">
-        <p14:creationId xmlns:p14="http://schemas.microsoft.com/office/powerpoint/2010/main" val="2955926452"/>
+        <p14:creationId xmlns:p14="http://schemas.microsoft.com/office/powerpoint/2010/main" val="1796955965"/>
       </p:ext>
     </p:extLst>
   </p:cSld>
@@ -19692,6 +19695,12 @@
 </file>
 
 <file path=customXml/item1.xml><?xml version="1.0" encoding="utf-8"?>
+<p:properties xmlns:p="http://schemas.microsoft.com/office/2006/metadata/properties" xmlns:xsi="http://www.w3.org/2001/XMLSchema-instance" xmlns:pc="http://schemas.microsoft.com/office/infopath/2007/PartnerControls">
+  <documentManagement/>
+</p:properties>
+</file>
+
+<file path=customXml/item2.xml><?xml version="1.0" encoding="utf-8"?>
 <ct:contentTypeSchema xmlns:ct="http://schemas.microsoft.com/office/2006/metadata/contentType" xmlns:ma="http://schemas.microsoft.com/office/2006/metadata/properties/metaAttributes" ct:_="" ma:_="" ma:contentTypeName="Document" ma:contentTypeID="0x01010019ED4169A17A9943A0C4D616F29F7EA9" ma:contentTypeVersion="2" ma:contentTypeDescription="Create a new document." ma:contentTypeScope="" ma:versionID="ee2590c771e3efcf6e927d932d0f80bf">
   <xsd:schema xmlns:xsd="http://www.w3.org/2001/XMLSchema" xmlns:xs="http://www.w3.org/2001/XMLSchema" xmlns:p="http://schemas.microsoft.com/office/2006/metadata/properties" xmlns:ns2="6ed449f5-9e03-46ec-8941-bbdaa84be2a0" targetNamespace="http://schemas.microsoft.com/office/2006/metadata/properties" ma:root="true" ma:fieldsID="14228b68809949e600f8d74e51d27844" ns2:_="">
     <xsd:import namespace="6ed449f5-9e03-46ec-8941-bbdaa84be2a0"/>
@@ -19839,12 +19848,6 @@
 </ct:contentTypeSchema>
 </file>
 
-<file path=customXml/item2.xml><?xml version="1.0" encoding="utf-8"?>
-<p:properties xmlns:p="http://schemas.microsoft.com/office/2006/metadata/properties" xmlns:xsi="http://www.w3.org/2001/XMLSchema-instance" xmlns:pc="http://schemas.microsoft.com/office/infopath/2007/PartnerControls">
-  <documentManagement/>
-</p:properties>
-</file>
-
 <file path=customXml/item3.xml><?xml version="1.0" encoding="utf-8"?>
 <?mso-contentType ?>
 <FormTemplates xmlns="http://schemas.microsoft.com/sharepoint/v3/contenttype/forms">
@@ -19855,6 +19858,15 @@
 </file>
 
 <file path=customXml/itemProps1.xml><?xml version="1.0" encoding="utf-8"?>
+<ds:datastoreItem xmlns:ds="http://schemas.openxmlformats.org/officeDocument/2006/customXml" ds:itemID="{1ED6C778-C4AA-4A66-B6B5-60690C5199CD}">
+  <ds:schemaRefs>
+    <ds:schemaRef ds:uri="http://schemas.microsoft.com/office/2006/metadata/properties"/>
+    <ds:schemaRef ds:uri="http://schemas.microsoft.com/office/infopath/2007/PartnerControls"/>
+  </ds:schemaRefs>
+</ds:datastoreItem>
+</file>
+
+<file path=customXml/itemProps2.xml><?xml version="1.0" encoding="utf-8"?>
 <ds:datastoreItem xmlns:ds="http://schemas.openxmlformats.org/officeDocument/2006/customXml" ds:itemID="{C9AC8E36-112B-4773-8318-FE4A82DF39EC}">
   <ds:schemaRefs>
     <ds:schemaRef ds:uri="http://schemas.microsoft.com/office/2006/metadata/contentType"/>
@@ -19872,15 +19884,6 @@
 </ds:datastoreItem>
 </file>
 
-<file path=customXml/itemProps2.xml><?xml version="1.0" encoding="utf-8"?>
-<ds:datastoreItem xmlns:ds="http://schemas.openxmlformats.org/officeDocument/2006/customXml" ds:itemID="{1ED6C778-C4AA-4A66-B6B5-60690C5199CD}">
-  <ds:schemaRefs>
-    <ds:schemaRef ds:uri="http://schemas.microsoft.com/office/2006/metadata/properties"/>
-    <ds:schemaRef ds:uri="http://schemas.microsoft.com/office/infopath/2007/PartnerControls"/>
-  </ds:schemaRefs>
-</ds:datastoreItem>
-</file>
-
 <file path=customXml/itemProps3.xml><?xml version="1.0" encoding="utf-8"?>
 <ds:datastoreItem xmlns:ds="http://schemas.openxmlformats.org/officeDocument/2006/customXml" ds:itemID="{C98144AE-B0E9-4A9D-8BA0-7C7CD27128C4}">
   <ds:schemaRefs>

--- a/CICD.pptx
+++ b/CICD.pptx
@@ -1547,6 +1547,10 @@
           <a:bodyPr/>
           <a:lstStyle/>
           <a:p>
+            <a:r>
+              <a:rPr lang="en-US" dirty="0"/>
+              <a:t>Tip: Heroku goes to sleep after 30 seconds</a:t>
+            </a:r>
             <a:endParaRPr lang="lt-LT" dirty="0"/>
           </a:p>
         </p:txBody>

--- a/CICD.pptx
+++ b/CICD.pptx
@@ -5,10 +5,10 @@
     <p:sldMasterId id="2147483648" r:id="rId4"/>
   </p:sldMasterIdLst>
   <p:notesMasterIdLst>
-    <p:notesMasterId r:id="rId23"/>
+    <p:notesMasterId r:id="rId24"/>
   </p:notesMasterIdLst>
   <p:handoutMasterIdLst>
-    <p:handoutMasterId r:id="rId24"/>
+    <p:handoutMasterId r:id="rId25"/>
   </p:handoutMasterIdLst>
   <p:sldIdLst>
     <p:sldId id="259" r:id="rId5"/>
@@ -24,11 +24,12 @@
     <p:sldId id="317" r:id="rId15"/>
     <p:sldId id="319" r:id="rId16"/>
     <p:sldId id="372" r:id="rId17"/>
-    <p:sldId id="373" r:id="rId18"/>
-    <p:sldId id="321" r:id="rId19"/>
-    <p:sldId id="322" r:id="rId20"/>
-    <p:sldId id="338" r:id="rId21"/>
-    <p:sldId id="374" r:id="rId22"/>
+    <p:sldId id="376" r:id="rId18"/>
+    <p:sldId id="377" r:id="rId19"/>
+    <p:sldId id="321" r:id="rId20"/>
+    <p:sldId id="322" r:id="rId21"/>
+    <p:sldId id="338" r:id="rId22"/>
+    <p:sldId id="374" r:id="rId23"/>
   </p:sldIdLst>
   <p:sldSz cx="12192000" cy="6858000"/>
   <p:notesSz cx="6858000" cy="9144000"/>
@@ -382,7 +383,7 @@
           <a:p>
             <a:fld id="{13F6AEEE-E778-402E-8B8F-9A98AED26EB8}" type="datetimeFigureOut">
               <a:rPr lang="en-GB" sz="1000" smtClean="0"/>
-              <a:t>13/02/2020</a:t>
+              <a:t>10/02/2021</a:t>
             </a:fld>
             <a:endParaRPr lang="en-GB" sz="1000"/>
           </a:p>
@@ -542,7 +543,7 @@
             <a:fld id="{1386E511-D742-4EFE-90B5-C9FC42762E0F}" type="datetimeFigureOut">
               <a:rPr lang="en-GB" smtClean="0"/>
               <a:pPr/>
-              <a:t>13/02/2020</a:t>
+              <a:t>10/02/2021</a:t>
             </a:fld>
             <a:endParaRPr lang="en-GB"/>
           </a:p>
@@ -932,8 +933,149 @@
                 <a:ea typeface="+mn-ea"/>
                 <a:cs typeface="+mn-cs"/>
               </a:rPr>
-              <a:t>: deployment easier, smaller and faster</a:t>
-            </a:r>
+              <a:t>: </a:t>
+            </a:r>
+            <a:r>
+              <a:rPr lang="en-US" sz="1200" b="0" i="0" u="none" strike="noStrike" kern="1200" dirty="0" err="1">
+                <a:solidFill>
+                  <a:schemeClr val="tx1"/>
+                </a:solidFill>
+                <a:effectLst/>
+                <a:latin typeface="+mn-lt"/>
+                <a:ea typeface="+mn-ea"/>
+                <a:cs typeface="+mn-cs"/>
+              </a:rPr>
+              <a:t>trumpesnis</a:t>
+            </a:r>
+            <a:r>
+              <a:rPr lang="en-US" sz="1200" b="0" i="0" u="none" strike="noStrike" kern="1200" dirty="0">
+                <a:solidFill>
+                  <a:schemeClr val="tx1"/>
+                </a:solidFill>
+                <a:effectLst/>
+                <a:latin typeface="+mn-lt"/>
+                <a:ea typeface="+mn-ea"/>
+                <a:cs typeface="+mn-cs"/>
+              </a:rPr>
+              <a:t> </a:t>
+            </a:r>
+            <a:r>
+              <a:rPr lang="en-US" sz="1200" b="0" i="0" u="none" strike="noStrike" kern="1200" dirty="0" err="1">
+                <a:solidFill>
+                  <a:schemeClr val="tx1"/>
+                </a:solidFill>
+                <a:effectLst/>
+                <a:latin typeface="+mn-lt"/>
+                <a:ea typeface="+mn-ea"/>
+                <a:cs typeface="+mn-cs"/>
+              </a:rPr>
+              <a:t>laikas</a:t>
+            </a:r>
+            <a:r>
+              <a:rPr lang="en-US" sz="1200" b="0" i="0" u="none" strike="noStrike" kern="1200" dirty="0">
+                <a:solidFill>
+                  <a:schemeClr val="tx1"/>
+                </a:solidFill>
+                <a:effectLst/>
+                <a:latin typeface="+mn-lt"/>
+                <a:ea typeface="+mn-ea"/>
+                <a:cs typeface="+mn-cs"/>
+              </a:rPr>
+              <a:t> </a:t>
+            </a:r>
+            <a:r>
+              <a:rPr lang="en-US" sz="1200" b="0" i="0" u="none" strike="noStrike" kern="1200" dirty="0" err="1">
+                <a:solidFill>
+                  <a:schemeClr val="tx1"/>
+                </a:solidFill>
+                <a:effectLst/>
+                <a:latin typeface="+mn-lt"/>
+                <a:ea typeface="+mn-ea"/>
+                <a:cs typeface="+mn-cs"/>
+              </a:rPr>
+              <a:t>nuo</a:t>
+            </a:r>
+            <a:r>
+              <a:rPr lang="en-US" sz="1200" b="0" i="0" u="none" strike="noStrike" kern="1200" dirty="0">
+                <a:solidFill>
+                  <a:schemeClr val="tx1"/>
+                </a:solidFill>
+                <a:effectLst/>
+                <a:latin typeface="+mn-lt"/>
+                <a:ea typeface="+mn-ea"/>
+                <a:cs typeface="+mn-cs"/>
+              </a:rPr>
+              <a:t> </a:t>
+            </a:r>
+            <a:r>
+              <a:rPr lang="en-US" sz="1200" b="0" i="0" u="none" strike="noStrike" kern="1200" dirty="0" err="1">
+                <a:solidFill>
+                  <a:schemeClr val="tx1"/>
+                </a:solidFill>
+                <a:effectLst/>
+                <a:latin typeface="+mn-lt"/>
+                <a:ea typeface="+mn-ea"/>
+                <a:cs typeface="+mn-cs"/>
+              </a:rPr>
+              <a:t>idejos</a:t>
+            </a:r>
+            <a:r>
+              <a:rPr lang="en-US" sz="1200" b="0" i="0" u="none" strike="noStrike" kern="1200" dirty="0">
+                <a:solidFill>
+                  <a:schemeClr val="tx1"/>
+                </a:solidFill>
+                <a:effectLst/>
+                <a:latin typeface="+mn-lt"/>
+                <a:ea typeface="+mn-ea"/>
+                <a:cs typeface="+mn-cs"/>
+              </a:rPr>
+              <a:t>, </a:t>
+            </a:r>
+            <a:r>
+              <a:rPr lang="en-US" sz="1200" b="0" i="0" u="none" strike="noStrike" kern="1200" dirty="0" err="1">
+                <a:solidFill>
+                  <a:schemeClr val="tx1"/>
+                </a:solidFill>
+                <a:effectLst/>
+                <a:latin typeface="+mn-lt"/>
+                <a:ea typeface="+mn-ea"/>
+                <a:cs typeface="+mn-cs"/>
+              </a:rPr>
+              <a:t>iki</a:t>
+            </a:r>
+            <a:r>
+              <a:rPr lang="en-US" sz="1200" b="0" i="0" u="none" strike="noStrike" kern="1200" dirty="0">
+                <a:solidFill>
+                  <a:schemeClr val="tx1"/>
+                </a:solidFill>
+                <a:effectLst/>
+                <a:latin typeface="+mn-lt"/>
+                <a:ea typeface="+mn-ea"/>
+                <a:cs typeface="+mn-cs"/>
+              </a:rPr>
+              <a:t> </a:t>
+            </a:r>
+            <a:r>
+              <a:rPr lang="en-US" sz="1200" b="0" i="0" u="none" strike="noStrike" kern="1200" dirty="0" err="1">
+                <a:solidFill>
+                  <a:schemeClr val="tx1"/>
+                </a:solidFill>
+                <a:effectLst/>
+                <a:latin typeface="+mn-lt"/>
+                <a:ea typeface="+mn-ea"/>
+                <a:cs typeface="+mn-cs"/>
+              </a:rPr>
+              <a:t>productiono</a:t>
+            </a:r>
+            <a:endParaRPr lang="en-US" sz="1200" b="0" i="0" u="none" strike="noStrike" kern="1200" dirty="0">
+              <a:solidFill>
+                <a:schemeClr val="tx1"/>
+              </a:solidFill>
+              <a:effectLst/>
+              <a:latin typeface="+mn-lt"/>
+              <a:ea typeface="+mn-ea"/>
+              <a:cs typeface="+mn-cs"/>
+            </a:endParaRPr>
           </a:p>
           <a:p>
             <a:r>
@@ -958,8 +1100,293 @@
                 <a:ea typeface="+mn-ea"/>
                 <a:cs typeface="+mn-cs"/>
               </a:rPr>
-              <a:t>: more smaller releases, almost no downtime, totally undetectable to the users.</a:t>
-            </a:r>
+              <a:t>: </a:t>
+            </a:r>
+            <a:r>
+              <a:rPr lang="en-US" sz="1200" b="0" i="0" u="none" strike="noStrike" kern="1200" dirty="0" err="1">
+                <a:solidFill>
+                  <a:schemeClr val="tx1"/>
+                </a:solidFill>
+                <a:effectLst/>
+                <a:latin typeface="+mn-lt"/>
+                <a:ea typeface="+mn-ea"/>
+                <a:cs typeface="+mn-cs"/>
+              </a:rPr>
+              <a:t>su</a:t>
+            </a:r>
+            <a:r>
+              <a:rPr lang="en-US" sz="1200" b="0" i="0" u="none" strike="noStrike" kern="1200" dirty="0">
+                <a:solidFill>
+                  <a:schemeClr val="tx1"/>
+                </a:solidFill>
+                <a:effectLst/>
+                <a:latin typeface="+mn-lt"/>
+                <a:ea typeface="+mn-ea"/>
+                <a:cs typeface="+mn-cs"/>
+              </a:rPr>
+              <a:t> </a:t>
+            </a:r>
+            <a:r>
+              <a:rPr lang="en-US" sz="1200" b="0" i="0" u="none" strike="noStrike" kern="1200" dirty="0" err="1">
+                <a:solidFill>
+                  <a:schemeClr val="tx1"/>
+                </a:solidFill>
+                <a:effectLst/>
+                <a:latin typeface="+mn-lt"/>
+                <a:ea typeface="+mn-ea"/>
+                <a:cs typeface="+mn-cs"/>
+              </a:rPr>
+              <a:t>automatiniais</a:t>
+            </a:r>
+            <a:r>
+              <a:rPr lang="en-US" sz="1200" b="0" i="0" u="none" strike="noStrike" kern="1200" dirty="0">
+                <a:solidFill>
+                  <a:schemeClr val="tx1"/>
+                </a:solidFill>
+                <a:effectLst/>
+                <a:latin typeface="+mn-lt"/>
+                <a:ea typeface="+mn-ea"/>
+                <a:cs typeface="+mn-cs"/>
+              </a:rPr>
+              <a:t> </a:t>
+            </a:r>
+            <a:r>
+              <a:rPr lang="en-US" sz="1200" b="0" i="0" u="none" strike="noStrike" kern="1200" dirty="0" err="1">
+                <a:solidFill>
+                  <a:schemeClr val="tx1"/>
+                </a:solidFill>
+                <a:effectLst/>
+                <a:latin typeface="+mn-lt"/>
+                <a:ea typeface="+mn-ea"/>
+                <a:cs typeface="+mn-cs"/>
+              </a:rPr>
+              <a:t>procesais</a:t>
+            </a:r>
+            <a:r>
+              <a:rPr lang="en-US" sz="1200" b="0" i="0" u="none" strike="noStrike" kern="1200" dirty="0">
+                <a:solidFill>
+                  <a:schemeClr val="tx1"/>
+                </a:solidFill>
+                <a:effectLst/>
+                <a:latin typeface="+mn-lt"/>
+                <a:ea typeface="+mn-ea"/>
+                <a:cs typeface="+mn-cs"/>
+              </a:rPr>
+              <a:t>, </a:t>
+            </a:r>
+            <a:r>
+              <a:rPr lang="en-US" sz="1200" b="0" i="0" u="none" strike="noStrike" kern="1200" dirty="0" err="1">
+                <a:solidFill>
+                  <a:schemeClr val="tx1"/>
+                </a:solidFill>
+                <a:effectLst/>
+                <a:latin typeface="+mn-lt"/>
+                <a:ea typeface="+mn-ea"/>
+                <a:cs typeface="+mn-cs"/>
+              </a:rPr>
+              <a:t>galima</a:t>
+            </a:r>
+            <a:r>
+              <a:rPr lang="en-US" sz="1200" b="0" i="0" u="none" strike="noStrike" kern="1200" dirty="0">
+                <a:solidFill>
+                  <a:schemeClr val="tx1"/>
+                </a:solidFill>
+                <a:effectLst/>
+                <a:latin typeface="+mn-lt"/>
+                <a:ea typeface="+mn-ea"/>
+                <a:cs typeface="+mn-cs"/>
+              </a:rPr>
+              <a:t> </a:t>
+            </a:r>
+            <a:r>
+              <a:rPr lang="en-US" sz="1200" b="0" i="0" u="none" strike="noStrike" kern="1200" dirty="0" err="1">
+                <a:solidFill>
+                  <a:schemeClr val="tx1"/>
+                </a:solidFill>
+                <a:effectLst/>
+                <a:latin typeface="+mn-lt"/>
+                <a:ea typeface="+mn-ea"/>
+                <a:cs typeface="+mn-cs"/>
+              </a:rPr>
+              <a:t>dazniau</a:t>
+            </a:r>
+            <a:r>
+              <a:rPr lang="en-US" sz="1200" b="0" i="0" u="none" strike="noStrike" kern="1200" dirty="0">
+                <a:solidFill>
+                  <a:schemeClr val="tx1"/>
+                </a:solidFill>
+                <a:effectLst/>
+                <a:latin typeface="+mn-lt"/>
+                <a:ea typeface="+mn-ea"/>
+                <a:cs typeface="+mn-cs"/>
+              </a:rPr>
+              <a:t> </a:t>
+            </a:r>
+            <a:r>
+              <a:rPr lang="en-US" sz="1200" b="0" i="0" u="none" strike="noStrike" kern="1200" dirty="0" err="1">
+                <a:solidFill>
+                  <a:schemeClr val="tx1"/>
+                </a:solidFill>
+                <a:effectLst/>
+                <a:latin typeface="+mn-lt"/>
+                <a:ea typeface="+mn-ea"/>
+                <a:cs typeface="+mn-cs"/>
+              </a:rPr>
+              <a:t>releasinti</a:t>
+            </a:r>
+            <a:r>
+              <a:rPr lang="en-US" sz="1200" b="0" i="0" u="none" strike="noStrike" kern="1200" dirty="0">
+                <a:solidFill>
+                  <a:schemeClr val="tx1"/>
+                </a:solidFill>
+                <a:effectLst/>
+                <a:latin typeface="+mn-lt"/>
+                <a:ea typeface="+mn-ea"/>
+                <a:cs typeface="+mn-cs"/>
+              </a:rPr>
+              <a:t> </a:t>
+            </a:r>
+            <a:r>
+              <a:rPr lang="en-US" sz="1200" b="0" i="0" u="none" strike="noStrike" kern="1200" dirty="0" err="1">
+                <a:solidFill>
+                  <a:schemeClr val="tx1"/>
+                </a:solidFill>
+                <a:effectLst/>
+                <a:latin typeface="+mn-lt"/>
+                <a:ea typeface="+mn-ea"/>
+                <a:cs typeface="+mn-cs"/>
+              </a:rPr>
+              <a:t>koda</a:t>
+            </a:r>
+            <a:r>
+              <a:rPr lang="en-US" sz="1200" b="0" i="0" u="none" strike="noStrike" kern="1200" dirty="0">
+                <a:solidFill>
+                  <a:schemeClr val="tx1"/>
+                </a:solidFill>
+                <a:effectLst/>
+                <a:latin typeface="+mn-lt"/>
+                <a:ea typeface="+mn-ea"/>
+                <a:cs typeface="+mn-cs"/>
+              </a:rPr>
+              <a:t>, </a:t>
+            </a:r>
+            <a:r>
+              <a:rPr lang="en-US" sz="1200" b="0" i="0" u="none" strike="noStrike" kern="1200" dirty="0" err="1">
+                <a:solidFill>
+                  <a:schemeClr val="tx1"/>
+                </a:solidFill>
+                <a:effectLst/>
+                <a:latin typeface="+mn-lt"/>
+                <a:ea typeface="+mn-ea"/>
+                <a:cs typeface="+mn-cs"/>
+              </a:rPr>
+              <a:t>ir</a:t>
+            </a:r>
+            <a:r>
+              <a:rPr lang="en-US" sz="1200" b="0" i="0" u="none" strike="noStrike" kern="1200" dirty="0">
+                <a:solidFill>
+                  <a:schemeClr val="tx1"/>
+                </a:solidFill>
+                <a:effectLst/>
+                <a:latin typeface="+mn-lt"/>
+                <a:ea typeface="+mn-ea"/>
+                <a:cs typeface="+mn-cs"/>
+              </a:rPr>
+              <a:t> </a:t>
+            </a:r>
+            <a:r>
+              <a:rPr lang="en-US" sz="1200" b="0" i="0" u="none" strike="noStrike" kern="1200" dirty="0" err="1">
+                <a:solidFill>
+                  <a:schemeClr val="tx1"/>
+                </a:solidFill>
+                <a:effectLst/>
+                <a:latin typeface="+mn-lt"/>
+                <a:ea typeface="+mn-ea"/>
+                <a:cs typeface="+mn-cs"/>
+              </a:rPr>
+              <a:t>buti</a:t>
+            </a:r>
+            <a:r>
+              <a:rPr lang="en-US" sz="1200" b="0" i="0" u="none" strike="noStrike" kern="1200" dirty="0">
+                <a:solidFill>
+                  <a:schemeClr val="tx1"/>
+                </a:solidFill>
+                <a:effectLst/>
+                <a:latin typeface="+mn-lt"/>
+                <a:ea typeface="+mn-ea"/>
+                <a:cs typeface="+mn-cs"/>
+              </a:rPr>
+              <a:t> </a:t>
+            </a:r>
+            <a:r>
+              <a:rPr lang="en-US" sz="1200" b="0" i="0" u="none" strike="noStrike" kern="1200" dirty="0" err="1">
+                <a:solidFill>
+                  <a:schemeClr val="tx1"/>
+                </a:solidFill>
+                <a:effectLst/>
+                <a:latin typeface="+mn-lt"/>
+                <a:ea typeface="+mn-ea"/>
+                <a:cs typeface="+mn-cs"/>
+              </a:rPr>
+              <a:t>visada</a:t>
+            </a:r>
+            <a:r>
+              <a:rPr lang="en-US" sz="1200" b="0" i="0" u="none" strike="noStrike" kern="1200" dirty="0">
+                <a:solidFill>
+                  <a:schemeClr val="tx1"/>
+                </a:solidFill>
+                <a:effectLst/>
+                <a:latin typeface="+mn-lt"/>
+                <a:ea typeface="+mn-ea"/>
+                <a:cs typeface="+mn-cs"/>
+              </a:rPr>
+              <a:t> </a:t>
+            </a:r>
+            <a:r>
+              <a:rPr lang="en-US" sz="1200" b="0" i="0" u="none" strike="noStrike" kern="1200" dirty="0" err="1">
+                <a:solidFill>
+                  <a:schemeClr val="tx1"/>
+                </a:solidFill>
+                <a:effectLst/>
+                <a:latin typeface="+mn-lt"/>
+                <a:ea typeface="+mn-ea"/>
+                <a:cs typeface="+mn-cs"/>
+              </a:rPr>
+              <a:t>pasiekiamu</a:t>
+            </a:r>
+            <a:r>
+              <a:rPr lang="en-US" sz="1200" b="0" i="0" u="none" strike="noStrike" kern="1200" dirty="0">
+                <a:solidFill>
+                  <a:schemeClr val="tx1"/>
+                </a:solidFill>
+                <a:effectLst/>
+                <a:latin typeface="+mn-lt"/>
+                <a:ea typeface="+mn-ea"/>
+                <a:cs typeface="+mn-cs"/>
+              </a:rPr>
+              <a:t> </a:t>
+            </a:r>
+            <a:r>
+              <a:rPr lang="en-US" sz="1200" b="0" i="0" u="none" strike="noStrike" kern="1200" dirty="0" err="1">
+                <a:solidFill>
+                  <a:schemeClr val="tx1"/>
+                </a:solidFill>
+                <a:effectLst/>
+                <a:latin typeface="+mn-lt"/>
+                <a:ea typeface="+mn-ea"/>
+                <a:cs typeface="+mn-cs"/>
+              </a:rPr>
+              <a:t>vartotojui</a:t>
+            </a:r>
+            <a:endParaRPr lang="en-US" sz="1200" b="0" i="0" u="none" strike="noStrike" kern="1200" dirty="0">
+              <a:solidFill>
+                <a:schemeClr val="tx1"/>
+              </a:solidFill>
+              <a:effectLst/>
+              <a:latin typeface="+mn-lt"/>
+              <a:ea typeface="+mn-ea"/>
+              <a:cs typeface="+mn-cs"/>
+            </a:endParaRPr>
           </a:p>
           <a:p>
             <a:r>
@@ -984,8 +1411,533 @@
                 <a:ea typeface="+mn-ea"/>
                 <a:cs typeface="+mn-cs"/>
               </a:rPr>
-              <a:t>: Most of the process is automated, testers now have a lot of time to focus on important testing phases like exploratory, usability, security and performance testing.</a:t>
-            </a:r>
+              <a:t>: </a:t>
+            </a:r>
+            <a:r>
+              <a:rPr lang="en-US" sz="1200" b="0" i="0" u="none" strike="noStrike" kern="1200" dirty="0" err="1">
+                <a:solidFill>
+                  <a:schemeClr val="tx1"/>
+                </a:solidFill>
+                <a:effectLst/>
+                <a:latin typeface="+mn-lt"/>
+                <a:ea typeface="+mn-ea"/>
+                <a:cs typeface="+mn-cs"/>
+              </a:rPr>
+              <a:t>Jeigu</a:t>
+            </a:r>
+            <a:r>
+              <a:rPr lang="en-US" sz="1200" b="0" i="0" u="none" strike="noStrike" kern="1200" dirty="0">
+                <a:solidFill>
+                  <a:schemeClr val="tx1"/>
+                </a:solidFill>
+                <a:effectLst/>
+                <a:latin typeface="+mn-lt"/>
+                <a:ea typeface="+mn-ea"/>
+                <a:cs typeface="+mn-cs"/>
+              </a:rPr>
+              <a:t> </a:t>
+            </a:r>
+            <a:r>
+              <a:rPr lang="en-US" sz="1200" b="0" i="0" u="none" strike="noStrike" kern="1200" dirty="0" err="1">
+                <a:solidFill>
+                  <a:schemeClr val="tx1"/>
+                </a:solidFill>
+                <a:effectLst/>
+                <a:latin typeface="+mn-lt"/>
+                <a:ea typeface="+mn-ea"/>
+                <a:cs typeface="+mn-cs"/>
+              </a:rPr>
+              <a:t>parasyti</a:t>
+            </a:r>
+            <a:r>
+              <a:rPr lang="en-US" sz="1200" b="0" i="0" u="none" strike="noStrike" kern="1200" dirty="0">
+                <a:solidFill>
+                  <a:schemeClr val="tx1"/>
+                </a:solidFill>
+                <a:effectLst/>
+                <a:latin typeface="+mn-lt"/>
+                <a:ea typeface="+mn-ea"/>
+                <a:cs typeface="+mn-cs"/>
+              </a:rPr>
+              <a:t> </a:t>
+            </a:r>
+            <a:r>
+              <a:rPr lang="en-US" sz="1200" b="0" i="0" u="none" strike="noStrike" kern="1200" dirty="0" err="1">
+                <a:solidFill>
+                  <a:schemeClr val="tx1"/>
+                </a:solidFill>
+                <a:effectLst/>
+                <a:latin typeface="+mn-lt"/>
+                <a:ea typeface="+mn-ea"/>
+                <a:cs typeface="+mn-cs"/>
+              </a:rPr>
+              <a:t>kokybiski</a:t>
+            </a:r>
+            <a:r>
+              <a:rPr lang="en-US" sz="1200" b="0" i="0" u="none" strike="noStrike" kern="1200" dirty="0">
+                <a:solidFill>
+                  <a:schemeClr val="tx1"/>
+                </a:solidFill>
+                <a:effectLst/>
+                <a:latin typeface="+mn-lt"/>
+                <a:ea typeface="+mn-ea"/>
+                <a:cs typeface="+mn-cs"/>
+              </a:rPr>
+              <a:t> auto </a:t>
+            </a:r>
+            <a:r>
+              <a:rPr lang="en-US" sz="1200" b="0" i="0" u="none" strike="noStrike" kern="1200" dirty="0" err="1">
+                <a:solidFill>
+                  <a:schemeClr val="tx1"/>
+                </a:solidFill>
+                <a:effectLst/>
+                <a:latin typeface="+mn-lt"/>
+                <a:ea typeface="+mn-ea"/>
+                <a:cs typeface="+mn-cs"/>
+              </a:rPr>
+              <a:t>testai</a:t>
+            </a:r>
+            <a:r>
+              <a:rPr lang="en-US" sz="1200" b="0" i="0" u="none" strike="noStrike" kern="1200" dirty="0">
+                <a:solidFill>
+                  <a:schemeClr val="tx1"/>
+                </a:solidFill>
+                <a:effectLst/>
+                <a:latin typeface="+mn-lt"/>
+                <a:ea typeface="+mn-ea"/>
+                <a:cs typeface="+mn-cs"/>
+              </a:rPr>
+              <a:t>, tai ne </a:t>
+            </a:r>
+            <a:r>
+              <a:rPr lang="en-US" sz="1200" b="0" i="0" u="none" strike="noStrike" kern="1200" dirty="0" err="1">
+                <a:solidFill>
+                  <a:schemeClr val="tx1"/>
+                </a:solidFill>
+                <a:effectLst/>
+                <a:latin typeface="+mn-lt"/>
+                <a:ea typeface="+mn-ea"/>
+                <a:cs typeface="+mn-cs"/>
+              </a:rPr>
+              <a:t>tik</a:t>
+            </a:r>
+            <a:r>
+              <a:rPr lang="en-US" sz="1200" b="0" i="0" u="none" strike="noStrike" kern="1200" dirty="0">
+                <a:solidFill>
+                  <a:schemeClr val="tx1"/>
+                </a:solidFill>
+                <a:effectLst/>
+                <a:latin typeface="+mn-lt"/>
+                <a:ea typeface="+mn-ea"/>
+                <a:cs typeface="+mn-cs"/>
+              </a:rPr>
+              <a:t> </a:t>
+            </a:r>
+            <a:r>
+              <a:rPr lang="en-US" sz="1200" b="0" i="0" u="none" strike="noStrike" kern="1200" dirty="0" err="1">
+                <a:solidFill>
+                  <a:schemeClr val="tx1"/>
+                </a:solidFill>
+                <a:effectLst/>
+                <a:latin typeface="+mn-lt"/>
+                <a:ea typeface="+mn-ea"/>
+                <a:cs typeface="+mn-cs"/>
+              </a:rPr>
+              <a:t>kodas</a:t>
+            </a:r>
+            <a:r>
+              <a:rPr lang="en-US" sz="1200" b="0" i="0" u="none" strike="noStrike" kern="1200" dirty="0">
+                <a:solidFill>
+                  <a:schemeClr val="tx1"/>
+                </a:solidFill>
+                <a:effectLst/>
+                <a:latin typeface="+mn-lt"/>
+                <a:ea typeface="+mn-ea"/>
+                <a:cs typeface="+mn-cs"/>
+              </a:rPr>
+              <a:t> bus </a:t>
+            </a:r>
+            <a:r>
+              <a:rPr lang="en-US" sz="1200" b="0" i="0" u="none" strike="noStrike" kern="1200" dirty="0" err="1">
+                <a:solidFill>
+                  <a:schemeClr val="tx1"/>
+                </a:solidFill>
+                <a:effectLst/>
+                <a:latin typeface="+mn-lt"/>
+                <a:ea typeface="+mn-ea"/>
+                <a:cs typeface="+mn-cs"/>
+              </a:rPr>
+              <a:t>saugesnis</a:t>
+            </a:r>
+            <a:r>
+              <a:rPr lang="en-US" sz="1200" b="0" i="0" u="none" strike="noStrike" kern="1200" dirty="0">
+                <a:solidFill>
+                  <a:schemeClr val="tx1"/>
+                </a:solidFill>
+                <a:effectLst/>
+                <a:latin typeface="+mn-lt"/>
+                <a:ea typeface="+mn-ea"/>
+                <a:cs typeface="+mn-cs"/>
+              </a:rPr>
+              <a:t> </a:t>
+            </a:r>
+            <a:r>
+              <a:rPr lang="en-US" sz="1200" b="0" i="0" u="none" strike="noStrike" kern="1200" dirty="0" err="1">
+                <a:solidFill>
+                  <a:schemeClr val="tx1"/>
+                </a:solidFill>
+                <a:effectLst/>
+                <a:latin typeface="+mn-lt"/>
+                <a:ea typeface="+mn-ea"/>
+                <a:cs typeface="+mn-cs"/>
+              </a:rPr>
+              <a:t>nuo</a:t>
+            </a:r>
+            <a:r>
+              <a:rPr lang="en-US" sz="1200" b="0" i="0" u="none" strike="noStrike" kern="1200" dirty="0">
+                <a:solidFill>
+                  <a:schemeClr val="tx1"/>
+                </a:solidFill>
+                <a:effectLst/>
+                <a:latin typeface="+mn-lt"/>
+                <a:ea typeface="+mn-ea"/>
+                <a:cs typeface="+mn-cs"/>
+              </a:rPr>
+              <a:t> </a:t>
+            </a:r>
+            <a:r>
+              <a:rPr lang="en-US" sz="1200" b="0" i="0" u="none" strike="noStrike" kern="1200" dirty="0" err="1">
+                <a:solidFill>
+                  <a:schemeClr val="tx1"/>
+                </a:solidFill>
+                <a:effectLst/>
+                <a:latin typeface="+mn-lt"/>
+                <a:ea typeface="+mn-ea"/>
+                <a:cs typeface="+mn-cs"/>
+              </a:rPr>
+              <a:t>bugu</a:t>
+            </a:r>
+            <a:r>
+              <a:rPr lang="en-US" sz="1200" b="0" i="0" u="none" strike="noStrike" kern="1200" dirty="0">
+                <a:solidFill>
+                  <a:schemeClr val="tx1"/>
+                </a:solidFill>
+                <a:effectLst/>
+                <a:latin typeface="+mn-lt"/>
+                <a:ea typeface="+mn-ea"/>
+                <a:cs typeface="+mn-cs"/>
+              </a:rPr>
+              <a:t>, </a:t>
+            </a:r>
+            <a:r>
+              <a:rPr lang="en-US" sz="1200" b="0" i="0" u="none" strike="noStrike" kern="1200" dirty="0" err="1">
+                <a:solidFill>
+                  <a:schemeClr val="tx1"/>
+                </a:solidFill>
+                <a:effectLst/>
+                <a:latin typeface="+mn-lt"/>
+                <a:ea typeface="+mn-ea"/>
+                <a:cs typeface="+mn-cs"/>
+              </a:rPr>
+              <a:t>taciau</a:t>
+            </a:r>
+            <a:r>
+              <a:rPr lang="en-US" sz="1200" b="0" i="0" u="none" strike="noStrike" kern="1200" dirty="0">
+                <a:solidFill>
+                  <a:schemeClr val="tx1"/>
+                </a:solidFill>
+                <a:effectLst/>
+                <a:latin typeface="+mn-lt"/>
+                <a:ea typeface="+mn-ea"/>
+                <a:cs typeface="+mn-cs"/>
+              </a:rPr>
+              <a:t> </a:t>
+            </a:r>
+            <a:r>
+              <a:rPr lang="en-US" sz="1200" b="0" i="0" u="none" strike="noStrike" kern="1200" dirty="0" err="1">
+                <a:solidFill>
+                  <a:schemeClr val="tx1"/>
+                </a:solidFill>
+                <a:effectLst/>
+                <a:latin typeface="+mn-lt"/>
+                <a:ea typeface="+mn-ea"/>
+                <a:cs typeface="+mn-cs"/>
+              </a:rPr>
+              <a:t>ir</a:t>
+            </a:r>
+            <a:r>
+              <a:rPr lang="en-US" sz="1200" b="0" i="0" u="none" strike="noStrike" kern="1200" dirty="0">
+                <a:solidFill>
+                  <a:schemeClr val="tx1"/>
+                </a:solidFill>
+                <a:effectLst/>
+                <a:latin typeface="+mn-lt"/>
+                <a:ea typeface="+mn-ea"/>
+                <a:cs typeface="+mn-cs"/>
+              </a:rPr>
+              <a:t> </a:t>
+            </a:r>
+            <a:r>
+              <a:rPr lang="en-US" sz="1200" b="0" i="0" u="none" strike="noStrike" kern="1200" dirty="0" err="1">
+                <a:solidFill>
+                  <a:schemeClr val="tx1"/>
+                </a:solidFill>
+                <a:effectLst/>
+                <a:latin typeface="+mn-lt"/>
+                <a:ea typeface="+mn-ea"/>
+                <a:cs typeface="+mn-cs"/>
+              </a:rPr>
+              <a:t>testuotojams</a:t>
+            </a:r>
+            <a:r>
+              <a:rPr lang="en-US" sz="1200" b="0" i="0" u="none" strike="noStrike" kern="1200" dirty="0">
+                <a:solidFill>
+                  <a:schemeClr val="tx1"/>
+                </a:solidFill>
+                <a:effectLst/>
+                <a:latin typeface="+mn-lt"/>
+                <a:ea typeface="+mn-ea"/>
+                <a:cs typeface="+mn-cs"/>
+              </a:rPr>
+              <a:t> </a:t>
+            </a:r>
+            <a:r>
+              <a:rPr lang="en-US" sz="1200" b="0" i="0" u="none" strike="noStrike" kern="1200" dirty="0" err="1">
+                <a:solidFill>
+                  <a:schemeClr val="tx1"/>
+                </a:solidFill>
+                <a:effectLst/>
+                <a:latin typeface="+mn-lt"/>
+                <a:ea typeface="+mn-ea"/>
+                <a:cs typeface="+mn-cs"/>
+              </a:rPr>
+              <a:t>nereikes</a:t>
+            </a:r>
+            <a:r>
+              <a:rPr lang="en-US" sz="1200" b="0" i="0" u="none" strike="noStrike" kern="1200" dirty="0">
+                <a:solidFill>
+                  <a:schemeClr val="tx1"/>
+                </a:solidFill>
+                <a:effectLst/>
+                <a:latin typeface="+mn-lt"/>
+                <a:ea typeface="+mn-ea"/>
+                <a:cs typeface="+mn-cs"/>
+              </a:rPr>
+              <a:t> </a:t>
+            </a:r>
+            <a:r>
+              <a:rPr lang="en-US" sz="1200" b="0" i="0" u="none" strike="noStrike" kern="1200" dirty="0" err="1">
+                <a:solidFill>
+                  <a:schemeClr val="tx1"/>
+                </a:solidFill>
+                <a:effectLst/>
+                <a:latin typeface="+mn-lt"/>
+                <a:ea typeface="+mn-ea"/>
+                <a:cs typeface="+mn-cs"/>
+              </a:rPr>
+              <a:t>savo</a:t>
+            </a:r>
+            <a:r>
+              <a:rPr lang="en-US" sz="1200" b="0" i="0" u="none" strike="noStrike" kern="1200" dirty="0">
+                <a:solidFill>
+                  <a:schemeClr val="tx1"/>
+                </a:solidFill>
+                <a:effectLst/>
+                <a:latin typeface="+mn-lt"/>
+                <a:ea typeface="+mn-ea"/>
+                <a:cs typeface="+mn-cs"/>
+              </a:rPr>
+              <a:t> </a:t>
+            </a:r>
+            <a:r>
+              <a:rPr lang="en-US" sz="1200" b="0" i="0" u="none" strike="noStrike" kern="1200" dirty="0" err="1">
+                <a:solidFill>
+                  <a:schemeClr val="tx1"/>
+                </a:solidFill>
+                <a:effectLst/>
+                <a:latin typeface="+mn-lt"/>
+                <a:ea typeface="+mn-ea"/>
+                <a:cs typeface="+mn-cs"/>
+              </a:rPr>
+              <a:t>laiko</a:t>
+            </a:r>
+            <a:r>
+              <a:rPr lang="en-US" sz="1200" b="0" i="0" u="none" strike="noStrike" kern="1200" dirty="0">
+                <a:solidFill>
+                  <a:schemeClr val="tx1"/>
+                </a:solidFill>
+                <a:effectLst/>
+                <a:latin typeface="+mn-lt"/>
+                <a:ea typeface="+mn-ea"/>
+                <a:cs typeface="+mn-cs"/>
+              </a:rPr>
+              <a:t> </a:t>
+            </a:r>
+            <a:r>
+              <a:rPr lang="en-US" sz="1200" b="0" i="0" u="none" strike="noStrike" kern="1200" dirty="0" err="1">
+                <a:solidFill>
+                  <a:schemeClr val="tx1"/>
+                </a:solidFill>
+                <a:effectLst/>
+                <a:latin typeface="+mn-lt"/>
+                <a:ea typeface="+mn-ea"/>
+                <a:cs typeface="+mn-cs"/>
+              </a:rPr>
+              <a:t>gaisti</a:t>
+            </a:r>
+            <a:r>
+              <a:rPr lang="en-US" sz="1200" b="0" i="0" u="none" strike="noStrike" kern="1200" dirty="0">
+                <a:solidFill>
+                  <a:schemeClr val="tx1"/>
+                </a:solidFill>
+                <a:effectLst/>
+                <a:latin typeface="+mn-lt"/>
+                <a:ea typeface="+mn-ea"/>
+                <a:cs typeface="+mn-cs"/>
+              </a:rPr>
+              <a:t> ties regression </a:t>
+            </a:r>
+            <a:r>
+              <a:rPr lang="en-US" sz="1200" b="0" i="0" u="none" strike="noStrike" kern="1200" dirty="0" err="1">
+                <a:solidFill>
+                  <a:schemeClr val="tx1"/>
+                </a:solidFill>
+                <a:effectLst/>
+                <a:latin typeface="+mn-lt"/>
+                <a:ea typeface="+mn-ea"/>
+                <a:cs typeface="+mn-cs"/>
+              </a:rPr>
+              <a:t>testai</a:t>
+            </a:r>
+            <a:r>
+              <a:rPr lang="en-US" sz="1200" b="0" i="0" u="none" strike="noStrike" kern="1200" dirty="0">
+                <a:solidFill>
+                  <a:schemeClr val="tx1"/>
+                </a:solidFill>
+                <a:effectLst/>
+                <a:latin typeface="+mn-lt"/>
+                <a:ea typeface="+mn-ea"/>
+                <a:cs typeface="+mn-cs"/>
+              </a:rPr>
+              <a:t>, o gales vis </a:t>
+            </a:r>
+            <a:r>
+              <a:rPr lang="en-US" sz="1200" b="0" i="0" u="none" strike="noStrike" kern="1200" dirty="0" err="1">
+                <a:solidFill>
+                  <a:schemeClr val="tx1"/>
+                </a:solidFill>
+                <a:effectLst/>
+                <a:latin typeface="+mn-lt"/>
+                <a:ea typeface="+mn-ea"/>
+                <a:cs typeface="+mn-cs"/>
+              </a:rPr>
+              <a:t>daugiau</a:t>
+            </a:r>
+            <a:r>
+              <a:rPr lang="en-US" sz="1200" b="0" i="0" u="none" strike="noStrike" kern="1200" dirty="0">
+                <a:solidFill>
+                  <a:schemeClr val="tx1"/>
+                </a:solidFill>
+                <a:effectLst/>
+                <a:latin typeface="+mn-lt"/>
+                <a:ea typeface="+mn-ea"/>
+                <a:cs typeface="+mn-cs"/>
+              </a:rPr>
+              <a:t> </a:t>
+            </a:r>
+            <a:r>
+              <a:rPr lang="en-US" sz="1200" b="0" i="0" u="none" strike="noStrike" kern="1200" dirty="0" err="1">
+                <a:solidFill>
+                  <a:schemeClr val="tx1"/>
+                </a:solidFill>
+                <a:effectLst/>
+                <a:latin typeface="+mn-lt"/>
+                <a:ea typeface="+mn-ea"/>
+                <a:cs typeface="+mn-cs"/>
+              </a:rPr>
+              <a:t>ir</a:t>
+            </a:r>
+            <a:r>
+              <a:rPr lang="en-US" sz="1200" b="0" i="0" u="none" strike="noStrike" kern="1200" dirty="0">
+                <a:solidFill>
+                  <a:schemeClr val="tx1"/>
+                </a:solidFill>
+                <a:effectLst/>
+                <a:latin typeface="+mn-lt"/>
+                <a:ea typeface="+mn-ea"/>
+                <a:cs typeface="+mn-cs"/>
+              </a:rPr>
+              <a:t> </a:t>
+            </a:r>
+            <a:r>
+              <a:rPr lang="en-US" sz="1200" b="0" i="0" u="none" strike="noStrike" kern="1200" dirty="0" err="1">
+                <a:solidFill>
+                  <a:schemeClr val="tx1"/>
+                </a:solidFill>
+                <a:effectLst/>
+                <a:latin typeface="+mn-lt"/>
+                <a:ea typeface="+mn-ea"/>
+                <a:cs typeface="+mn-cs"/>
+              </a:rPr>
+              <a:t>daugiau</a:t>
+            </a:r>
+            <a:r>
+              <a:rPr lang="en-US" sz="1200" b="0" i="0" u="none" strike="noStrike" kern="1200" dirty="0">
+                <a:solidFill>
+                  <a:schemeClr val="tx1"/>
+                </a:solidFill>
+                <a:effectLst/>
+                <a:latin typeface="+mn-lt"/>
+                <a:ea typeface="+mn-ea"/>
+                <a:cs typeface="+mn-cs"/>
+              </a:rPr>
+              <a:t> </a:t>
+            </a:r>
+            <a:r>
+              <a:rPr lang="en-US" sz="1200" b="0" i="0" u="none" strike="noStrike" kern="1200" dirty="0" err="1">
+                <a:solidFill>
+                  <a:schemeClr val="tx1"/>
+                </a:solidFill>
+                <a:effectLst/>
+                <a:latin typeface="+mn-lt"/>
+                <a:ea typeface="+mn-ea"/>
+                <a:cs typeface="+mn-cs"/>
+              </a:rPr>
+              <a:t>funkcionalumo</a:t>
+            </a:r>
+            <a:r>
+              <a:rPr lang="en-US" sz="1200" b="0" i="0" u="none" strike="noStrike" kern="1200" dirty="0">
+                <a:solidFill>
+                  <a:schemeClr val="tx1"/>
+                </a:solidFill>
+                <a:effectLst/>
+                <a:latin typeface="+mn-lt"/>
+                <a:ea typeface="+mn-ea"/>
+                <a:cs typeface="+mn-cs"/>
+              </a:rPr>
+              <a:t> </a:t>
+            </a:r>
+            <a:r>
+              <a:rPr lang="en-US" sz="1200" b="0" i="0" u="none" strike="noStrike" kern="1200" dirty="0" err="1">
+                <a:solidFill>
+                  <a:schemeClr val="tx1"/>
+                </a:solidFill>
+                <a:effectLst/>
+                <a:latin typeface="+mn-lt"/>
+                <a:ea typeface="+mn-ea"/>
+                <a:cs typeface="+mn-cs"/>
+              </a:rPr>
+              <a:t>automatizuoti</a:t>
+            </a:r>
+            <a:endParaRPr lang="en-US" sz="1200" b="0" i="0" u="none" strike="noStrike" kern="1200" dirty="0">
+              <a:solidFill>
+                <a:schemeClr val="tx1"/>
+              </a:solidFill>
+              <a:effectLst/>
+              <a:latin typeface="+mn-lt"/>
+              <a:ea typeface="+mn-ea"/>
+              <a:cs typeface="+mn-cs"/>
+            </a:endParaRPr>
           </a:p>
           <a:p>
             <a:r>
@@ -1010,8 +1962,197 @@
                 <a:ea typeface="+mn-ea"/>
                 <a:cs typeface="+mn-cs"/>
               </a:rPr>
-              <a:t>: When an investment is made on testing, build and deployment, the product evolves quite a lot throughout its lifetime. The cost of frequent bug fixes and improvements are reduced since release is faster and automatic.</a:t>
-            </a:r>
+              <a:t>: </a:t>
+            </a:r>
+            <a:r>
+              <a:rPr lang="en-US" sz="1200" b="0" i="0" u="none" strike="noStrike" kern="1200" dirty="0" err="1">
+                <a:solidFill>
+                  <a:schemeClr val="tx1"/>
+                </a:solidFill>
+                <a:effectLst/>
+                <a:latin typeface="+mn-lt"/>
+                <a:ea typeface="+mn-ea"/>
+                <a:cs typeface="+mn-cs"/>
+              </a:rPr>
+              <a:t>Kadangi</a:t>
+            </a:r>
+            <a:r>
+              <a:rPr lang="en-US" sz="1200" b="0" i="0" u="none" strike="noStrike" kern="1200" dirty="0">
+                <a:solidFill>
+                  <a:schemeClr val="tx1"/>
+                </a:solidFill>
+                <a:effectLst/>
+                <a:latin typeface="+mn-lt"/>
+                <a:ea typeface="+mn-ea"/>
+                <a:cs typeface="+mn-cs"/>
+              </a:rPr>
+              <a:t> </a:t>
+            </a:r>
+            <a:r>
+              <a:rPr lang="en-US" sz="1200" b="0" i="0" u="none" strike="noStrike" kern="1200" dirty="0" err="1">
+                <a:solidFill>
+                  <a:schemeClr val="tx1"/>
+                </a:solidFill>
+                <a:effectLst/>
+                <a:latin typeface="+mn-lt"/>
+                <a:ea typeface="+mn-ea"/>
+                <a:cs typeface="+mn-cs"/>
+              </a:rPr>
+              <a:t>mazeja</a:t>
+            </a:r>
+            <a:r>
+              <a:rPr lang="en-US" sz="1200" b="0" i="0" u="none" strike="noStrike" kern="1200" dirty="0">
+                <a:solidFill>
+                  <a:schemeClr val="tx1"/>
+                </a:solidFill>
+                <a:effectLst/>
+                <a:latin typeface="+mn-lt"/>
+                <a:ea typeface="+mn-ea"/>
+                <a:cs typeface="+mn-cs"/>
+              </a:rPr>
+              <a:t> </a:t>
+            </a:r>
+            <a:r>
+              <a:rPr lang="en-US" sz="1200" b="0" i="0" u="none" strike="noStrike" kern="1200" dirty="0" err="1">
+                <a:solidFill>
+                  <a:schemeClr val="tx1"/>
+                </a:solidFill>
+                <a:effectLst/>
+                <a:latin typeface="+mn-lt"/>
+                <a:ea typeface="+mn-ea"/>
+                <a:cs typeface="+mn-cs"/>
+              </a:rPr>
+              <a:t>klaidu</a:t>
+            </a:r>
+            <a:r>
+              <a:rPr lang="en-US" sz="1200" b="0" i="0" u="none" strike="noStrike" kern="1200" dirty="0">
+                <a:solidFill>
+                  <a:schemeClr val="tx1"/>
+                </a:solidFill>
+                <a:effectLst/>
+                <a:latin typeface="+mn-lt"/>
+                <a:ea typeface="+mn-ea"/>
+                <a:cs typeface="+mn-cs"/>
+              </a:rPr>
+              <a:t> </a:t>
+            </a:r>
+            <a:r>
+              <a:rPr lang="en-US" sz="1200" b="0" i="0" u="none" strike="noStrike" kern="1200" dirty="0" err="1">
+                <a:solidFill>
+                  <a:schemeClr val="tx1"/>
+                </a:solidFill>
+                <a:effectLst/>
+                <a:latin typeface="+mn-lt"/>
+                <a:ea typeface="+mn-ea"/>
+                <a:cs typeface="+mn-cs"/>
+              </a:rPr>
+              <a:t>tikimybe</a:t>
+            </a:r>
+            <a:r>
+              <a:rPr lang="en-US" sz="1200" b="0" i="0" u="none" strike="noStrike" kern="1200" dirty="0">
+                <a:solidFill>
+                  <a:schemeClr val="tx1"/>
+                </a:solidFill>
+                <a:effectLst/>
+                <a:latin typeface="+mn-lt"/>
+                <a:ea typeface="+mn-ea"/>
+                <a:cs typeface="+mn-cs"/>
+              </a:rPr>
+              <a:t>, tai </a:t>
+            </a:r>
+            <a:r>
+              <a:rPr lang="en-US" sz="1200" b="0" i="0" u="none" strike="noStrike" kern="1200" dirty="0" err="1">
+                <a:solidFill>
+                  <a:schemeClr val="tx1"/>
+                </a:solidFill>
+                <a:effectLst/>
+                <a:latin typeface="+mn-lt"/>
+                <a:ea typeface="+mn-ea"/>
+                <a:cs typeface="+mn-cs"/>
+              </a:rPr>
+              <a:t>mazeja</a:t>
+            </a:r>
+            <a:r>
+              <a:rPr lang="en-US" sz="1200" b="0" i="0" u="none" strike="noStrike" kern="1200" dirty="0">
+                <a:solidFill>
+                  <a:schemeClr val="tx1"/>
+                </a:solidFill>
+                <a:effectLst/>
+                <a:latin typeface="+mn-lt"/>
+                <a:ea typeface="+mn-ea"/>
+                <a:cs typeface="+mn-cs"/>
+              </a:rPr>
+              <a:t> </a:t>
+            </a:r>
+            <a:r>
+              <a:rPr lang="en-US" sz="1200" b="0" i="0" u="none" strike="noStrike" kern="1200" dirty="0" err="1">
+                <a:solidFill>
+                  <a:schemeClr val="tx1"/>
+                </a:solidFill>
+                <a:effectLst/>
+                <a:latin typeface="+mn-lt"/>
+                <a:ea typeface="+mn-ea"/>
+                <a:cs typeface="+mn-cs"/>
+              </a:rPr>
+              <a:t>ir</a:t>
+            </a:r>
+            <a:r>
+              <a:rPr lang="en-US" sz="1200" b="0" i="0" u="none" strike="noStrike" kern="1200" dirty="0">
+                <a:solidFill>
+                  <a:schemeClr val="tx1"/>
+                </a:solidFill>
+                <a:effectLst/>
+                <a:latin typeface="+mn-lt"/>
+                <a:ea typeface="+mn-ea"/>
+                <a:cs typeface="+mn-cs"/>
+              </a:rPr>
+              <a:t> </a:t>
+            </a:r>
+            <a:r>
+              <a:rPr lang="en-US" sz="1200" b="0" i="0" u="none" strike="noStrike" kern="1200" dirty="0" err="1">
+                <a:solidFill>
+                  <a:schemeClr val="tx1"/>
+                </a:solidFill>
+                <a:effectLst/>
+                <a:latin typeface="+mn-lt"/>
+                <a:ea typeface="+mn-ea"/>
+                <a:cs typeface="+mn-cs"/>
+              </a:rPr>
+              <a:t>projekto</a:t>
+            </a:r>
+            <a:r>
+              <a:rPr lang="en-US" sz="1200" b="0" i="0" u="none" strike="noStrike" kern="1200" dirty="0">
+                <a:solidFill>
+                  <a:schemeClr val="tx1"/>
+                </a:solidFill>
+                <a:effectLst/>
+                <a:latin typeface="+mn-lt"/>
+                <a:ea typeface="+mn-ea"/>
+                <a:cs typeface="+mn-cs"/>
+              </a:rPr>
+              <a:t> </a:t>
+            </a:r>
+            <a:r>
+              <a:rPr lang="en-US" sz="1200" b="0" i="0" u="none" strike="noStrike" kern="1200" dirty="0" err="1">
+                <a:solidFill>
+                  <a:schemeClr val="tx1"/>
+                </a:solidFill>
+                <a:effectLst/>
+                <a:latin typeface="+mn-lt"/>
+                <a:ea typeface="+mn-ea"/>
+                <a:cs typeface="+mn-cs"/>
+              </a:rPr>
+              <a:t>kaina</a:t>
+            </a:r>
+            <a:endParaRPr lang="en-US" sz="1200" b="0" i="0" u="none" strike="noStrike" kern="1200" dirty="0">
+              <a:solidFill>
+                <a:schemeClr val="tx1"/>
+              </a:solidFill>
+              <a:effectLst/>
+              <a:latin typeface="+mn-lt"/>
+              <a:ea typeface="+mn-ea"/>
+              <a:cs typeface="+mn-cs"/>
+            </a:endParaRPr>
           </a:p>
           <a:p>
             <a:r>
@@ -1036,8 +2177,461 @@
                 <a:ea typeface="+mn-ea"/>
                 <a:cs typeface="+mn-cs"/>
               </a:rPr>
-              <a:t>: the team can work in a relaxing manner. Because of frequent release, the team works closely with users and learn what ideas work and what new can be implemented to delight the users. </a:t>
-            </a:r>
+              <a:t>: </a:t>
+            </a:r>
+            <a:r>
+              <a:rPr lang="en-US" sz="1200" b="0" i="0" u="none" strike="noStrike" kern="1200" dirty="0" err="1">
+                <a:solidFill>
+                  <a:schemeClr val="tx1"/>
+                </a:solidFill>
+                <a:effectLst/>
+                <a:latin typeface="+mn-lt"/>
+                <a:ea typeface="+mn-ea"/>
+                <a:cs typeface="+mn-cs"/>
+              </a:rPr>
+              <a:t>viskas</a:t>
+            </a:r>
+            <a:r>
+              <a:rPr lang="en-US" sz="1200" b="0" i="0" u="none" strike="noStrike" kern="1200" dirty="0">
+                <a:solidFill>
+                  <a:schemeClr val="tx1"/>
+                </a:solidFill>
+                <a:effectLst/>
+                <a:latin typeface="+mn-lt"/>
+                <a:ea typeface="+mn-ea"/>
+                <a:cs typeface="+mn-cs"/>
+              </a:rPr>
+              <a:t> </a:t>
+            </a:r>
+            <a:r>
+              <a:rPr lang="en-US" sz="1200" b="0" i="0" u="none" strike="noStrike" kern="1200" dirty="0" err="1">
+                <a:solidFill>
+                  <a:schemeClr val="tx1"/>
+                </a:solidFill>
+                <a:effectLst/>
+                <a:latin typeface="+mn-lt"/>
+                <a:ea typeface="+mn-ea"/>
+                <a:cs typeface="+mn-cs"/>
+              </a:rPr>
+              <a:t>susiveda</a:t>
+            </a:r>
+            <a:r>
+              <a:rPr lang="en-US" sz="1200" b="0" i="0" u="none" strike="noStrike" kern="1200" dirty="0">
+                <a:solidFill>
+                  <a:schemeClr val="tx1"/>
+                </a:solidFill>
+                <a:effectLst/>
+                <a:latin typeface="+mn-lt"/>
+                <a:ea typeface="+mn-ea"/>
+                <a:cs typeface="+mn-cs"/>
+              </a:rPr>
+              <a:t> </a:t>
+            </a:r>
+            <a:r>
+              <a:rPr lang="en-US" sz="1200" b="0" i="0" u="none" strike="noStrike" kern="1200" dirty="0" err="1">
+                <a:solidFill>
+                  <a:schemeClr val="tx1"/>
+                </a:solidFill>
+                <a:effectLst/>
+                <a:latin typeface="+mn-lt"/>
+                <a:ea typeface="+mn-ea"/>
+                <a:cs typeface="+mn-cs"/>
+              </a:rPr>
+              <a:t>kad</a:t>
+            </a:r>
+            <a:r>
+              <a:rPr lang="en-US" sz="1200" b="0" i="0" u="none" strike="noStrike" kern="1200" dirty="0">
+                <a:solidFill>
+                  <a:schemeClr val="tx1"/>
+                </a:solidFill>
+                <a:effectLst/>
+                <a:latin typeface="+mn-lt"/>
+                <a:ea typeface="+mn-ea"/>
+                <a:cs typeface="+mn-cs"/>
+              </a:rPr>
+              <a:t> development </a:t>
+            </a:r>
+            <a:r>
+              <a:rPr lang="en-US" sz="1200" b="0" i="0" u="none" strike="noStrike" kern="1200" dirty="0" err="1">
+                <a:solidFill>
+                  <a:schemeClr val="tx1"/>
+                </a:solidFill>
+                <a:effectLst/>
+                <a:latin typeface="+mn-lt"/>
+                <a:ea typeface="+mn-ea"/>
+                <a:cs typeface="+mn-cs"/>
+              </a:rPr>
+              <a:t>komandai</a:t>
+            </a:r>
+            <a:r>
+              <a:rPr lang="en-US" sz="1200" b="0" i="0" u="none" strike="noStrike" kern="1200" dirty="0">
+                <a:solidFill>
+                  <a:schemeClr val="tx1"/>
+                </a:solidFill>
+                <a:effectLst/>
+                <a:latin typeface="+mn-lt"/>
+                <a:ea typeface="+mn-ea"/>
+                <a:cs typeface="+mn-cs"/>
+              </a:rPr>
+              <a:t> </a:t>
+            </a:r>
+            <a:r>
+              <a:rPr lang="en-US" sz="1200" b="0" i="0" u="none" strike="noStrike" kern="1200" dirty="0" err="1">
+                <a:solidFill>
+                  <a:schemeClr val="tx1"/>
+                </a:solidFill>
+                <a:effectLst/>
+                <a:latin typeface="+mn-lt"/>
+                <a:ea typeface="+mn-ea"/>
+                <a:cs typeface="+mn-cs"/>
+              </a:rPr>
+              <a:t>nereikia</a:t>
+            </a:r>
+            <a:r>
+              <a:rPr lang="en-US" sz="1200" b="0" i="0" u="none" strike="noStrike" kern="1200" dirty="0">
+                <a:solidFill>
+                  <a:schemeClr val="tx1"/>
+                </a:solidFill>
+                <a:effectLst/>
+                <a:latin typeface="+mn-lt"/>
+                <a:ea typeface="+mn-ea"/>
+                <a:cs typeface="+mn-cs"/>
+              </a:rPr>
+              <a:t> </a:t>
+            </a:r>
+            <a:r>
+              <a:rPr lang="en-US" sz="1200" b="0" i="0" u="none" strike="noStrike" kern="1200" dirty="0" err="1">
+                <a:solidFill>
+                  <a:schemeClr val="tx1"/>
+                </a:solidFill>
+                <a:effectLst/>
+                <a:latin typeface="+mn-lt"/>
+                <a:ea typeface="+mn-ea"/>
+                <a:cs typeface="+mn-cs"/>
+              </a:rPr>
+              <a:t>daryti</a:t>
+            </a:r>
+            <a:r>
+              <a:rPr lang="en-US" sz="1200" b="0" i="0" u="none" strike="noStrike" kern="1200" dirty="0">
+                <a:solidFill>
+                  <a:schemeClr val="tx1"/>
+                </a:solidFill>
+                <a:effectLst/>
+                <a:latin typeface="+mn-lt"/>
+                <a:ea typeface="+mn-ea"/>
+                <a:cs typeface="+mn-cs"/>
+              </a:rPr>
+              <a:t> </a:t>
+            </a:r>
+            <a:r>
+              <a:rPr lang="en-US" sz="1200" b="0" i="0" u="none" strike="noStrike" kern="1200" dirty="0" err="1">
+                <a:solidFill>
+                  <a:schemeClr val="tx1"/>
+                </a:solidFill>
+                <a:effectLst/>
+                <a:latin typeface="+mn-lt"/>
+                <a:ea typeface="+mn-ea"/>
+                <a:cs typeface="+mn-cs"/>
+              </a:rPr>
+              <a:t>paprastu</a:t>
+            </a:r>
+            <a:r>
+              <a:rPr lang="en-US" sz="1200" b="0" i="0" u="none" strike="noStrike" kern="1200" dirty="0">
+                <a:solidFill>
+                  <a:schemeClr val="tx1"/>
+                </a:solidFill>
+                <a:effectLst/>
+                <a:latin typeface="+mn-lt"/>
+                <a:ea typeface="+mn-ea"/>
+                <a:cs typeface="+mn-cs"/>
+              </a:rPr>
+              <a:t> </a:t>
+            </a:r>
+            <a:r>
+              <a:rPr lang="en-US" sz="1200" b="0" i="0" u="none" strike="noStrike" kern="1200" dirty="0" err="1">
+                <a:solidFill>
+                  <a:schemeClr val="tx1"/>
+                </a:solidFill>
+                <a:effectLst/>
+                <a:latin typeface="+mn-lt"/>
+                <a:ea typeface="+mn-ea"/>
+                <a:cs typeface="+mn-cs"/>
+              </a:rPr>
+              <a:t>tasku</a:t>
+            </a:r>
+            <a:r>
+              <a:rPr lang="en-US" sz="1200" b="0" i="0" u="none" strike="noStrike" kern="1200" dirty="0">
+                <a:solidFill>
+                  <a:schemeClr val="tx1"/>
+                </a:solidFill>
+                <a:effectLst/>
+                <a:latin typeface="+mn-lt"/>
+                <a:ea typeface="+mn-ea"/>
+                <a:cs typeface="+mn-cs"/>
+              </a:rPr>
+              <a:t> </a:t>
+            </a:r>
+            <a:r>
+              <a:rPr lang="en-US" sz="1200" b="0" i="0" u="none" strike="noStrike" kern="1200" dirty="0" err="1">
+                <a:solidFill>
+                  <a:schemeClr val="tx1"/>
+                </a:solidFill>
+                <a:effectLst/>
+                <a:latin typeface="+mn-lt"/>
+                <a:ea typeface="+mn-ea"/>
+                <a:cs typeface="+mn-cs"/>
+              </a:rPr>
+              <a:t>kaip</a:t>
+            </a:r>
+            <a:r>
+              <a:rPr lang="en-US" sz="1200" b="0" i="0" u="none" strike="noStrike" kern="1200" dirty="0">
+                <a:solidFill>
+                  <a:schemeClr val="tx1"/>
+                </a:solidFill>
+                <a:effectLst/>
+                <a:latin typeface="+mn-lt"/>
+                <a:ea typeface="+mn-ea"/>
+                <a:cs typeface="+mn-cs"/>
+              </a:rPr>
+              <a:t> build/deploy </a:t>
+            </a:r>
+            <a:r>
+              <a:rPr lang="en-US" sz="1200" b="0" i="0" u="none" strike="noStrike" kern="1200" dirty="0" err="1">
+                <a:solidFill>
+                  <a:schemeClr val="tx1"/>
+                </a:solidFill>
+                <a:effectLst/>
+                <a:latin typeface="+mn-lt"/>
+                <a:ea typeface="+mn-ea"/>
+                <a:cs typeface="+mn-cs"/>
+              </a:rPr>
+              <a:t>rankiniu</a:t>
+            </a:r>
+            <a:r>
+              <a:rPr lang="en-US" sz="1200" b="0" i="0" u="none" strike="noStrike" kern="1200" dirty="0">
+                <a:solidFill>
+                  <a:schemeClr val="tx1"/>
+                </a:solidFill>
+                <a:effectLst/>
+                <a:latin typeface="+mn-lt"/>
+                <a:ea typeface="+mn-ea"/>
+                <a:cs typeface="+mn-cs"/>
+              </a:rPr>
+              <a:t> </a:t>
+            </a:r>
+            <a:r>
+              <a:rPr lang="en-US" sz="1200" b="0" i="0" u="none" strike="noStrike" kern="1200" dirty="0" err="1">
+                <a:solidFill>
+                  <a:schemeClr val="tx1"/>
+                </a:solidFill>
+                <a:effectLst/>
+                <a:latin typeface="+mn-lt"/>
+                <a:ea typeface="+mn-ea"/>
+                <a:cs typeface="+mn-cs"/>
+              </a:rPr>
+              <a:t>budu</a:t>
+            </a:r>
+            <a:r>
+              <a:rPr lang="en-US" sz="1200" b="0" i="0" u="none" strike="noStrike" kern="1200" dirty="0">
+                <a:solidFill>
+                  <a:schemeClr val="tx1"/>
+                </a:solidFill>
+                <a:effectLst/>
+                <a:latin typeface="+mn-lt"/>
+                <a:ea typeface="+mn-ea"/>
+                <a:cs typeface="+mn-cs"/>
+              </a:rPr>
+              <a:t>, </a:t>
+            </a:r>
+            <a:r>
+              <a:rPr lang="en-US" sz="1200" b="0" i="0" u="none" strike="noStrike" kern="1200" dirty="0" err="1">
+                <a:solidFill>
+                  <a:schemeClr val="tx1"/>
+                </a:solidFill>
+                <a:effectLst/>
+                <a:latin typeface="+mn-lt"/>
+                <a:ea typeface="+mn-ea"/>
+                <a:cs typeface="+mn-cs"/>
+              </a:rPr>
+              <a:t>ir</a:t>
+            </a:r>
+            <a:r>
+              <a:rPr lang="en-US" sz="1200" b="0" i="0" u="none" strike="noStrike" kern="1200" dirty="0">
+                <a:solidFill>
+                  <a:schemeClr val="tx1"/>
+                </a:solidFill>
+                <a:effectLst/>
+                <a:latin typeface="+mn-lt"/>
+                <a:ea typeface="+mn-ea"/>
+                <a:cs typeface="+mn-cs"/>
+              </a:rPr>
+              <a:t> </a:t>
+            </a:r>
+            <a:r>
+              <a:rPr lang="en-US" sz="1200" b="0" i="0" u="none" strike="noStrike" kern="1200" dirty="0" err="1">
+                <a:solidFill>
+                  <a:schemeClr val="tx1"/>
+                </a:solidFill>
+                <a:effectLst/>
+                <a:latin typeface="+mn-lt"/>
+                <a:ea typeface="+mn-ea"/>
+                <a:cs typeface="+mn-cs"/>
+              </a:rPr>
+              <a:t>kuo</a:t>
+            </a:r>
+            <a:r>
+              <a:rPr lang="en-US" sz="1200" b="0" i="0" u="none" strike="noStrike" kern="1200" dirty="0">
+                <a:solidFill>
+                  <a:schemeClr val="tx1"/>
+                </a:solidFill>
+                <a:effectLst/>
+                <a:latin typeface="+mn-lt"/>
+                <a:ea typeface="+mn-ea"/>
+                <a:cs typeface="+mn-cs"/>
+              </a:rPr>
+              <a:t> </a:t>
+            </a:r>
+            <a:r>
+              <a:rPr lang="en-US" sz="1200" b="0" i="0" u="none" strike="noStrike" kern="1200" dirty="0" err="1">
+                <a:solidFill>
+                  <a:schemeClr val="tx1"/>
+                </a:solidFill>
+                <a:effectLst/>
+                <a:latin typeface="+mn-lt"/>
+                <a:ea typeface="+mn-ea"/>
+                <a:cs typeface="+mn-cs"/>
+              </a:rPr>
+              <a:t>daugiau</a:t>
+            </a:r>
+            <a:r>
+              <a:rPr lang="en-US" sz="1200" b="0" i="0" u="none" strike="noStrike" kern="1200" dirty="0">
+                <a:solidFill>
+                  <a:schemeClr val="tx1"/>
+                </a:solidFill>
+                <a:effectLst/>
+                <a:latin typeface="+mn-lt"/>
+                <a:ea typeface="+mn-ea"/>
+                <a:cs typeface="+mn-cs"/>
+              </a:rPr>
+              <a:t> </a:t>
+            </a:r>
+            <a:r>
+              <a:rPr lang="en-US" sz="1200" b="0" i="0" u="none" strike="noStrike" kern="1200" dirty="0" err="1">
+                <a:solidFill>
+                  <a:schemeClr val="tx1"/>
+                </a:solidFill>
+                <a:effectLst/>
+                <a:latin typeface="+mn-lt"/>
+                <a:ea typeface="+mn-ea"/>
+                <a:cs typeface="+mn-cs"/>
+              </a:rPr>
+              <a:t>kokybisko</a:t>
+            </a:r>
+            <a:r>
+              <a:rPr lang="en-US" sz="1200" b="0" i="0" u="none" strike="noStrike" kern="1200" dirty="0">
+                <a:solidFill>
+                  <a:schemeClr val="tx1"/>
+                </a:solidFill>
+                <a:effectLst/>
+                <a:latin typeface="+mn-lt"/>
+                <a:ea typeface="+mn-ea"/>
+                <a:cs typeface="+mn-cs"/>
+              </a:rPr>
+              <a:t> </a:t>
+            </a:r>
+            <a:r>
+              <a:rPr lang="en-US" sz="1200" b="0" i="0" u="none" strike="noStrike" kern="1200" dirty="0" err="1">
+                <a:solidFill>
+                  <a:schemeClr val="tx1"/>
+                </a:solidFill>
+                <a:effectLst/>
+                <a:latin typeface="+mn-lt"/>
+                <a:ea typeface="+mn-ea"/>
+                <a:cs typeface="+mn-cs"/>
+              </a:rPr>
+              <a:t>funkcionalumo</a:t>
+            </a:r>
+            <a:r>
+              <a:rPr lang="en-US" sz="1200" b="0" i="0" u="none" strike="noStrike" kern="1200" dirty="0">
+                <a:solidFill>
+                  <a:schemeClr val="tx1"/>
+                </a:solidFill>
+                <a:effectLst/>
+                <a:latin typeface="+mn-lt"/>
+                <a:ea typeface="+mn-ea"/>
+                <a:cs typeface="+mn-cs"/>
+              </a:rPr>
+              <a:t> production, </a:t>
+            </a:r>
+            <a:r>
+              <a:rPr lang="en-US" sz="1200" b="0" i="0" u="none" strike="noStrike" kern="1200" dirty="0" err="1">
+                <a:solidFill>
+                  <a:schemeClr val="tx1"/>
+                </a:solidFill>
+                <a:effectLst/>
+                <a:latin typeface="+mn-lt"/>
+                <a:ea typeface="+mn-ea"/>
+                <a:cs typeface="+mn-cs"/>
+              </a:rPr>
+              <a:t>tuo</a:t>
+            </a:r>
+            <a:r>
+              <a:rPr lang="en-US" sz="1200" b="0" i="0" u="none" strike="noStrike" kern="1200" dirty="0">
+                <a:solidFill>
+                  <a:schemeClr val="tx1"/>
+                </a:solidFill>
+                <a:effectLst/>
+                <a:latin typeface="+mn-lt"/>
+                <a:ea typeface="+mn-ea"/>
+                <a:cs typeface="+mn-cs"/>
+              </a:rPr>
+              <a:t> </a:t>
+            </a:r>
+            <a:r>
+              <a:rPr lang="en-US" sz="1200" b="0" i="0" u="none" strike="noStrike" kern="1200" dirty="0" err="1">
+                <a:solidFill>
+                  <a:schemeClr val="tx1"/>
+                </a:solidFill>
+                <a:effectLst/>
+                <a:latin typeface="+mn-lt"/>
+                <a:ea typeface="+mn-ea"/>
+                <a:cs typeface="+mn-cs"/>
+              </a:rPr>
+              <a:t>geresnis</a:t>
+            </a:r>
+            <a:r>
+              <a:rPr lang="en-US" sz="1200" b="0" i="0" u="none" strike="noStrike" kern="1200" dirty="0">
+                <a:solidFill>
+                  <a:schemeClr val="tx1"/>
+                </a:solidFill>
+                <a:effectLst/>
+                <a:latin typeface="+mn-lt"/>
+                <a:ea typeface="+mn-ea"/>
+                <a:cs typeface="+mn-cs"/>
+              </a:rPr>
+              <a:t> </a:t>
+            </a:r>
+            <a:r>
+              <a:rPr lang="en-US" sz="1200" b="0" i="0" u="none" strike="noStrike" kern="1200" dirty="0" err="1">
+                <a:solidFill>
+                  <a:schemeClr val="tx1"/>
+                </a:solidFill>
+                <a:effectLst/>
+                <a:latin typeface="+mn-lt"/>
+                <a:ea typeface="+mn-ea"/>
+                <a:cs typeface="+mn-cs"/>
+              </a:rPr>
+              <a:t>produktas</a:t>
+            </a:r>
+            <a:endParaRPr lang="en-US" sz="1200" b="0" i="0" u="none" strike="noStrike" kern="1200" dirty="0">
+              <a:solidFill>
+                <a:schemeClr val="tx1"/>
+              </a:solidFill>
+              <a:effectLst/>
+              <a:latin typeface="+mn-lt"/>
+              <a:ea typeface="+mn-ea"/>
+              <a:cs typeface="+mn-cs"/>
+            </a:endParaRPr>
           </a:p>
         </p:txBody>
       </p:sp>
@@ -1207,7 +2801,211 @@
           <a:bodyPr/>
           <a:lstStyle/>
           <a:p>
-            <a:endParaRPr lang="lt-LT" dirty="0"/>
+            <a:r>
+              <a:rPr lang="en-US" dirty="0" err="1"/>
+              <a:t>Parasomas</a:t>
+            </a:r>
+            <a:r>
+              <a:rPr lang="en-US" dirty="0"/>
+              <a:t> </a:t>
+            </a:r>
+            <a:r>
+              <a:rPr lang="en-US" dirty="0" err="1"/>
+              <a:t>naujas</a:t>
+            </a:r>
+            <a:r>
+              <a:rPr lang="en-US" dirty="0"/>
+              <a:t> </a:t>
+            </a:r>
+            <a:r>
+              <a:rPr lang="en-US" dirty="0" err="1"/>
+              <a:t>kodas</a:t>
+            </a:r>
+            <a:endParaRPr lang="en-US" dirty="0"/>
+          </a:p>
+          <a:p>
+            <a:r>
+              <a:rPr lang="en-US" dirty="0" err="1"/>
+              <a:t>Naujas</a:t>
+            </a:r>
+            <a:r>
+              <a:rPr lang="en-US" dirty="0"/>
+              <a:t> </a:t>
+            </a:r>
+            <a:r>
+              <a:rPr lang="en-US" dirty="0" err="1"/>
+              <a:t>kodas</a:t>
+            </a:r>
+            <a:r>
+              <a:rPr lang="en-US" dirty="0"/>
+              <a:t> </a:t>
+            </a:r>
+            <a:r>
+              <a:rPr lang="en-US" dirty="0" err="1"/>
+              <a:t>padengiamas</a:t>
+            </a:r>
+            <a:r>
+              <a:rPr lang="en-US" dirty="0"/>
+              <a:t> unit </a:t>
+            </a:r>
+            <a:r>
+              <a:rPr lang="en-US" dirty="0" err="1"/>
+              <a:t>testais</a:t>
+            </a:r>
+            <a:endParaRPr lang="en-US" dirty="0"/>
+          </a:p>
+          <a:p>
+            <a:r>
+              <a:rPr lang="en-US" dirty="0" err="1"/>
+              <a:t>Patikrinima</a:t>
+            </a:r>
+            <a:r>
+              <a:rPr lang="en-US" dirty="0"/>
+              <a:t> </a:t>
+            </a:r>
+            <a:r>
+              <a:rPr lang="en-US" dirty="0" err="1"/>
+              <a:t>ar</a:t>
+            </a:r>
+            <a:r>
+              <a:rPr lang="en-US" dirty="0"/>
+              <a:t> </a:t>
+            </a:r>
+            <a:r>
+              <a:rPr lang="en-US" dirty="0" err="1"/>
+              <a:t>naujas</a:t>
+            </a:r>
+            <a:r>
+              <a:rPr lang="en-US" dirty="0"/>
+              <a:t> </a:t>
+            </a:r>
+            <a:r>
+              <a:rPr lang="en-US" dirty="0" err="1"/>
+              <a:t>kodas</a:t>
+            </a:r>
+            <a:r>
+              <a:rPr lang="en-US" dirty="0"/>
+              <a:t> </a:t>
+            </a:r>
+            <a:r>
+              <a:rPr lang="en-US" dirty="0" err="1"/>
+              <a:t>veikia</a:t>
+            </a:r>
+            <a:endParaRPr lang="en-US" dirty="0"/>
+          </a:p>
+          <a:p>
+            <a:r>
+              <a:rPr lang="en-US" dirty="0" err="1"/>
+              <a:t>Jeigu</a:t>
+            </a:r>
+            <a:r>
+              <a:rPr lang="en-US" dirty="0"/>
+              <a:t> </a:t>
+            </a:r>
+            <a:r>
+              <a:rPr lang="en-US" dirty="0" err="1"/>
+              <a:t>atsirado</a:t>
+            </a:r>
+            <a:r>
+              <a:rPr lang="en-US" dirty="0"/>
+              <a:t> </a:t>
+            </a:r>
+            <a:r>
+              <a:rPr lang="en-US" dirty="0" err="1"/>
+              <a:t>naujo</a:t>
+            </a:r>
+            <a:r>
+              <a:rPr lang="en-US" dirty="0"/>
+              <a:t> </a:t>
+            </a:r>
+            <a:r>
+              <a:rPr lang="en-US" dirty="0" err="1"/>
+              <a:t>sumerginto</a:t>
+            </a:r>
+            <a:r>
+              <a:rPr lang="en-US" dirty="0"/>
+              <a:t> </a:t>
+            </a:r>
+            <a:r>
+              <a:rPr lang="en-US" dirty="0" err="1"/>
+              <a:t>kodo</a:t>
+            </a:r>
+            <a:r>
+              <a:rPr lang="en-US" dirty="0"/>
+              <a:t> ji </a:t>
+            </a:r>
+            <a:r>
+              <a:rPr lang="en-US" dirty="0" err="1"/>
+              <a:t>reikia</a:t>
+            </a:r>
+            <a:r>
+              <a:rPr lang="en-US" dirty="0"/>
+              <a:t> </a:t>
+            </a:r>
+            <a:r>
+              <a:rPr lang="en-US" dirty="0" err="1"/>
+              <a:t>parsipullinti</a:t>
+            </a:r>
+            <a:endParaRPr lang="en-US" dirty="0"/>
+          </a:p>
+          <a:p>
+            <a:pPr marL="0" marR="0" lvl="0" indent="0" algn="l" defTabSz="914400" rtl="0" eaLnBrk="1" fontAlgn="auto" latinLnBrk="0" hangingPunct="1">
+              <a:lnSpc>
+                <a:spcPct val="100000"/>
+              </a:lnSpc>
+              <a:spcBef>
+                <a:spcPts val="0"/>
+              </a:spcBef>
+              <a:spcAft>
+                <a:spcPts val="0"/>
+              </a:spcAft>
+              <a:buClrTx/>
+              <a:buSzTx/>
+              <a:buFontTx/>
+              <a:buNone/>
+              <a:tabLst/>
+              <a:defRPr/>
+            </a:pPr>
+            <a:r>
+              <a:rPr lang="en-US" dirty="0" err="1"/>
+              <a:t>Kodas</a:t>
+            </a:r>
+            <a:r>
+              <a:rPr lang="en-US" dirty="0"/>
+              <a:t> </a:t>
+            </a:r>
+            <a:r>
+              <a:rPr lang="en-US" dirty="0" err="1"/>
+              <a:t>supushinamas</a:t>
+            </a:r>
+            <a:r>
+              <a:rPr lang="en-US" dirty="0"/>
+              <a:t> </a:t>
+            </a:r>
+            <a:r>
+              <a:rPr lang="en-US" dirty="0" err="1"/>
+              <a:t>i</a:t>
+            </a:r>
+            <a:r>
+              <a:rPr lang="en-US" dirty="0"/>
+              <a:t> </a:t>
+            </a:r>
+            <a:r>
+              <a:rPr lang="en-US" dirty="0" err="1"/>
+              <a:t>gito</a:t>
+            </a:r>
+            <a:r>
+              <a:rPr lang="en-US" dirty="0"/>
+              <a:t> </a:t>
+            </a:r>
+            <a:r>
+              <a:rPr lang="en-US" dirty="0" err="1"/>
+              <a:t>repositorija</a:t>
+            </a:r>
+            <a:endParaRPr lang="en-US" dirty="0"/>
+          </a:p>
+          <a:p>
+            <a:endParaRPr lang="en-US" dirty="0"/>
           </a:p>
         </p:txBody>
       </p:sp>
@@ -1292,7 +3090,178 @@
           <a:bodyPr/>
           <a:lstStyle/>
           <a:p>
-            <a:endParaRPr lang="lt-LT" dirty="0"/>
+            <a:r>
+              <a:rPr lang="en-US" dirty="0" err="1"/>
+              <a:t>Kodo</a:t>
+            </a:r>
+            <a:r>
+              <a:rPr lang="en-US" dirty="0"/>
+              <a:t> </a:t>
+            </a:r>
+            <a:r>
+              <a:rPr lang="en-US" dirty="0" err="1"/>
+              <a:t>formatavimo</a:t>
+            </a:r>
+            <a:r>
+              <a:rPr lang="en-US" dirty="0"/>
+              <a:t> </a:t>
+            </a:r>
+            <a:r>
+              <a:rPr lang="en-US" dirty="0" err="1"/>
+              <a:t>checkai</a:t>
+            </a:r>
+            <a:endParaRPr lang="en-US" dirty="0"/>
+          </a:p>
+          <a:p>
+            <a:r>
+              <a:rPr lang="en-US" dirty="0" err="1"/>
+              <a:t>Leidziami</a:t>
+            </a:r>
+            <a:r>
+              <a:rPr lang="en-US" dirty="0"/>
+              <a:t> unit </a:t>
+            </a:r>
+            <a:r>
+              <a:rPr lang="en-US" dirty="0" err="1"/>
+              <a:t>testai</a:t>
+            </a:r>
+            <a:endParaRPr lang="en-US" dirty="0"/>
+          </a:p>
+          <a:p>
+            <a:pPr marL="0" marR="0" lvl="0" indent="0" algn="l" defTabSz="914400" rtl="0" eaLnBrk="1" fontAlgn="auto" latinLnBrk="0" hangingPunct="1">
+              <a:lnSpc>
+                <a:spcPct val="100000"/>
+              </a:lnSpc>
+              <a:spcBef>
+                <a:spcPts val="0"/>
+              </a:spcBef>
+              <a:spcAft>
+                <a:spcPts val="0"/>
+              </a:spcAft>
+              <a:buClrTx/>
+              <a:buSzTx/>
+              <a:buFontTx/>
+              <a:buNone/>
+              <a:tabLst/>
+              <a:defRPr/>
+            </a:pPr>
+            <a:r>
+              <a:rPr lang="en-US" dirty="0" err="1"/>
+              <a:t>Bandoma</a:t>
+            </a:r>
+            <a:r>
+              <a:rPr lang="en-US" dirty="0"/>
+              <a:t> </a:t>
+            </a:r>
+            <a:r>
+              <a:rPr lang="en-US" dirty="0" err="1"/>
+              <a:t>subuildinti</a:t>
+            </a:r>
+            <a:r>
+              <a:rPr lang="en-US" dirty="0"/>
+              <a:t> </a:t>
+            </a:r>
+            <a:r>
+              <a:rPr lang="en-US" dirty="0" err="1"/>
+              <a:t>ir</a:t>
+            </a:r>
+            <a:r>
+              <a:rPr lang="en-US" dirty="0"/>
+              <a:t> </a:t>
+            </a:r>
+            <a:r>
+              <a:rPr lang="en-US" dirty="0" err="1"/>
+              <a:t>padeplointi</a:t>
+            </a:r>
+            <a:r>
+              <a:rPr lang="en-US" dirty="0"/>
+              <a:t> </a:t>
+            </a:r>
+            <a:r>
+              <a:rPr lang="en-US" dirty="0" err="1"/>
+              <a:t>koda</a:t>
+            </a:r>
+            <a:endParaRPr lang="en-US" dirty="0"/>
+          </a:p>
+          <a:p>
+            <a:pPr marL="0" marR="0" lvl="0" indent="0" algn="l" defTabSz="914400" rtl="0" eaLnBrk="1" fontAlgn="auto" latinLnBrk="0" hangingPunct="1">
+              <a:lnSpc>
+                <a:spcPct val="100000"/>
+              </a:lnSpc>
+              <a:spcBef>
+                <a:spcPts val="0"/>
+              </a:spcBef>
+              <a:spcAft>
+                <a:spcPts val="0"/>
+              </a:spcAft>
+              <a:buClrTx/>
+              <a:buSzTx/>
+              <a:buFontTx/>
+              <a:buNone/>
+              <a:tabLst/>
+              <a:defRPr/>
+            </a:pPr>
+            <a:r>
+              <a:rPr lang="en-US" dirty="0" err="1"/>
+              <a:t>Leidziami</a:t>
+            </a:r>
+            <a:r>
+              <a:rPr lang="en-US" dirty="0"/>
+              <a:t> integration/</a:t>
+            </a:r>
+            <a:r>
+              <a:rPr lang="en-US" dirty="0" err="1"/>
+              <a:t>api</a:t>
+            </a:r>
+            <a:r>
+              <a:rPr lang="en-US" dirty="0"/>
+              <a:t>/e2e </a:t>
+            </a:r>
+            <a:r>
+              <a:rPr lang="en-US" dirty="0" err="1"/>
+              <a:t>testai</a:t>
+            </a:r>
+            <a:endParaRPr lang="en-US" dirty="0"/>
+          </a:p>
+          <a:p>
+            <a:pPr marL="0" marR="0" lvl="0" indent="0" algn="l" defTabSz="914400" rtl="0" eaLnBrk="1" fontAlgn="auto" latinLnBrk="0" hangingPunct="1">
+              <a:lnSpc>
+                <a:spcPct val="100000"/>
+              </a:lnSpc>
+              <a:spcBef>
+                <a:spcPts val="0"/>
+              </a:spcBef>
+              <a:spcAft>
+                <a:spcPts val="0"/>
+              </a:spcAft>
+              <a:buClrTx/>
+              <a:buSzTx/>
+              <a:buFontTx/>
+              <a:buNone/>
+              <a:tabLst/>
+              <a:defRPr/>
+            </a:pPr>
+            <a:r>
+              <a:rPr lang="en-US" dirty="0" err="1"/>
+              <a:t>Kodas</a:t>
+            </a:r>
+            <a:r>
+              <a:rPr lang="en-US" dirty="0"/>
+              <a:t> </a:t>
+            </a:r>
+            <a:r>
+              <a:rPr lang="en-US" dirty="0" err="1"/>
+              <a:t>dedamas</a:t>
+            </a:r>
+            <a:r>
+              <a:rPr lang="en-US" dirty="0"/>
+              <a:t> I production </a:t>
+            </a:r>
+            <a:r>
+              <a:rPr lang="en-US" dirty="0" err="1"/>
+              <a:t>serveri</a:t>
+            </a:r>
+            <a:endParaRPr lang="en-US" dirty="0"/>
           </a:p>
         </p:txBody>
       </p:sp>
@@ -1377,7 +3346,27 @@
           <a:bodyPr/>
           <a:lstStyle/>
           <a:p>
-            <a:endParaRPr lang="lt-LT" dirty="0"/>
+            <a:r>
+              <a:rPr lang="en-US" dirty="0"/>
+              <a:t>TDE: RTC -&gt; Jenkins -&gt; slot</a:t>
+            </a:r>
+          </a:p>
+          <a:p>
+            <a:r>
+              <a:rPr lang="en-US" dirty="0"/>
+              <a:t>Mono: git -&gt; Jenkins -&gt; slot</a:t>
+            </a:r>
+          </a:p>
+          <a:p>
+            <a:r>
+              <a:rPr lang="en-US" dirty="0"/>
+              <a:t>Andromeda: git -&gt; Jenkins -&gt; </a:t>
+            </a:r>
+            <a:r>
+              <a:rPr lang="en-US" dirty="0" err="1"/>
+              <a:t>openshift</a:t>
+            </a:r>
+            <a:endParaRPr lang="en-US" dirty="0"/>
           </a:p>
         </p:txBody>
       </p:sp>
@@ -1408,7 +3397,7 @@
     </p:spTree>
     <p:extLst>
       <p:ext uri="{BB962C8B-B14F-4D97-AF65-F5344CB8AC3E}">
-        <p14:creationId xmlns:p14="http://schemas.microsoft.com/office/powerpoint/2010/main" val="2857012820"/>
+        <p14:creationId xmlns:p14="http://schemas.microsoft.com/office/powerpoint/2010/main" val="74282364"/>
       </p:ext>
     </p:extLst>
   </p:cSld>
@@ -1462,7 +3451,7 @@
           <a:bodyPr/>
           <a:lstStyle/>
           <a:p>
-            <a:endParaRPr lang="en-US"/>
+            <a:endParaRPr lang="en-US" dirty="0"/>
           </a:p>
         </p:txBody>
       </p:sp>
@@ -1493,7 +3482,7 @@
     </p:spTree>
     <p:extLst>
       <p:ext uri="{BB962C8B-B14F-4D97-AF65-F5344CB8AC3E}">
-        <p14:creationId xmlns:p14="http://schemas.microsoft.com/office/powerpoint/2010/main" val="1213477748"/>
+        <p14:creationId xmlns:p14="http://schemas.microsoft.com/office/powerpoint/2010/main" val="910042127"/>
       </p:ext>
     </p:extLst>
   </p:cSld>
@@ -1547,11 +3536,7 @@
           <a:bodyPr/>
           <a:lstStyle/>
           <a:p>
-            <a:r>
-              <a:rPr lang="en-US" dirty="0"/>
-              <a:t>Tip: Heroku goes to sleep after 30 seconds</a:t>
-            </a:r>
-            <a:endParaRPr lang="lt-LT" dirty="0"/>
+            <a:endParaRPr lang="en-US"/>
           </a:p>
         </p:txBody>
       </p:sp>
@@ -1582,7 +3567,7 @@
     </p:spTree>
     <p:extLst>
       <p:ext uri="{BB962C8B-B14F-4D97-AF65-F5344CB8AC3E}">
-        <p14:creationId xmlns:p14="http://schemas.microsoft.com/office/powerpoint/2010/main" val="3475018996"/>
+        <p14:creationId xmlns:p14="http://schemas.microsoft.com/office/powerpoint/2010/main" val="1213477748"/>
       </p:ext>
     </p:extLst>
   </p:cSld>
@@ -1636,7 +3621,37 @@
           <a:bodyPr/>
           <a:lstStyle/>
           <a:p>
-            <a:endParaRPr lang="en-US"/>
+            <a:r>
+              <a:rPr lang="en-US" dirty="0"/>
+              <a:t>Tip: Heroku goes to sleep after 30 seconds</a:t>
+            </a:r>
+          </a:p>
+          <a:p>
+            <a:r>
+              <a:rPr lang="en-US" dirty="0"/>
+              <a:t>Travis CI</a:t>
+            </a:r>
+          </a:p>
+          <a:p>
+            <a:r>
+              <a:rPr lang="en-US" dirty="0"/>
+              <a:t>Heroku CD</a:t>
+            </a:r>
+          </a:p>
+          <a:p>
+            <a:r>
+              <a:rPr lang="en-US" dirty="0"/>
+              <a:t>Travis </a:t>
+            </a:r>
+            <a:r>
+              <a:rPr lang="en-US" dirty="0" err="1"/>
+              <a:t>ir</a:t>
+            </a:r>
+            <a:r>
+              <a:rPr lang="en-US" dirty="0"/>
+              <a:t> Heroku demo</a:t>
+            </a:r>
+            <a:endParaRPr lang="lt-LT" dirty="0"/>
           </a:p>
         </p:txBody>
       </p:sp>
@@ -1667,7 +3682,7 @@
     </p:spTree>
     <p:extLst>
       <p:ext uri="{BB962C8B-B14F-4D97-AF65-F5344CB8AC3E}">
-        <p14:creationId xmlns:p14="http://schemas.microsoft.com/office/powerpoint/2010/main" val="1040885994"/>
+        <p14:creationId xmlns:p14="http://schemas.microsoft.com/office/powerpoint/2010/main" val="3475018996"/>
       </p:ext>
     </p:extLst>
   </p:cSld>
@@ -1721,7 +3736,7 @@
           <a:bodyPr/>
           <a:lstStyle/>
           <a:p>
-            <a:endParaRPr lang="lt-LT" dirty="0"/>
+            <a:endParaRPr lang="en-US"/>
           </a:p>
         </p:txBody>
       </p:sp>
@@ -1744,6 +3759,91 @@
               <a:rPr lang="en-GB" smtClean="0"/>
               <a:pPr/>
               <a:t>18</a:t>
+            </a:fld>
+            <a:endParaRPr lang="en-GB"/>
+          </a:p>
+        </p:txBody>
+      </p:sp>
+    </p:spTree>
+    <p:extLst>
+      <p:ext uri="{BB962C8B-B14F-4D97-AF65-F5344CB8AC3E}">
+        <p14:creationId xmlns:p14="http://schemas.microsoft.com/office/powerpoint/2010/main" val="1040885994"/>
+      </p:ext>
+    </p:extLst>
+  </p:cSld>
+  <p:clrMapOvr>
+    <a:masterClrMapping/>
+  </p:clrMapOvr>
+</p:notes>
+</file>
+
+<file path=ppt/notesSlides/notesSlide19.xml><?xml version="1.0" encoding="utf-8"?>
+<p:notes xmlns:a="http://schemas.openxmlformats.org/drawingml/2006/main" xmlns:r="http://schemas.openxmlformats.org/officeDocument/2006/relationships" xmlns:p="http://schemas.openxmlformats.org/presentationml/2006/main">
+  <p:cSld>
+    <p:spTree>
+      <p:nvGrpSpPr>
+        <p:cNvPr id="1" name=""/>
+        <p:cNvGrpSpPr/>
+        <p:nvPr/>
+      </p:nvGrpSpPr>
+      <p:grpSpPr>
+        <a:xfrm>
+          <a:off x="0" y="0"/>
+          <a:ext cx="0" cy="0"/>
+          <a:chOff x="0" y="0"/>
+          <a:chExt cx="0" cy="0"/>
+        </a:xfrm>
+      </p:grpSpPr>
+      <p:sp>
+        <p:nvSpPr>
+          <p:cNvPr id="2" name="Slide Image Placeholder 1"/>
+          <p:cNvSpPr>
+            <a:spLocks noGrp="1" noRot="1" noChangeAspect="1"/>
+          </p:cNvSpPr>
+          <p:nvPr>
+            <p:ph type="sldImg"/>
+          </p:nvPr>
+        </p:nvSpPr>
+        <p:spPr/>
+      </p:sp>
+      <p:sp>
+        <p:nvSpPr>
+          <p:cNvPr id="3" name="Notes Placeholder 2"/>
+          <p:cNvSpPr>
+            <a:spLocks noGrp="1"/>
+          </p:cNvSpPr>
+          <p:nvPr>
+            <p:ph type="body" idx="1"/>
+          </p:nvPr>
+        </p:nvSpPr>
+        <p:spPr/>
+        <p:txBody>
+          <a:bodyPr/>
+          <a:lstStyle/>
+          <a:p>
+            <a:endParaRPr lang="lt-LT" dirty="0"/>
+          </a:p>
+        </p:txBody>
+      </p:sp>
+      <p:sp>
+        <p:nvSpPr>
+          <p:cNvPr id="4" name="Slide Number Placeholder 3"/>
+          <p:cNvSpPr>
+            <a:spLocks noGrp="1"/>
+          </p:cNvSpPr>
+          <p:nvPr>
+            <p:ph type="sldNum" sz="quarter" idx="10"/>
+          </p:nvPr>
+        </p:nvSpPr>
+        <p:spPr/>
+        <p:txBody>
+          <a:bodyPr/>
+          <a:lstStyle/>
+          <a:p>
+            <a:fld id="{A16CFAD1-D197-4A88-B173-A6412E995EE5}" type="slidenum">
+              <a:rPr lang="en-GB" smtClean="0"/>
+              <a:pPr/>
+              <a:t>19</a:t>
             </a:fld>
             <a:endParaRPr lang="en-GB"/>
           </a:p>
@@ -1980,6 +4080,18 @@
           <a:lstStyle/>
           <a:p>
             <a:r>
+              <a:rPr lang="en-US" sz="1200" b="0" i="0" u="none" strike="noStrike" kern="1200" dirty="0" err="1">
+                <a:solidFill>
+                  <a:schemeClr val="tx1"/>
+                </a:solidFill>
+                <a:effectLst/>
+                <a:latin typeface="+mn-lt"/>
+                <a:ea typeface="+mn-ea"/>
+                <a:cs typeface="+mn-cs"/>
+              </a:rPr>
+              <a:t>Geras</a:t>
+            </a:r>
+            <a:r>
               <a:rPr lang="en-US" sz="1200" b="0" i="0" u="none" strike="noStrike" kern="1200" dirty="0">
                 <a:solidFill>
                   <a:schemeClr val="tx1"/>
@@ -1989,7 +4101,272 @@
                 <a:ea typeface="+mn-ea"/>
                 <a:cs typeface="+mn-cs"/>
               </a:rPr>
-              <a:t>Continuous integration and Continuous Delivery are the processes in which your development team involves frequent code changes that are pushed in the main branch while ensuring that it does not impact any changes made by developers working parallelly. The aim of it is to reduce the chance of defects and conflicts during the integration of the complete project. </a:t>
+              <a:t> </a:t>
+            </a:r>
+            <a:r>
+              <a:rPr lang="en-US" sz="1200" b="0" i="0" u="none" strike="noStrike" kern="1200" dirty="0" err="1">
+                <a:solidFill>
+                  <a:schemeClr val="tx1"/>
+                </a:solidFill>
+                <a:effectLst/>
+                <a:latin typeface="+mn-lt"/>
+                <a:ea typeface="+mn-ea"/>
+                <a:cs typeface="+mn-cs"/>
+              </a:rPr>
+              <a:t>dalykas</a:t>
+            </a:r>
+            <a:r>
+              <a:rPr lang="en-US" sz="1200" b="0" i="0" u="none" strike="noStrike" kern="1200" dirty="0">
+                <a:solidFill>
+                  <a:schemeClr val="tx1"/>
+                </a:solidFill>
+                <a:effectLst/>
+                <a:latin typeface="+mn-lt"/>
+                <a:ea typeface="+mn-ea"/>
+                <a:cs typeface="+mn-cs"/>
+              </a:rPr>
+              <a:t> </a:t>
+            </a:r>
+            <a:r>
+              <a:rPr lang="en-US" sz="1200" b="0" i="0" u="none" strike="noStrike" kern="1200" dirty="0" err="1">
+                <a:solidFill>
+                  <a:schemeClr val="tx1"/>
+                </a:solidFill>
+                <a:effectLst/>
+                <a:latin typeface="+mn-lt"/>
+                <a:ea typeface="+mn-ea"/>
+                <a:cs typeface="+mn-cs"/>
+              </a:rPr>
+              <a:t>procesu</a:t>
+            </a:r>
+            <a:r>
+              <a:rPr lang="en-US" sz="1200" b="0" i="0" u="none" strike="noStrike" kern="1200" dirty="0">
+                <a:solidFill>
+                  <a:schemeClr val="tx1"/>
+                </a:solidFill>
+                <a:effectLst/>
+                <a:latin typeface="+mn-lt"/>
+                <a:ea typeface="+mn-ea"/>
+                <a:cs typeface="+mn-cs"/>
+              </a:rPr>
+              <a:t> </a:t>
+            </a:r>
+            <a:r>
+              <a:rPr lang="en-US" sz="1200" b="0" i="0" u="none" strike="noStrike" kern="1200" dirty="0" err="1">
+                <a:solidFill>
+                  <a:schemeClr val="tx1"/>
+                </a:solidFill>
+                <a:effectLst/>
+                <a:latin typeface="+mn-lt"/>
+                <a:ea typeface="+mn-ea"/>
+                <a:cs typeface="+mn-cs"/>
+              </a:rPr>
+              <a:t>automatizavimui</a:t>
+            </a:r>
+            <a:r>
+              <a:rPr lang="en-US" sz="1200" b="0" i="0" u="none" strike="noStrike" kern="1200" dirty="0">
+                <a:solidFill>
+                  <a:schemeClr val="tx1"/>
+                </a:solidFill>
+                <a:effectLst/>
+                <a:latin typeface="+mn-lt"/>
+                <a:ea typeface="+mn-ea"/>
+                <a:cs typeface="+mn-cs"/>
+              </a:rPr>
+              <a:t>, </a:t>
+            </a:r>
+            <a:r>
+              <a:rPr lang="en-US" sz="1200" b="0" i="0" u="none" strike="noStrike" kern="1200" dirty="0" err="1">
+                <a:solidFill>
+                  <a:schemeClr val="tx1"/>
+                </a:solidFill>
+                <a:effectLst/>
+                <a:latin typeface="+mn-lt"/>
+                <a:ea typeface="+mn-ea"/>
+                <a:cs typeface="+mn-cs"/>
+              </a:rPr>
+              <a:t>ypac</a:t>
+            </a:r>
+            <a:r>
+              <a:rPr lang="en-US" sz="1200" b="0" i="0" u="none" strike="noStrike" kern="1200" dirty="0">
+                <a:solidFill>
+                  <a:schemeClr val="tx1"/>
+                </a:solidFill>
+                <a:effectLst/>
+                <a:latin typeface="+mn-lt"/>
+                <a:ea typeface="+mn-ea"/>
+                <a:cs typeface="+mn-cs"/>
+              </a:rPr>
+              <a:t> kai </a:t>
+            </a:r>
+            <a:r>
+              <a:rPr lang="en-US" sz="1200" b="0" i="0" u="none" strike="noStrike" kern="1200" dirty="0" err="1">
+                <a:solidFill>
+                  <a:schemeClr val="tx1"/>
+                </a:solidFill>
+                <a:effectLst/>
+                <a:latin typeface="+mn-lt"/>
+                <a:ea typeface="+mn-ea"/>
+                <a:cs typeface="+mn-cs"/>
+              </a:rPr>
+              <a:t>daug</a:t>
+            </a:r>
+            <a:r>
+              <a:rPr lang="en-US" sz="1200" b="0" i="0" u="none" strike="noStrike" kern="1200" dirty="0">
+                <a:solidFill>
+                  <a:schemeClr val="tx1"/>
+                </a:solidFill>
+                <a:effectLst/>
+                <a:latin typeface="+mn-lt"/>
+                <a:ea typeface="+mn-ea"/>
+                <a:cs typeface="+mn-cs"/>
+              </a:rPr>
+              <a:t> </a:t>
+            </a:r>
+            <a:r>
+              <a:rPr lang="en-US" sz="1200" b="0" i="0" u="none" strike="noStrike" kern="1200" dirty="0" err="1">
+                <a:solidFill>
+                  <a:schemeClr val="tx1"/>
+                </a:solidFill>
+                <a:effectLst/>
+                <a:latin typeface="+mn-lt"/>
+                <a:ea typeface="+mn-ea"/>
+                <a:cs typeface="+mn-cs"/>
+              </a:rPr>
+              <a:t>developeriu</a:t>
+            </a:r>
+            <a:r>
+              <a:rPr lang="en-US" sz="1200" b="0" i="0" u="none" strike="noStrike" kern="1200" dirty="0">
+                <a:solidFill>
+                  <a:schemeClr val="tx1"/>
+                </a:solidFill>
+                <a:effectLst/>
+                <a:latin typeface="+mn-lt"/>
+                <a:ea typeface="+mn-ea"/>
+                <a:cs typeface="+mn-cs"/>
+              </a:rPr>
+              <a:t>, </a:t>
+            </a:r>
+            <a:r>
+              <a:rPr lang="en-US" sz="1200" b="0" i="0" u="none" strike="noStrike" kern="1200" dirty="0" err="1">
+                <a:solidFill>
+                  <a:schemeClr val="tx1"/>
+                </a:solidFill>
+                <a:effectLst/>
+                <a:latin typeface="+mn-lt"/>
+                <a:ea typeface="+mn-ea"/>
+                <a:cs typeface="+mn-cs"/>
+              </a:rPr>
+              <a:t>dirba</a:t>
+            </a:r>
+            <a:r>
+              <a:rPr lang="en-US" sz="1200" b="0" i="0" u="none" strike="noStrike" kern="1200" dirty="0">
+                <a:solidFill>
+                  <a:schemeClr val="tx1"/>
+                </a:solidFill>
+                <a:effectLst/>
+                <a:latin typeface="+mn-lt"/>
+                <a:ea typeface="+mn-ea"/>
+                <a:cs typeface="+mn-cs"/>
+              </a:rPr>
+              <a:t> </a:t>
+            </a:r>
+            <a:r>
+              <a:rPr lang="en-US" sz="1200" b="0" i="0" u="none" strike="noStrike" kern="1200" dirty="0" err="1">
+                <a:solidFill>
+                  <a:schemeClr val="tx1"/>
+                </a:solidFill>
+                <a:effectLst/>
+                <a:latin typeface="+mn-lt"/>
+                <a:ea typeface="+mn-ea"/>
+                <a:cs typeface="+mn-cs"/>
+              </a:rPr>
+              <a:t>prie</a:t>
+            </a:r>
+            <a:r>
+              <a:rPr lang="en-US" sz="1200" b="0" i="0" u="none" strike="noStrike" kern="1200" dirty="0">
+                <a:solidFill>
+                  <a:schemeClr val="tx1"/>
+                </a:solidFill>
+                <a:effectLst/>
+                <a:latin typeface="+mn-lt"/>
+                <a:ea typeface="+mn-ea"/>
+                <a:cs typeface="+mn-cs"/>
+              </a:rPr>
+              <a:t> </a:t>
+            </a:r>
+            <a:r>
+              <a:rPr lang="en-US" sz="1200" b="0" i="0" u="none" strike="noStrike" kern="1200" dirty="0" err="1">
+                <a:solidFill>
+                  <a:schemeClr val="tx1"/>
+                </a:solidFill>
+                <a:effectLst/>
+                <a:latin typeface="+mn-lt"/>
+                <a:ea typeface="+mn-ea"/>
+                <a:cs typeface="+mn-cs"/>
+              </a:rPr>
+              <a:t>vieno</a:t>
+            </a:r>
+            <a:r>
+              <a:rPr lang="en-US" sz="1200" b="0" i="0" u="none" strike="noStrike" kern="1200" dirty="0">
+                <a:solidFill>
+                  <a:schemeClr val="tx1"/>
+                </a:solidFill>
+                <a:effectLst/>
+                <a:latin typeface="+mn-lt"/>
+                <a:ea typeface="+mn-ea"/>
+                <a:cs typeface="+mn-cs"/>
+              </a:rPr>
+              <a:t> </a:t>
+            </a:r>
+            <a:r>
+              <a:rPr lang="en-US" sz="1200" b="0" i="0" u="none" strike="noStrike" kern="1200" dirty="0" err="1">
+                <a:solidFill>
+                  <a:schemeClr val="tx1"/>
+                </a:solidFill>
+                <a:effectLst/>
+                <a:latin typeface="+mn-lt"/>
+                <a:ea typeface="+mn-ea"/>
+                <a:cs typeface="+mn-cs"/>
+              </a:rPr>
+              <a:t>projekto</a:t>
+            </a:r>
+            <a:r>
+              <a:rPr lang="en-US" sz="1200" b="0" i="0" u="none" strike="noStrike" kern="1200" dirty="0">
+                <a:solidFill>
+                  <a:schemeClr val="tx1"/>
+                </a:solidFill>
+                <a:effectLst/>
+                <a:latin typeface="+mn-lt"/>
+                <a:ea typeface="+mn-ea"/>
+                <a:cs typeface="+mn-cs"/>
+              </a:rPr>
+              <a:t>.</a:t>
+            </a:r>
+          </a:p>
+          <a:p>
+            <a:endParaRPr lang="en-US" sz="1200" b="0" i="0" u="none" strike="noStrike" kern="1200" dirty="0">
+              <a:solidFill>
+                <a:schemeClr val="tx1"/>
+              </a:solidFill>
+              <a:effectLst/>
+              <a:latin typeface="+mn-lt"/>
+              <a:ea typeface="+mn-ea"/>
+              <a:cs typeface="+mn-cs"/>
+            </a:endParaRPr>
+          </a:p>
+          <a:p>
+            <a:r>
+              <a:rPr lang="en-US" sz="1200" b="0" i="0" u="none" strike="noStrike" kern="1200" dirty="0">
+                <a:solidFill>
+                  <a:schemeClr val="tx1"/>
+                </a:solidFill>
+                <a:effectLst/>
+                <a:latin typeface="+mn-lt"/>
+                <a:ea typeface="+mn-ea"/>
+                <a:cs typeface="+mn-cs"/>
+              </a:rPr>
+              <a:t>CI/CD are the processes in which your development team involves frequent code changes that are pushed in the main branch while ensuring that it does not impact any changes made by developers working parallelly. The aim of it is to reduce the chance of defects and conflicts during the integration of the complete project. </a:t>
             </a:r>
           </a:p>
           <a:p>
@@ -2108,10 +4485,174 @@
                 <a:ea typeface="+mn-ea"/>
                 <a:cs typeface="+mn-cs"/>
               </a:rPr>
-              <a:t>There could be many developers, who is working on one shared repository, and they are pushing they code several times per day.</a:t>
-            </a:r>
-            <a:r>
-              <a:rPr lang="en-US" sz="1200" dirty="0"/>
+              <a:t>Manual </a:t>
+            </a:r>
+            <a:r>
+              <a:rPr lang="en-US" sz="1200" b="0" i="0" kern="1200" dirty="0" err="1">
+                <a:solidFill>
+                  <a:schemeClr val="tx1"/>
+                </a:solidFill>
+                <a:effectLst/>
+                <a:latin typeface="+mn-lt"/>
+                <a:ea typeface="+mn-ea"/>
+                <a:cs typeface="+mn-cs"/>
+              </a:rPr>
+              <a:t>budas</a:t>
+            </a:r>
+            <a:r>
+              <a:rPr lang="en-US" sz="1200" b="0" i="0" kern="1200" dirty="0">
+                <a:solidFill>
+                  <a:schemeClr val="tx1"/>
+                </a:solidFill>
+                <a:effectLst/>
+                <a:latin typeface="+mn-lt"/>
+                <a:ea typeface="+mn-ea"/>
+                <a:cs typeface="+mn-cs"/>
+              </a:rPr>
+              <a:t>: manual </a:t>
+            </a:r>
+            <a:r>
+              <a:rPr lang="en-US" sz="1200" b="0" i="0" kern="1200" dirty="0" err="1">
+                <a:solidFill>
+                  <a:schemeClr val="tx1"/>
+                </a:solidFill>
+                <a:effectLst/>
+                <a:latin typeface="+mn-lt"/>
+                <a:ea typeface="+mn-ea"/>
+                <a:cs typeface="+mn-cs"/>
+              </a:rPr>
+              <a:t>leidi</a:t>
+            </a:r>
+            <a:r>
+              <a:rPr lang="en-US" sz="1200" b="0" i="0" kern="1200" dirty="0">
+                <a:solidFill>
+                  <a:schemeClr val="tx1"/>
+                </a:solidFill>
+                <a:effectLst/>
+                <a:latin typeface="+mn-lt"/>
+                <a:ea typeface="+mn-ea"/>
+                <a:cs typeface="+mn-cs"/>
+              </a:rPr>
+              <a:t> build </a:t>
+            </a:r>
+            <a:r>
+              <a:rPr lang="en-US" sz="1200" b="0" i="0" kern="1200" dirty="0" err="1">
+                <a:solidFill>
+                  <a:schemeClr val="tx1"/>
+                </a:solidFill>
+                <a:effectLst/>
+                <a:latin typeface="+mn-lt"/>
+                <a:ea typeface="+mn-ea"/>
+                <a:cs typeface="+mn-cs"/>
+              </a:rPr>
+              <a:t>komanda</a:t>
+            </a:r>
+            <a:r>
+              <a:rPr lang="en-US" sz="1200" b="0" i="0" kern="1200" dirty="0">
+                <a:solidFill>
+                  <a:schemeClr val="tx1"/>
+                </a:solidFill>
+                <a:effectLst/>
+                <a:latin typeface="+mn-lt"/>
+                <a:ea typeface="+mn-ea"/>
+                <a:cs typeface="+mn-cs"/>
+              </a:rPr>
+              <a:t>, </a:t>
+            </a:r>
+            <a:r>
+              <a:rPr lang="en-US" sz="1200" b="0" i="0" kern="1200" dirty="0" err="1">
+                <a:solidFill>
+                  <a:schemeClr val="tx1"/>
+                </a:solidFill>
+                <a:effectLst/>
+                <a:latin typeface="+mn-lt"/>
+                <a:ea typeface="+mn-ea"/>
+                <a:cs typeface="+mn-cs"/>
+              </a:rPr>
+              <a:t>testus</a:t>
+            </a:r>
+            <a:r>
+              <a:rPr lang="en-US" sz="1200" b="0" i="0" kern="1200" dirty="0">
+                <a:solidFill>
+                  <a:schemeClr val="tx1"/>
+                </a:solidFill>
+                <a:effectLst/>
+                <a:latin typeface="+mn-lt"/>
+                <a:ea typeface="+mn-ea"/>
+                <a:cs typeface="+mn-cs"/>
+              </a:rPr>
+              <a:t>, </a:t>
+            </a:r>
+            <a:r>
+              <a:rPr lang="en-US" sz="1200" b="0" i="0" kern="1200" dirty="0" err="1">
+                <a:solidFill>
+                  <a:schemeClr val="tx1"/>
+                </a:solidFill>
+                <a:effectLst/>
+                <a:latin typeface="+mn-lt"/>
+                <a:ea typeface="+mn-ea"/>
+                <a:cs typeface="+mn-cs"/>
+              </a:rPr>
+              <a:t>kodo</a:t>
+            </a:r>
+            <a:r>
+              <a:rPr lang="en-US" sz="1200" b="0" i="0" kern="1200" dirty="0">
+                <a:solidFill>
+                  <a:schemeClr val="tx1"/>
+                </a:solidFill>
+                <a:effectLst/>
+                <a:latin typeface="+mn-lt"/>
+                <a:ea typeface="+mn-ea"/>
+                <a:cs typeface="+mn-cs"/>
+              </a:rPr>
+              <a:t> </a:t>
+            </a:r>
+            <a:r>
+              <a:rPr lang="en-US" sz="1200" b="0" i="0" kern="1200" dirty="0" err="1">
+                <a:solidFill>
+                  <a:schemeClr val="tx1"/>
+                </a:solidFill>
+                <a:effectLst/>
+                <a:latin typeface="+mn-lt"/>
+                <a:ea typeface="+mn-ea"/>
+                <a:cs typeface="+mn-cs"/>
+              </a:rPr>
+              <a:t>formatavimo</a:t>
+            </a:r>
+            <a:r>
+              <a:rPr lang="en-US" sz="1200" b="0" i="0" kern="1200" dirty="0">
+                <a:solidFill>
+                  <a:schemeClr val="tx1"/>
+                </a:solidFill>
+                <a:effectLst/>
+                <a:latin typeface="+mn-lt"/>
+                <a:ea typeface="+mn-ea"/>
+                <a:cs typeface="+mn-cs"/>
+              </a:rPr>
+              <a:t> </a:t>
+            </a:r>
+            <a:r>
+              <a:rPr lang="en-US" sz="1200" b="0" i="0" kern="1200" dirty="0" err="1">
+                <a:solidFill>
+                  <a:schemeClr val="tx1"/>
+                </a:solidFill>
+                <a:effectLst/>
+                <a:latin typeface="+mn-lt"/>
+                <a:ea typeface="+mn-ea"/>
+                <a:cs typeface="+mn-cs"/>
+              </a:rPr>
+              <a:t>checka</a:t>
+            </a:r>
+            <a:r>
+              <a:rPr lang="en-US" sz="1200" b="0" i="0" kern="1200" dirty="0">
+                <a:solidFill>
+                  <a:schemeClr val="tx1"/>
+                </a:solidFill>
+                <a:effectLst/>
+                <a:latin typeface="+mn-lt"/>
+                <a:ea typeface="+mn-ea"/>
+                <a:cs typeface="+mn-cs"/>
+              </a:rPr>
               <a:t> </a:t>
             </a:r>
           </a:p>
@@ -2133,7 +4674,15 @@
               <a:tabLst/>
               <a:defRPr/>
             </a:pPr>
-            <a:endParaRPr lang="en-US" sz="1200" dirty="0"/>
+            <a:endParaRPr lang="en-US" sz="1200" b="0" i="0" kern="1200" dirty="0">
+              <a:solidFill>
+                <a:schemeClr val="tx1"/>
+              </a:solidFill>
+              <a:effectLst/>
+              <a:latin typeface="+mn-lt"/>
+              <a:ea typeface="+mn-ea"/>
+              <a:cs typeface="+mn-cs"/>
+            </a:endParaRPr>
           </a:p>
           <a:p>
             <a:pPr marL="0" marR="0" lvl="0" indent="0" algn="l" defTabSz="914400" rtl="0" eaLnBrk="1" fontAlgn="auto" latinLnBrk="0" hangingPunct="1">
@@ -2154,9 +4703,314 @@
               <a:defRPr/>
             </a:pPr>
             <a:r>
-              <a:rPr lang="en-US" sz="1200" dirty="0"/>
-              <a:t>All points leads to high cost of integrations.</a:t>
-            </a:r>
+              <a:rPr lang="en-US" sz="1200" b="0" i="0" kern="1200" dirty="0" err="1">
+                <a:solidFill>
+                  <a:schemeClr val="tx1"/>
+                </a:solidFill>
+                <a:effectLst/>
+                <a:latin typeface="+mn-lt"/>
+                <a:ea typeface="+mn-ea"/>
+                <a:cs typeface="+mn-cs"/>
+              </a:rPr>
+              <a:t>Automatizavimas</a:t>
+            </a:r>
+            <a:r>
+              <a:rPr lang="en-US" sz="1200" b="0" i="0" kern="1200" dirty="0">
+                <a:solidFill>
+                  <a:schemeClr val="tx1"/>
+                </a:solidFill>
+                <a:effectLst/>
+                <a:latin typeface="+mn-lt"/>
+                <a:ea typeface="+mn-ea"/>
+                <a:cs typeface="+mn-cs"/>
+              </a:rPr>
+              <a:t> </a:t>
+            </a:r>
+            <a:r>
+              <a:rPr lang="en-US" sz="1200" b="0" i="0" kern="1200" dirty="0" err="1">
+                <a:solidFill>
+                  <a:schemeClr val="tx1"/>
+                </a:solidFill>
+                <a:effectLst/>
+                <a:latin typeface="+mn-lt"/>
+                <a:ea typeface="+mn-ea"/>
+                <a:cs typeface="+mn-cs"/>
+              </a:rPr>
+              <a:t>sumazina</a:t>
+            </a:r>
+            <a:r>
+              <a:rPr lang="en-US" sz="1200" b="0" i="0" kern="1200" dirty="0">
+                <a:solidFill>
+                  <a:schemeClr val="tx1"/>
+                </a:solidFill>
+                <a:effectLst/>
+                <a:latin typeface="+mn-lt"/>
+                <a:ea typeface="+mn-ea"/>
+                <a:cs typeface="+mn-cs"/>
+              </a:rPr>
+              <a:t> </a:t>
+            </a:r>
+            <a:r>
+              <a:rPr lang="en-US" sz="1200" b="0" i="0" kern="1200" dirty="0" err="1">
+                <a:solidFill>
+                  <a:schemeClr val="tx1"/>
+                </a:solidFill>
+                <a:effectLst/>
+                <a:latin typeface="+mn-lt"/>
+                <a:ea typeface="+mn-ea"/>
+                <a:cs typeface="+mn-cs"/>
+              </a:rPr>
+              <a:t>projekto</a:t>
+            </a:r>
+            <a:r>
+              <a:rPr lang="en-US" sz="1200" b="0" i="0" kern="1200" dirty="0">
+                <a:solidFill>
+                  <a:schemeClr val="tx1"/>
+                </a:solidFill>
+                <a:effectLst/>
+                <a:latin typeface="+mn-lt"/>
+                <a:ea typeface="+mn-ea"/>
+                <a:cs typeface="+mn-cs"/>
+              </a:rPr>
+              <a:t> </a:t>
+            </a:r>
+            <a:r>
+              <a:rPr lang="en-US" sz="1200" b="0" i="0" kern="1200" dirty="0" err="1">
+                <a:solidFill>
+                  <a:schemeClr val="tx1"/>
+                </a:solidFill>
+                <a:effectLst/>
+                <a:latin typeface="+mn-lt"/>
+                <a:ea typeface="+mn-ea"/>
+                <a:cs typeface="+mn-cs"/>
+              </a:rPr>
+              <a:t>kastus</a:t>
+            </a:r>
+            <a:r>
+              <a:rPr lang="en-US" sz="1200" b="0" i="0" kern="1200" dirty="0">
+                <a:solidFill>
+                  <a:schemeClr val="tx1"/>
+                </a:solidFill>
+                <a:effectLst/>
+                <a:latin typeface="+mn-lt"/>
+                <a:ea typeface="+mn-ea"/>
+                <a:cs typeface="+mn-cs"/>
+              </a:rPr>
+              <a:t>, </a:t>
+            </a:r>
+            <a:r>
+              <a:rPr lang="en-US" sz="1200" b="0" i="0" kern="1200" dirty="0" err="1">
+                <a:solidFill>
+                  <a:schemeClr val="tx1"/>
+                </a:solidFill>
+                <a:effectLst/>
+                <a:latin typeface="+mn-lt"/>
+                <a:ea typeface="+mn-ea"/>
+                <a:cs typeface="+mn-cs"/>
+              </a:rPr>
+              <a:t>tiek</a:t>
+            </a:r>
+            <a:r>
+              <a:rPr lang="en-US" sz="1200" b="0" i="0" kern="1200" dirty="0">
+                <a:solidFill>
+                  <a:schemeClr val="tx1"/>
+                </a:solidFill>
+                <a:effectLst/>
+                <a:latin typeface="+mn-lt"/>
+                <a:ea typeface="+mn-ea"/>
+                <a:cs typeface="+mn-cs"/>
+              </a:rPr>
+              <a:t> del to </a:t>
+            </a:r>
+            <a:r>
+              <a:rPr lang="en-US" sz="1200" b="0" i="0" kern="1200" dirty="0" err="1">
+                <a:solidFill>
+                  <a:schemeClr val="tx1"/>
+                </a:solidFill>
+                <a:effectLst/>
+                <a:latin typeface="+mn-lt"/>
+                <a:ea typeface="+mn-ea"/>
+                <a:cs typeface="+mn-cs"/>
+              </a:rPr>
+              <a:t>kad</a:t>
+            </a:r>
+            <a:r>
+              <a:rPr lang="en-US" sz="1200" b="0" i="0" kern="1200" dirty="0">
+                <a:solidFill>
+                  <a:schemeClr val="tx1"/>
+                </a:solidFill>
+                <a:effectLst/>
+                <a:latin typeface="+mn-lt"/>
+                <a:ea typeface="+mn-ea"/>
+                <a:cs typeface="+mn-cs"/>
+              </a:rPr>
+              <a:t> </a:t>
+            </a:r>
+            <a:r>
+              <a:rPr lang="en-US" sz="1200" b="0" i="0" kern="1200" dirty="0" err="1">
+                <a:solidFill>
+                  <a:schemeClr val="tx1"/>
+                </a:solidFill>
+                <a:effectLst/>
+                <a:latin typeface="+mn-lt"/>
+                <a:ea typeface="+mn-ea"/>
+                <a:cs typeface="+mn-cs"/>
+              </a:rPr>
+              <a:t>nereikia</a:t>
+            </a:r>
+            <a:r>
+              <a:rPr lang="en-US" sz="1200" b="0" i="0" kern="1200" dirty="0">
+                <a:solidFill>
+                  <a:schemeClr val="tx1"/>
+                </a:solidFill>
+                <a:effectLst/>
+                <a:latin typeface="+mn-lt"/>
+                <a:ea typeface="+mn-ea"/>
+                <a:cs typeface="+mn-cs"/>
+              </a:rPr>
+              <a:t> manual </a:t>
+            </a:r>
+            <a:r>
+              <a:rPr lang="en-US" sz="1200" b="0" i="0" kern="1200" dirty="0" err="1">
+                <a:solidFill>
+                  <a:schemeClr val="tx1"/>
+                </a:solidFill>
+                <a:effectLst/>
+                <a:latin typeface="+mn-lt"/>
+                <a:ea typeface="+mn-ea"/>
+                <a:cs typeface="+mn-cs"/>
+              </a:rPr>
+              <a:t>daryti</a:t>
+            </a:r>
+            <a:r>
+              <a:rPr lang="en-US" sz="1200" b="0" i="0" kern="1200" dirty="0">
+                <a:solidFill>
+                  <a:schemeClr val="tx1"/>
+                </a:solidFill>
+                <a:effectLst/>
+                <a:latin typeface="+mn-lt"/>
+                <a:ea typeface="+mn-ea"/>
+                <a:cs typeface="+mn-cs"/>
+              </a:rPr>
+              <a:t>, </a:t>
+            </a:r>
+            <a:r>
+              <a:rPr lang="en-US" sz="1200" b="0" i="0" kern="1200" dirty="0" err="1">
+                <a:solidFill>
+                  <a:schemeClr val="tx1"/>
+                </a:solidFill>
+                <a:effectLst/>
+                <a:latin typeface="+mn-lt"/>
+                <a:ea typeface="+mn-ea"/>
+                <a:cs typeface="+mn-cs"/>
+              </a:rPr>
+              <a:t>tiek</a:t>
+            </a:r>
+            <a:r>
+              <a:rPr lang="en-US" sz="1200" b="0" i="0" kern="1200" dirty="0">
+                <a:solidFill>
+                  <a:schemeClr val="tx1"/>
+                </a:solidFill>
+                <a:effectLst/>
+                <a:latin typeface="+mn-lt"/>
+                <a:ea typeface="+mn-ea"/>
+                <a:cs typeface="+mn-cs"/>
+              </a:rPr>
+              <a:t> del to </a:t>
+            </a:r>
+            <a:r>
+              <a:rPr lang="en-US" sz="1200" b="0" i="0" kern="1200" dirty="0" err="1">
+                <a:solidFill>
+                  <a:schemeClr val="tx1"/>
+                </a:solidFill>
+                <a:effectLst/>
+                <a:latin typeface="+mn-lt"/>
+                <a:ea typeface="+mn-ea"/>
+                <a:cs typeface="+mn-cs"/>
+              </a:rPr>
+              <a:t>kad</a:t>
+            </a:r>
+            <a:r>
+              <a:rPr lang="en-US" sz="1200" b="0" i="0" kern="1200" dirty="0">
+                <a:solidFill>
+                  <a:schemeClr val="tx1"/>
+                </a:solidFill>
+                <a:effectLst/>
+                <a:latin typeface="+mn-lt"/>
+                <a:ea typeface="+mn-ea"/>
+                <a:cs typeface="+mn-cs"/>
+              </a:rPr>
+              <a:t> </a:t>
+            </a:r>
+            <a:r>
+              <a:rPr lang="en-US" sz="1200" b="0" i="0" kern="1200" dirty="0" err="1">
+                <a:solidFill>
+                  <a:schemeClr val="tx1"/>
+                </a:solidFill>
+                <a:effectLst/>
+                <a:latin typeface="+mn-lt"/>
+                <a:ea typeface="+mn-ea"/>
+                <a:cs typeface="+mn-cs"/>
+              </a:rPr>
+              <a:t>sumazeja</a:t>
+            </a:r>
+            <a:r>
+              <a:rPr lang="en-US" sz="1200" b="0" i="0" kern="1200" dirty="0">
+                <a:solidFill>
+                  <a:schemeClr val="tx1"/>
+                </a:solidFill>
+                <a:effectLst/>
+                <a:latin typeface="+mn-lt"/>
+                <a:ea typeface="+mn-ea"/>
+                <a:cs typeface="+mn-cs"/>
+              </a:rPr>
+              <a:t> </a:t>
+            </a:r>
+            <a:r>
+              <a:rPr lang="en-US" sz="1200" b="0" i="0" kern="1200" dirty="0" err="1">
+                <a:solidFill>
+                  <a:schemeClr val="tx1"/>
+                </a:solidFill>
+                <a:effectLst/>
+                <a:latin typeface="+mn-lt"/>
+                <a:ea typeface="+mn-ea"/>
+                <a:cs typeface="+mn-cs"/>
+              </a:rPr>
+              <a:t>klaidu</a:t>
+            </a:r>
+            <a:r>
+              <a:rPr lang="en-US" sz="1200" b="0" i="0" kern="1200" dirty="0">
+                <a:solidFill>
+                  <a:schemeClr val="tx1"/>
+                </a:solidFill>
+                <a:effectLst/>
+                <a:latin typeface="+mn-lt"/>
+                <a:ea typeface="+mn-ea"/>
+                <a:cs typeface="+mn-cs"/>
+              </a:rPr>
+              <a:t> </a:t>
+            </a:r>
+            <a:r>
+              <a:rPr lang="en-US" sz="1200" b="0" i="0" kern="1200" dirty="0" err="1">
+                <a:solidFill>
+                  <a:schemeClr val="tx1"/>
+                </a:solidFill>
+                <a:effectLst/>
+                <a:latin typeface="+mn-lt"/>
+                <a:ea typeface="+mn-ea"/>
+                <a:cs typeface="+mn-cs"/>
+              </a:rPr>
+              <a:t>tikimybe</a:t>
+            </a:r>
+            <a:endParaRPr lang="en-US" sz="1200" b="0" i="0" kern="1200" dirty="0">
+              <a:solidFill>
+                <a:schemeClr val="tx1"/>
+              </a:solidFill>
+              <a:effectLst/>
+              <a:latin typeface="+mn-lt"/>
+              <a:ea typeface="+mn-ea"/>
+              <a:cs typeface="+mn-cs"/>
+            </a:endParaRPr>
           </a:p>
         </p:txBody>
       </p:sp>
@@ -2242,6 +5096,18 @@
           <a:lstStyle/>
           <a:p>
             <a:r>
+              <a:rPr lang="en-US" sz="1200" b="0" i="0" kern="1200" dirty="0" err="1">
+                <a:solidFill>
+                  <a:schemeClr val="tx1"/>
+                </a:solidFill>
+                <a:effectLst/>
+                <a:latin typeface="+mn-lt"/>
+                <a:ea typeface="+mn-ea"/>
+                <a:cs typeface="+mn-cs"/>
+              </a:rPr>
+              <a:t>Kelis</a:t>
+            </a:r>
+            <a:r>
               <a:rPr lang="en-US" sz="1200" b="0" i="0" kern="1200" dirty="0">
                 <a:solidFill>
                   <a:schemeClr val="tx1"/>
@@ -2251,60 +5117,20 @@
                 <a:ea typeface="+mn-ea"/>
                 <a:cs typeface="+mn-cs"/>
               </a:rPr>
-              <a:t>The integration may occur several times a day, verified by automated </a:t>
-            </a:r>
-            <a:r>
-              <a:rPr lang="en-US" sz="1200" b="0" i="0" u="none" strike="noStrike" kern="1200" dirty="0">
-                <a:solidFill>
-                  <a:schemeClr val="tx1"/>
-                </a:solidFill>
-                <a:effectLst/>
-                <a:latin typeface="+mn-lt"/>
-                <a:ea typeface="+mn-ea"/>
-                <a:cs typeface="+mn-cs"/>
-                <a:hlinkClick r:id="rId3"/>
-              </a:rPr>
-              <a:t>test cases</a:t>
-            </a:r>
-            <a:r>
-              <a:rPr lang="en-US" sz="1200" b="0" i="0" kern="1200" dirty="0">
-                <a:solidFill>
-                  <a:schemeClr val="tx1"/>
-                </a:solidFill>
-                <a:effectLst/>
-                <a:latin typeface="+mn-lt"/>
-                <a:ea typeface="+mn-ea"/>
-                <a:cs typeface="+mn-cs"/>
-              </a:rPr>
-              <a:t> and a build sequence. It should be kept in mind that </a:t>
-            </a:r>
-            <a:r>
-              <a:rPr lang="en-US" sz="1200" b="0" i="0" u="none" strike="noStrike" kern="1200" dirty="0">
-                <a:solidFill>
-                  <a:schemeClr val="tx1"/>
-                </a:solidFill>
-                <a:effectLst/>
-                <a:latin typeface="+mn-lt"/>
-                <a:ea typeface="+mn-ea"/>
-                <a:cs typeface="+mn-cs"/>
-                <a:hlinkClick r:id="rId4"/>
-              </a:rPr>
-              <a:t>automated testing</a:t>
-            </a:r>
-            <a:r>
-              <a:rPr lang="en-US" sz="1200" b="0" i="0" kern="1200" dirty="0">
-                <a:solidFill>
-                  <a:schemeClr val="tx1"/>
-                </a:solidFill>
-                <a:effectLst/>
-                <a:latin typeface="+mn-lt"/>
-                <a:ea typeface="+mn-ea"/>
-                <a:cs typeface="+mn-cs"/>
-              </a:rPr>
-              <a:t> is not mandatory for CI. It is only highly recommended for ensuring a bug-free code.</a:t>
-            </a:r>
-          </a:p>
-          <a:p>
+              <a:t> kart per </a:t>
+            </a:r>
+            <a:r>
+              <a:rPr lang="en-US" sz="1200" b="0" i="0" kern="1200" dirty="0" err="1">
+                <a:solidFill>
+                  <a:schemeClr val="tx1"/>
+                </a:solidFill>
+                <a:effectLst/>
+                <a:latin typeface="+mn-lt"/>
+                <a:ea typeface="+mn-ea"/>
+                <a:cs typeface="+mn-cs"/>
+              </a:rPr>
+              <a:t>diena</a:t>
+            </a:r>
             <a:endParaRPr lang="en-US" sz="1200" b="0" i="0" kern="1200" dirty="0">
               <a:solidFill>
                 <a:schemeClr val="tx1"/>
@@ -2317,6 +5143,18 @@
           </a:p>
           <a:p>
             <a:r>
+              <a:rPr lang="en-US" sz="1200" b="0" i="0" kern="1200" dirty="0" err="1">
+                <a:solidFill>
+                  <a:schemeClr val="tx1"/>
+                </a:solidFill>
+                <a:effectLst/>
+                <a:latin typeface="+mn-lt"/>
+                <a:ea typeface="+mn-ea"/>
+                <a:cs typeface="+mn-cs"/>
+              </a:rPr>
+              <a:t>Automatizuoti</a:t>
+            </a:r>
+            <a:r>
               <a:rPr lang="en-US" sz="1200" b="0" i="0" kern="1200" dirty="0">
                 <a:solidFill>
                   <a:schemeClr val="tx1"/>
@@ -2326,7 +5164,185 @@
                 <a:ea typeface="+mn-ea"/>
                 <a:cs typeface="+mn-cs"/>
               </a:rPr>
-              <a:t>Saves time and Money!</a:t>
+              <a:t> </a:t>
+            </a:r>
+            <a:r>
+              <a:rPr lang="en-US" sz="1200" b="0" i="0" kern="1200" dirty="0" err="1">
+                <a:solidFill>
+                  <a:schemeClr val="tx1"/>
+                </a:solidFill>
+                <a:effectLst/>
+                <a:latin typeface="+mn-lt"/>
+                <a:ea typeface="+mn-ea"/>
+                <a:cs typeface="+mn-cs"/>
+              </a:rPr>
+              <a:t>testai</a:t>
+            </a:r>
+            <a:r>
+              <a:rPr lang="en-US" sz="1200" b="0" i="0" kern="1200" dirty="0">
+                <a:solidFill>
+                  <a:schemeClr val="tx1"/>
+                </a:solidFill>
+                <a:effectLst/>
+                <a:latin typeface="+mn-lt"/>
+                <a:ea typeface="+mn-ea"/>
+                <a:cs typeface="+mn-cs"/>
+              </a:rPr>
+              <a:t> </a:t>
+            </a:r>
+            <a:r>
+              <a:rPr lang="en-US" sz="1200" b="0" i="0" kern="1200" dirty="0" err="1">
+                <a:solidFill>
+                  <a:schemeClr val="tx1"/>
+                </a:solidFill>
+                <a:effectLst/>
+                <a:latin typeface="+mn-lt"/>
+                <a:ea typeface="+mn-ea"/>
+                <a:cs typeface="+mn-cs"/>
+              </a:rPr>
+              <a:t>ir</a:t>
+            </a:r>
+            <a:r>
+              <a:rPr lang="en-US" sz="1200" b="0" i="0" kern="1200" dirty="0">
+                <a:solidFill>
+                  <a:schemeClr val="tx1"/>
+                </a:solidFill>
+                <a:effectLst/>
+                <a:latin typeface="+mn-lt"/>
+                <a:ea typeface="+mn-ea"/>
+                <a:cs typeface="+mn-cs"/>
+              </a:rPr>
+              <a:t> </a:t>
+            </a:r>
+            <a:r>
+              <a:rPr lang="en-US" sz="1200" b="0" i="0" kern="1200" dirty="0" err="1">
+                <a:solidFill>
+                  <a:schemeClr val="tx1"/>
+                </a:solidFill>
+                <a:effectLst/>
+                <a:latin typeface="+mn-lt"/>
+                <a:ea typeface="+mn-ea"/>
+                <a:cs typeface="+mn-cs"/>
+              </a:rPr>
+              <a:t>buildai</a:t>
+            </a:r>
+            <a:endParaRPr lang="en-US" sz="1200" b="0" i="0" kern="1200" dirty="0">
+              <a:solidFill>
+                <a:schemeClr val="tx1"/>
+              </a:solidFill>
+              <a:effectLst/>
+              <a:latin typeface="+mn-lt"/>
+              <a:ea typeface="+mn-ea"/>
+              <a:cs typeface="+mn-cs"/>
+            </a:endParaRPr>
+          </a:p>
+          <a:p>
+            <a:endParaRPr lang="en-US" sz="1200" b="0" i="0" kern="1200" dirty="0">
+              <a:solidFill>
+                <a:schemeClr val="tx1"/>
+              </a:solidFill>
+              <a:effectLst/>
+              <a:latin typeface="+mn-lt"/>
+              <a:ea typeface="+mn-ea"/>
+              <a:cs typeface="+mn-cs"/>
+            </a:endParaRPr>
+          </a:p>
+          <a:p>
+            <a:r>
+              <a:rPr lang="en-US" sz="1200" b="0" i="0" kern="1200" dirty="0" err="1">
+                <a:solidFill>
+                  <a:schemeClr val="tx1"/>
+                </a:solidFill>
+                <a:effectLst/>
+                <a:latin typeface="+mn-lt"/>
+                <a:ea typeface="+mn-ea"/>
+                <a:cs typeface="+mn-cs"/>
+              </a:rPr>
+              <a:t>Saugo</a:t>
+            </a:r>
+            <a:r>
+              <a:rPr lang="en-US" sz="1200" b="0" i="0" kern="1200" dirty="0">
+                <a:solidFill>
+                  <a:schemeClr val="tx1"/>
+                </a:solidFill>
+                <a:effectLst/>
+                <a:latin typeface="+mn-lt"/>
+                <a:ea typeface="+mn-ea"/>
+                <a:cs typeface="+mn-cs"/>
+              </a:rPr>
+              <a:t> </a:t>
+            </a:r>
+            <a:r>
+              <a:rPr lang="en-US" sz="1200" b="0" i="0" kern="1200" dirty="0" err="1">
+                <a:solidFill>
+                  <a:schemeClr val="tx1"/>
+                </a:solidFill>
+                <a:effectLst/>
+                <a:latin typeface="+mn-lt"/>
+                <a:ea typeface="+mn-ea"/>
+                <a:cs typeface="+mn-cs"/>
+              </a:rPr>
+              <a:t>laika</a:t>
+            </a:r>
+            <a:r>
+              <a:rPr lang="en-US" sz="1200" b="0" i="0" kern="1200" dirty="0">
+                <a:solidFill>
+                  <a:schemeClr val="tx1"/>
+                </a:solidFill>
+                <a:effectLst/>
+                <a:latin typeface="+mn-lt"/>
+                <a:ea typeface="+mn-ea"/>
+                <a:cs typeface="+mn-cs"/>
+              </a:rPr>
+              <a:t> </a:t>
+            </a:r>
+            <a:r>
+              <a:rPr lang="en-US" sz="1200" b="0" i="0" kern="1200" dirty="0" err="1">
+                <a:solidFill>
+                  <a:schemeClr val="tx1"/>
+                </a:solidFill>
+                <a:effectLst/>
+                <a:latin typeface="+mn-lt"/>
+                <a:ea typeface="+mn-ea"/>
+                <a:cs typeface="+mn-cs"/>
+              </a:rPr>
+              <a:t>ir</a:t>
+            </a:r>
+            <a:r>
+              <a:rPr lang="en-US" sz="1200" b="0" i="0" kern="1200" dirty="0">
+                <a:solidFill>
+                  <a:schemeClr val="tx1"/>
+                </a:solidFill>
+                <a:effectLst/>
+                <a:latin typeface="+mn-lt"/>
+                <a:ea typeface="+mn-ea"/>
+                <a:cs typeface="+mn-cs"/>
+              </a:rPr>
+              <a:t> </a:t>
+            </a:r>
+            <a:r>
+              <a:rPr lang="en-US" sz="1200" b="0" i="0" kern="1200" dirty="0" err="1">
+                <a:solidFill>
+                  <a:schemeClr val="tx1"/>
+                </a:solidFill>
+                <a:effectLst/>
+                <a:latin typeface="+mn-lt"/>
+                <a:ea typeface="+mn-ea"/>
+                <a:cs typeface="+mn-cs"/>
+              </a:rPr>
+              <a:t>pinigus</a:t>
+            </a:r>
+            <a:r>
+              <a:rPr lang="en-US" sz="1200" b="0" i="0" kern="1200" dirty="0">
+                <a:solidFill>
+                  <a:schemeClr val="tx1"/>
+                </a:solidFill>
+                <a:effectLst/>
+                <a:latin typeface="+mn-lt"/>
+                <a:ea typeface="+mn-ea"/>
+                <a:cs typeface="+mn-cs"/>
+              </a:rPr>
+              <a:t>!</a:t>
             </a:r>
             <a:endParaRPr lang="lt-LT" dirty="0"/>
           </a:p>
@@ -2414,6 +5430,18 @@
           <a:lstStyle/>
           <a:p>
             <a:r>
+              <a:rPr lang="en-US" sz="1200" b="1" i="0" u="none" strike="noStrike" kern="1200" dirty="0" err="1">
+                <a:solidFill>
+                  <a:schemeClr val="tx1"/>
+                </a:solidFill>
+                <a:effectLst/>
+                <a:latin typeface="+mn-lt"/>
+                <a:ea typeface="+mn-ea"/>
+                <a:cs typeface="+mn-cs"/>
+              </a:rPr>
+              <a:t>Sumazina</a:t>
+            </a:r>
+            <a:r>
               <a:rPr lang="en-US" sz="1200" b="1" i="0" u="none" strike="noStrike" kern="1200" dirty="0">
                 <a:solidFill>
                   <a:schemeClr val="tx1"/>
@@ -2423,7 +5451,55 @@
                 <a:ea typeface="+mn-ea"/>
                 <a:cs typeface="+mn-cs"/>
               </a:rPr>
-              <a:t>Reduces Bug Count:</a:t>
+              <a:t> </a:t>
+            </a:r>
+            <a:r>
+              <a:rPr lang="en-US" sz="1200" b="1" i="0" u="none" strike="noStrike" kern="1200" dirty="0" err="1">
+                <a:solidFill>
+                  <a:schemeClr val="tx1"/>
+                </a:solidFill>
+                <a:effectLst/>
+                <a:latin typeface="+mn-lt"/>
+                <a:ea typeface="+mn-ea"/>
+                <a:cs typeface="+mn-cs"/>
+              </a:rPr>
+              <a:t>bugu</a:t>
+            </a:r>
+            <a:r>
+              <a:rPr lang="en-US" sz="1200" b="1" i="0" u="none" strike="noStrike" kern="1200" dirty="0">
+                <a:solidFill>
+                  <a:schemeClr val="tx1"/>
+                </a:solidFill>
+                <a:effectLst/>
+                <a:latin typeface="+mn-lt"/>
+                <a:ea typeface="+mn-ea"/>
+                <a:cs typeface="+mn-cs"/>
+              </a:rPr>
+              <a:t> </a:t>
+            </a:r>
+            <a:r>
+              <a:rPr lang="en-US" sz="1200" b="1" i="0" u="none" strike="noStrike" kern="1200" dirty="0" err="1">
+                <a:solidFill>
+                  <a:schemeClr val="tx1"/>
+                </a:solidFill>
+                <a:effectLst/>
+                <a:latin typeface="+mn-lt"/>
+                <a:ea typeface="+mn-ea"/>
+                <a:cs typeface="+mn-cs"/>
+              </a:rPr>
+              <a:t>kieki</a:t>
+            </a:r>
+            <a:r>
+              <a:rPr lang="en-US" sz="1200" b="1" i="0" u="none" strike="noStrike" kern="1200" dirty="0">
+                <a:solidFill>
+                  <a:schemeClr val="tx1"/>
+                </a:solidFill>
+                <a:effectLst/>
+                <a:latin typeface="+mn-lt"/>
+                <a:ea typeface="+mn-ea"/>
+                <a:cs typeface="+mn-cs"/>
+              </a:rPr>
+              <a:t>:</a:t>
             </a:r>
             <a:r>
               <a:rPr lang="en-US" sz="1200" b="0" i="0" u="none" strike="noStrike" kern="1200" dirty="0">
@@ -2435,10 +5511,187 @@
                 <a:ea typeface="+mn-ea"/>
                 <a:cs typeface="+mn-cs"/>
               </a:rPr>
-              <a:t> the risk is reduced a lot since bugs are now easier to detect and fix early.</a:t>
-            </a:r>
-          </a:p>
-          <a:p>
+              <a:t> </a:t>
+            </a:r>
+            <a:r>
+              <a:rPr lang="en-US" sz="1200" b="0" i="0" u="none" strike="noStrike" kern="1200" dirty="0" err="1">
+                <a:solidFill>
+                  <a:schemeClr val="tx1"/>
+                </a:solidFill>
+                <a:effectLst/>
+                <a:latin typeface="+mn-lt"/>
+                <a:ea typeface="+mn-ea"/>
+                <a:cs typeface="+mn-cs"/>
+              </a:rPr>
+              <a:t>pastoviai</a:t>
+            </a:r>
+            <a:r>
+              <a:rPr lang="en-US" sz="1200" b="0" i="0" u="none" strike="noStrike" kern="1200" dirty="0">
+                <a:solidFill>
+                  <a:schemeClr val="tx1"/>
+                </a:solidFill>
+                <a:effectLst/>
+                <a:latin typeface="+mn-lt"/>
+                <a:ea typeface="+mn-ea"/>
+                <a:cs typeface="+mn-cs"/>
+              </a:rPr>
+              <a:t> </a:t>
+            </a:r>
+            <a:r>
+              <a:rPr lang="en-US" sz="1200" b="0" i="0" u="none" strike="noStrike" kern="1200" dirty="0" err="1">
+                <a:solidFill>
+                  <a:schemeClr val="tx1"/>
+                </a:solidFill>
+                <a:effectLst/>
+                <a:latin typeface="+mn-lt"/>
+                <a:ea typeface="+mn-ea"/>
+                <a:cs typeface="+mn-cs"/>
+              </a:rPr>
+              <a:t>sukami</a:t>
+            </a:r>
+            <a:r>
+              <a:rPr lang="en-US" sz="1200" b="0" i="0" u="none" strike="noStrike" kern="1200" dirty="0">
+                <a:solidFill>
+                  <a:schemeClr val="tx1"/>
+                </a:solidFill>
+                <a:effectLst/>
+                <a:latin typeface="+mn-lt"/>
+                <a:ea typeface="+mn-ea"/>
+                <a:cs typeface="+mn-cs"/>
+              </a:rPr>
+              <a:t> </a:t>
+            </a:r>
+            <a:r>
+              <a:rPr lang="en-US" sz="1200" b="0" i="0" u="none" strike="noStrike" kern="1200" dirty="0" err="1">
+                <a:solidFill>
+                  <a:schemeClr val="tx1"/>
+                </a:solidFill>
+                <a:effectLst/>
+                <a:latin typeface="+mn-lt"/>
+                <a:ea typeface="+mn-ea"/>
+                <a:cs typeface="+mn-cs"/>
+              </a:rPr>
+              <a:t>testai</a:t>
+            </a:r>
+            <a:r>
+              <a:rPr lang="en-US" sz="1200" b="0" i="0" u="none" strike="noStrike" kern="1200" dirty="0">
+                <a:solidFill>
+                  <a:schemeClr val="tx1"/>
+                </a:solidFill>
+                <a:effectLst/>
+                <a:latin typeface="+mn-lt"/>
+                <a:ea typeface="+mn-ea"/>
+                <a:cs typeface="+mn-cs"/>
+              </a:rPr>
+              <a:t>, </a:t>
+            </a:r>
+            <a:r>
+              <a:rPr lang="en-US" sz="1200" b="0" i="0" u="none" strike="noStrike" kern="1200" dirty="0" err="1">
+                <a:solidFill>
+                  <a:schemeClr val="tx1"/>
+                </a:solidFill>
+                <a:effectLst/>
+                <a:latin typeface="+mn-lt"/>
+                <a:ea typeface="+mn-ea"/>
+                <a:cs typeface="+mn-cs"/>
+              </a:rPr>
+              <a:t>neleist</a:t>
+            </a:r>
+            <a:r>
+              <a:rPr lang="en-US" sz="1200" b="0" i="0" u="none" strike="noStrike" kern="1200" dirty="0">
+                <a:solidFill>
+                  <a:schemeClr val="tx1"/>
+                </a:solidFill>
+                <a:effectLst/>
+                <a:latin typeface="+mn-lt"/>
+                <a:ea typeface="+mn-ea"/>
+                <a:cs typeface="+mn-cs"/>
+              </a:rPr>
+              <a:t> </a:t>
+            </a:r>
+            <a:r>
+              <a:rPr lang="en-US" sz="1200" b="0" i="0" u="none" strike="noStrike" kern="1200" dirty="0" err="1">
+                <a:solidFill>
+                  <a:schemeClr val="tx1"/>
+                </a:solidFill>
+                <a:effectLst/>
+                <a:latin typeface="+mn-lt"/>
+                <a:ea typeface="+mn-ea"/>
+                <a:cs typeface="+mn-cs"/>
+              </a:rPr>
+              <a:t>merginti</a:t>
+            </a:r>
+            <a:r>
+              <a:rPr lang="en-US" sz="1200" b="0" i="0" u="none" strike="noStrike" kern="1200" dirty="0">
+                <a:solidFill>
+                  <a:schemeClr val="tx1"/>
+                </a:solidFill>
+                <a:effectLst/>
+                <a:latin typeface="+mn-lt"/>
+                <a:ea typeface="+mn-ea"/>
+                <a:cs typeface="+mn-cs"/>
+              </a:rPr>
+              <a:t> </a:t>
+            </a:r>
+            <a:r>
+              <a:rPr lang="en-US" sz="1200" b="0" i="0" u="none" strike="noStrike" kern="1200" dirty="0" err="1">
+                <a:solidFill>
+                  <a:schemeClr val="tx1"/>
+                </a:solidFill>
+                <a:effectLst/>
+                <a:latin typeface="+mn-lt"/>
+                <a:ea typeface="+mn-ea"/>
+                <a:cs typeface="+mn-cs"/>
+              </a:rPr>
+              <a:t>failinancio</a:t>
+            </a:r>
+            <a:r>
+              <a:rPr lang="en-US" sz="1200" b="0" i="0" u="none" strike="noStrike" kern="1200" dirty="0">
+                <a:solidFill>
+                  <a:schemeClr val="tx1"/>
+                </a:solidFill>
+                <a:effectLst/>
+                <a:latin typeface="+mn-lt"/>
+                <a:ea typeface="+mn-ea"/>
+                <a:cs typeface="+mn-cs"/>
+              </a:rPr>
+              <a:t> </a:t>
+            </a:r>
+            <a:r>
+              <a:rPr lang="en-US" sz="1200" b="0" i="0" u="none" strike="noStrike" kern="1200" dirty="0" err="1">
+                <a:solidFill>
+                  <a:schemeClr val="tx1"/>
+                </a:solidFill>
+                <a:effectLst/>
+                <a:latin typeface="+mn-lt"/>
+                <a:ea typeface="+mn-ea"/>
+                <a:cs typeface="+mn-cs"/>
+              </a:rPr>
+              <a:t>kodo</a:t>
+            </a:r>
+            <a:endParaRPr lang="en-US" sz="1200" b="0" i="0" u="none" strike="noStrike" kern="1200" dirty="0">
+              <a:solidFill>
+                <a:schemeClr val="tx1"/>
+              </a:solidFill>
+              <a:effectLst/>
+              <a:latin typeface="+mn-lt"/>
+              <a:ea typeface="+mn-ea"/>
+              <a:cs typeface="+mn-cs"/>
+            </a:endParaRPr>
+          </a:p>
+          <a:p>
+            <a:r>
+              <a:rPr lang="en-US" sz="1200" b="1" i="0" u="none" strike="noStrike" kern="1200" dirty="0" err="1">
+                <a:solidFill>
+                  <a:schemeClr val="tx1"/>
+                </a:solidFill>
+                <a:effectLst/>
+                <a:latin typeface="+mn-lt"/>
+                <a:ea typeface="+mn-ea"/>
+                <a:cs typeface="+mn-cs"/>
+              </a:rPr>
+              <a:t>Automatiniai</a:t>
+            </a:r>
             <a:r>
               <a:rPr lang="en-US" sz="1200" b="1" i="0" u="none" strike="noStrike" kern="1200" dirty="0">
                 <a:solidFill>
@@ -2449,7 +5702,19 @@
                 <a:ea typeface="+mn-ea"/>
                 <a:cs typeface="+mn-cs"/>
               </a:rPr>
-              <a:t>Automating the Process</a:t>
+              <a:t> </a:t>
+            </a:r>
+            <a:r>
+              <a:rPr lang="en-US" sz="1200" b="1" i="0" u="none" strike="noStrike" kern="1200" dirty="0" err="1">
+                <a:solidFill>
+                  <a:schemeClr val="tx1"/>
+                </a:solidFill>
+                <a:effectLst/>
+                <a:latin typeface="+mn-lt"/>
+                <a:ea typeface="+mn-ea"/>
+                <a:cs typeface="+mn-cs"/>
+              </a:rPr>
+              <a:t>procesai</a:t>
             </a:r>
             <a:r>
               <a:rPr lang="en-US" sz="1200" b="0" i="0" u="none" strike="noStrike" kern="1200" dirty="0">
@@ -2461,10 +5726,307 @@
                 <a:ea typeface="+mn-ea"/>
                 <a:cs typeface="+mn-cs"/>
               </a:rPr>
-              <a:t>: The Manual effort is reduced a lot since CI automates build and a few other tests.</a:t>
-            </a:r>
-          </a:p>
-          <a:p>
+              <a:t>: </a:t>
+            </a:r>
+            <a:r>
+              <a:rPr lang="en-US" sz="1200" b="0" i="0" u="none" strike="noStrike" kern="1200" dirty="0" err="1">
+                <a:solidFill>
+                  <a:schemeClr val="tx1"/>
+                </a:solidFill>
+                <a:effectLst/>
+                <a:latin typeface="+mn-lt"/>
+                <a:ea typeface="+mn-ea"/>
+                <a:cs typeface="+mn-cs"/>
+              </a:rPr>
+              <a:t>sumazeja</a:t>
+            </a:r>
+            <a:r>
+              <a:rPr lang="en-US" sz="1200" b="0" i="0" u="none" strike="noStrike" kern="1200" dirty="0">
+                <a:solidFill>
+                  <a:schemeClr val="tx1"/>
+                </a:solidFill>
+                <a:effectLst/>
+                <a:latin typeface="+mn-lt"/>
+                <a:ea typeface="+mn-ea"/>
+                <a:cs typeface="+mn-cs"/>
+              </a:rPr>
+              <a:t> manual </a:t>
+            </a:r>
+            <a:r>
+              <a:rPr lang="en-US" sz="1200" b="0" i="0" u="none" strike="noStrike" kern="1200" dirty="0" err="1">
+                <a:solidFill>
+                  <a:schemeClr val="tx1"/>
+                </a:solidFill>
+                <a:effectLst/>
+                <a:latin typeface="+mn-lt"/>
+                <a:ea typeface="+mn-ea"/>
+                <a:cs typeface="+mn-cs"/>
+              </a:rPr>
+              <a:t>darbas</a:t>
+            </a:r>
+            <a:r>
+              <a:rPr lang="en-US" sz="1200" b="0" i="0" u="none" strike="noStrike" kern="1200" dirty="0">
+                <a:solidFill>
+                  <a:schemeClr val="tx1"/>
+                </a:solidFill>
+                <a:effectLst/>
+                <a:latin typeface="+mn-lt"/>
+                <a:ea typeface="+mn-ea"/>
+                <a:cs typeface="+mn-cs"/>
+              </a:rPr>
+              <a:t>, </a:t>
+            </a:r>
+            <a:r>
+              <a:rPr lang="en-US" sz="1200" b="0" i="0" u="none" strike="noStrike" kern="1200" dirty="0" err="1">
+                <a:solidFill>
+                  <a:schemeClr val="tx1"/>
+                </a:solidFill>
+                <a:effectLst/>
+                <a:latin typeface="+mn-lt"/>
+                <a:ea typeface="+mn-ea"/>
+                <a:cs typeface="+mn-cs"/>
+              </a:rPr>
+              <a:t>nes</a:t>
+            </a:r>
+            <a:r>
+              <a:rPr lang="en-US" sz="1200" b="0" i="0" u="none" strike="noStrike" kern="1200" dirty="0">
+                <a:solidFill>
+                  <a:schemeClr val="tx1"/>
+                </a:solidFill>
+                <a:effectLst/>
+                <a:latin typeface="+mn-lt"/>
+                <a:ea typeface="+mn-ea"/>
+                <a:cs typeface="+mn-cs"/>
+              </a:rPr>
+              <a:t> </a:t>
+            </a:r>
+            <a:r>
+              <a:rPr lang="en-US" sz="1200" b="0" i="0" u="none" strike="noStrike" kern="1200" dirty="0" err="1">
+                <a:solidFill>
+                  <a:schemeClr val="tx1"/>
+                </a:solidFill>
+                <a:effectLst/>
+                <a:latin typeface="+mn-lt"/>
+                <a:ea typeface="+mn-ea"/>
+                <a:cs typeface="+mn-cs"/>
+              </a:rPr>
+              <a:t>paspaudi</a:t>
+            </a:r>
+            <a:r>
+              <a:rPr lang="en-US" sz="1200" b="0" i="0" u="none" strike="noStrike" kern="1200" dirty="0">
+                <a:solidFill>
+                  <a:schemeClr val="tx1"/>
+                </a:solidFill>
+                <a:effectLst/>
+                <a:latin typeface="+mn-lt"/>
+                <a:ea typeface="+mn-ea"/>
+                <a:cs typeface="+mn-cs"/>
+              </a:rPr>
+              <a:t> </a:t>
+            </a:r>
+            <a:r>
+              <a:rPr lang="en-US" sz="1200" b="0" i="0" u="none" strike="noStrike" kern="1200" dirty="0" err="1">
+                <a:solidFill>
+                  <a:schemeClr val="tx1"/>
+                </a:solidFill>
+                <a:effectLst/>
+                <a:latin typeface="+mn-lt"/>
+                <a:ea typeface="+mn-ea"/>
+                <a:cs typeface="+mn-cs"/>
+              </a:rPr>
+              <a:t>viena</a:t>
+            </a:r>
+            <a:r>
+              <a:rPr lang="en-US" sz="1200" b="0" i="0" u="none" strike="noStrike" kern="1200" dirty="0">
+                <a:solidFill>
+                  <a:schemeClr val="tx1"/>
+                </a:solidFill>
+                <a:effectLst/>
+                <a:latin typeface="+mn-lt"/>
+                <a:ea typeface="+mn-ea"/>
+                <a:cs typeface="+mn-cs"/>
+              </a:rPr>
+              <a:t> </a:t>
+            </a:r>
+            <a:r>
+              <a:rPr lang="en-US" sz="1200" b="0" i="0" u="none" strike="noStrike" kern="1200" dirty="0" err="1">
+                <a:solidFill>
+                  <a:schemeClr val="tx1"/>
+                </a:solidFill>
+                <a:effectLst/>
+                <a:latin typeface="+mn-lt"/>
+                <a:ea typeface="+mn-ea"/>
+                <a:cs typeface="+mn-cs"/>
+              </a:rPr>
+              <a:t>mygtuka</a:t>
+            </a:r>
+            <a:r>
+              <a:rPr lang="en-US" sz="1200" b="0" i="0" u="none" strike="noStrike" kern="1200" dirty="0">
+                <a:solidFill>
+                  <a:schemeClr val="tx1"/>
+                </a:solidFill>
+                <a:effectLst/>
+                <a:latin typeface="+mn-lt"/>
+                <a:ea typeface="+mn-ea"/>
+                <a:cs typeface="+mn-cs"/>
+              </a:rPr>
+              <a:t> </a:t>
+            </a:r>
+            <a:r>
+              <a:rPr lang="en-US" sz="1200" b="0" i="0" u="none" strike="noStrike" kern="1200" dirty="0" err="1">
+                <a:solidFill>
+                  <a:schemeClr val="tx1"/>
+                </a:solidFill>
+                <a:effectLst/>
+                <a:latin typeface="+mn-lt"/>
+                <a:ea typeface="+mn-ea"/>
+                <a:cs typeface="+mn-cs"/>
+              </a:rPr>
+              <a:t>ir</a:t>
+            </a:r>
+            <a:r>
+              <a:rPr lang="en-US" sz="1200" b="0" i="0" u="none" strike="noStrike" kern="1200" dirty="0">
+                <a:solidFill>
+                  <a:schemeClr val="tx1"/>
+                </a:solidFill>
+                <a:effectLst/>
+                <a:latin typeface="+mn-lt"/>
+                <a:ea typeface="+mn-ea"/>
+                <a:cs typeface="+mn-cs"/>
+              </a:rPr>
+              <a:t> </a:t>
+            </a:r>
+            <a:r>
+              <a:rPr lang="en-US" sz="1200" b="0" i="0" u="none" strike="noStrike" kern="1200" dirty="0" err="1">
+                <a:solidFill>
+                  <a:schemeClr val="tx1"/>
+                </a:solidFill>
+                <a:effectLst/>
+                <a:latin typeface="+mn-lt"/>
+                <a:ea typeface="+mn-ea"/>
+                <a:cs typeface="+mn-cs"/>
+              </a:rPr>
+              <a:t>lauki</a:t>
+            </a:r>
+            <a:r>
+              <a:rPr lang="en-US" sz="1200" b="0" i="0" u="none" strike="noStrike" kern="1200" dirty="0">
+                <a:solidFill>
+                  <a:schemeClr val="tx1"/>
+                </a:solidFill>
+                <a:effectLst/>
+                <a:latin typeface="+mn-lt"/>
+                <a:ea typeface="+mn-ea"/>
+                <a:cs typeface="+mn-cs"/>
+              </a:rPr>
+              <a:t> </a:t>
+            </a:r>
+            <a:r>
+              <a:rPr lang="en-US" sz="1200" b="0" i="0" u="none" strike="noStrike" kern="1200" dirty="0" err="1">
+                <a:solidFill>
+                  <a:schemeClr val="tx1"/>
+                </a:solidFill>
+                <a:effectLst/>
+                <a:latin typeface="+mn-lt"/>
+                <a:ea typeface="+mn-ea"/>
+                <a:cs typeface="+mn-cs"/>
+              </a:rPr>
+              <a:t>kol</a:t>
+            </a:r>
+            <a:r>
+              <a:rPr lang="en-US" sz="1200" b="0" i="0" u="none" strike="noStrike" kern="1200" dirty="0">
+                <a:solidFill>
+                  <a:schemeClr val="tx1"/>
+                </a:solidFill>
+                <a:effectLst/>
+                <a:latin typeface="+mn-lt"/>
+                <a:ea typeface="+mn-ea"/>
+                <a:cs typeface="+mn-cs"/>
+              </a:rPr>
+              <a:t> </a:t>
+            </a:r>
+            <a:r>
+              <a:rPr lang="en-US" sz="1200" b="0" i="0" u="none" strike="noStrike" kern="1200" dirty="0" err="1">
+                <a:solidFill>
+                  <a:schemeClr val="tx1"/>
+                </a:solidFill>
+                <a:effectLst/>
+                <a:latin typeface="+mn-lt"/>
+                <a:ea typeface="+mn-ea"/>
+                <a:cs typeface="+mn-cs"/>
+              </a:rPr>
+              <a:t>prasisuks</a:t>
+            </a:r>
+            <a:r>
+              <a:rPr lang="en-US" sz="1200" b="0" i="0" u="none" strike="noStrike" kern="1200" dirty="0">
+                <a:solidFill>
+                  <a:schemeClr val="tx1"/>
+                </a:solidFill>
+                <a:effectLst/>
+                <a:latin typeface="+mn-lt"/>
+                <a:ea typeface="+mn-ea"/>
+                <a:cs typeface="+mn-cs"/>
+              </a:rPr>
+              <a:t> </a:t>
+            </a:r>
+            <a:r>
+              <a:rPr lang="en-US" sz="1200" b="0" i="0" u="none" strike="noStrike" kern="1200" dirty="0" err="1">
+                <a:solidFill>
+                  <a:schemeClr val="tx1"/>
+                </a:solidFill>
+                <a:effectLst/>
+                <a:latin typeface="+mn-lt"/>
+                <a:ea typeface="+mn-ea"/>
+                <a:cs typeface="+mn-cs"/>
+              </a:rPr>
+              <a:t>visi</a:t>
+            </a:r>
+            <a:r>
+              <a:rPr lang="en-US" sz="1200" b="0" i="0" u="none" strike="noStrike" kern="1200" dirty="0">
+                <a:solidFill>
+                  <a:schemeClr val="tx1"/>
+                </a:solidFill>
+                <a:effectLst/>
+                <a:latin typeface="+mn-lt"/>
+                <a:ea typeface="+mn-ea"/>
+                <a:cs typeface="+mn-cs"/>
+              </a:rPr>
+              <a:t> </a:t>
+            </a:r>
+            <a:r>
+              <a:rPr lang="en-US" sz="1200" b="0" i="0" u="none" strike="noStrike" kern="1200" dirty="0" err="1">
+                <a:solidFill>
+                  <a:schemeClr val="tx1"/>
+                </a:solidFill>
+                <a:effectLst/>
+                <a:latin typeface="+mn-lt"/>
+                <a:ea typeface="+mn-ea"/>
+                <a:cs typeface="+mn-cs"/>
+              </a:rPr>
+              <a:t>darbai</a:t>
+            </a:r>
+            <a:endParaRPr lang="en-US" sz="1200" b="0" i="0" u="none" strike="noStrike" kern="1200" dirty="0">
+              <a:solidFill>
+                <a:schemeClr val="tx1"/>
+              </a:solidFill>
+              <a:effectLst/>
+              <a:latin typeface="+mn-lt"/>
+              <a:ea typeface="+mn-ea"/>
+              <a:cs typeface="+mn-cs"/>
+            </a:endParaRPr>
+          </a:p>
+          <a:p>
+            <a:r>
+              <a:rPr lang="en-US" sz="1200" b="1" i="0" u="none" strike="noStrike" kern="1200" dirty="0" err="1">
+                <a:solidFill>
+                  <a:schemeClr val="tx1"/>
+                </a:solidFill>
+                <a:effectLst/>
+                <a:latin typeface="+mn-lt"/>
+                <a:ea typeface="+mn-ea"/>
+                <a:cs typeface="+mn-cs"/>
+              </a:rPr>
+              <a:t>Aiskus</a:t>
+            </a:r>
             <a:r>
               <a:rPr lang="en-US" sz="1200" b="1" i="0" u="none" strike="noStrike" kern="1200" dirty="0">
                 <a:solidFill>
@@ -2475,7 +6037,19 @@
                 <a:ea typeface="+mn-ea"/>
                 <a:cs typeface="+mn-cs"/>
               </a:rPr>
-              <a:t>The Process Becomes Transparent</a:t>
+              <a:t> </a:t>
+            </a:r>
+            <a:r>
+              <a:rPr lang="en-US" sz="1200" b="1" i="0" u="none" strike="noStrike" kern="1200" dirty="0" err="1">
+                <a:solidFill>
+                  <a:schemeClr val="tx1"/>
+                </a:solidFill>
+                <a:effectLst/>
+                <a:latin typeface="+mn-lt"/>
+                <a:ea typeface="+mn-ea"/>
+                <a:cs typeface="+mn-cs"/>
+              </a:rPr>
+              <a:t>procesai</a:t>
             </a:r>
             <a:r>
               <a:rPr lang="en-US" sz="1200" b="0" i="0" u="none" strike="noStrike" kern="1200" dirty="0">
@@ -2487,10 +6061,198 @@
                 <a:ea typeface="+mn-ea"/>
                 <a:cs typeface="+mn-cs"/>
               </a:rPr>
-              <a:t>: The team gets a clear idea when a test fails, what is causing the failure and whether there are any significant defects. </a:t>
-            </a:r>
-          </a:p>
-          <a:p>
+              <a:t>: </a:t>
+            </a:r>
+            <a:r>
+              <a:rPr lang="en-US" sz="1200" b="0" i="0" u="none" strike="noStrike" kern="1200" dirty="0" err="1">
+                <a:solidFill>
+                  <a:schemeClr val="tx1"/>
+                </a:solidFill>
+                <a:effectLst/>
+                <a:latin typeface="+mn-lt"/>
+                <a:ea typeface="+mn-ea"/>
+                <a:cs typeface="+mn-cs"/>
+              </a:rPr>
+              <a:t>aiskiai</a:t>
+            </a:r>
+            <a:r>
+              <a:rPr lang="en-US" sz="1200" b="0" i="0" u="none" strike="noStrike" kern="1200" dirty="0">
+                <a:solidFill>
+                  <a:schemeClr val="tx1"/>
+                </a:solidFill>
+                <a:effectLst/>
+                <a:latin typeface="+mn-lt"/>
+                <a:ea typeface="+mn-ea"/>
+                <a:cs typeface="+mn-cs"/>
+              </a:rPr>
+              <a:t> </a:t>
+            </a:r>
+            <a:r>
+              <a:rPr lang="en-US" sz="1200" b="0" i="0" u="none" strike="noStrike" kern="1200" dirty="0" err="1">
+                <a:solidFill>
+                  <a:schemeClr val="tx1"/>
+                </a:solidFill>
+                <a:effectLst/>
+                <a:latin typeface="+mn-lt"/>
+                <a:ea typeface="+mn-ea"/>
+                <a:cs typeface="+mn-cs"/>
+              </a:rPr>
+              <a:t>matomi</a:t>
+            </a:r>
+            <a:r>
+              <a:rPr lang="en-US" sz="1200" b="0" i="0" u="none" strike="noStrike" kern="1200" dirty="0">
+                <a:solidFill>
+                  <a:schemeClr val="tx1"/>
+                </a:solidFill>
+                <a:effectLst/>
+                <a:latin typeface="+mn-lt"/>
+                <a:ea typeface="+mn-ea"/>
+                <a:cs typeface="+mn-cs"/>
+              </a:rPr>
+              <a:t> </a:t>
+            </a:r>
+            <a:r>
+              <a:rPr lang="en-US" sz="1200" b="0" i="0" u="none" strike="noStrike" kern="1200" dirty="0" err="1">
+                <a:solidFill>
+                  <a:schemeClr val="tx1"/>
+                </a:solidFill>
+                <a:effectLst/>
+                <a:latin typeface="+mn-lt"/>
+                <a:ea typeface="+mn-ea"/>
+                <a:cs typeface="+mn-cs"/>
+              </a:rPr>
+              <a:t>buildu</a:t>
+            </a:r>
+            <a:r>
+              <a:rPr lang="en-US" sz="1200" b="0" i="0" u="none" strike="noStrike" kern="1200" dirty="0">
+                <a:solidFill>
+                  <a:schemeClr val="tx1"/>
+                </a:solidFill>
+                <a:effectLst/>
+                <a:latin typeface="+mn-lt"/>
+                <a:ea typeface="+mn-ea"/>
+                <a:cs typeface="+mn-cs"/>
+              </a:rPr>
+              <a:t> </a:t>
+            </a:r>
+            <a:r>
+              <a:rPr lang="en-US" sz="1200" b="0" i="0" u="none" strike="noStrike" kern="1200" dirty="0" err="1">
+                <a:solidFill>
+                  <a:schemeClr val="tx1"/>
+                </a:solidFill>
+                <a:effectLst/>
+                <a:latin typeface="+mn-lt"/>
+                <a:ea typeface="+mn-ea"/>
+                <a:cs typeface="+mn-cs"/>
+              </a:rPr>
+              <a:t>progresai</a:t>
+            </a:r>
+            <a:r>
+              <a:rPr lang="en-US" sz="1200" b="0" i="0" u="none" strike="noStrike" kern="1200" dirty="0">
+                <a:solidFill>
+                  <a:schemeClr val="tx1"/>
+                </a:solidFill>
+                <a:effectLst/>
+                <a:latin typeface="+mn-lt"/>
+                <a:ea typeface="+mn-ea"/>
+                <a:cs typeface="+mn-cs"/>
+              </a:rPr>
+              <a:t>, </a:t>
+            </a:r>
+            <a:r>
+              <a:rPr lang="en-US" sz="1200" b="0" i="0" u="none" strike="noStrike" kern="1200" dirty="0" err="1">
+                <a:solidFill>
+                  <a:schemeClr val="tx1"/>
+                </a:solidFill>
+                <a:effectLst/>
+                <a:latin typeface="+mn-lt"/>
+                <a:ea typeface="+mn-ea"/>
+                <a:cs typeface="+mn-cs"/>
+              </a:rPr>
+              <a:t>ar</a:t>
+            </a:r>
+            <a:r>
+              <a:rPr lang="en-US" sz="1200" b="0" i="0" u="none" strike="noStrike" kern="1200" dirty="0">
+                <a:solidFill>
+                  <a:schemeClr val="tx1"/>
+                </a:solidFill>
+                <a:effectLst/>
+                <a:latin typeface="+mn-lt"/>
+                <a:ea typeface="+mn-ea"/>
+                <a:cs typeface="+mn-cs"/>
+              </a:rPr>
+              <a:t> </a:t>
+            </a:r>
+            <a:r>
+              <a:rPr lang="en-US" sz="1200" b="0" i="0" u="none" strike="noStrike" kern="1200" dirty="0" err="1">
+                <a:solidFill>
+                  <a:schemeClr val="tx1"/>
+                </a:solidFill>
+                <a:effectLst/>
+                <a:latin typeface="+mn-lt"/>
+                <a:ea typeface="+mn-ea"/>
+                <a:cs typeface="+mn-cs"/>
+              </a:rPr>
+              <a:t>failinimo</a:t>
+            </a:r>
+            <a:r>
+              <a:rPr lang="en-US" sz="1200" b="0" i="0" u="none" strike="noStrike" kern="1200" dirty="0">
+                <a:solidFill>
+                  <a:schemeClr val="tx1"/>
+                </a:solidFill>
+                <a:effectLst/>
+                <a:latin typeface="+mn-lt"/>
+                <a:ea typeface="+mn-ea"/>
+                <a:cs typeface="+mn-cs"/>
+              </a:rPr>
+              <a:t> </a:t>
+            </a:r>
+            <a:r>
+              <a:rPr lang="en-US" sz="1200" b="0" i="0" u="none" strike="noStrike" kern="1200" dirty="0" err="1">
+                <a:solidFill>
+                  <a:schemeClr val="tx1"/>
+                </a:solidFill>
+                <a:effectLst/>
+                <a:latin typeface="+mn-lt"/>
+                <a:ea typeface="+mn-ea"/>
+                <a:cs typeface="+mn-cs"/>
+              </a:rPr>
+              <a:t>priezastys</a:t>
+            </a:r>
+            <a:endParaRPr lang="en-US" sz="1200" b="0" i="0" u="none" strike="noStrike" kern="1200" dirty="0">
+              <a:solidFill>
+                <a:schemeClr val="tx1"/>
+              </a:solidFill>
+              <a:effectLst/>
+              <a:latin typeface="+mn-lt"/>
+              <a:ea typeface="+mn-ea"/>
+              <a:cs typeface="+mn-cs"/>
+            </a:endParaRPr>
+          </a:p>
+          <a:p>
+            <a:endParaRPr lang="en-US" sz="1200" b="0" i="0" u="none" strike="noStrike" kern="1200" dirty="0">
+              <a:solidFill>
+                <a:schemeClr val="tx1"/>
+              </a:solidFill>
+              <a:effectLst/>
+              <a:latin typeface="+mn-lt"/>
+              <a:ea typeface="+mn-ea"/>
+              <a:cs typeface="+mn-cs"/>
+            </a:endParaRPr>
+          </a:p>
+          <a:p>
+            <a:r>
+              <a:rPr lang="en-US" sz="1200" b="1" i="0" u="none" strike="noStrike" kern="1200" dirty="0" err="1">
+                <a:solidFill>
+                  <a:schemeClr val="tx1"/>
+                </a:solidFill>
+                <a:effectLst/>
+                <a:latin typeface="+mn-lt"/>
+                <a:ea typeface="+mn-ea"/>
+                <a:cs typeface="+mn-cs"/>
+              </a:rPr>
+              <a:t>Efektyvus</a:t>
+            </a:r>
             <a:r>
               <a:rPr lang="en-US" sz="1200" b="1" i="0" u="none" strike="noStrike" kern="1200" dirty="0">
                 <a:solidFill>
@@ -2501,7 +6263,19 @@
                 <a:ea typeface="+mn-ea"/>
                 <a:cs typeface="+mn-cs"/>
               </a:rPr>
-              <a:t>Cost-Effective Process</a:t>
+              <a:t> </a:t>
+            </a:r>
+            <a:r>
+              <a:rPr lang="en-US" sz="1200" b="1" i="0" u="none" strike="noStrike" kern="1200" dirty="0" err="1">
+                <a:solidFill>
+                  <a:schemeClr val="tx1"/>
+                </a:solidFill>
+                <a:effectLst/>
+                <a:latin typeface="+mn-lt"/>
+                <a:ea typeface="+mn-ea"/>
+                <a:cs typeface="+mn-cs"/>
+              </a:rPr>
+              <a:t>procesai</a:t>
             </a:r>
             <a:r>
               <a:rPr lang="en-US" sz="1200" b="0" i="0" u="none" strike="noStrike" kern="1200" dirty="0">
@@ -2513,8 +6287,149 @@
                 <a:ea typeface="+mn-ea"/>
                 <a:cs typeface="+mn-cs"/>
               </a:rPr>
-              <a:t>: Since the bug count is low, manual testing time is greatly reduced and the clarity increases on the overall system, it optimizes the budget of the project.</a:t>
-            </a:r>
+              <a:t>: </a:t>
+            </a:r>
+            <a:r>
+              <a:rPr lang="en-US" sz="1200" b="0" i="0" u="none" strike="noStrike" kern="1200" dirty="0" err="1">
+                <a:solidFill>
+                  <a:schemeClr val="tx1"/>
+                </a:solidFill>
+                <a:effectLst/>
+                <a:latin typeface="+mn-lt"/>
+                <a:ea typeface="+mn-ea"/>
+                <a:cs typeface="+mn-cs"/>
+              </a:rPr>
+              <a:t>visi</a:t>
+            </a:r>
+            <a:r>
+              <a:rPr lang="en-US" sz="1200" b="0" i="0" u="none" strike="noStrike" kern="1200" dirty="0">
+                <a:solidFill>
+                  <a:schemeClr val="tx1"/>
+                </a:solidFill>
+                <a:effectLst/>
+                <a:latin typeface="+mn-lt"/>
+                <a:ea typeface="+mn-ea"/>
+                <a:cs typeface="+mn-cs"/>
+              </a:rPr>
+              <a:t> pries tai </a:t>
+            </a:r>
+            <a:r>
+              <a:rPr lang="en-US" sz="1200" b="0" i="0" u="none" strike="noStrike" kern="1200" dirty="0" err="1">
+                <a:solidFill>
+                  <a:schemeClr val="tx1"/>
+                </a:solidFill>
+                <a:effectLst/>
+                <a:latin typeface="+mn-lt"/>
+                <a:ea typeface="+mn-ea"/>
+                <a:cs typeface="+mn-cs"/>
+              </a:rPr>
+              <a:t>isvardinti</a:t>
+            </a:r>
+            <a:r>
+              <a:rPr lang="en-US" sz="1200" b="0" i="0" u="none" strike="noStrike" kern="1200" dirty="0">
+                <a:solidFill>
+                  <a:schemeClr val="tx1"/>
+                </a:solidFill>
+                <a:effectLst/>
+                <a:latin typeface="+mn-lt"/>
+                <a:ea typeface="+mn-ea"/>
+                <a:cs typeface="+mn-cs"/>
+              </a:rPr>
+              <a:t> </a:t>
+            </a:r>
+            <a:r>
+              <a:rPr lang="en-US" sz="1200" b="0" i="0" u="none" strike="noStrike" kern="1200" dirty="0" err="1">
+                <a:solidFill>
+                  <a:schemeClr val="tx1"/>
+                </a:solidFill>
+                <a:effectLst/>
+                <a:latin typeface="+mn-lt"/>
+                <a:ea typeface="+mn-ea"/>
+                <a:cs typeface="+mn-cs"/>
+              </a:rPr>
+              <a:t>privaluymai</a:t>
+            </a:r>
+            <a:r>
+              <a:rPr lang="en-US" sz="1200" b="0" i="0" u="none" strike="noStrike" kern="1200" dirty="0">
+                <a:solidFill>
+                  <a:schemeClr val="tx1"/>
+                </a:solidFill>
+                <a:effectLst/>
+                <a:latin typeface="+mn-lt"/>
+                <a:ea typeface="+mn-ea"/>
+                <a:cs typeface="+mn-cs"/>
+              </a:rPr>
+              <a:t> </a:t>
+            </a:r>
+            <a:r>
+              <a:rPr lang="en-US" sz="1200" b="0" i="0" u="none" strike="noStrike" kern="1200" dirty="0" err="1">
+                <a:solidFill>
+                  <a:schemeClr val="tx1"/>
+                </a:solidFill>
+                <a:effectLst/>
+                <a:latin typeface="+mn-lt"/>
+                <a:ea typeface="+mn-ea"/>
+                <a:cs typeface="+mn-cs"/>
+              </a:rPr>
+              <a:t>taupo</a:t>
+            </a:r>
+            <a:r>
+              <a:rPr lang="en-US" sz="1200" b="0" i="0" u="none" strike="noStrike" kern="1200" dirty="0">
+                <a:solidFill>
+                  <a:schemeClr val="tx1"/>
+                </a:solidFill>
+                <a:effectLst/>
+                <a:latin typeface="+mn-lt"/>
+                <a:ea typeface="+mn-ea"/>
+                <a:cs typeface="+mn-cs"/>
+              </a:rPr>
+              <a:t> </a:t>
+            </a:r>
+            <a:r>
+              <a:rPr lang="en-US" sz="1200" b="0" i="0" u="none" strike="noStrike" kern="1200" dirty="0" err="1">
+                <a:solidFill>
+                  <a:schemeClr val="tx1"/>
+                </a:solidFill>
+                <a:effectLst/>
+                <a:latin typeface="+mn-lt"/>
+                <a:ea typeface="+mn-ea"/>
+                <a:cs typeface="+mn-cs"/>
+              </a:rPr>
+              <a:t>projekto</a:t>
+            </a:r>
+            <a:r>
+              <a:rPr lang="en-US" sz="1200" b="0" i="0" u="none" strike="noStrike" kern="1200" dirty="0">
+                <a:solidFill>
+                  <a:schemeClr val="tx1"/>
+                </a:solidFill>
+                <a:effectLst/>
+                <a:latin typeface="+mn-lt"/>
+                <a:ea typeface="+mn-ea"/>
+                <a:cs typeface="+mn-cs"/>
+              </a:rPr>
+              <a:t> </a:t>
+            </a:r>
+            <a:r>
+              <a:rPr lang="en-US" sz="1200" b="0" i="0" u="none" strike="noStrike" kern="1200" dirty="0" err="1">
+                <a:solidFill>
+                  <a:schemeClr val="tx1"/>
+                </a:solidFill>
+                <a:effectLst/>
+                <a:latin typeface="+mn-lt"/>
+                <a:ea typeface="+mn-ea"/>
+                <a:cs typeface="+mn-cs"/>
+              </a:rPr>
+              <a:t>pinigus</a:t>
+            </a:r>
+            <a:endParaRPr lang="en-US" sz="1200" b="0" i="0" u="none" strike="noStrike" kern="1200" dirty="0">
+              <a:solidFill>
+                <a:schemeClr val="tx1"/>
+              </a:solidFill>
+              <a:effectLst/>
+              <a:latin typeface="+mn-lt"/>
+              <a:ea typeface="+mn-ea"/>
+              <a:cs typeface="+mn-cs"/>
+            </a:endParaRPr>
           </a:p>
           <a:p>
             <a:pPr marL="0" marR="0" lvl="0" indent="0" algn="l" defTabSz="914400" rtl="0" eaLnBrk="1" fontAlgn="auto" latinLnBrk="0" hangingPunct="1">
@@ -2544,7 +6459,7 @@
                 <a:ea typeface="+mn-ea"/>
                 <a:cs typeface="+mn-cs"/>
               </a:rPr>
-              <a:t>Confidency</a:t>
+              <a:t>Pasitikejimas</a:t>
             </a:r>
             <a:r>
               <a:rPr lang="en-US" sz="1200" b="0" i="0" u="none" strike="noStrike" kern="1200" dirty="0">
@@ -2556,8 +6471,413 @@
                 <a:ea typeface="+mn-ea"/>
                 <a:cs typeface="+mn-cs"/>
               </a:rPr>
-              <a:t>: it gives confident after all automated stuff passes</a:t>
-            </a:r>
+              <a:t>: </a:t>
+            </a:r>
+            <a:r>
+              <a:rPr lang="en-US" sz="1200" b="0" i="0" u="none" strike="noStrike" kern="1200" dirty="0" err="1">
+                <a:solidFill>
+                  <a:schemeClr val="tx1"/>
+                </a:solidFill>
+                <a:effectLst/>
+                <a:latin typeface="+mn-lt"/>
+                <a:ea typeface="+mn-ea"/>
+                <a:cs typeface="+mn-cs"/>
+              </a:rPr>
+              <a:t>implementavus</a:t>
+            </a:r>
+            <a:r>
+              <a:rPr lang="en-US" sz="1200" b="0" i="0" u="none" strike="noStrike" kern="1200" dirty="0">
+                <a:solidFill>
+                  <a:schemeClr val="tx1"/>
+                </a:solidFill>
+                <a:effectLst/>
+                <a:latin typeface="+mn-lt"/>
+                <a:ea typeface="+mn-ea"/>
+                <a:cs typeface="+mn-cs"/>
+              </a:rPr>
+              <a:t> net </a:t>
+            </a:r>
+            <a:r>
+              <a:rPr lang="en-US" sz="1200" b="0" i="0" u="none" strike="noStrike" kern="1200" dirty="0" err="1">
+                <a:solidFill>
+                  <a:schemeClr val="tx1"/>
+                </a:solidFill>
+                <a:effectLst/>
+                <a:latin typeface="+mn-lt"/>
+                <a:ea typeface="+mn-ea"/>
+                <a:cs typeface="+mn-cs"/>
+              </a:rPr>
+              <a:t>dideli</a:t>
+            </a:r>
+            <a:r>
+              <a:rPr lang="en-US" sz="1200" b="0" i="0" u="none" strike="noStrike" kern="1200" dirty="0">
+                <a:solidFill>
+                  <a:schemeClr val="tx1"/>
+                </a:solidFill>
+                <a:effectLst/>
+                <a:latin typeface="+mn-lt"/>
+                <a:ea typeface="+mn-ea"/>
+                <a:cs typeface="+mn-cs"/>
+              </a:rPr>
+              <a:t> change, </a:t>
+            </a:r>
+            <a:r>
+              <a:rPr lang="en-US" sz="1200" b="0" i="0" u="none" strike="noStrike" kern="1200" dirty="0" err="1">
+                <a:solidFill>
+                  <a:schemeClr val="tx1"/>
+                </a:solidFill>
+                <a:effectLst/>
+                <a:latin typeface="+mn-lt"/>
+                <a:ea typeface="+mn-ea"/>
+                <a:cs typeface="+mn-cs"/>
+              </a:rPr>
+              <a:t>jei</a:t>
+            </a:r>
+            <a:r>
+              <a:rPr lang="en-US" sz="1200" b="0" i="0" u="none" strike="noStrike" kern="1200" dirty="0">
+                <a:solidFill>
+                  <a:schemeClr val="tx1"/>
+                </a:solidFill>
+                <a:effectLst/>
+                <a:latin typeface="+mn-lt"/>
+                <a:ea typeface="+mn-ea"/>
+                <a:cs typeface="+mn-cs"/>
+              </a:rPr>
+              <a:t> </a:t>
+            </a:r>
+            <a:r>
+              <a:rPr lang="en-US" sz="1200" b="0" i="0" u="none" strike="noStrike" kern="1200" dirty="0" err="1">
+                <a:solidFill>
+                  <a:schemeClr val="tx1"/>
+                </a:solidFill>
+                <a:effectLst/>
+                <a:latin typeface="+mn-lt"/>
+                <a:ea typeface="+mn-ea"/>
+                <a:cs typeface="+mn-cs"/>
+              </a:rPr>
+              <a:t>visi</a:t>
+            </a:r>
+            <a:r>
+              <a:rPr lang="en-US" sz="1200" b="0" i="0" u="none" strike="noStrike" kern="1200" dirty="0">
+                <a:solidFill>
+                  <a:schemeClr val="tx1"/>
+                </a:solidFill>
+                <a:effectLst/>
+                <a:latin typeface="+mn-lt"/>
+                <a:ea typeface="+mn-ea"/>
+                <a:cs typeface="+mn-cs"/>
+              </a:rPr>
+              <a:t> </a:t>
+            </a:r>
+            <a:r>
+              <a:rPr lang="en-US" sz="1200" b="0" i="0" u="none" strike="noStrike" kern="1200" dirty="0" err="1">
+                <a:solidFill>
+                  <a:schemeClr val="tx1"/>
+                </a:solidFill>
+                <a:effectLst/>
+                <a:latin typeface="+mn-lt"/>
+                <a:ea typeface="+mn-ea"/>
+                <a:cs typeface="+mn-cs"/>
+              </a:rPr>
+              <a:t>buildai</a:t>
+            </a:r>
+            <a:r>
+              <a:rPr lang="en-US" sz="1200" b="0" i="0" u="none" strike="noStrike" kern="1200" dirty="0">
+                <a:solidFill>
+                  <a:schemeClr val="tx1"/>
+                </a:solidFill>
+                <a:effectLst/>
+                <a:latin typeface="+mn-lt"/>
+                <a:ea typeface="+mn-ea"/>
+                <a:cs typeface="+mn-cs"/>
+              </a:rPr>
+              <a:t> </a:t>
+            </a:r>
+            <a:r>
+              <a:rPr lang="en-US" sz="1200" b="0" i="0" u="none" strike="noStrike" kern="1200" dirty="0" err="1">
+                <a:solidFill>
+                  <a:schemeClr val="tx1"/>
+                </a:solidFill>
+                <a:effectLst/>
+                <a:latin typeface="+mn-lt"/>
+                <a:ea typeface="+mn-ea"/>
+                <a:cs typeface="+mn-cs"/>
+              </a:rPr>
+              <a:t>prasisuko</a:t>
+            </a:r>
+            <a:r>
+              <a:rPr lang="en-US" sz="1200" b="0" i="0" u="none" strike="noStrike" kern="1200" dirty="0">
+                <a:solidFill>
+                  <a:schemeClr val="tx1"/>
+                </a:solidFill>
+                <a:effectLst/>
+                <a:latin typeface="+mn-lt"/>
+                <a:ea typeface="+mn-ea"/>
+                <a:cs typeface="+mn-cs"/>
+              </a:rPr>
+              <a:t> </a:t>
+            </a:r>
+            <a:r>
+              <a:rPr lang="en-US" sz="1200" b="0" i="0" u="none" strike="noStrike" kern="1200" dirty="0" err="1">
+                <a:solidFill>
+                  <a:schemeClr val="tx1"/>
+                </a:solidFill>
+                <a:effectLst/>
+                <a:latin typeface="+mn-lt"/>
+                <a:ea typeface="+mn-ea"/>
+                <a:cs typeface="+mn-cs"/>
+              </a:rPr>
+              <a:t>gerai</a:t>
+            </a:r>
+            <a:r>
+              <a:rPr lang="en-US" sz="1200" b="0" i="0" u="none" strike="noStrike" kern="1200" dirty="0">
+                <a:solidFill>
+                  <a:schemeClr val="tx1"/>
+                </a:solidFill>
+                <a:effectLst/>
+                <a:latin typeface="+mn-lt"/>
+                <a:ea typeface="+mn-ea"/>
+                <a:cs typeface="+mn-cs"/>
+              </a:rPr>
+              <a:t>, </a:t>
+            </a:r>
+            <a:r>
+              <a:rPr lang="en-US" sz="1200" b="0" i="0" u="none" strike="noStrike" kern="1200" dirty="0" err="1">
+                <a:solidFill>
+                  <a:schemeClr val="tx1"/>
+                </a:solidFill>
+                <a:effectLst/>
+                <a:latin typeface="+mn-lt"/>
+                <a:ea typeface="+mn-ea"/>
+                <a:cs typeface="+mn-cs"/>
+              </a:rPr>
+              <a:t>gali</a:t>
+            </a:r>
+            <a:r>
+              <a:rPr lang="en-US" sz="1200" b="0" i="0" u="none" strike="noStrike" kern="1200" dirty="0">
+                <a:solidFill>
+                  <a:schemeClr val="tx1"/>
+                </a:solidFill>
+                <a:effectLst/>
+                <a:latin typeface="+mn-lt"/>
+                <a:ea typeface="+mn-ea"/>
+                <a:cs typeface="+mn-cs"/>
+              </a:rPr>
+              <a:t> </a:t>
+            </a:r>
+            <a:r>
+              <a:rPr lang="en-US" sz="1200" b="0" i="0" u="none" strike="noStrike" kern="1200" dirty="0" err="1">
+                <a:solidFill>
+                  <a:schemeClr val="tx1"/>
+                </a:solidFill>
+                <a:effectLst/>
+                <a:latin typeface="+mn-lt"/>
+                <a:ea typeface="+mn-ea"/>
+                <a:cs typeface="+mn-cs"/>
+              </a:rPr>
+              <a:t>jaustis</a:t>
+            </a:r>
+            <a:r>
+              <a:rPr lang="en-US" sz="1200" b="0" i="0" u="none" strike="noStrike" kern="1200" dirty="0">
+                <a:solidFill>
+                  <a:schemeClr val="tx1"/>
+                </a:solidFill>
+                <a:effectLst/>
+                <a:latin typeface="+mn-lt"/>
+                <a:ea typeface="+mn-ea"/>
+                <a:cs typeface="+mn-cs"/>
+              </a:rPr>
+              <a:t> </a:t>
+            </a:r>
+            <a:r>
+              <a:rPr lang="en-US" sz="1200" b="0" i="0" u="none" strike="noStrike" kern="1200" dirty="0" err="1">
+                <a:solidFill>
+                  <a:schemeClr val="tx1"/>
+                </a:solidFill>
+                <a:effectLst/>
+                <a:latin typeface="+mn-lt"/>
+                <a:ea typeface="+mn-ea"/>
+                <a:cs typeface="+mn-cs"/>
+              </a:rPr>
+              <a:t>ramiau</a:t>
+            </a:r>
+            <a:r>
+              <a:rPr lang="en-US" sz="1200" b="0" i="0" u="none" strike="noStrike" kern="1200" dirty="0">
+                <a:solidFill>
+                  <a:schemeClr val="tx1"/>
+                </a:solidFill>
+                <a:effectLst/>
+                <a:latin typeface="+mn-lt"/>
+                <a:ea typeface="+mn-ea"/>
+                <a:cs typeface="+mn-cs"/>
+              </a:rPr>
+              <a:t> </a:t>
+            </a:r>
+            <a:r>
+              <a:rPr lang="en-US" sz="1200" b="0" i="0" u="none" strike="noStrike" kern="1200" dirty="0" err="1">
+                <a:solidFill>
+                  <a:schemeClr val="tx1"/>
+                </a:solidFill>
+                <a:effectLst/>
+                <a:latin typeface="+mn-lt"/>
+                <a:ea typeface="+mn-ea"/>
+                <a:cs typeface="+mn-cs"/>
+              </a:rPr>
+              <a:t>zinodamas</a:t>
+            </a:r>
+            <a:r>
+              <a:rPr lang="en-US" sz="1200" b="0" i="0" u="none" strike="noStrike" kern="1200" dirty="0">
+                <a:solidFill>
+                  <a:schemeClr val="tx1"/>
+                </a:solidFill>
+                <a:effectLst/>
+                <a:latin typeface="+mn-lt"/>
+                <a:ea typeface="+mn-ea"/>
+                <a:cs typeface="+mn-cs"/>
+              </a:rPr>
+              <a:t> </a:t>
+            </a:r>
+            <a:r>
+              <a:rPr lang="en-US" sz="1200" b="0" i="0" u="none" strike="noStrike" kern="1200" dirty="0" err="1">
+                <a:solidFill>
+                  <a:schemeClr val="tx1"/>
+                </a:solidFill>
+                <a:effectLst/>
+                <a:latin typeface="+mn-lt"/>
+                <a:ea typeface="+mn-ea"/>
+                <a:cs typeface="+mn-cs"/>
+              </a:rPr>
+              <a:t>kad</a:t>
+            </a:r>
+            <a:r>
+              <a:rPr lang="en-US" sz="1200" b="0" i="0" u="none" strike="noStrike" kern="1200" dirty="0">
+                <a:solidFill>
+                  <a:schemeClr val="tx1"/>
+                </a:solidFill>
+                <a:effectLst/>
+                <a:latin typeface="+mn-lt"/>
+                <a:ea typeface="+mn-ea"/>
+                <a:cs typeface="+mn-cs"/>
+              </a:rPr>
+              <a:t> </a:t>
+            </a:r>
+            <a:r>
+              <a:rPr lang="en-US" sz="1200" b="0" i="0" u="none" strike="noStrike" kern="1200" dirty="0" err="1">
+                <a:solidFill>
+                  <a:schemeClr val="tx1"/>
+                </a:solidFill>
+                <a:effectLst/>
+                <a:latin typeface="+mn-lt"/>
+                <a:ea typeface="+mn-ea"/>
+                <a:cs typeface="+mn-cs"/>
+              </a:rPr>
+              <a:t>daugiau</a:t>
+            </a:r>
+            <a:r>
+              <a:rPr lang="en-US" sz="1200" b="0" i="0" u="none" strike="noStrike" kern="1200" dirty="0">
+                <a:solidFill>
+                  <a:schemeClr val="tx1"/>
+                </a:solidFill>
+                <a:effectLst/>
+                <a:latin typeface="+mn-lt"/>
+                <a:ea typeface="+mn-ea"/>
+                <a:cs typeface="+mn-cs"/>
+              </a:rPr>
+              <a:t> </a:t>
+            </a:r>
+            <a:r>
+              <a:rPr lang="en-US" sz="1200" b="0" i="0" u="none" strike="noStrike" kern="1200" dirty="0" err="1">
+                <a:solidFill>
+                  <a:schemeClr val="tx1"/>
+                </a:solidFill>
+                <a:effectLst/>
+                <a:latin typeface="+mn-lt"/>
+                <a:ea typeface="+mn-ea"/>
+                <a:cs typeface="+mn-cs"/>
+              </a:rPr>
+              <a:t>maziau</a:t>
+            </a:r>
+            <a:r>
+              <a:rPr lang="en-US" sz="1200" b="0" i="0" u="none" strike="noStrike" kern="1200" dirty="0">
+                <a:solidFill>
+                  <a:schemeClr val="tx1"/>
+                </a:solidFill>
+                <a:effectLst/>
+                <a:latin typeface="+mn-lt"/>
+                <a:ea typeface="+mn-ea"/>
+                <a:cs typeface="+mn-cs"/>
+              </a:rPr>
+              <a:t> </a:t>
+            </a:r>
+            <a:r>
+              <a:rPr lang="en-US" sz="1200" b="0" i="0" u="none" strike="noStrike" kern="1200" dirty="0" err="1">
+                <a:solidFill>
+                  <a:schemeClr val="tx1"/>
+                </a:solidFill>
+                <a:effectLst/>
+                <a:latin typeface="+mn-lt"/>
+                <a:ea typeface="+mn-ea"/>
+                <a:cs typeface="+mn-cs"/>
+              </a:rPr>
+              <a:t>viskas</a:t>
+            </a:r>
+            <a:r>
+              <a:rPr lang="en-US" sz="1200" b="0" i="0" u="none" strike="noStrike" kern="1200" dirty="0">
+                <a:solidFill>
+                  <a:schemeClr val="tx1"/>
+                </a:solidFill>
+                <a:effectLst/>
+                <a:latin typeface="+mn-lt"/>
+                <a:ea typeface="+mn-ea"/>
+                <a:cs typeface="+mn-cs"/>
+              </a:rPr>
+              <a:t> </a:t>
+            </a:r>
+            <a:r>
+              <a:rPr lang="en-US" sz="1200" b="0" i="0" u="none" strike="noStrike" kern="1200" dirty="0" err="1">
+                <a:solidFill>
+                  <a:schemeClr val="tx1"/>
+                </a:solidFill>
+                <a:effectLst/>
+                <a:latin typeface="+mn-lt"/>
+                <a:ea typeface="+mn-ea"/>
+                <a:cs typeface="+mn-cs"/>
+              </a:rPr>
+              <a:t>yra</a:t>
+            </a:r>
+            <a:r>
+              <a:rPr lang="en-US" sz="1200" b="0" i="0" u="none" strike="noStrike" kern="1200" dirty="0">
+                <a:solidFill>
+                  <a:schemeClr val="tx1"/>
+                </a:solidFill>
+                <a:effectLst/>
+                <a:latin typeface="+mn-lt"/>
+                <a:ea typeface="+mn-ea"/>
+                <a:cs typeface="+mn-cs"/>
+              </a:rPr>
+              <a:t> </a:t>
+            </a:r>
+            <a:r>
+              <a:rPr lang="en-US" sz="1200" b="0" i="0" u="none" strike="noStrike" kern="1200" dirty="0" err="1">
+                <a:solidFill>
+                  <a:schemeClr val="tx1"/>
+                </a:solidFill>
+                <a:effectLst/>
+                <a:latin typeface="+mn-lt"/>
+                <a:ea typeface="+mn-ea"/>
+                <a:cs typeface="+mn-cs"/>
+              </a:rPr>
+              <a:t>gerai</a:t>
+            </a:r>
+            <a:endParaRPr lang="en-US" sz="1200" b="0" i="0" u="none" strike="noStrike" kern="1200" dirty="0">
+              <a:solidFill>
+                <a:schemeClr val="tx1"/>
+              </a:solidFill>
+              <a:effectLst/>
+              <a:latin typeface="+mn-lt"/>
+              <a:ea typeface="+mn-ea"/>
+              <a:cs typeface="+mn-cs"/>
+            </a:endParaRPr>
           </a:p>
           <a:p>
             <a:endParaRPr lang="en-US" sz="1200" b="0" i="0" u="none" strike="noStrike" kern="1200" dirty="0">
@@ -2654,6 +6974,18 @@
           <a:lstStyle/>
           <a:p>
             <a:r>
+              <a:rPr lang="en-US" sz="1200" b="0" i="0" kern="1200" dirty="0" err="1">
+                <a:solidFill>
+                  <a:schemeClr val="tx1"/>
+                </a:solidFill>
+                <a:effectLst/>
+                <a:latin typeface="+mn-lt"/>
+                <a:ea typeface="+mn-ea"/>
+                <a:cs typeface="+mn-cs"/>
+              </a:rPr>
+              <a:t>Mygtuko</a:t>
+            </a:r>
+            <a:r>
               <a:rPr lang="en-US" sz="1200" b="0" i="0" kern="1200" dirty="0">
                 <a:solidFill>
                   <a:schemeClr val="tx1"/>
@@ -2663,9 +6995,392 @@
                 <a:ea typeface="+mn-ea"/>
                 <a:cs typeface="+mn-cs"/>
               </a:rPr>
-              <a:t>Continuous delivery is the process of getting all kinds of changes to production. Changes may include configuration changes, new features, error fixes etc. They are delivered to the user in a safe, quick and sustainable manner.</a:t>
-            </a:r>
-            <a:endParaRPr lang="lt-LT" dirty="0"/>
+              <a:t> </a:t>
+            </a:r>
+            <a:r>
+              <a:rPr lang="en-US" sz="1200" b="0" i="0" kern="1200" dirty="0" err="1">
+                <a:solidFill>
+                  <a:schemeClr val="tx1"/>
+                </a:solidFill>
+                <a:effectLst/>
+                <a:latin typeface="+mn-lt"/>
+                <a:ea typeface="+mn-ea"/>
+                <a:cs typeface="+mn-cs"/>
+              </a:rPr>
+              <a:t>paspaudimu</a:t>
+            </a:r>
+            <a:r>
+              <a:rPr lang="en-US" sz="1200" b="0" i="0" kern="1200" dirty="0">
+                <a:solidFill>
+                  <a:schemeClr val="tx1"/>
+                </a:solidFill>
+                <a:effectLst/>
+                <a:latin typeface="+mn-lt"/>
+                <a:ea typeface="+mn-ea"/>
+                <a:cs typeface="+mn-cs"/>
+              </a:rPr>
+              <a:t> </a:t>
+            </a:r>
+            <a:r>
+              <a:rPr lang="en-US" sz="1200" b="0" i="0" kern="1200" dirty="0" err="1">
+                <a:solidFill>
+                  <a:schemeClr val="tx1"/>
+                </a:solidFill>
+                <a:effectLst/>
+                <a:latin typeface="+mn-lt"/>
+                <a:ea typeface="+mn-ea"/>
+                <a:cs typeface="+mn-cs"/>
+              </a:rPr>
+              <a:t>viskas</a:t>
+            </a:r>
+            <a:r>
+              <a:rPr lang="en-US" sz="1200" b="0" i="0" kern="1200" dirty="0">
+                <a:solidFill>
+                  <a:schemeClr val="tx1"/>
+                </a:solidFill>
+                <a:effectLst/>
+                <a:latin typeface="+mn-lt"/>
+                <a:ea typeface="+mn-ea"/>
+                <a:cs typeface="+mn-cs"/>
+              </a:rPr>
+              <a:t> </a:t>
+            </a:r>
+            <a:r>
+              <a:rPr lang="en-US" sz="1200" b="0" i="0" kern="1200" dirty="0" err="1">
+                <a:solidFill>
+                  <a:schemeClr val="tx1"/>
+                </a:solidFill>
+                <a:effectLst/>
+                <a:latin typeface="+mn-lt"/>
+                <a:ea typeface="+mn-ea"/>
+                <a:cs typeface="+mn-cs"/>
+              </a:rPr>
+              <a:t>padaroma</a:t>
+            </a:r>
+            <a:r>
+              <a:rPr lang="en-US" sz="1200" b="0" i="0" kern="1200" dirty="0">
+                <a:solidFill>
+                  <a:schemeClr val="tx1"/>
+                </a:solidFill>
+                <a:effectLst/>
+                <a:latin typeface="+mn-lt"/>
+                <a:ea typeface="+mn-ea"/>
+                <a:cs typeface="+mn-cs"/>
+              </a:rPr>
+              <a:t>, </a:t>
+            </a:r>
+            <a:r>
+              <a:rPr lang="en-US" sz="1200" b="0" i="0" kern="1200" dirty="0" err="1">
+                <a:solidFill>
+                  <a:schemeClr val="tx1"/>
+                </a:solidFill>
+                <a:effectLst/>
+                <a:latin typeface="+mn-lt"/>
+                <a:ea typeface="+mn-ea"/>
+                <a:cs typeface="+mn-cs"/>
+              </a:rPr>
+              <a:t>nes</a:t>
+            </a:r>
+            <a:r>
+              <a:rPr lang="en-US" sz="1200" b="0" i="0" kern="1200" dirty="0">
+                <a:solidFill>
+                  <a:schemeClr val="tx1"/>
+                </a:solidFill>
+                <a:effectLst/>
+                <a:latin typeface="+mn-lt"/>
+                <a:ea typeface="+mn-ea"/>
+                <a:cs typeface="+mn-cs"/>
+              </a:rPr>
+              <a:t> </a:t>
+            </a:r>
+            <a:r>
+              <a:rPr lang="en-US" sz="1200" b="0" i="0" kern="1200" dirty="0" err="1">
+                <a:solidFill>
+                  <a:schemeClr val="tx1"/>
+                </a:solidFill>
+                <a:effectLst/>
+                <a:latin typeface="+mn-lt"/>
+                <a:ea typeface="+mn-ea"/>
+                <a:cs typeface="+mn-cs"/>
+              </a:rPr>
+              <a:t>kitaip</a:t>
+            </a:r>
+            <a:r>
+              <a:rPr lang="en-US" sz="1200" b="0" i="0" kern="1200" dirty="0">
+                <a:solidFill>
+                  <a:schemeClr val="tx1"/>
+                </a:solidFill>
+                <a:effectLst/>
+                <a:latin typeface="+mn-lt"/>
+                <a:ea typeface="+mn-ea"/>
+                <a:cs typeface="+mn-cs"/>
+              </a:rPr>
+              <a:t> </a:t>
+            </a:r>
+            <a:r>
+              <a:rPr lang="en-US" sz="1200" b="0" i="0" kern="1200" dirty="0" err="1">
+                <a:solidFill>
+                  <a:schemeClr val="tx1"/>
+                </a:solidFill>
+                <a:effectLst/>
+                <a:latin typeface="+mn-lt"/>
+                <a:ea typeface="+mn-ea"/>
+                <a:cs typeface="+mn-cs"/>
+              </a:rPr>
+              <a:t>reiketu</a:t>
+            </a:r>
+            <a:r>
+              <a:rPr lang="en-US" sz="1200" b="0" i="0" kern="1200" dirty="0">
+                <a:solidFill>
+                  <a:schemeClr val="tx1"/>
+                </a:solidFill>
+                <a:effectLst/>
+                <a:latin typeface="+mn-lt"/>
+                <a:ea typeface="+mn-ea"/>
+                <a:cs typeface="+mn-cs"/>
+              </a:rPr>
+              <a:t> </a:t>
+            </a:r>
+            <a:r>
+              <a:rPr lang="en-US" sz="1200" b="0" i="0" kern="1200" dirty="0" err="1">
+                <a:solidFill>
+                  <a:schemeClr val="tx1"/>
+                </a:solidFill>
+                <a:effectLst/>
+                <a:latin typeface="+mn-lt"/>
+                <a:ea typeface="+mn-ea"/>
+                <a:cs typeface="+mn-cs"/>
+              </a:rPr>
+              <a:t>paciam</a:t>
+            </a:r>
+            <a:r>
+              <a:rPr lang="en-US" sz="1200" b="0" i="0" kern="1200" dirty="0">
+                <a:solidFill>
+                  <a:schemeClr val="tx1"/>
+                </a:solidFill>
+                <a:effectLst/>
+                <a:latin typeface="+mn-lt"/>
+                <a:ea typeface="+mn-ea"/>
+                <a:cs typeface="+mn-cs"/>
+              </a:rPr>
+              <a:t> </a:t>
+            </a:r>
+            <a:r>
+              <a:rPr lang="en-US" sz="1200" b="0" i="0" kern="1200" dirty="0" err="1">
+                <a:solidFill>
+                  <a:schemeClr val="tx1"/>
+                </a:solidFill>
+                <a:effectLst/>
+                <a:latin typeface="+mn-lt"/>
+                <a:ea typeface="+mn-ea"/>
+                <a:cs typeface="+mn-cs"/>
+              </a:rPr>
+              <a:t>prisijungti</a:t>
+            </a:r>
+            <a:r>
+              <a:rPr lang="en-US" sz="1200" b="0" i="0" kern="1200" dirty="0">
+                <a:solidFill>
+                  <a:schemeClr val="tx1"/>
+                </a:solidFill>
+                <a:effectLst/>
+                <a:latin typeface="+mn-lt"/>
+                <a:ea typeface="+mn-ea"/>
+                <a:cs typeface="+mn-cs"/>
+              </a:rPr>
+              <a:t> I </a:t>
+            </a:r>
+            <a:r>
+              <a:rPr lang="en-US" sz="1200" b="0" i="0" kern="1200" dirty="0" err="1">
+                <a:solidFill>
+                  <a:schemeClr val="tx1"/>
+                </a:solidFill>
+                <a:effectLst/>
+                <a:latin typeface="+mn-lt"/>
+                <a:ea typeface="+mn-ea"/>
+                <a:cs typeface="+mn-cs"/>
+              </a:rPr>
+              <a:t>serveri</a:t>
+            </a:r>
+            <a:r>
+              <a:rPr lang="en-US" sz="1200" b="0" i="0" kern="1200" dirty="0">
+                <a:solidFill>
+                  <a:schemeClr val="tx1"/>
+                </a:solidFill>
+                <a:effectLst/>
+                <a:latin typeface="+mn-lt"/>
+                <a:ea typeface="+mn-ea"/>
+                <a:cs typeface="+mn-cs"/>
+              </a:rPr>
+              <a:t>, </a:t>
+            </a:r>
+            <a:r>
+              <a:rPr lang="en-US" sz="1200" b="0" i="0" kern="1200" dirty="0" err="1">
+                <a:solidFill>
+                  <a:schemeClr val="tx1"/>
+                </a:solidFill>
+                <a:effectLst/>
+                <a:latin typeface="+mn-lt"/>
+                <a:ea typeface="+mn-ea"/>
+                <a:cs typeface="+mn-cs"/>
+              </a:rPr>
+              <a:t>pullintis</a:t>
+            </a:r>
+            <a:r>
+              <a:rPr lang="en-US" sz="1200" b="0" i="0" kern="1200" dirty="0">
+                <a:solidFill>
+                  <a:schemeClr val="tx1"/>
+                </a:solidFill>
+                <a:effectLst/>
+                <a:latin typeface="+mn-lt"/>
+                <a:ea typeface="+mn-ea"/>
+                <a:cs typeface="+mn-cs"/>
+              </a:rPr>
+              <a:t> </a:t>
+            </a:r>
+            <a:r>
+              <a:rPr lang="en-US" sz="1200" b="0" i="0" kern="1200" dirty="0" err="1">
+                <a:solidFill>
+                  <a:schemeClr val="tx1"/>
+                </a:solidFill>
+                <a:effectLst/>
+                <a:latin typeface="+mn-lt"/>
+                <a:ea typeface="+mn-ea"/>
+                <a:cs typeface="+mn-cs"/>
+              </a:rPr>
+              <a:t>gito</a:t>
+            </a:r>
+            <a:r>
+              <a:rPr lang="en-US" sz="1200" b="0" i="0" kern="1200" dirty="0">
+                <a:solidFill>
+                  <a:schemeClr val="tx1"/>
+                </a:solidFill>
+                <a:effectLst/>
+                <a:latin typeface="+mn-lt"/>
+                <a:ea typeface="+mn-ea"/>
+                <a:cs typeface="+mn-cs"/>
+              </a:rPr>
+              <a:t> </a:t>
+            </a:r>
+            <a:r>
+              <a:rPr lang="en-US" sz="1200" b="0" i="0" kern="1200" dirty="0" err="1">
+                <a:solidFill>
+                  <a:schemeClr val="tx1"/>
+                </a:solidFill>
+                <a:effectLst/>
+                <a:latin typeface="+mn-lt"/>
+                <a:ea typeface="+mn-ea"/>
+                <a:cs typeface="+mn-cs"/>
+              </a:rPr>
+              <a:t>changus</a:t>
+            </a:r>
+            <a:r>
+              <a:rPr lang="en-US" sz="1200" b="0" i="0" kern="1200" dirty="0">
+                <a:solidFill>
+                  <a:schemeClr val="tx1"/>
+                </a:solidFill>
+                <a:effectLst/>
+                <a:latin typeface="+mn-lt"/>
+                <a:ea typeface="+mn-ea"/>
+                <a:cs typeface="+mn-cs"/>
+              </a:rPr>
+              <a:t>, </a:t>
+            </a:r>
+            <a:r>
+              <a:rPr lang="en-US" sz="1200" b="0" i="0" kern="1200" dirty="0" err="1">
+                <a:solidFill>
+                  <a:schemeClr val="tx1"/>
+                </a:solidFill>
+                <a:effectLst/>
+                <a:latin typeface="+mn-lt"/>
+                <a:ea typeface="+mn-ea"/>
+                <a:cs typeface="+mn-cs"/>
+              </a:rPr>
+              <a:t>paleisti</a:t>
+            </a:r>
+            <a:r>
+              <a:rPr lang="en-US" sz="1200" b="0" i="0" kern="1200" dirty="0">
+                <a:solidFill>
+                  <a:schemeClr val="tx1"/>
+                </a:solidFill>
+                <a:effectLst/>
+                <a:latin typeface="+mn-lt"/>
+                <a:ea typeface="+mn-ea"/>
+                <a:cs typeface="+mn-cs"/>
+              </a:rPr>
+              <a:t>/</a:t>
+            </a:r>
+            <a:r>
+              <a:rPr lang="en-US" sz="1200" b="0" i="0" kern="1200" dirty="0" err="1">
+                <a:solidFill>
+                  <a:schemeClr val="tx1"/>
+                </a:solidFill>
+                <a:effectLst/>
+                <a:latin typeface="+mn-lt"/>
+                <a:ea typeface="+mn-ea"/>
+                <a:cs typeface="+mn-cs"/>
+              </a:rPr>
+              <a:t>restartuoti</a:t>
+            </a:r>
+            <a:r>
+              <a:rPr lang="en-US" sz="1200" b="0" i="0" kern="1200" dirty="0">
+                <a:solidFill>
+                  <a:schemeClr val="tx1"/>
+                </a:solidFill>
+                <a:effectLst/>
+                <a:latin typeface="+mn-lt"/>
+                <a:ea typeface="+mn-ea"/>
+                <a:cs typeface="+mn-cs"/>
+              </a:rPr>
+              <a:t> </a:t>
+            </a:r>
+            <a:r>
+              <a:rPr lang="en-US" sz="1200" b="0" i="0" kern="1200" dirty="0" err="1">
+                <a:solidFill>
+                  <a:schemeClr val="tx1"/>
+                </a:solidFill>
+                <a:effectLst/>
+                <a:latin typeface="+mn-lt"/>
+                <a:ea typeface="+mn-ea"/>
+                <a:cs typeface="+mn-cs"/>
+              </a:rPr>
+              <a:t>reikalingus</a:t>
+            </a:r>
+            <a:r>
+              <a:rPr lang="en-US" sz="1200" b="0" i="0" kern="1200" dirty="0">
+                <a:solidFill>
+                  <a:schemeClr val="tx1"/>
+                </a:solidFill>
+                <a:effectLst/>
+                <a:latin typeface="+mn-lt"/>
+                <a:ea typeface="+mn-ea"/>
+                <a:cs typeface="+mn-cs"/>
+              </a:rPr>
+              <a:t> </a:t>
+            </a:r>
+            <a:r>
+              <a:rPr lang="en-US" sz="1200" b="0" i="0" kern="1200" dirty="0" err="1">
+                <a:solidFill>
+                  <a:schemeClr val="tx1"/>
+                </a:solidFill>
+                <a:effectLst/>
+                <a:latin typeface="+mn-lt"/>
+                <a:ea typeface="+mn-ea"/>
+                <a:cs typeface="+mn-cs"/>
+              </a:rPr>
+              <a:t>servisus</a:t>
+            </a:r>
+            <a:r>
+              <a:rPr lang="en-US" sz="1200" b="0" i="0" kern="1200" dirty="0">
+                <a:solidFill>
+                  <a:schemeClr val="tx1"/>
+                </a:solidFill>
+                <a:effectLst/>
+                <a:latin typeface="+mn-lt"/>
+                <a:ea typeface="+mn-ea"/>
+                <a:cs typeface="+mn-cs"/>
+              </a:rPr>
+              <a:t>.</a:t>
+            </a:r>
           </a:p>
         </p:txBody>
       </p:sp>
@@ -2751,6 +7466,18 @@
           <a:lstStyle/>
           <a:p>
             <a:r>
+              <a:rPr lang="en-US" sz="1200" b="0" i="0" kern="1200" dirty="0" err="1">
+                <a:solidFill>
+                  <a:schemeClr val="tx1"/>
+                </a:solidFill>
+                <a:effectLst/>
+                <a:latin typeface="+mn-lt"/>
+                <a:ea typeface="+mn-ea"/>
+                <a:cs typeface="+mn-cs"/>
+              </a:rPr>
+              <a:t>Paskutinis</a:t>
+            </a:r>
+            <a:r>
               <a:rPr lang="en-US" sz="1200" b="0" i="0" kern="1200" dirty="0">
                 <a:solidFill>
                   <a:schemeClr val="tx1"/>
@@ -2760,7 +7487,343 @@
                 <a:ea typeface="+mn-ea"/>
                 <a:cs typeface="+mn-cs"/>
               </a:rPr>
-              <a:t>Continuous deployment extends continuous delivery so that the software build will automatically deploy if it passes all tests. In such a process, there is no need for a person to decide when and what goes into production. The last step in a CI/CD system will automatically deploy whatever build components/packages successfully exit the delivery pipeline. Such automatic deployments can be configured to quickly distribute components, features, and fixes to customers, and provide clarity on precisely what has is presently in production.</a:t>
+              <a:t> </a:t>
+            </a:r>
+            <a:r>
+              <a:rPr lang="en-US" sz="1200" b="0" i="0" kern="1200" dirty="0" err="1">
+                <a:solidFill>
+                  <a:schemeClr val="tx1"/>
+                </a:solidFill>
+                <a:effectLst/>
+                <a:latin typeface="+mn-lt"/>
+                <a:ea typeface="+mn-ea"/>
+                <a:cs typeface="+mn-cs"/>
+              </a:rPr>
+              <a:t>zingsnis</a:t>
+            </a:r>
+            <a:r>
+              <a:rPr lang="en-US" sz="1200" b="0" i="0" kern="1200" dirty="0">
+                <a:solidFill>
+                  <a:schemeClr val="tx1"/>
+                </a:solidFill>
+                <a:effectLst/>
+                <a:latin typeface="+mn-lt"/>
+                <a:ea typeface="+mn-ea"/>
+                <a:cs typeface="+mn-cs"/>
+              </a:rPr>
+              <a:t> CI/CD </a:t>
+            </a:r>
+            <a:r>
+              <a:rPr lang="en-US" sz="1200" b="0" i="0" kern="1200" dirty="0" err="1">
+                <a:solidFill>
+                  <a:schemeClr val="tx1"/>
+                </a:solidFill>
+                <a:effectLst/>
+                <a:latin typeface="+mn-lt"/>
+                <a:ea typeface="+mn-ea"/>
+                <a:cs typeface="+mn-cs"/>
+              </a:rPr>
+              <a:t>procese</a:t>
+            </a:r>
+            <a:r>
+              <a:rPr lang="en-US" sz="1200" b="0" i="0" kern="1200" dirty="0">
+                <a:solidFill>
+                  <a:schemeClr val="tx1"/>
+                </a:solidFill>
+                <a:effectLst/>
+                <a:latin typeface="+mn-lt"/>
+                <a:ea typeface="+mn-ea"/>
+                <a:cs typeface="+mn-cs"/>
+              </a:rPr>
+              <a:t>, </a:t>
+            </a:r>
+            <a:r>
+              <a:rPr lang="en-US" sz="1200" b="0" i="0" kern="1200" dirty="0" err="1">
+                <a:solidFill>
+                  <a:schemeClr val="tx1"/>
+                </a:solidFill>
+                <a:effectLst/>
+                <a:latin typeface="+mn-lt"/>
+                <a:ea typeface="+mn-ea"/>
+                <a:cs typeface="+mn-cs"/>
+              </a:rPr>
+              <a:t>yra</a:t>
+            </a:r>
+            <a:r>
+              <a:rPr lang="en-US" sz="1200" b="0" i="0" kern="1200" dirty="0">
+                <a:solidFill>
+                  <a:schemeClr val="tx1"/>
+                </a:solidFill>
+                <a:effectLst/>
+                <a:latin typeface="+mn-lt"/>
+                <a:ea typeface="+mn-ea"/>
+                <a:cs typeface="+mn-cs"/>
+              </a:rPr>
+              <a:t> </a:t>
+            </a:r>
+            <a:r>
+              <a:rPr lang="en-US" sz="1200" b="0" i="0" kern="1200" dirty="0" err="1">
+                <a:solidFill>
+                  <a:schemeClr val="tx1"/>
+                </a:solidFill>
+                <a:effectLst/>
+                <a:latin typeface="+mn-lt"/>
+                <a:ea typeface="+mn-ea"/>
+                <a:cs typeface="+mn-cs"/>
+              </a:rPr>
+              <a:t>padeplointi</a:t>
+            </a:r>
+            <a:r>
+              <a:rPr lang="en-US" sz="1200" b="0" i="0" kern="1200" dirty="0">
+                <a:solidFill>
+                  <a:schemeClr val="tx1"/>
+                </a:solidFill>
+                <a:effectLst/>
+                <a:latin typeface="+mn-lt"/>
+                <a:ea typeface="+mn-ea"/>
+                <a:cs typeface="+mn-cs"/>
+              </a:rPr>
+              <a:t> </a:t>
+            </a:r>
+            <a:r>
+              <a:rPr lang="en-US" sz="1200" b="0" i="0" kern="1200" dirty="0" err="1">
+                <a:solidFill>
+                  <a:schemeClr val="tx1"/>
+                </a:solidFill>
+                <a:effectLst/>
+                <a:latin typeface="+mn-lt"/>
+                <a:ea typeface="+mn-ea"/>
+                <a:cs typeface="+mn-cs"/>
+              </a:rPr>
+              <a:t>nauja</a:t>
+            </a:r>
+            <a:r>
+              <a:rPr lang="en-US" sz="1200" b="0" i="0" kern="1200" dirty="0">
+                <a:solidFill>
+                  <a:schemeClr val="tx1"/>
+                </a:solidFill>
+                <a:effectLst/>
+                <a:latin typeface="+mn-lt"/>
+                <a:ea typeface="+mn-ea"/>
+                <a:cs typeface="+mn-cs"/>
+              </a:rPr>
+              <a:t> </a:t>
+            </a:r>
+            <a:r>
+              <a:rPr lang="en-US" sz="1200" b="0" i="0" kern="1200" dirty="0" err="1">
+                <a:solidFill>
+                  <a:schemeClr val="tx1"/>
+                </a:solidFill>
+                <a:effectLst/>
+                <a:latin typeface="+mn-lt"/>
+                <a:ea typeface="+mn-ea"/>
+                <a:cs typeface="+mn-cs"/>
+              </a:rPr>
+              <a:t>funkcionaluma</a:t>
+            </a:r>
+            <a:r>
+              <a:rPr lang="en-US" sz="1200" b="0" i="0" kern="1200" dirty="0">
+                <a:solidFill>
+                  <a:schemeClr val="tx1"/>
+                </a:solidFill>
+                <a:effectLst/>
+                <a:latin typeface="+mn-lt"/>
+                <a:ea typeface="+mn-ea"/>
+                <a:cs typeface="+mn-cs"/>
+              </a:rPr>
+              <a:t> </a:t>
+            </a:r>
+            <a:r>
+              <a:rPr lang="en-US" sz="1200" b="0" i="0" kern="1200" dirty="0" err="1">
+                <a:solidFill>
+                  <a:schemeClr val="tx1"/>
+                </a:solidFill>
+                <a:effectLst/>
+                <a:latin typeface="+mn-lt"/>
+                <a:ea typeface="+mn-ea"/>
+                <a:cs typeface="+mn-cs"/>
+              </a:rPr>
+              <a:t>ar</a:t>
+            </a:r>
+            <a:r>
+              <a:rPr lang="en-US" sz="1200" b="0" i="0" kern="1200" dirty="0">
+                <a:solidFill>
+                  <a:schemeClr val="tx1"/>
+                </a:solidFill>
+                <a:effectLst/>
+                <a:latin typeface="+mn-lt"/>
+                <a:ea typeface="+mn-ea"/>
+                <a:cs typeface="+mn-cs"/>
+              </a:rPr>
+              <a:t> </a:t>
+            </a:r>
+            <a:r>
+              <a:rPr lang="en-US" sz="1200" b="0" i="0" kern="1200" dirty="0" err="1">
+                <a:solidFill>
+                  <a:schemeClr val="tx1"/>
+                </a:solidFill>
+                <a:effectLst/>
+                <a:latin typeface="+mn-lt"/>
+                <a:ea typeface="+mn-ea"/>
+                <a:cs typeface="+mn-cs"/>
+              </a:rPr>
+              <a:t>pataisyma</a:t>
+            </a:r>
+            <a:r>
+              <a:rPr lang="en-US" sz="1200" b="0" i="0" kern="1200" dirty="0">
+                <a:solidFill>
+                  <a:schemeClr val="tx1"/>
+                </a:solidFill>
+                <a:effectLst/>
+                <a:latin typeface="+mn-lt"/>
+                <a:ea typeface="+mn-ea"/>
+                <a:cs typeface="+mn-cs"/>
+              </a:rPr>
+              <a:t> </a:t>
+            </a:r>
+            <a:r>
+              <a:rPr lang="en-US" sz="1200" b="0" i="0" kern="1200" dirty="0" err="1">
+                <a:solidFill>
+                  <a:schemeClr val="tx1"/>
+                </a:solidFill>
+                <a:effectLst/>
+                <a:latin typeface="+mn-lt"/>
+                <a:ea typeface="+mn-ea"/>
+                <a:cs typeface="+mn-cs"/>
+              </a:rPr>
+              <a:t>vartotojui</a:t>
+            </a:r>
+            <a:r>
+              <a:rPr lang="en-US" sz="1200" b="0" i="0" kern="1200" dirty="0">
+                <a:solidFill>
+                  <a:schemeClr val="tx1"/>
+                </a:solidFill>
+                <a:effectLst/>
+                <a:latin typeface="+mn-lt"/>
+                <a:ea typeface="+mn-ea"/>
+                <a:cs typeface="+mn-cs"/>
+              </a:rPr>
+              <a:t>, </a:t>
+            </a:r>
+            <a:r>
+              <a:rPr lang="en-US" sz="1200" b="0" i="0" kern="1200" dirty="0" err="1">
+                <a:solidFill>
+                  <a:schemeClr val="tx1"/>
+                </a:solidFill>
+                <a:effectLst/>
+                <a:latin typeface="+mn-lt"/>
+                <a:ea typeface="+mn-ea"/>
+                <a:cs typeface="+mn-cs"/>
+              </a:rPr>
+              <a:t>jeigu</a:t>
+            </a:r>
+            <a:r>
+              <a:rPr lang="en-US" sz="1200" b="0" i="0" kern="1200" dirty="0">
+                <a:solidFill>
+                  <a:schemeClr val="tx1"/>
+                </a:solidFill>
+                <a:effectLst/>
+                <a:latin typeface="+mn-lt"/>
+                <a:ea typeface="+mn-ea"/>
+                <a:cs typeface="+mn-cs"/>
+              </a:rPr>
+              <a:t> </a:t>
+            </a:r>
+            <a:r>
+              <a:rPr lang="en-US" sz="1200" b="0" i="0" kern="1200" dirty="0" err="1">
+                <a:solidFill>
+                  <a:schemeClr val="tx1"/>
+                </a:solidFill>
+                <a:effectLst/>
+                <a:latin typeface="+mn-lt"/>
+                <a:ea typeface="+mn-ea"/>
+                <a:cs typeface="+mn-cs"/>
+              </a:rPr>
+              <a:t>visi</a:t>
+            </a:r>
+            <a:r>
+              <a:rPr lang="en-US" sz="1200" b="0" i="0" kern="1200" dirty="0">
+                <a:solidFill>
+                  <a:schemeClr val="tx1"/>
+                </a:solidFill>
+                <a:effectLst/>
+                <a:latin typeface="+mn-lt"/>
+                <a:ea typeface="+mn-ea"/>
+                <a:cs typeface="+mn-cs"/>
+              </a:rPr>
+              <a:t> </a:t>
+            </a:r>
+            <a:r>
+              <a:rPr lang="en-US" sz="1200" b="0" i="0" kern="1200" dirty="0" err="1">
+                <a:solidFill>
+                  <a:schemeClr val="tx1"/>
+                </a:solidFill>
+                <a:effectLst/>
+                <a:latin typeface="+mn-lt"/>
+                <a:ea typeface="+mn-ea"/>
+                <a:cs typeface="+mn-cs"/>
+              </a:rPr>
+              <a:t>checkai</a:t>
+            </a:r>
+            <a:r>
+              <a:rPr lang="en-US" sz="1200" b="0" i="0" kern="1200" dirty="0">
+                <a:solidFill>
+                  <a:schemeClr val="tx1"/>
+                </a:solidFill>
+                <a:effectLst/>
+                <a:latin typeface="+mn-lt"/>
+                <a:ea typeface="+mn-ea"/>
+                <a:cs typeface="+mn-cs"/>
+              </a:rPr>
+              <a:t> </a:t>
+            </a:r>
+            <a:r>
+              <a:rPr lang="en-US" sz="1200" b="0" i="0" kern="1200" dirty="0" err="1">
+                <a:solidFill>
+                  <a:schemeClr val="tx1"/>
+                </a:solidFill>
+                <a:effectLst/>
+                <a:latin typeface="+mn-lt"/>
+                <a:ea typeface="+mn-ea"/>
+                <a:cs typeface="+mn-cs"/>
+              </a:rPr>
+              <a:t>sekmingai</a:t>
+            </a:r>
+            <a:r>
+              <a:rPr lang="en-US" sz="1200" b="0" i="0" kern="1200" dirty="0">
+                <a:solidFill>
+                  <a:schemeClr val="tx1"/>
+                </a:solidFill>
+                <a:effectLst/>
+                <a:latin typeface="+mn-lt"/>
+                <a:ea typeface="+mn-ea"/>
+                <a:cs typeface="+mn-cs"/>
+              </a:rPr>
+              <a:t> </a:t>
+            </a:r>
+            <a:r>
+              <a:rPr lang="en-US" sz="1200" b="0" i="0" kern="1200" dirty="0" err="1">
+                <a:solidFill>
+                  <a:schemeClr val="tx1"/>
+                </a:solidFill>
+                <a:effectLst/>
+                <a:latin typeface="+mn-lt"/>
+                <a:ea typeface="+mn-ea"/>
+                <a:cs typeface="+mn-cs"/>
+              </a:rPr>
+              <a:t>prasisuko</a:t>
+            </a:r>
+            <a:r>
+              <a:rPr lang="en-US" sz="1200" b="0" i="0" kern="1200" dirty="0">
+                <a:solidFill>
+                  <a:schemeClr val="tx1"/>
+                </a:solidFill>
+                <a:effectLst/>
+                <a:latin typeface="+mn-lt"/>
+                <a:ea typeface="+mn-ea"/>
+                <a:cs typeface="+mn-cs"/>
+              </a:rPr>
+              <a:t>.</a:t>
             </a:r>
             <a:endParaRPr lang="lt-LT" dirty="0"/>
           </a:p>
@@ -15596,14 +20659,6 @@
               <a:rPr lang="lt-LT" dirty="0" err="1"/>
               <a:t>ščikovas</a:t>
             </a:r>
-            <a:r>
-              <a:rPr lang="lt-LT" dirty="0"/>
-              <a:t> (Mantelis)</a:t>
-            </a:r>
-            <a:r>
-              <a:rPr lang="en-US" dirty="0"/>
-              <a:t>,</a:t>
-            </a:r>
             <a:endParaRPr lang="lt-LT" dirty="0"/>
           </a:p>
           <a:p>
@@ -16134,7 +21189,7 @@
           <a:p>
             <a:r>
               <a:rPr lang="en-US" b="1" dirty="0"/>
-              <a:t>How To Perform Continuous Delivery (1)</a:t>
+              <a:t>How To Perform Continuous Delivery (Manual part)</a:t>
             </a:r>
           </a:p>
         </p:txBody>
@@ -16151,8 +21206,8 @@
         </p:nvSpPr>
         <p:spPr>
           <a:xfrm>
-            <a:off x="809624" y="1533905"/>
-            <a:ext cx="10621963" cy="4310304"/>
+            <a:off x="809624" y="1776845"/>
+            <a:ext cx="10621963" cy="4067364"/>
           </a:xfrm>
         </p:spPr>
         <p:txBody>
@@ -16161,20 +21216,38 @@
           <a:p>
             <a:r>
               <a:rPr lang="en-US" sz="3200" dirty="0"/>
-              <a:t>The developer builds their code on the local system that has all the new changes or new requirements.</a:t>
+              <a:t>New code writing</a:t>
             </a:r>
           </a:p>
           <a:p>
             <a:r>
               <a:rPr lang="en-US" sz="3200" dirty="0"/>
-              <a:t>Once coding is completed, the developer needs to write automated unit testing scripts that will test the code. This process is optional, however, and can be done by the testing team as well.</a:t>
+              <a:t>Covering new code with unit tests</a:t>
             </a:r>
           </a:p>
           <a:p>
             <a:r>
               <a:rPr lang="en-US" sz="3200" dirty="0"/>
-              <a:t>A local build is executed which ensures that no breakage is occurring in the application because of the code.</a:t>
-            </a:r>
+              <a:t>Local build checks if new code is working</a:t>
+            </a:r>
+          </a:p>
+          <a:p>
+            <a:r>
+              <a:rPr lang="en-US" sz="3200" dirty="0"/>
+              <a:t>Pull newly merge code, and resolve conflicts if any</a:t>
+            </a:r>
+          </a:p>
+          <a:p>
+            <a:r>
+              <a:rPr lang="en-US" sz="3200" dirty="0"/>
+              <a:t>Push your code to git</a:t>
+            </a:r>
+          </a:p>
+          <a:p>
+            <a:endParaRPr lang="en-US" sz="2800" dirty="0"/>
+          </a:p>
+          <a:p>
+            <a:endParaRPr lang="en-US" sz="3200" dirty="0"/>
           </a:p>
         </p:txBody>
       </p:sp>
@@ -16286,7 +21359,7 @@
           <a:p>
             <a:r>
               <a:rPr lang="en-US" b="1" dirty="0"/>
-              <a:t>How To Perform Continuous Delivery (2)</a:t>
+              <a:t>How To Perform Continuous Delivery (Automated part)</a:t>
             </a:r>
           </a:p>
         </p:txBody>
@@ -16313,20 +21386,43 @@
           <a:p>
             <a:r>
               <a:rPr lang="en-US" sz="3200" dirty="0"/>
-              <a:t>After a successful build, the developer checks if any of his team members or peers have checked-in anything new. If there are any incoming changes, they should be accepted by the developer to make sure that the copy he is uploading is the most recent one.</a:t>
+              <a:t>Code format checks</a:t>
             </a:r>
           </a:p>
           <a:p>
             <a:r>
               <a:rPr lang="en-US" sz="3200" dirty="0"/>
-              <a:t>Because of the newly merged copies, syncing the code with the main branch may cause certain conflicts.</a:t>
+              <a:t>Unit test</a:t>
             </a:r>
           </a:p>
           <a:p>
             <a:r>
               <a:rPr lang="en-US" sz="3200" dirty="0"/>
-              <a:t>In case there is any conflict, they should be fixed to make sure the changes made are in sync with the main branch.</a:t>
-            </a:r>
+              <a:t>Build and deploy to stage</a:t>
+            </a:r>
+          </a:p>
+          <a:p>
+            <a:r>
+              <a:rPr lang="en-US" sz="3200" dirty="0"/>
+              <a:t>Integration/API/E2E tests</a:t>
+            </a:r>
+          </a:p>
+          <a:p>
+            <a:r>
+              <a:rPr lang="en-US" sz="3200" dirty="0"/>
+              <a:t>Code deploying in </a:t>
+            </a:r>
+            <a:r>
+              <a:rPr lang="en-US" sz="3200" dirty="0" err="1"/>
+              <a:t>produdction</a:t>
+            </a:r>
+            <a:endParaRPr lang="en-US" sz="3200" dirty="0"/>
+          </a:p>
+          <a:p>
+            <a:endParaRPr lang="en-US" sz="2000" dirty="0"/>
+          </a:p>
+          <a:p>
+            <a:endParaRPr lang="en-US" sz="3200" dirty="0"/>
           </a:p>
         </p:txBody>
       </p:sp>
@@ -16438,7 +21534,7 @@
           <a:p>
             <a:r>
               <a:rPr lang="en-US" b="1" dirty="0"/>
-              <a:t>How To Perform Continuous Delivery (3)</a:t>
+              <a:t>How It looks in the bank</a:t>
             </a:r>
           </a:p>
         </p:txBody>
@@ -16455,7 +21551,7 @@
         </p:nvSpPr>
         <p:spPr>
           <a:xfrm>
-            <a:off x="782637" y="1533905"/>
+            <a:off x="809624" y="1533905"/>
             <a:ext cx="10621963" cy="4310304"/>
           </a:xfrm>
         </p:spPr>
@@ -16464,24 +21560,12 @@
           <a:lstStyle/>
           <a:p>
             <a:r>
-              <a:rPr lang="en-US" sz="3200" dirty="0"/>
-              <a:t>The changes are now ready to be checked in. This process is known as a “code commit.”</a:t>
-            </a:r>
-          </a:p>
-          <a:p>
-            <a:r>
-              <a:rPr lang="en-US" sz="3200" dirty="0"/>
-              <a:t>After the code is committed, another build of the source code is run on the integration system.</a:t>
-            </a:r>
-          </a:p>
-          <a:p>
-            <a:r>
-              <a:rPr lang="en-US" sz="3200" dirty="0"/>
-              <a:t>The new and updated code is finally ready for the next stage, i.e. testing or deployment. In the next section, we shall discuss some basic checklist for continuous delivery.</a:t>
-            </a:r>
-          </a:p>
-          <a:p>
-            <a:endParaRPr lang="en-US" sz="2000" dirty="0"/>
+              <a:rPr lang="en-US" sz="2000" dirty="0"/>
+              <a:t>Confidential demo</a:t>
+            </a:r>
+          </a:p>
+          <a:p>
+            <a:endParaRPr lang="en-US" sz="3200" dirty="0"/>
           </a:p>
         </p:txBody>
       </p:sp>
@@ -16549,7 +21633,7 @@
     </p:spTree>
     <p:extLst>
       <p:ext uri="{BB962C8B-B14F-4D97-AF65-F5344CB8AC3E}">
-        <p14:creationId xmlns:p14="http://schemas.microsoft.com/office/powerpoint/2010/main" val="3572206408"/>
+        <p14:creationId xmlns:p14="http://schemas.microsoft.com/office/powerpoint/2010/main" val="467749128"/>
       </p:ext>
     </p:extLst>
   </p:cSld>
@@ -16576,39 +21660,69 @@
           <a:chExt cx="0" cy="0"/>
         </a:xfrm>
       </p:grpSpPr>
-      <p:pic>
-        <p:nvPicPr>
-          <p:cNvPr id="10" name="Picture Placeholder 9"/>
-          <p:cNvPicPr>
-            <a:picLocks noGrp="1" noChangeAspect="1"/>
-          </p:cNvPicPr>
-          <p:nvPr>
-            <p:ph type="pic" sz="quarter" idx="13"/>
-          </p:nvPr>
-        </p:nvPicPr>
-        <p:blipFill>
-          <a:blip r:embed="rId3">
-            <a:extLst>
-              <a:ext uri="{28A0092B-C50C-407E-A947-70E740481C1C}">
-                <a14:useLocalDpi xmlns:a14="http://schemas.microsoft.com/office/drawing/2010/main" val="0"/>
-              </a:ext>
-            </a:extLst>
-          </a:blip>
-          <a:srcRect l="4" r="4"/>
-          <a:stretch>
-            <a:fillRect/>
-          </a:stretch>
-        </p:blipFill>
+      <p:sp>
+        <p:nvSpPr>
+          <p:cNvPr id="2" name="Title 1"/>
+          <p:cNvSpPr>
+            <a:spLocks noGrp="1"/>
+          </p:cNvSpPr>
+          <p:nvPr>
+            <p:ph type="title"/>
+          </p:nvPr>
+        </p:nvSpPr>
         <p:spPr/>
-      </p:pic>
-      <p:sp>
-        <p:nvSpPr>
-          <p:cNvPr id="7" name="Title 6"/>
-          <p:cNvSpPr>
-            <a:spLocks noGrp="1"/>
-          </p:cNvSpPr>
-          <p:nvPr>
-            <p:ph type="ctrTitle"/>
+        <p:txBody>
+          <a:bodyPr/>
+          <a:lstStyle/>
+          <a:p>
+            <a:r>
+              <a:rPr lang="en-US" b="1" dirty="0"/>
+              <a:t>How It looks in personal projects</a:t>
+            </a:r>
+          </a:p>
+        </p:txBody>
+      </p:sp>
+      <p:sp>
+        <p:nvSpPr>
+          <p:cNvPr id="3" name="Content Placeholder 2"/>
+          <p:cNvSpPr>
+            <a:spLocks noGrp="1"/>
+          </p:cNvSpPr>
+          <p:nvPr>
+            <p:ph idx="1"/>
+          </p:nvPr>
+        </p:nvSpPr>
+        <p:spPr>
+          <a:xfrm>
+            <a:off x="809624" y="1533905"/>
+            <a:ext cx="10621963" cy="4310304"/>
+          </a:xfrm>
+        </p:spPr>
+        <p:txBody>
+          <a:bodyPr/>
+          <a:lstStyle/>
+          <a:p>
+            <a:r>
+              <a:rPr lang="en-US" sz="3200" dirty="0"/>
+              <a:t>Demo</a:t>
+            </a:r>
+          </a:p>
+          <a:p>
+            <a:endParaRPr lang="en-US" sz="2000" dirty="0"/>
+          </a:p>
+          <a:p>
+            <a:endParaRPr lang="en-US" sz="3200" dirty="0"/>
+          </a:p>
+        </p:txBody>
+      </p:sp>
+      <p:sp>
+        <p:nvSpPr>
+          <p:cNvPr id="4" name="Date Placeholder 3"/>
+          <p:cNvSpPr>
+            <a:spLocks noGrp="1"/>
+          </p:cNvSpPr>
+          <p:nvPr>
+            <p:ph type="dt" sz="half" idx="10"/>
           </p:nvPr>
         </p:nvSpPr>
         <p:spPr/>
@@ -16616,30 +21730,18 @@
           <a:bodyPr/>
           <a:lstStyle/>
           <a:p>
-            <a:r>
-              <a:rPr lang="en-US" dirty="0"/>
-              <a:t>3</a:t>
-            </a:r>
-            <a:r>
-              <a:rPr lang="lt-LT" dirty="0"/>
-              <a:t>. </a:t>
-            </a:r>
-            <a:r>
-              <a:rPr lang="en-US" dirty="0"/>
-              <a:t>Tools</a:t>
-            </a:r>
-            <a:endParaRPr lang="en-GB" dirty="0"/>
-          </a:p>
-        </p:txBody>
-      </p:sp>
-      <p:sp>
-        <p:nvSpPr>
-          <p:cNvPr id="8" name="Subtitle 7"/>
-          <p:cNvSpPr>
-            <a:spLocks noGrp="1"/>
-          </p:cNvSpPr>
-          <p:nvPr>
-            <p:ph type="subTitle" idx="1"/>
+            <a:endParaRPr lang="en-GB" noProof="0" dirty="0"/>
+          </a:p>
+        </p:txBody>
+      </p:sp>
+      <p:sp>
+        <p:nvSpPr>
+          <p:cNvPr id="5" name="Footer Placeholder 4"/>
+          <p:cNvSpPr>
+            <a:spLocks noGrp="1"/>
+          </p:cNvSpPr>
+          <p:nvPr>
+            <p:ph type="ftr" sz="quarter" idx="11"/>
           </p:nvPr>
         </p:nvSpPr>
         <p:spPr/>
@@ -16647,21 +21749,18 @@
           <a:bodyPr/>
           <a:lstStyle/>
           <a:p>
-            <a:pPr>
-              <a:buNone/>
-            </a:pPr>
-            <a:endParaRPr lang="en-GB" dirty="0"/>
-          </a:p>
-        </p:txBody>
-      </p:sp>
-      <p:sp>
-        <p:nvSpPr>
-          <p:cNvPr id="4" name="Date Placeholder 3"/>
-          <p:cNvSpPr>
-            <a:spLocks noGrp="1"/>
-          </p:cNvSpPr>
-          <p:nvPr>
-            <p:ph type="dt" sz="half" idx="10"/>
+            <a:endParaRPr lang="en-GB" noProof="0" dirty="0"/>
+          </a:p>
+        </p:txBody>
+      </p:sp>
+      <p:sp>
+        <p:nvSpPr>
+          <p:cNvPr id="6" name="Slide Number Placeholder 5"/>
+          <p:cNvSpPr>
+            <a:spLocks noGrp="1"/>
+          </p:cNvSpPr>
+          <p:nvPr>
+            <p:ph type="sldNum" sz="quarter" idx="12"/>
           </p:nvPr>
         </p:nvSpPr>
         <p:spPr/>
@@ -16669,57 +21768,18 @@
           <a:bodyPr/>
           <a:lstStyle/>
           <a:p>
-            <a:endParaRPr lang="en-GB" dirty="0"/>
-          </a:p>
-        </p:txBody>
-      </p:sp>
-      <p:sp>
-        <p:nvSpPr>
-          <p:cNvPr id="5" name="Footer Placeholder 4"/>
-          <p:cNvSpPr>
-            <a:spLocks noGrp="1"/>
-          </p:cNvSpPr>
-          <p:nvPr>
-            <p:ph type="ftr" sz="quarter" idx="11"/>
-          </p:nvPr>
-        </p:nvSpPr>
-        <p:spPr/>
-        <p:txBody>
-          <a:bodyPr/>
-          <a:lstStyle/>
-          <a:p>
-            <a:endParaRPr lang="en-GB" dirty="0"/>
-          </a:p>
-        </p:txBody>
-      </p:sp>
-      <p:sp>
-        <p:nvSpPr>
-          <p:cNvPr id="6" name="Slide Number Placeholder 5"/>
-          <p:cNvSpPr>
-            <a:spLocks noGrp="1"/>
-          </p:cNvSpPr>
-          <p:nvPr>
-            <p:ph type="sldNum" sz="quarter" idx="12"/>
-          </p:nvPr>
-        </p:nvSpPr>
-        <p:spPr/>
-        <p:txBody>
-          <a:bodyPr/>
-          <a:lstStyle/>
-          <a:p>
-            <a:fld id="{24C8C45C-947F-4981-8B3F-4F32E973C901}" type="slidenum">
-              <a:rPr lang="en-GB" smtClean="0"/>
-              <a:pPr/>
+            <a:fld id="{859873C9-BF5D-4A9A-BB31-45BBB7BABAF7}" type="slidenum">
+              <a:rPr lang="en-GB" noProof="0" smtClean="0"/>
               <a:t>15</a:t>
             </a:fld>
-            <a:endParaRPr lang="en-GB" dirty="0"/>
+            <a:endParaRPr lang="en-GB" noProof="0" dirty="0"/>
           </a:p>
         </p:txBody>
       </p:sp>
     </p:spTree>
     <p:extLst>
       <p:ext uri="{BB962C8B-B14F-4D97-AF65-F5344CB8AC3E}">
-        <p14:creationId xmlns:p14="http://schemas.microsoft.com/office/powerpoint/2010/main" val="3180400524"/>
+        <p14:creationId xmlns:p14="http://schemas.microsoft.com/office/powerpoint/2010/main" val="3474684397"/>
       </p:ext>
     </p:extLst>
   </p:cSld>
@@ -16746,6 +21806,176 @@
           <a:chExt cx="0" cy="0"/>
         </a:xfrm>
       </p:grpSpPr>
+      <p:pic>
+        <p:nvPicPr>
+          <p:cNvPr id="10" name="Picture Placeholder 9"/>
+          <p:cNvPicPr>
+            <a:picLocks noGrp="1" noChangeAspect="1"/>
+          </p:cNvPicPr>
+          <p:nvPr>
+            <p:ph type="pic" sz="quarter" idx="13"/>
+          </p:nvPr>
+        </p:nvPicPr>
+        <p:blipFill>
+          <a:blip r:embed="rId3">
+            <a:extLst>
+              <a:ext uri="{28A0092B-C50C-407E-A947-70E740481C1C}">
+                <a14:useLocalDpi xmlns:a14="http://schemas.microsoft.com/office/drawing/2010/main" val="0"/>
+              </a:ext>
+            </a:extLst>
+          </a:blip>
+          <a:srcRect l="4" r="4"/>
+          <a:stretch>
+            <a:fillRect/>
+          </a:stretch>
+        </p:blipFill>
+        <p:spPr/>
+      </p:pic>
+      <p:sp>
+        <p:nvSpPr>
+          <p:cNvPr id="7" name="Title 6"/>
+          <p:cNvSpPr>
+            <a:spLocks noGrp="1"/>
+          </p:cNvSpPr>
+          <p:nvPr>
+            <p:ph type="ctrTitle"/>
+          </p:nvPr>
+        </p:nvSpPr>
+        <p:spPr/>
+        <p:txBody>
+          <a:bodyPr/>
+          <a:lstStyle/>
+          <a:p>
+            <a:r>
+              <a:rPr lang="en-US" dirty="0"/>
+              <a:t>3</a:t>
+            </a:r>
+            <a:r>
+              <a:rPr lang="lt-LT" dirty="0"/>
+              <a:t>. </a:t>
+            </a:r>
+            <a:r>
+              <a:rPr lang="en-US" dirty="0"/>
+              <a:t>Tools</a:t>
+            </a:r>
+            <a:endParaRPr lang="en-GB" dirty="0"/>
+          </a:p>
+        </p:txBody>
+      </p:sp>
+      <p:sp>
+        <p:nvSpPr>
+          <p:cNvPr id="8" name="Subtitle 7"/>
+          <p:cNvSpPr>
+            <a:spLocks noGrp="1"/>
+          </p:cNvSpPr>
+          <p:nvPr>
+            <p:ph type="subTitle" idx="1"/>
+          </p:nvPr>
+        </p:nvSpPr>
+        <p:spPr/>
+        <p:txBody>
+          <a:bodyPr/>
+          <a:lstStyle/>
+          <a:p>
+            <a:pPr>
+              <a:buNone/>
+            </a:pPr>
+            <a:endParaRPr lang="en-GB" dirty="0"/>
+          </a:p>
+        </p:txBody>
+      </p:sp>
+      <p:sp>
+        <p:nvSpPr>
+          <p:cNvPr id="4" name="Date Placeholder 3"/>
+          <p:cNvSpPr>
+            <a:spLocks noGrp="1"/>
+          </p:cNvSpPr>
+          <p:nvPr>
+            <p:ph type="dt" sz="half" idx="10"/>
+          </p:nvPr>
+        </p:nvSpPr>
+        <p:spPr/>
+        <p:txBody>
+          <a:bodyPr/>
+          <a:lstStyle/>
+          <a:p>
+            <a:endParaRPr lang="en-GB" dirty="0"/>
+          </a:p>
+        </p:txBody>
+      </p:sp>
+      <p:sp>
+        <p:nvSpPr>
+          <p:cNvPr id="5" name="Footer Placeholder 4"/>
+          <p:cNvSpPr>
+            <a:spLocks noGrp="1"/>
+          </p:cNvSpPr>
+          <p:nvPr>
+            <p:ph type="ftr" sz="quarter" idx="11"/>
+          </p:nvPr>
+        </p:nvSpPr>
+        <p:spPr/>
+        <p:txBody>
+          <a:bodyPr/>
+          <a:lstStyle/>
+          <a:p>
+            <a:endParaRPr lang="en-GB" dirty="0"/>
+          </a:p>
+        </p:txBody>
+      </p:sp>
+      <p:sp>
+        <p:nvSpPr>
+          <p:cNvPr id="6" name="Slide Number Placeholder 5"/>
+          <p:cNvSpPr>
+            <a:spLocks noGrp="1"/>
+          </p:cNvSpPr>
+          <p:nvPr>
+            <p:ph type="sldNum" sz="quarter" idx="12"/>
+          </p:nvPr>
+        </p:nvSpPr>
+        <p:spPr/>
+        <p:txBody>
+          <a:bodyPr/>
+          <a:lstStyle/>
+          <a:p>
+            <a:fld id="{24C8C45C-947F-4981-8B3F-4F32E973C901}" type="slidenum">
+              <a:rPr lang="en-GB" smtClean="0"/>
+              <a:pPr/>
+              <a:t>16</a:t>
+            </a:fld>
+            <a:endParaRPr lang="en-GB" dirty="0"/>
+          </a:p>
+        </p:txBody>
+      </p:sp>
+    </p:spTree>
+    <p:extLst>
+      <p:ext uri="{BB962C8B-B14F-4D97-AF65-F5344CB8AC3E}">
+        <p14:creationId xmlns:p14="http://schemas.microsoft.com/office/powerpoint/2010/main" val="3180400524"/>
+      </p:ext>
+    </p:extLst>
+  </p:cSld>
+  <p:clrMapOvr>
+    <a:masterClrMapping/>
+  </p:clrMapOvr>
+</p:sld>
+</file>
+
+<file path=ppt/slides/slide17.xml><?xml version="1.0" encoding="utf-8"?>
+<p:sld xmlns:a="http://schemas.openxmlformats.org/drawingml/2006/main" xmlns:r="http://schemas.openxmlformats.org/officeDocument/2006/relationships" xmlns:p="http://schemas.openxmlformats.org/presentationml/2006/main">
+  <p:cSld>
+    <p:spTree>
+      <p:nvGrpSpPr>
+        <p:cNvPr id="1" name=""/>
+        <p:cNvGrpSpPr/>
+        <p:nvPr/>
+      </p:nvGrpSpPr>
+      <p:grpSpPr>
+        <a:xfrm>
+          <a:off x="0" y="0"/>
+          <a:ext cx="0" cy="0"/>
+          <a:chOff x="0" y="0"/>
+          <a:chExt cx="0" cy="0"/>
+        </a:xfrm>
+      </p:grpSpPr>
       <p:sp>
         <p:nvSpPr>
           <p:cNvPr id="3" name="Content Placeholder 2"/>
@@ -16822,14 +22052,19 @@
             <p:ph type="sldNum" sz="quarter" idx="12"/>
           </p:nvPr>
         </p:nvSpPr>
-        <p:spPr/>
+        <p:spPr>
+          <a:xfrm>
+            <a:off x="11404600" y="6351405"/>
+            <a:ext cx="477736" cy="242418"/>
+          </a:xfrm>
+        </p:spPr>
         <p:txBody>
           <a:bodyPr/>
           <a:lstStyle/>
           <a:p>
             <a:fld id="{859873C9-BF5D-4A9A-BB31-45BBB7BABAF7}" type="slidenum">
               <a:rPr lang="en-GB" noProof="0" smtClean="0"/>
-              <a:t>16</a:t>
+              <a:t>17</a:t>
             </a:fld>
             <a:endParaRPr lang="en-GB" noProof="0" dirty="0"/>
           </a:p>
@@ -16967,7 +22202,7 @@
 </p:sld>
 </file>
 
-<file path=ppt/slides/slide17.xml><?xml version="1.0" encoding="utf-8"?>
+<file path=ppt/slides/slide18.xml><?xml version="1.0" encoding="utf-8"?>
 <p:sld xmlns:a="http://schemas.openxmlformats.org/drawingml/2006/main" xmlns:r="http://schemas.openxmlformats.org/officeDocument/2006/relationships" xmlns:p="http://schemas.openxmlformats.org/presentationml/2006/main">
   <p:cSld>
     <p:spTree>
@@ -17042,7 +22277,12 @@
             <p:ph type="subTitle" idx="1"/>
           </p:nvPr>
         </p:nvSpPr>
-        <p:spPr/>
+        <p:spPr>
+          <a:xfrm>
+            <a:off x="1948867" y="3892550"/>
+            <a:ext cx="8005624" cy="854599"/>
+          </a:xfrm>
+        </p:spPr>
         <p:txBody>
           <a:bodyPr/>
           <a:lstStyle/>
@@ -17050,7 +22290,10 @@
             <a:pPr>
               <a:buNone/>
             </a:pPr>
-            <a:endParaRPr lang="en-GB" dirty="0"/>
+            <a:r>
+              <a:rPr lang="en-GB" dirty="0"/>
+              <a:t>https://github.com/mantelisb/CICD-lecture/blob/master/instructions.md</a:t>
+            </a:r>
           </a:p>
         </p:txBody>
       </p:sp>
@@ -17110,7 +22353,7 @@
             <a:fld id="{24C8C45C-947F-4981-8B3F-4F32E973C901}" type="slidenum">
               <a:rPr lang="en-GB" smtClean="0"/>
               <a:pPr/>
-              <a:t>17</a:t>
+              <a:t>18</a:t>
             </a:fld>
             <a:endParaRPr lang="en-GB" dirty="0"/>
           </a:p>
@@ -17129,7 +22372,7 @@
 </p:sld>
 </file>
 
-<file path=ppt/slides/slide18.xml><?xml version="1.0" encoding="utf-8"?>
+<file path=ppt/slides/slide19.xml><?xml version="1.0" encoding="utf-8"?>
 <p:sld xmlns:a="http://schemas.openxmlformats.org/drawingml/2006/main" xmlns:r="http://schemas.openxmlformats.org/officeDocument/2006/relationships" xmlns:p="http://schemas.openxmlformats.org/presentationml/2006/main">
   <p:cSld>
     <p:spTree>
@@ -17156,9 +22399,16 @@
             <p:ph type="title"/>
           </p:nvPr>
         </p:nvSpPr>
-        <p:spPr/>
-        <p:txBody>
-          <a:bodyPr/>
+        <p:spPr>
+          <a:xfrm>
+            <a:off x="784225" y="481665"/>
+            <a:ext cx="9182100" cy="1052240"/>
+          </a:xfrm>
+        </p:spPr>
+        <p:txBody>
+          <a:bodyPr anchor="t">
+            <a:normAutofit/>
+          </a:bodyPr>
           <a:lstStyle/>
           <a:p>
             <a:r>
@@ -17168,98 +22418,12 @@
           </a:p>
         </p:txBody>
       </p:sp>
-      <p:sp>
-        <p:nvSpPr>
-          <p:cNvPr id="4" name="Date Placeholder 3"/>
-          <p:cNvSpPr>
-            <a:spLocks noGrp="1"/>
-          </p:cNvSpPr>
-          <p:nvPr>
-            <p:ph type="dt" sz="half" idx="10"/>
-          </p:nvPr>
-        </p:nvSpPr>
-        <p:spPr/>
-        <p:txBody>
-          <a:bodyPr/>
-          <a:lstStyle/>
-          <a:p>
-            <a:endParaRPr lang="en-GB" noProof="0" dirty="0"/>
-          </a:p>
-        </p:txBody>
-      </p:sp>
-      <p:sp>
-        <p:nvSpPr>
-          <p:cNvPr id="5" name="Footer Placeholder 4"/>
-          <p:cNvSpPr>
-            <a:spLocks noGrp="1"/>
-          </p:cNvSpPr>
-          <p:nvPr>
-            <p:ph type="ftr" sz="quarter" idx="11"/>
-          </p:nvPr>
-        </p:nvSpPr>
-        <p:spPr/>
-        <p:txBody>
-          <a:bodyPr/>
-          <a:lstStyle/>
-          <a:p>
-            <a:endParaRPr lang="en-GB" noProof="0" dirty="0"/>
-          </a:p>
-        </p:txBody>
-      </p:sp>
-      <p:sp>
-        <p:nvSpPr>
-          <p:cNvPr id="6" name="Slide Number Placeholder 5"/>
-          <p:cNvSpPr>
-            <a:spLocks noGrp="1"/>
-          </p:cNvSpPr>
-          <p:nvPr>
-            <p:ph type="sldNum" sz="quarter" idx="12"/>
-          </p:nvPr>
-        </p:nvSpPr>
-        <p:spPr/>
-        <p:txBody>
-          <a:bodyPr/>
-          <a:lstStyle/>
-          <a:p>
-            <a:fld id="{859873C9-BF5D-4A9A-BB31-45BBB7BABAF7}" type="slidenum">
-              <a:rPr lang="en-GB" noProof="0" smtClean="0"/>
-              <a:t>18</a:t>
-            </a:fld>
-            <a:endParaRPr lang="en-GB" noProof="0" dirty="0"/>
-          </a:p>
-        </p:txBody>
-      </p:sp>
-      <p:sp>
-        <p:nvSpPr>
-          <p:cNvPr id="8" name="Content Placeholder 7">
+      <p:pic>
+        <p:nvPicPr>
+          <p:cNvPr id="3" name="Picture 2">
             <a:extLst>
               <a:ext uri="{FF2B5EF4-FFF2-40B4-BE49-F238E27FC236}">
-                <a16:creationId xmlns:a16="http://schemas.microsoft.com/office/drawing/2014/main" id="{DAFE1992-D15F-4510-A068-CE3D3A950790}"/>
-              </a:ext>
-            </a:extLst>
-          </p:cNvPr>
-          <p:cNvSpPr>
-            <a:spLocks noGrp="1"/>
-          </p:cNvSpPr>
-          <p:nvPr>
-            <p:ph idx="1"/>
-          </p:nvPr>
-        </p:nvSpPr>
-        <p:spPr/>
-        <p:txBody>
-          <a:bodyPr/>
-          <a:lstStyle/>
-          <a:p>
-            <a:endParaRPr lang="lt-LT"/>
-          </a:p>
-        </p:txBody>
-      </p:sp>
-      <p:pic>
-        <p:nvPicPr>
-          <p:cNvPr id="9" name="Picture 8">
-            <a:extLst>
-              <a:ext uri="{FF2B5EF4-FFF2-40B4-BE49-F238E27FC236}">
-                <a16:creationId xmlns:a16="http://schemas.microsoft.com/office/drawing/2014/main" id="{DC3F12EB-9745-446B-AB68-8D2E2F05AE33}"/>
+                <a16:creationId xmlns:a16="http://schemas.microsoft.com/office/drawing/2014/main" id="{C94EDC84-EB3E-45EE-ACA2-C426AB52BDA2}"/>
               </a:ext>
             </a:extLst>
           </p:cNvPr>
@@ -17276,14 +22440,115 @@
         </p:blipFill>
         <p:spPr>
           <a:xfrm>
-            <a:off x="2035633" y="1277269"/>
-            <a:ext cx="8119144" cy="4769853"/>
+            <a:off x="1746118" y="1763713"/>
+            <a:ext cx="8698178" cy="4175125"/>
           </a:xfrm>
           <a:prstGeom prst="rect">
             <a:avLst/>
           </a:prstGeom>
+          <a:noFill/>
         </p:spPr>
       </p:pic>
+      <p:sp>
+        <p:nvSpPr>
+          <p:cNvPr id="13" name="Date Placeholder 3">
+            <a:extLst>
+              <a:ext uri="{FF2B5EF4-FFF2-40B4-BE49-F238E27FC236}">
+                <a16:creationId xmlns:a16="http://schemas.microsoft.com/office/drawing/2014/main" id="{F32262D1-EA27-457D-A5DF-0DCC180D2948}"/>
+              </a:ext>
+            </a:extLst>
+          </p:cNvPr>
+          <p:cNvSpPr>
+            <a:spLocks noGrp="1"/>
+          </p:cNvSpPr>
+          <p:nvPr>
+            <p:ph type="dt" sz="half" idx="10"/>
+          </p:nvPr>
+        </p:nvSpPr>
+        <p:spPr>
+          <a:xfrm>
+            <a:off x="9568800" y="6351405"/>
+            <a:ext cx="1835800" cy="242607"/>
+          </a:xfrm>
+        </p:spPr>
+        <p:txBody>
+          <a:bodyPr/>
+          <a:lstStyle/>
+          <a:p>
+            <a:endParaRPr lang="en-GB" noProof="0"/>
+          </a:p>
+        </p:txBody>
+      </p:sp>
+      <p:sp>
+        <p:nvSpPr>
+          <p:cNvPr id="15" name="Footer Placeholder 4">
+            <a:extLst>
+              <a:ext uri="{FF2B5EF4-FFF2-40B4-BE49-F238E27FC236}">
+                <a16:creationId xmlns:a16="http://schemas.microsoft.com/office/drawing/2014/main" id="{963DA23C-9698-4450-BA08-4EBB909B2249}"/>
+              </a:ext>
+            </a:extLst>
+          </p:cNvPr>
+          <p:cNvSpPr>
+            <a:spLocks noGrp="1"/>
+          </p:cNvSpPr>
+          <p:nvPr>
+            <p:ph type="ftr" sz="quarter" idx="11"/>
+          </p:nvPr>
+        </p:nvSpPr>
+        <p:spPr>
+          <a:xfrm>
+            <a:off x="4456800" y="6351405"/>
+            <a:ext cx="5112000" cy="242418"/>
+          </a:xfrm>
+        </p:spPr>
+        <p:txBody>
+          <a:bodyPr/>
+          <a:lstStyle/>
+          <a:p>
+            <a:endParaRPr lang="en-GB" noProof="0"/>
+          </a:p>
+        </p:txBody>
+      </p:sp>
+      <p:sp>
+        <p:nvSpPr>
+          <p:cNvPr id="6" name="Slide Number Placeholder 5"/>
+          <p:cNvSpPr>
+            <a:spLocks noGrp="1"/>
+          </p:cNvSpPr>
+          <p:nvPr>
+            <p:ph type="sldNum" sz="quarter" idx="12"/>
+          </p:nvPr>
+        </p:nvSpPr>
+        <p:spPr>
+          <a:xfrm>
+            <a:off x="11404600" y="6351405"/>
+            <a:ext cx="477736" cy="242418"/>
+          </a:xfrm>
+        </p:spPr>
+        <p:txBody>
+          <a:bodyPr anchor="t">
+            <a:normAutofit/>
+          </a:bodyPr>
+          <a:lstStyle/>
+          <a:p>
+            <a:pPr>
+              <a:spcAft>
+                <a:spcPts val="600"/>
+              </a:spcAft>
+            </a:pPr>
+            <a:fld id="{859873C9-BF5D-4A9A-BB31-45BBB7BABAF7}" type="slidenum">
+              <a:rPr lang="en-GB" noProof="0" smtClean="0"/>
+              <a:pPr>
+                <a:spcAft>
+                  <a:spcPts val="600"/>
+                </a:spcAft>
+              </a:pPr>
+              <a:t>19</a:t>
+            </a:fld>
+            <a:endParaRPr lang="en-GB" noProof="0"/>
+          </a:p>
+        </p:txBody>
+      </p:sp>
     </p:spTree>
     <p:extLst>
       <p:ext uri="{BB962C8B-B14F-4D97-AF65-F5344CB8AC3E}">
@@ -17662,7 +22927,12 @@
             <p:ph type="title"/>
           </p:nvPr>
         </p:nvSpPr>
-        <p:spPr/>
+        <p:spPr>
+          <a:xfrm>
+            <a:off x="784225" y="481665"/>
+            <a:ext cx="9182100" cy="1052240"/>
+          </a:xfrm>
+        </p:spPr>
         <p:txBody>
           <a:bodyPr/>
           <a:lstStyle/>
@@ -17847,7 +23117,12 @@
             <p:ph type="sldNum" sz="quarter" idx="12"/>
           </p:nvPr>
         </p:nvSpPr>
-        <p:spPr/>
+        <p:spPr>
+          <a:xfrm>
+            <a:off x="11404600" y="6351405"/>
+            <a:ext cx="477736" cy="242418"/>
+          </a:xfrm>
+        </p:spPr>
         <p:txBody>
           <a:bodyPr/>
           <a:lstStyle/>
@@ -18490,15 +23765,14 @@
           <a:p>
             <a:r>
               <a:rPr lang="en-US" sz="3600" dirty="0"/>
-              <a:t>Cos-effective process</a:t>
-            </a:r>
-          </a:p>
-          <a:p>
-            <a:r>
-              <a:rPr lang="en-US" sz="3600" dirty="0" err="1"/>
-              <a:t>Confidency</a:t>
-            </a:r>
-            <a:endParaRPr lang="en-US" sz="3600" dirty="0"/>
+              <a:t>Cost-effective process</a:t>
+            </a:r>
+          </a:p>
+          <a:p>
+            <a:r>
+              <a:rPr lang="en-US" sz="3600" dirty="0"/>
+              <a:t>Confidence</a:t>
+            </a:r>
           </a:p>
           <a:p>
             <a:endParaRPr lang="lt-LT" sz="3600" dirty="0"/>
@@ -19699,12 +24973,6 @@
 </file>
 
 <file path=customXml/item1.xml><?xml version="1.0" encoding="utf-8"?>
-<p:properties xmlns:p="http://schemas.microsoft.com/office/2006/metadata/properties" xmlns:xsi="http://www.w3.org/2001/XMLSchema-instance" xmlns:pc="http://schemas.microsoft.com/office/infopath/2007/PartnerControls">
-  <documentManagement/>
-</p:properties>
-</file>
-
-<file path=customXml/item2.xml><?xml version="1.0" encoding="utf-8"?>
 <ct:contentTypeSchema xmlns:ct="http://schemas.microsoft.com/office/2006/metadata/contentType" xmlns:ma="http://schemas.microsoft.com/office/2006/metadata/properties/metaAttributes" ct:_="" ma:_="" ma:contentTypeName="Document" ma:contentTypeID="0x01010019ED4169A17A9943A0C4D616F29F7EA9" ma:contentTypeVersion="2" ma:contentTypeDescription="Create a new document." ma:contentTypeScope="" ma:versionID="ee2590c771e3efcf6e927d932d0f80bf">
   <xsd:schema xmlns:xsd="http://www.w3.org/2001/XMLSchema" xmlns:xs="http://www.w3.org/2001/XMLSchema" xmlns:p="http://schemas.microsoft.com/office/2006/metadata/properties" xmlns:ns2="6ed449f5-9e03-46ec-8941-bbdaa84be2a0" targetNamespace="http://schemas.microsoft.com/office/2006/metadata/properties" ma:root="true" ma:fieldsID="14228b68809949e600f8d74e51d27844" ns2:_="">
     <xsd:import namespace="6ed449f5-9e03-46ec-8941-bbdaa84be2a0"/>
@@ -19852,6 +25120,12 @@
 </ct:contentTypeSchema>
 </file>
 
+<file path=customXml/item2.xml><?xml version="1.0" encoding="utf-8"?>
+<p:properties xmlns:p="http://schemas.microsoft.com/office/2006/metadata/properties" xmlns:xsi="http://www.w3.org/2001/XMLSchema-instance" xmlns:pc="http://schemas.microsoft.com/office/infopath/2007/PartnerControls">
+  <documentManagement/>
+</p:properties>
+</file>
+
 <file path=customXml/item3.xml><?xml version="1.0" encoding="utf-8"?>
 <?mso-contentType ?>
 <FormTemplates xmlns="http://schemas.microsoft.com/sharepoint/v3/contenttype/forms">
@@ -19862,15 +25136,6 @@
 </file>
 
 <file path=customXml/itemProps1.xml><?xml version="1.0" encoding="utf-8"?>
-<ds:datastoreItem xmlns:ds="http://schemas.openxmlformats.org/officeDocument/2006/customXml" ds:itemID="{1ED6C778-C4AA-4A66-B6B5-60690C5199CD}">
-  <ds:schemaRefs>
-    <ds:schemaRef ds:uri="http://schemas.microsoft.com/office/2006/metadata/properties"/>
-    <ds:schemaRef ds:uri="http://schemas.microsoft.com/office/infopath/2007/PartnerControls"/>
-  </ds:schemaRefs>
-</ds:datastoreItem>
-</file>
-
-<file path=customXml/itemProps2.xml><?xml version="1.0" encoding="utf-8"?>
 <ds:datastoreItem xmlns:ds="http://schemas.openxmlformats.org/officeDocument/2006/customXml" ds:itemID="{C9AC8E36-112B-4773-8318-FE4A82DF39EC}">
   <ds:schemaRefs>
     <ds:schemaRef ds:uri="http://schemas.microsoft.com/office/2006/metadata/contentType"/>
@@ -19888,6 +25153,15 @@
 </ds:datastoreItem>
 </file>
 
+<file path=customXml/itemProps2.xml><?xml version="1.0" encoding="utf-8"?>
+<ds:datastoreItem xmlns:ds="http://schemas.openxmlformats.org/officeDocument/2006/customXml" ds:itemID="{1ED6C778-C4AA-4A66-B6B5-60690C5199CD}">
+  <ds:schemaRefs>
+    <ds:schemaRef ds:uri="http://schemas.microsoft.com/office/2006/metadata/properties"/>
+    <ds:schemaRef ds:uri="http://schemas.microsoft.com/office/infopath/2007/PartnerControls"/>
+  </ds:schemaRefs>
+</ds:datastoreItem>
+</file>
+
 <file path=customXml/itemProps3.xml><?xml version="1.0" encoding="utf-8"?>
 <ds:datastoreItem xmlns:ds="http://schemas.openxmlformats.org/officeDocument/2006/customXml" ds:itemID="{C98144AE-B0E9-4A9D-8BA0-7C7CD27128C4}">
   <ds:schemaRefs>

--- a/CICD.pptx
+++ b/CICD.pptx
@@ -383,7 +383,7 @@
           <a:p>
             <a:fld id="{13F6AEEE-E778-402E-8B8F-9A98AED26EB8}" type="datetimeFigureOut">
               <a:rPr lang="en-GB" sz="1000" smtClean="0"/>
-              <a:t>10/02/2021</a:t>
+              <a:t>11/02/2021</a:t>
             </a:fld>
             <a:endParaRPr lang="en-GB" sz="1000"/>
           </a:p>
@@ -543,7 +543,7 @@
             <a:fld id="{1386E511-D742-4EFE-90B5-C9FC42762E0F}" type="datetimeFigureOut">
               <a:rPr lang="en-GB" smtClean="0"/>
               <a:pPr/>
-              <a:t>10/02/2021</a:t>
+              <a:t>11/02/2021</a:t>
             </a:fld>
             <a:endParaRPr lang="en-GB"/>
           </a:p>
@@ -21410,13 +21410,8 @@
           <a:p>
             <a:r>
               <a:rPr lang="en-US" sz="3200" dirty="0"/>
-              <a:t>Code deploying in </a:t>
-            </a:r>
-            <a:r>
-              <a:rPr lang="en-US" sz="3200" dirty="0" err="1"/>
-              <a:t>produdction</a:t>
-            </a:r>
-            <a:endParaRPr lang="en-US" sz="3200" dirty="0"/>
+              <a:t>Code deploying in production</a:t>
+            </a:r>
           </a:p>
           <a:p>
             <a:endParaRPr lang="en-US" sz="2000" dirty="0"/>
@@ -24973,6 +24968,12 @@
 </file>
 
 <file path=customXml/item1.xml><?xml version="1.0" encoding="utf-8"?>
+<p:properties xmlns:p="http://schemas.microsoft.com/office/2006/metadata/properties" xmlns:xsi="http://www.w3.org/2001/XMLSchema-instance" xmlns:pc="http://schemas.microsoft.com/office/infopath/2007/PartnerControls">
+  <documentManagement/>
+</p:properties>
+</file>
+
+<file path=customXml/item2.xml><?xml version="1.0" encoding="utf-8"?>
 <ct:contentTypeSchema xmlns:ct="http://schemas.microsoft.com/office/2006/metadata/contentType" xmlns:ma="http://schemas.microsoft.com/office/2006/metadata/properties/metaAttributes" ct:_="" ma:_="" ma:contentTypeName="Document" ma:contentTypeID="0x01010019ED4169A17A9943A0C4D616F29F7EA9" ma:contentTypeVersion="2" ma:contentTypeDescription="Create a new document." ma:contentTypeScope="" ma:versionID="ee2590c771e3efcf6e927d932d0f80bf">
   <xsd:schema xmlns:xsd="http://www.w3.org/2001/XMLSchema" xmlns:xs="http://www.w3.org/2001/XMLSchema" xmlns:p="http://schemas.microsoft.com/office/2006/metadata/properties" xmlns:ns2="6ed449f5-9e03-46ec-8941-bbdaa84be2a0" targetNamespace="http://schemas.microsoft.com/office/2006/metadata/properties" ma:root="true" ma:fieldsID="14228b68809949e600f8d74e51d27844" ns2:_="">
     <xsd:import namespace="6ed449f5-9e03-46ec-8941-bbdaa84be2a0"/>
@@ -25120,12 +25121,6 @@
 </ct:contentTypeSchema>
 </file>
 
-<file path=customXml/item2.xml><?xml version="1.0" encoding="utf-8"?>
-<p:properties xmlns:p="http://schemas.microsoft.com/office/2006/metadata/properties" xmlns:xsi="http://www.w3.org/2001/XMLSchema-instance" xmlns:pc="http://schemas.microsoft.com/office/infopath/2007/PartnerControls">
-  <documentManagement/>
-</p:properties>
-</file>
-
 <file path=customXml/item3.xml><?xml version="1.0" encoding="utf-8"?>
 <?mso-contentType ?>
 <FormTemplates xmlns="http://schemas.microsoft.com/sharepoint/v3/contenttype/forms">
@@ -25136,6 +25131,15 @@
 </file>
 
 <file path=customXml/itemProps1.xml><?xml version="1.0" encoding="utf-8"?>
+<ds:datastoreItem xmlns:ds="http://schemas.openxmlformats.org/officeDocument/2006/customXml" ds:itemID="{1ED6C778-C4AA-4A66-B6B5-60690C5199CD}">
+  <ds:schemaRefs>
+    <ds:schemaRef ds:uri="http://schemas.microsoft.com/office/2006/metadata/properties"/>
+    <ds:schemaRef ds:uri="http://schemas.microsoft.com/office/infopath/2007/PartnerControls"/>
+  </ds:schemaRefs>
+</ds:datastoreItem>
+</file>
+
+<file path=customXml/itemProps2.xml><?xml version="1.0" encoding="utf-8"?>
 <ds:datastoreItem xmlns:ds="http://schemas.openxmlformats.org/officeDocument/2006/customXml" ds:itemID="{C9AC8E36-112B-4773-8318-FE4A82DF39EC}">
   <ds:schemaRefs>
     <ds:schemaRef ds:uri="http://schemas.microsoft.com/office/2006/metadata/contentType"/>
@@ -25153,15 +25157,6 @@
 </ds:datastoreItem>
 </file>
 
-<file path=customXml/itemProps2.xml><?xml version="1.0" encoding="utf-8"?>
-<ds:datastoreItem xmlns:ds="http://schemas.openxmlformats.org/officeDocument/2006/customXml" ds:itemID="{1ED6C778-C4AA-4A66-B6B5-60690C5199CD}">
-  <ds:schemaRefs>
-    <ds:schemaRef ds:uri="http://schemas.microsoft.com/office/2006/metadata/properties"/>
-    <ds:schemaRef ds:uri="http://schemas.microsoft.com/office/infopath/2007/PartnerControls"/>
-  </ds:schemaRefs>
-</ds:datastoreItem>
-</file>
-
 <file path=customXml/itemProps3.xml><?xml version="1.0" encoding="utf-8"?>
 <ds:datastoreItem xmlns:ds="http://schemas.openxmlformats.org/officeDocument/2006/customXml" ds:itemID="{C98144AE-B0E9-4A9D-8BA0-7C7CD27128C4}">
   <ds:schemaRefs>

--- a/CICD.pptx
+++ b/CICD.pptx
@@ -24,8 +24,8 @@
     <p:sldId id="317" r:id="rId15"/>
     <p:sldId id="319" r:id="rId16"/>
     <p:sldId id="372" r:id="rId17"/>
-    <p:sldId id="376" r:id="rId18"/>
-    <p:sldId id="377" r:id="rId19"/>
+    <p:sldId id="373" r:id="rId18"/>
+    <p:sldId id="376" r:id="rId19"/>
     <p:sldId id="321" r:id="rId20"/>
     <p:sldId id="322" r:id="rId21"/>
     <p:sldId id="338" r:id="rId22"/>
@@ -383,7 +383,7 @@
           <a:p>
             <a:fld id="{13F6AEEE-E778-402E-8B8F-9A98AED26EB8}" type="datetimeFigureOut">
               <a:rPr lang="en-GB" sz="1000" smtClean="0"/>
-              <a:t>11/02/2021</a:t>
+              <a:t>10/03/2022</a:t>
             </a:fld>
             <a:endParaRPr lang="en-GB" sz="1000"/>
           </a:p>
@@ -543,7 +543,7 @@
             <a:fld id="{1386E511-D742-4EFE-90B5-C9FC42762E0F}" type="datetimeFigureOut">
               <a:rPr lang="en-GB" smtClean="0"/>
               <a:pPr/>
-              <a:t>11/02/2021</a:t>
+              <a:t>10/03/2022</a:t>
             </a:fld>
             <a:endParaRPr lang="en-GB"/>
           </a:p>
@@ -933,10 +933,12 @@
                 <a:ea typeface="+mn-ea"/>
                 <a:cs typeface="+mn-cs"/>
               </a:rPr>
-              <a:t>: </a:t>
-            </a:r>
-            <a:r>
-              <a:rPr lang="en-US" sz="1200" b="0" i="0" u="none" strike="noStrike" kern="1200" dirty="0" err="1">
+              <a:t>: deployment easier, smaller and faster</a:t>
+            </a:r>
+          </a:p>
+          <a:p>
+            <a:r>
+              <a:rPr lang="en-US" sz="1200" b="1" i="0" u="none" strike="noStrike" kern="1200" dirty="0">
                 <a:solidFill>
                   <a:schemeClr val="tx1"/>
                 </a:solidFill>
@@ -945,7 +947,7 @@
                 <a:ea typeface="+mn-ea"/>
                 <a:cs typeface="+mn-cs"/>
               </a:rPr>
-              <a:t>trumpesnis</a:t>
+              <a:t>Reducing the Risk</a:t>
             </a:r>
             <a:r>
               <a:rPr lang="en-US" sz="1200" b="0" i="0" u="none" strike="noStrike" kern="1200" dirty="0">
@@ -957,10 +959,12 @@
                 <a:ea typeface="+mn-ea"/>
                 <a:cs typeface="+mn-cs"/>
               </a:rPr>
-              <a:t> </a:t>
-            </a:r>
-            <a:r>
-              <a:rPr lang="en-US" sz="1200" b="0" i="0" u="none" strike="noStrike" kern="1200" dirty="0" err="1">
+              <a:t>: more smaller releases, almost no downtime, totally undetectable to the users.</a:t>
+            </a:r>
+          </a:p>
+          <a:p>
+            <a:r>
+              <a:rPr lang="en-US" sz="1200" b="1" i="0" u="none" strike="noStrike" kern="1200" dirty="0">
                 <a:solidFill>
                   <a:schemeClr val="tx1"/>
                 </a:solidFill>
@@ -969,7 +973,7 @@
                 <a:ea typeface="+mn-ea"/>
                 <a:cs typeface="+mn-cs"/>
               </a:rPr>
-              <a:t>laikas</a:t>
+              <a:t>High-Quality Application</a:t>
             </a:r>
             <a:r>
               <a:rPr lang="en-US" sz="1200" b="0" i="0" u="none" strike="noStrike" kern="1200" dirty="0">
@@ -981,10 +985,12 @@
                 <a:ea typeface="+mn-ea"/>
                 <a:cs typeface="+mn-cs"/>
               </a:rPr>
-              <a:t> </a:t>
-            </a:r>
-            <a:r>
-              <a:rPr lang="en-US" sz="1200" b="0" i="0" u="none" strike="noStrike" kern="1200" dirty="0" err="1">
+              <a:t>: Most of the process is automated, testers now have a lot of time to focus on important testing phases like exploratory, usability, security and performance testing.</a:t>
+            </a:r>
+          </a:p>
+          <a:p>
+            <a:r>
+              <a:rPr lang="en-US" sz="1200" b="1" i="0" u="none" strike="noStrike" kern="1200" dirty="0">
                 <a:solidFill>
                   <a:schemeClr val="tx1"/>
                 </a:solidFill>
@@ -993,7 +999,7 @@
                 <a:ea typeface="+mn-ea"/>
                 <a:cs typeface="+mn-cs"/>
               </a:rPr>
-              <a:t>nuo</a:t>
+              <a:t>Reduced Cost</a:t>
             </a:r>
             <a:r>
               <a:rPr lang="en-US" sz="1200" b="0" i="0" u="none" strike="noStrike" kern="1200" dirty="0">
@@ -1005,10 +1011,12 @@
                 <a:ea typeface="+mn-ea"/>
                 <a:cs typeface="+mn-cs"/>
               </a:rPr>
-              <a:t> </a:t>
-            </a:r>
-            <a:r>
-              <a:rPr lang="en-US" sz="1200" b="0" i="0" u="none" strike="noStrike" kern="1200" dirty="0" err="1">
+              <a:t>: When an investment is made on testing, build and deployment, the product evolves quite a lot throughout its lifetime. The cost of frequent bug fixes and improvements are reduced since release is faster and automatic.</a:t>
+            </a:r>
+          </a:p>
+          <a:p>
+            <a:r>
+              <a:rPr lang="en-US" sz="1200" b="1" i="0" u="none" strike="noStrike" kern="1200" dirty="0">
                 <a:solidFill>
                   <a:schemeClr val="tx1"/>
                 </a:solidFill>
@@ -1017,7 +1025,7 @@
                 <a:ea typeface="+mn-ea"/>
                 <a:cs typeface="+mn-cs"/>
               </a:rPr>
-              <a:t>idejos</a:t>
+              <a:t>Happier Team and Better Product</a:t>
             </a:r>
             <a:r>
               <a:rPr lang="en-US" sz="1200" b="0" i="0" u="none" strike="noStrike" kern="1200" dirty="0">
@@ -1029,1609 +1037,8 @@
                 <a:ea typeface="+mn-ea"/>
                 <a:cs typeface="+mn-cs"/>
               </a:rPr>
-              <a:t>, </a:t>
-            </a:r>
-            <a:r>
-              <a:rPr lang="en-US" sz="1200" b="0" i="0" u="none" strike="noStrike" kern="1200" dirty="0" err="1">
-                <a:solidFill>
-                  <a:schemeClr val="tx1"/>
-                </a:solidFill>
-                <a:effectLst/>
-                <a:latin typeface="+mn-lt"/>
-                <a:ea typeface="+mn-ea"/>
-                <a:cs typeface="+mn-cs"/>
-              </a:rPr>
-              <a:t>iki</a:t>
-            </a:r>
-            <a:r>
-              <a:rPr lang="en-US" sz="1200" b="0" i="0" u="none" strike="noStrike" kern="1200" dirty="0">
-                <a:solidFill>
-                  <a:schemeClr val="tx1"/>
-                </a:solidFill>
-                <a:effectLst/>
-                <a:latin typeface="+mn-lt"/>
-                <a:ea typeface="+mn-ea"/>
-                <a:cs typeface="+mn-cs"/>
-              </a:rPr>
-              <a:t> </a:t>
-            </a:r>
-            <a:r>
-              <a:rPr lang="en-US" sz="1200" b="0" i="0" u="none" strike="noStrike" kern="1200" dirty="0" err="1">
-                <a:solidFill>
-                  <a:schemeClr val="tx1"/>
-                </a:solidFill>
-                <a:effectLst/>
-                <a:latin typeface="+mn-lt"/>
-                <a:ea typeface="+mn-ea"/>
-                <a:cs typeface="+mn-cs"/>
-              </a:rPr>
-              <a:t>productiono</a:t>
-            </a:r>
-            <a:endParaRPr lang="en-US" sz="1200" b="0" i="0" u="none" strike="noStrike" kern="1200" dirty="0">
-              <a:solidFill>
-                <a:schemeClr val="tx1"/>
-              </a:solidFill>
-              <a:effectLst/>
-              <a:latin typeface="+mn-lt"/>
-              <a:ea typeface="+mn-ea"/>
-              <a:cs typeface="+mn-cs"/>
-            </a:endParaRPr>
-          </a:p>
-          <a:p>
-            <a:r>
-              <a:rPr lang="en-US" sz="1200" b="1" i="0" u="none" strike="noStrike" kern="1200" dirty="0">
-                <a:solidFill>
-                  <a:schemeClr val="tx1"/>
-                </a:solidFill>
-                <a:effectLst/>
-                <a:latin typeface="+mn-lt"/>
-                <a:ea typeface="+mn-ea"/>
-                <a:cs typeface="+mn-cs"/>
-              </a:rPr>
-              <a:t>Reducing the Risk</a:t>
-            </a:r>
-            <a:r>
-              <a:rPr lang="en-US" sz="1200" b="0" i="0" u="none" strike="noStrike" kern="1200" dirty="0">
-                <a:solidFill>
-                  <a:schemeClr val="tx1"/>
-                </a:solidFill>
-                <a:effectLst/>
-                <a:latin typeface="+mn-lt"/>
-                <a:ea typeface="+mn-ea"/>
-                <a:cs typeface="+mn-cs"/>
-              </a:rPr>
-              <a:t>: </a:t>
-            </a:r>
-            <a:r>
-              <a:rPr lang="en-US" sz="1200" b="0" i="0" u="none" strike="noStrike" kern="1200" dirty="0" err="1">
-                <a:solidFill>
-                  <a:schemeClr val="tx1"/>
-                </a:solidFill>
-                <a:effectLst/>
-                <a:latin typeface="+mn-lt"/>
-                <a:ea typeface="+mn-ea"/>
-                <a:cs typeface="+mn-cs"/>
-              </a:rPr>
-              <a:t>su</a:t>
-            </a:r>
-            <a:r>
-              <a:rPr lang="en-US" sz="1200" b="0" i="0" u="none" strike="noStrike" kern="1200" dirty="0">
-                <a:solidFill>
-                  <a:schemeClr val="tx1"/>
-                </a:solidFill>
-                <a:effectLst/>
-                <a:latin typeface="+mn-lt"/>
-                <a:ea typeface="+mn-ea"/>
-                <a:cs typeface="+mn-cs"/>
-              </a:rPr>
-              <a:t> </a:t>
-            </a:r>
-            <a:r>
-              <a:rPr lang="en-US" sz="1200" b="0" i="0" u="none" strike="noStrike" kern="1200" dirty="0" err="1">
-                <a:solidFill>
-                  <a:schemeClr val="tx1"/>
-                </a:solidFill>
-                <a:effectLst/>
-                <a:latin typeface="+mn-lt"/>
-                <a:ea typeface="+mn-ea"/>
-                <a:cs typeface="+mn-cs"/>
-              </a:rPr>
-              <a:t>automatiniais</a:t>
-            </a:r>
-            <a:r>
-              <a:rPr lang="en-US" sz="1200" b="0" i="0" u="none" strike="noStrike" kern="1200" dirty="0">
-                <a:solidFill>
-                  <a:schemeClr val="tx1"/>
-                </a:solidFill>
-                <a:effectLst/>
-                <a:latin typeface="+mn-lt"/>
-                <a:ea typeface="+mn-ea"/>
-                <a:cs typeface="+mn-cs"/>
-              </a:rPr>
-              <a:t> </a:t>
-            </a:r>
-            <a:r>
-              <a:rPr lang="en-US" sz="1200" b="0" i="0" u="none" strike="noStrike" kern="1200" dirty="0" err="1">
-                <a:solidFill>
-                  <a:schemeClr val="tx1"/>
-                </a:solidFill>
-                <a:effectLst/>
-                <a:latin typeface="+mn-lt"/>
-                <a:ea typeface="+mn-ea"/>
-                <a:cs typeface="+mn-cs"/>
-              </a:rPr>
-              <a:t>procesais</a:t>
-            </a:r>
-            <a:r>
-              <a:rPr lang="en-US" sz="1200" b="0" i="0" u="none" strike="noStrike" kern="1200" dirty="0">
-                <a:solidFill>
-                  <a:schemeClr val="tx1"/>
-                </a:solidFill>
-                <a:effectLst/>
-                <a:latin typeface="+mn-lt"/>
-                <a:ea typeface="+mn-ea"/>
-                <a:cs typeface="+mn-cs"/>
-              </a:rPr>
-              <a:t>, </a:t>
-            </a:r>
-            <a:r>
-              <a:rPr lang="en-US" sz="1200" b="0" i="0" u="none" strike="noStrike" kern="1200" dirty="0" err="1">
-                <a:solidFill>
-                  <a:schemeClr val="tx1"/>
-                </a:solidFill>
-                <a:effectLst/>
-                <a:latin typeface="+mn-lt"/>
-                <a:ea typeface="+mn-ea"/>
-                <a:cs typeface="+mn-cs"/>
-              </a:rPr>
-              <a:t>galima</a:t>
-            </a:r>
-            <a:r>
-              <a:rPr lang="en-US" sz="1200" b="0" i="0" u="none" strike="noStrike" kern="1200" dirty="0">
-                <a:solidFill>
-                  <a:schemeClr val="tx1"/>
-                </a:solidFill>
-                <a:effectLst/>
-                <a:latin typeface="+mn-lt"/>
-                <a:ea typeface="+mn-ea"/>
-                <a:cs typeface="+mn-cs"/>
-              </a:rPr>
-              <a:t> </a:t>
-            </a:r>
-            <a:r>
-              <a:rPr lang="en-US" sz="1200" b="0" i="0" u="none" strike="noStrike" kern="1200" dirty="0" err="1">
-                <a:solidFill>
-                  <a:schemeClr val="tx1"/>
-                </a:solidFill>
-                <a:effectLst/>
-                <a:latin typeface="+mn-lt"/>
-                <a:ea typeface="+mn-ea"/>
-                <a:cs typeface="+mn-cs"/>
-              </a:rPr>
-              <a:t>dazniau</a:t>
-            </a:r>
-            <a:r>
-              <a:rPr lang="en-US" sz="1200" b="0" i="0" u="none" strike="noStrike" kern="1200" dirty="0">
-                <a:solidFill>
-                  <a:schemeClr val="tx1"/>
-                </a:solidFill>
-                <a:effectLst/>
-                <a:latin typeface="+mn-lt"/>
-                <a:ea typeface="+mn-ea"/>
-                <a:cs typeface="+mn-cs"/>
-              </a:rPr>
-              <a:t> </a:t>
-            </a:r>
-            <a:r>
-              <a:rPr lang="en-US" sz="1200" b="0" i="0" u="none" strike="noStrike" kern="1200" dirty="0" err="1">
-                <a:solidFill>
-                  <a:schemeClr val="tx1"/>
-                </a:solidFill>
-                <a:effectLst/>
-                <a:latin typeface="+mn-lt"/>
-                <a:ea typeface="+mn-ea"/>
-                <a:cs typeface="+mn-cs"/>
-              </a:rPr>
-              <a:t>releasinti</a:t>
-            </a:r>
-            <a:r>
-              <a:rPr lang="en-US" sz="1200" b="0" i="0" u="none" strike="noStrike" kern="1200" dirty="0">
-                <a:solidFill>
-                  <a:schemeClr val="tx1"/>
-                </a:solidFill>
-                <a:effectLst/>
-                <a:latin typeface="+mn-lt"/>
-                <a:ea typeface="+mn-ea"/>
-                <a:cs typeface="+mn-cs"/>
-              </a:rPr>
-              <a:t> </a:t>
-            </a:r>
-            <a:r>
-              <a:rPr lang="en-US" sz="1200" b="0" i="0" u="none" strike="noStrike" kern="1200" dirty="0" err="1">
-                <a:solidFill>
-                  <a:schemeClr val="tx1"/>
-                </a:solidFill>
-                <a:effectLst/>
-                <a:latin typeface="+mn-lt"/>
-                <a:ea typeface="+mn-ea"/>
-                <a:cs typeface="+mn-cs"/>
-              </a:rPr>
-              <a:t>koda</a:t>
-            </a:r>
-            <a:r>
-              <a:rPr lang="en-US" sz="1200" b="0" i="0" u="none" strike="noStrike" kern="1200" dirty="0">
-                <a:solidFill>
-                  <a:schemeClr val="tx1"/>
-                </a:solidFill>
-                <a:effectLst/>
-                <a:latin typeface="+mn-lt"/>
-                <a:ea typeface="+mn-ea"/>
-                <a:cs typeface="+mn-cs"/>
-              </a:rPr>
-              <a:t>, </a:t>
-            </a:r>
-            <a:r>
-              <a:rPr lang="en-US" sz="1200" b="0" i="0" u="none" strike="noStrike" kern="1200" dirty="0" err="1">
-                <a:solidFill>
-                  <a:schemeClr val="tx1"/>
-                </a:solidFill>
-                <a:effectLst/>
-                <a:latin typeface="+mn-lt"/>
-                <a:ea typeface="+mn-ea"/>
-                <a:cs typeface="+mn-cs"/>
-              </a:rPr>
-              <a:t>ir</a:t>
-            </a:r>
-            <a:r>
-              <a:rPr lang="en-US" sz="1200" b="0" i="0" u="none" strike="noStrike" kern="1200" dirty="0">
-                <a:solidFill>
-                  <a:schemeClr val="tx1"/>
-                </a:solidFill>
-                <a:effectLst/>
-                <a:latin typeface="+mn-lt"/>
-                <a:ea typeface="+mn-ea"/>
-                <a:cs typeface="+mn-cs"/>
-              </a:rPr>
-              <a:t> </a:t>
-            </a:r>
-            <a:r>
-              <a:rPr lang="en-US" sz="1200" b="0" i="0" u="none" strike="noStrike" kern="1200" dirty="0" err="1">
-                <a:solidFill>
-                  <a:schemeClr val="tx1"/>
-                </a:solidFill>
-                <a:effectLst/>
-                <a:latin typeface="+mn-lt"/>
-                <a:ea typeface="+mn-ea"/>
-                <a:cs typeface="+mn-cs"/>
-              </a:rPr>
-              <a:t>buti</a:t>
-            </a:r>
-            <a:r>
-              <a:rPr lang="en-US" sz="1200" b="0" i="0" u="none" strike="noStrike" kern="1200" dirty="0">
-                <a:solidFill>
-                  <a:schemeClr val="tx1"/>
-                </a:solidFill>
-                <a:effectLst/>
-                <a:latin typeface="+mn-lt"/>
-                <a:ea typeface="+mn-ea"/>
-                <a:cs typeface="+mn-cs"/>
-              </a:rPr>
-              <a:t> </a:t>
-            </a:r>
-            <a:r>
-              <a:rPr lang="en-US" sz="1200" b="0" i="0" u="none" strike="noStrike" kern="1200" dirty="0" err="1">
-                <a:solidFill>
-                  <a:schemeClr val="tx1"/>
-                </a:solidFill>
-                <a:effectLst/>
-                <a:latin typeface="+mn-lt"/>
-                <a:ea typeface="+mn-ea"/>
-                <a:cs typeface="+mn-cs"/>
-              </a:rPr>
-              <a:t>visada</a:t>
-            </a:r>
-            <a:r>
-              <a:rPr lang="en-US" sz="1200" b="0" i="0" u="none" strike="noStrike" kern="1200" dirty="0">
-                <a:solidFill>
-                  <a:schemeClr val="tx1"/>
-                </a:solidFill>
-                <a:effectLst/>
-                <a:latin typeface="+mn-lt"/>
-                <a:ea typeface="+mn-ea"/>
-                <a:cs typeface="+mn-cs"/>
-              </a:rPr>
-              <a:t> </a:t>
-            </a:r>
-            <a:r>
-              <a:rPr lang="en-US" sz="1200" b="0" i="0" u="none" strike="noStrike" kern="1200" dirty="0" err="1">
-                <a:solidFill>
-                  <a:schemeClr val="tx1"/>
-                </a:solidFill>
-                <a:effectLst/>
-                <a:latin typeface="+mn-lt"/>
-                <a:ea typeface="+mn-ea"/>
-                <a:cs typeface="+mn-cs"/>
-              </a:rPr>
-              <a:t>pasiekiamu</a:t>
-            </a:r>
-            <a:r>
-              <a:rPr lang="en-US" sz="1200" b="0" i="0" u="none" strike="noStrike" kern="1200" dirty="0">
-                <a:solidFill>
-                  <a:schemeClr val="tx1"/>
-                </a:solidFill>
-                <a:effectLst/>
-                <a:latin typeface="+mn-lt"/>
-                <a:ea typeface="+mn-ea"/>
-                <a:cs typeface="+mn-cs"/>
-              </a:rPr>
-              <a:t> </a:t>
-            </a:r>
-            <a:r>
-              <a:rPr lang="en-US" sz="1200" b="0" i="0" u="none" strike="noStrike" kern="1200" dirty="0" err="1">
-                <a:solidFill>
-                  <a:schemeClr val="tx1"/>
-                </a:solidFill>
-                <a:effectLst/>
-                <a:latin typeface="+mn-lt"/>
-                <a:ea typeface="+mn-ea"/>
-                <a:cs typeface="+mn-cs"/>
-              </a:rPr>
-              <a:t>vartotojui</a:t>
-            </a:r>
-            <a:endParaRPr lang="en-US" sz="1200" b="0" i="0" u="none" strike="noStrike" kern="1200" dirty="0">
-              <a:solidFill>
-                <a:schemeClr val="tx1"/>
-              </a:solidFill>
-              <a:effectLst/>
-              <a:latin typeface="+mn-lt"/>
-              <a:ea typeface="+mn-ea"/>
-              <a:cs typeface="+mn-cs"/>
-            </a:endParaRPr>
-          </a:p>
-          <a:p>
-            <a:r>
-              <a:rPr lang="en-US" sz="1200" b="1" i="0" u="none" strike="noStrike" kern="1200" dirty="0">
-                <a:solidFill>
-                  <a:schemeClr val="tx1"/>
-                </a:solidFill>
-                <a:effectLst/>
-                <a:latin typeface="+mn-lt"/>
-                <a:ea typeface="+mn-ea"/>
-                <a:cs typeface="+mn-cs"/>
-              </a:rPr>
-              <a:t>High-Quality Application</a:t>
-            </a:r>
-            <a:r>
-              <a:rPr lang="en-US" sz="1200" b="0" i="0" u="none" strike="noStrike" kern="1200" dirty="0">
-                <a:solidFill>
-                  <a:schemeClr val="tx1"/>
-                </a:solidFill>
-                <a:effectLst/>
-                <a:latin typeface="+mn-lt"/>
-                <a:ea typeface="+mn-ea"/>
-                <a:cs typeface="+mn-cs"/>
-              </a:rPr>
-              <a:t>: </a:t>
-            </a:r>
-            <a:r>
-              <a:rPr lang="en-US" sz="1200" b="0" i="0" u="none" strike="noStrike" kern="1200" dirty="0" err="1">
-                <a:solidFill>
-                  <a:schemeClr val="tx1"/>
-                </a:solidFill>
-                <a:effectLst/>
-                <a:latin typeface="+mn-lt"/>
-                <a:ea typeface="+mn-ea"/>
-                <a:cs typeface="+mn-cs"/>
-              </a:rPr>
-              <a:t>Jeigu</a:t>
-            </a:r>
-            <a:r>
-              <a:rPr lang="en-US" sz="1200" b="0" i="0" u="none" strike="noStrike" kern="1200" dirty="0">
-                <a:solidFill>
-                  <a:schemeClr val="tx1"/>
-                </a:solidFill>
-                <a:effectLst/>
-                <a:latin typeface="+mn-lt"/>
-                <a:ea typeface="+mn-ea"/>
-                <a:cs typeface="+mn-cs"/>
-              </a:rPr>
-              <a:t> </a:t>
-            </a:r>
-            <a:r>
-              <a:rPr lang="en-US" sz="1200" b="0" i="0" u="none" strike="noStrike" kern="1200" dirty="0" err="1">
-                <a:solidFill>
-                  <a:schemeClr val="tx1"/>
-                </a:solidFill>
-                <a:effectLst/>
-                <a:latin typeface="+mn-lt"/>
-                <a:ea typeface="+mn-ea"/>
-                <a:cs typeface="+mn-cs"/>
-              </a:rPr>
-              <a:t>parasyti</a:t>
-            </a:r>
-            <a:r>
-              <a:rPr lang="en-US" sz="1200" b="0" i="0" u="none" strike="noStrike" kern="1200" dirty="0">
-                <a:solidFill>
-                  <a:schemeClr val="tx1"/>
-                </a:solidFill>
-                <a:effectLst/>
-                <a:latin typeface="+mn-lt"/>
-                <a:ea typeface="+mn-ea"/>
-                <a:cs typeface="+mn-cs"/>
-              </a:rPr>
-              <a:t> </a:t>
-            </a:r>
-            <a:r>
-              <a:rPr lang="en-US" sz="1200" b="0" i="0" u="none" strike="noStrike" kern="1200" dirty="0" err="1">
-                <a:solidFill>
-                  <a:schemeClr val="tx1"/>
-                </a:solidFill>
-                <a:effectLst/>
-                <a:latin typeface="+mn-lt"/>
-                <a:ea typeface="+mn-ea"/>
-                <a:cs typeface="+mn-cs"/>
-              </a:rPr>
-              <a:t>kokybiski</a:t>
-            </a:r>
-            <a:r>
-              <a:rPr lang="en-US" sz="1200" b="0" i="0" u="none" strike="noStrike" kern="1200" dirty="0">
-                <a:solidFill>
-                  <a:schemeClr val="tx1"/>
-                </a:solidFill>
-                <a:effectLst/>
-                <a:latin typeface="+mn-lt"/>
-                <a:ea typeface="+mn-ea"/>
-                <a:cs typeface="+mn-cs"/>
-              </a:rPr>
-              <a:t> auto </a:t>
-            </a:r>
-            <a:r>
-              <a:rPr lang="en-US" sz="1200" b="0" i="0" u="none" strike="noStrike" kern="1200" dirty="0" err="1">
-                <a:solidFill>
-                  <a:schemeClr val="tx1"/>
-                </a:solidFill>
-                <a:effectLst/>
-                <a:latin typeface="+mn-lt"/>
-                <a:ea typeface="+mn-ea"/>
-                <a:cs typeface="+mn-cs"/>
-              </a:rPr>
-              <a:t>testai</a:t>
-            </a:r>
-            <a:r>
-              <a:rPr lang="en-US" sz="1200" b="0" i="0" u="none" strike="noStrike" kern="1200" dirty="0">
-                <a:solidFill>
-                  <a:schemeClr val="tx1"/>
-                </a:solidFill>
-                <a:effectLst/>
-                <a:latin typeface="+mn-lt"/>
-                <a:ea typeface="+mn-ea"/>
-                <a:cs typeface="+mn-cs"/>
-              </a:rPr>
-              <a:t>, tai ne </a:t>
-            </a:r>
-            <a:r>
-              <a:rPr lang="en-US" sz="1200" b="0" i="0" u="none" strike="noStrike" kern="1200" dirty="0" err="1">
-                <a:solidFill>
-                  <a:schemeClr val="tx1"/>
-                </a:solidFill>
-                <a:effectLst/>
-                <a:latin typeface="+mn-lt"/>
-                <a:ea typeface="+mn-ea"/>
-                <a:cs typeface="+mn-cs"/>
-              </a:rPr>
-              <a:t>tik</a:t>
-            </a:r>
-            <a:r>
-              <a:rPr lang="en-US" sz="1200" b="0" i="0" u="none" strike="noStrike" kern="1200" dirty="0">
-                <a:solidFill>
-                  <a:schemeClr val="tx1"/>
-                </a:solidFill>
-                <a:effectLst/>
-                <a:latin typeface="+mn-lt"/>
-                <a:ea typeface="+mn-ea"/>
-                <a:cs typeface="+mn-cs"/>
-              </a:rPr>
-              <a:t> </a:t>
-            </a:r>
-            <a:r>
-              <a:rPr lang="en-US" sz="1200" b="0" i="0" u="none" strike="noStrike" kern="1200" dirty="0" err="1">
-                <a:solidFill>
-                  <a:schemeClr val="tx1"/>
-                </a:solidFill>
-                <a:effectLst/>
-                <a:latin typeface="+mn-lt"/>
-                <a:ea typeface="+mn-ea"/>
-                <a:cs typeface="+mn-cs"/>
-              </a:rPr>
-              <a:t>kodas</a:t>
-            </a:r>
-            <a:r>
-              <a:rPr lang="en-US" sz="1200" b="0" i="0" u="none" strike="noStrike" kern="1200" dirty="0">
-                <a:solidFill>
-                  <a:schemeClr val="tx1"/>
-                </a:solidFill>
-                <a:effectLst/>
-                <a:latin typeface="+mn-lt"/>
-                <a:ea typeface="+mn-ea"/>
-                <a:cs typeface="+mn-cs"/>
-              </a:rPr>
-              <a:t> bus </a:t>
-            </a:r>
-            <a:r>
-              <a:rPr lang="en-US" sz="1200" b="0" i="0" u="none" strike="noStrike" kern="1200" dirty="0" err="1">
-                <a:solidFill>
-                  <a:schemeClr val="tx1"/>
-                </a:solidFill>
-                <a:effectLst/>
-                <a:latin typeface="+mn-lt"/>
-                <a:ea typeface="+mn-ea"/>
-                <a:cs typeface="+mn-cs"/>
-              </a:rPr>
-              <a:t>saugesnis</a:t>
-            </a:r>
-            <a:r>
-              <a:rPr lang="en-US" sz="1200" b="0" i="0" u="none" strike="noStrike" kern="1200" dirty="0">
-                <a:solidFill>
-                  <a:schemeClr val="tx1"/>
-                </a:solidFill>
-                <a:effectLst/>
-                <a:latin typeface="+mn-lt"/>
-                <a:ea typeface="+mn-ea"/>
-                <a:cs typeface="+mn-cs"/>
-              </a:rPr>
-              <a:t> </a:t>
-            </a:r>
-            <a:r>
-              <a:rPr lang="en-US" sz="1200" b="0" i="0" u="none" strike="noStrike" kern="1200" dirty="0" err="1">
-                <a:solidFill>
-                  <a:schemeClr val="tx1"/>
-                </a:solidFill>
-                <a:effectLst/>
-                <a:latin typeface="+mn-lt"/>
-                <a:ea typeface="+mn-ea"/>
-                <a:cs typeface="+mn-cs"/>
-              </a:rPr>
-              <a:t>nuo</a:t>
-            </a:r>
-            <a:r>
-              <a:rPr lang="en-US" sz="1200" b="0" i="0" u="none" strike="noStrike" kern="1200" dirty="0">
-                <a:solidFill>
-                  <a:schemeClr val="tx1"/>
-                </a:solidFill>
-                <a:effectLst/>
-                <a:latin typeface="+mn-lt"/>
-                <a:ea typeface="+mn-ea"/>
-                <a:cs typeface="+mn-cs"/>
-              </a:rPr>
-              <a:t> </a:t>
-            </a:r>
-            <a:r>
-              <a:rPr lang="en-US" sz="1200" b="0" i="0" u="none" strike="noStrike" kern="1200" dirty="0" err="1">
-                <a:solidFill>
-                  <a:schemeClr val="tx1"/>
-                </a:solidFill>
-                <a:effectLst/>
-                <a:latin typeface="+mn-lt"/>
-                <a:ea typeface="+mn-ea"/>
-                <a:cs typeface="+mn-cs"/>
-              </a:rPr>
-              <a:t>bugu</a:t>
-            </a:r>
-            <a:r>
-              <a:rPr lang="en-US" sz="1200" b="0" i="0" u="none" strike="noStrike" kern="1200" dirty="0">
-                <a:solidFill>
-                  <a:schemeClr val="tx1"/>
-                </a:solidFill>
-                <a:effectLst/>
-                <a:latin typeface="+mn-lt"/>
-                <a:ea typeface="+mn-ea"/>
-                <a:cs typeface="+mn-cs"/>
-              </a:rPr>
-              <a:t>, </a:t>
-            </a:r>
-            <a:r>
-              <a:rPr lang="en-US" sz="1200" b="0" i="0" u="none" strike="noStrike" kern="1200" dirty="0" err="1">
-                <a:solidFill>
-                  <a:schemeClr val="tx1"/>
-                </a:solidFill>
-                <a:effectLst/>
-                <a:latin typeface="+mn-lt"/>
-                <a:ea typeface="+mn-ea"/>
-                <a:cs typeface="+mn-cs"/>
-              </a:rPr>
-              <a:t>taciau</a:t>
-            </a:r>
-            <a:r>
-              <a:rPr lang="en-US" sz="1200" b="0" i="0" u="none" strike="noStrike" kern="1200" dirty="0">
-                <a:solidFill>
-                  <a:schemeClr val="tx1"/>
-                </a:solidFill>
-                <a:effectLst/>
-                <a:latin typeface="+mn-lt"/>
-                <a:ea typeface="+mn-ea"/>
-                <a:cs typeface="+mn-cs"/>
-              </a:rPr>
-              <a:t> </a:t>
-            </a:r>
-            <a:r>
-              <a:rPr lang="en-US" sz="1200" b="0" i="0" u="none" strike="noStrike" kern="1200" dirty="0" err="1">
-                <a:solidFill>
-                  <a:schemeClr val="tx1"/>
-                </a:solidFill>
-                <a:effectLst/>
-                <a:latin typeface="+mn-lt"/>
-                <a:ea typeface="+mn-ea"/>
-                <a:cs typeface="+mn-cs"/>
-              </a:rPr>
-              <a:t>ir</a:t>
-            </a:r>
-            <a:r>
-              <a:rPr lang="en-US" sz="1200" b="0" i="0" u="none" strike="noStrike" kern="1200" dirty="0">
-                <a:solidFill>
-                  <a:schemeClr val="tx1"/>
-                </a:solidFill>
-                <a:effectLst/>
-                <a:latin typeface="+mn-lt"/>
-                <a:ea typeface="+mn-ea"/>
-                <a:cs typeface="+mn-cs"/>
-              </a:rPr>
-              <a:t> </a:t>
-            </a:r>
-            <a:r>
-              <a:rPr lang="en-US" sz="1200" b="0" i="0" u="none" strike="noStrike" kern="1200" dirty="0" err="1">
-                <a:solidFill>
-                  <a:schemeClr val="tx1"/>
-                </a:solidFill>
-                <a:effectLst/>
-                <a:latin typeface="+mn-lt"/>
-                <a:ea typeface="+mn-ea"/>
-                <a:cs typeface="+mn-cs"/>
-              </a:rPr>
-              <a:t>testuotojams</a:t>
-            </a:r>
-            <a:r>
-              <a:rPr lang="en-US" sz="1200" b="0" i="0" u="none" strike="noStrike" kern="1200" dirty="0">
-                <a:solidFill>
-                  <a:schemeClr val="tx1"/>
-                </a:solidFill>
-                <a:effectLst/>
-                <a:latin typeface="+mn-lt"/>
-                <a:ea typeface="+mn-ea"/>
-                <a:cs typeface="+mn-cs"/>
-              </a:rPr>
-              <a:t> </a:t>
-            </a:r>
-            <a:r>
-              <a:rPr lang="en-US" sz="1200" b="0" i="0" u="none" strike="noStrike" kern="1200" dirty="0" err="1">
-                <a:solidFill>
-                  <a:schemeClr val="tx1"/>
-                </a:solidFill>
-                <a:effectLst/>
-                <a:latin typeface="+mn-lt"/>
-                <a:ea typeface="+mn-ea"/>
-                <a:cs typeface="+mn-cs"/>
-              </a:rPr>
-              <a:t>nereikes</a:t>
-            </a:r>
-            <a:r>
-              <a:rPr lang="en-US" sz="1200" b="0" i="0" u="none" strike="noStrike" kern="1200" dirty="0">
-                <a:solidFill>
-                  <a:schemeClr val="tx1"/>
-                </a:solidFill>
-                <a:effectLst/>
-                <a:latin typeface="+mn-lt"/>
-                <a:ea typeface="+mn-ea"/>
-                <a:cs typeface="+mn-cs"/>
-              </a:rPr>
-              <a:t> </a:t>
-            </a:r>
-            <a:r>
-              <a:rPr lang="en-US" sz="1200" b="0" i="0" u="none" strike="noStrike" kern="1200" dirty="0" err="1">
-                <a:solidFill>
-                  <a:schemeClr val="tx1"/>
-                </a:solidFill>
-                <a:effectLst/>
-                <a:latin typeface="+mn-lt"/>
-                <a:ea typeface="+mn-ea"/>
-                <a:cs typeface="+mn-cs"/>
-              </a:rPr>
-              <a:t>savo</a:t>
-            </a:r>
-            <a:r>
-              <a:rPr lang="en-US" sz="1200" b="0" i="0" u="none" strike="noStrike" kern="1200" dirty="0">
-                <a:solidFill>
-                  <a:schemeClr val="tx1"/>
-                </a:solidFill>
-                <a:effectLst/>
-                <a:latin typeface="+mn-lt"/>
-                <a:ea typeface="+mn-ea"/>
-                <a:cs typeface="+mn-cs"/>
-              </a:rPr>
-              <a:t> </a:t>
-            </a:r>
-            <a:r>
-              <a:rPr lang="en-US" sz="1200" b="0" i="0" u="none" strike="noStrike" kern="1200" dirty="0" err="1">
-                <a:solidFill>
-                  <a:schemeClr val="tx1"/>
-                </a:solidFill>
-                <a:effectLst/>
-                <a:latin typeface="+mn-lt"/>
-                <a:ea typeface="+mn-ea"/>
-                <a:cs typeface="+mn-cs"/>
-              </a:rPr>
-              <a:t>laiko</a:t>
-            </a:r>
-            <a:r>
-              <a:rPr lang="en-US" sz="1200" b="0" i="0" u="none" strike="noStrike" kern="1200" dirty="0">
-                <a:solidFill>
-                  <a:schemeClr val="tx1"/>
-                </a:solidFill>
-                <a:effectLst/>
-                <a:latin typeface="+mn-lt"/>
-                <a:ea typeface="+mn-ea"/>
-                <a:cs typeface="+mn-cs"/>
-              </a:rPr>
-              <a:t> </a:t>
-            </a:r>
-            <a:r>
-              <a:rPr lang="en-US" sz="1200" b="0" i="0" u="none" strike="noStrike" kern="1200" dirty="0" err="1">
-                <a:solidFill>
-                  <a:schemeClr val="tx1"/>
-                </a:solidFill>
-                <a:effectLst/>
-                <a:latin typeface="+mn-lt"/>
-                <a:ea typeface="+mn-ea"/>
-                <a:cs typeface="+mn-cs"/>
-              </a:rPr>
-              <a:t>gaisti</a:t>
-            </a:r>
-            <a:r>
-              <a:rPr lang="en-US" sz="1200" b="0" i="0" u="none" strike="noStrike" kern="1200" dirty="0">
-                <a:solidFill>
-                  <a:schemeClr val="tx1"/>
-                </a:solidFill>
-                <a:effectLst/>
-                <a:latin typeface="+mn-lt"/>
-                <a:ea typeface="+mn-ea"/>
-                <a:cs typeface="+mn-cs"/>
-              </a:rPr>
-              <a:t> ties regression </a:t>
-            </a:r>
-            <a:r>
-              <a:rPr lang="en-US" sz="1200" b="0" i="0" u="none" strike="noStrike" kern="1200" dirty="0" err="1">
-                <a:solidFill>
-                  <a:schemeClr val="tx1"/>
-                </a:solidFill>
-                <a:effectLst/>
-                <a:latin typeface="+mn-lt"/>
-                <a:ea typeface="+mn-ea"/>
-                <a:cs typeface="+mn-cs"/>
-              </a:rPr>
-              <a:t>testai</a:t>
-            </a:r>
-            <a:r>
-              <a:rPr lang="en-US" sz="1200" b="0" i="0" u="none" strike="noStrike" kern="1200" dirty="0">
-                <a:solidFill>
-                  <a:schemeClr val="tx1"/>
-                </a:solidFill>
-                <a:effectLst/>
-                <a:latin typeface="+mn-lt"/>
-                <a:ea typeface="+mn-ea"/>
-                <a:cs typeface="+mn-cs"/>
-              </a:rPr>
-              <a:t>, o gales vis </a:t>
-            </a:r>
-            <a:r>
-              <a:rPr lang="en-US" sz="1200" b="0" i="0" u="none" strike="noStrike" kern="1200" dirty="0" err="1">
-                <a:solidFill>
-                  <a:schemeClr val="tx1"/>
-                </a:solidFill>
-                <a:effectLst/>
-                <a:latin typeface="+mn-lt"/>
-                <a:ea typeface="+mn-ea"/>
-                <a:cs typeface="+mn-cs"/>
-              </a:rPr>
-              <a:t>daugiau</a:t>
-            </a:r>
-            <a:r>
-              <a:rPr lang="en-US" sz="1200" b="0" i="0" u="none" strike="noStrike" kern="1200" dirty="0">
-                <a:solidFill>
-                  <a:schemeClr val="tx1"/>
-                </a:solidFill>
-                <a:effectLst/>
-                <a:latin typeface="+mn-lt"/>
-                <a:ea typeface="+mn-ea"/>
-                <a:cs typeface="+mn-cs"/>
-              </a:rPr>
-              <a:t> </a:t>
-            </a:r>
-            <a:r>
-              <a:rPr lang="en-US" sz="1200" b="0" i="0" u="none" strike="noStrike" kern="1200" dirty="0" err="1">
-                <a:solidFill>
-                  <a:schemeClr val="tx1"/>
-                </a:solidFill>
-                <a:effectLst/>
-                <a:latin typeface="+mn-lt"/>
-                <a:ea typeface="+mn-ea"/>
-                <a:cs typeface="+mn-cs"/>
-              </a:rPr>
-              <a:t>ir</a:t>
-            </a:r>
-            <a:r>
-              <a:rPr lang="en-US" sz="1200" b="0" i="0" u="none" strike="noStrike" kern="1200" dirty="0">
-                <a:solidFill>
-                  <a:schemeClr val="tx1"/>
-                </a:solidFill>
-                <a:effectLst/>
-                <a:latin typeface="+mn-lt"/>
-                <a:ea typeface="+mn-ea"/>
-                <a:cs typeface="+mn-cs"/>
-              </a:rPr>
-              <a:t> </a:t>
-            </a:r>
-            <a:r>
-              <a:rPr lang="en-US" sz="1200" b="0" i="0" u="none" strike="noStrike" kern="1200" dirty="0" err="1">
-                <a:solidFill>
-                  <a:schemeClr val="tx1"/>
-                </a:solidFill>
-                <a:effectLst/>
-                <a:latin typeface="+mn-lt"/>
-                <a:ea typeface="+mn-ea"/>
-                <a:cs typeface="+mn-cs"/>
-              </a:rPr>
-              <a:t>daugiau</a:t>
-            </a:r>
-            <a:r>
-              <a:rPr lang="en-US" sz="1200" b="0" i="0" u="none" strike="noStrike" kern="1200" dirty="0">
-                <a:solidFill>
-                  <a:schemeClr val="tx1"/>
-                </a:solidFill>
-                <a:effectLst/>
-                <a:latin typeface="+mn-lt"/>
-                <a:ea typeface="+mn-ea"/>
-                <a:cs typeface="+mn-cs"/>
-              </a:rPr>
-              <a:t> </a:t>
-            </a:r>
-            <a:r>
-              <a:rPr lang="en-US" sz="1200" b="0" i="0" u="none" strike="noStrike" kern="1200" dirty="0" err="1">
-                <a:solidFill>
-                  <a:schemeClr val="tx1"/>
-                </a:solidFill>
-                <a:effectLst/>
-                <a:latin typeface="+mn-lt"/>
-                <a:ea typeface="+mn-ea"/>
-                <a:cs typeface="+mn-cs"/>
-              </a:rPr>
-              <a:t>funkcionalumo</a:t>
-            </a:r>
-            <a:r>
-              <a:rPr lang="en-US" sz="1200" b="0" i="0" u="none" strike="noStrike" kern="1200" dirty="0">
-                <a:solidFill>
-                  <a:schemeClr val="tx1"/>
-                </a:solidFill>
-                <a:effectLst/>
-                <a:latin typeface="+mn-lt"/>
-                <a:ea typeface="+mn-ea"/>
-                <a:cs typeface="+mn-cs"/>
-              </a:rPr>
-              <a:t> </a:t>
-            </a:r>
-            <a:r>
-              <a:rPr lang="en-US" sz="1200" b="0" i="0" u="none" strike="noStrike" kern="1200" dirty="0" err="1">
-                <a:solidFill>
-                  <a:schemeClr val="tx1"/>
-                </a:solidFill>
-                <a:effectLst/>
-                <a:latin typeface="+mn-lt"/>
-                <a:ea typeface="+mn-ea"/>
-                <a:cs typeface="+mn-cs"/>
-              </a:rPr>
-              <a:t>automatizuoti</a:t>
-            </a:r>
-            <a:endParaRPr lang="en-US" sz="1200" b="0" i="0" u="none" strike="noStrike" kern="1200" dirty="0">
-              <a:solidFill>
-                <a:schemeClr val="tx1"/>
-              </a:solidFill>
-              <a:effectLst/>
-              <a:latin typeface="+mn-lt"/>
-              <a:ea typeface="+mn-ea"/>
-              <a:cs typeface="+mn-cs"/>
-            </a:endParaRPr>
-          </a:p>
-          <a:p>
-            <a:r>
-              <a:rPr lang="en-US" sz="1200" b="1" i="0" u="none" strike="noStrike" kern="1200" dirty="0">
-                <a:solidFill>
-                  <a:schemeClr val="tx1"/>
-                </a:solidFill>
-                <a:effectLst/>
-                <a:latin typeface="+mn-lt"/>
-                <a:ea typeface="+mn-ea"/>
-                <a:cs typeface="+mn-cs"/>
-              </a:rPr>
-              <a:t>Reduced Cost</a:t>
-            </a:r>
-            <a:r>
-              <a:rPr lang="en-US" sz="1200" b="0" i="0" u="none" strike="noStrike" kern="1200" dirty="0">
-                <a:solidFill>
-                  <a:schemeClr val="tx1"/>
-                </a:solidFill>
-                <a:effectLst/>
-                <a:latin typeface="+mn-lt"/>
-                <a:ea typeface="+mn-ea"/>
-                <a:cs typeface="+mn-cs"/>
-              </a:rPr>
-              <a:t>: </a:t>
-            </a:r>
-            <a:r>
-              <a:rPr lang="en-US" sz="1200" b="0" i="0" u="none" strike="noStrike" kern="1200" dirty="0" err="1">
-                <a:solidFill>
-                  <a:schemeClr val="tx1"/>
-                </a:solidFill>
-                <a:effectLst/>
-                <a:latin typeface="+mn-lt"/>
-                <a:ea typeface="+mn-ea"/>
-                <a:cs typeface="+mn-cs"/>
-              </a:rPr>
-              <a:t>Kadangi</a:t>
-            </a:r>
-            <a:r>
-              <a:rPr lang="en-US" sz="1200" b="0" i="0" u="none" strike="noStrike" kern="1200" dirty="0">
-                <a:solidFill>
-                  <a:schemeClr val="tx1"/>
-                </a:solidFill>
-                <a:effectLst/>
-                <a:latin typeface="+mn-lt"/>
-                <a:ea typeface="+mn-ea"/>
-                <a:cs typeface="+mn-cs"/>
-              </a:rPr>
-              <a:t> </a:t>
-            </a:r>
-            <a:r>
-              <a:rPr lang="en-US" sz="1200" b="0" i="0" u="none" strike="noStrike" kern="1200" dirty="0" err="1">
-                <a:solidFill>
-                  <a:schemeClr val="tx1"/>
-                </a:solidFill>
-                <a:effectLst/>
-                <a:latin typeface="+mn-lt"/>
-                <a:ea typeface="+mn-ea"/>
-                <a:cs typeface="+mn-cs"/>
-              </a:rPr>
-              <a:t>mazeja</a:t>
-            </a:r>
-            <a:r>
-              <a:rPr lang="en-US" sz="1200" b="0" i="0" u="none" strike="noStrike" kern="1200" dirty="0">
-                <a:solidFill>
-                  <a:schemeClr val="tx1"/>
-                </a:solidFill>
-                <a:effectLst/>
-                <a:latin typeface="+mn-lt"/>
-                <a:ea typeface="+mn-ea"/>
-                <a:cs typeface="+mn-cs"/>
-              </a:rPr>
-              <a:t> </a:t>
-            </a:r>
-            <a:r>
-              <a:rPr lang="en-US" sz="1200" b="0" i="0" u="none" strike="noStrike" kern="1200" dirty="0" err="1">
-                <a:solidFill>
-                  <a:schemeClr val="tx1"/>
-                </a:solidFill>
-                <a:effectLst/>
-                <a:latin typeface="+mn-lt"/>
-                <a:ea typeface="+mn-ea"/>
-                <a:cs typeface="+mn-cs"/>
-              </a:rPr>
-              <a:t>klaidu</a:t>
-            </a:r>
-            <a:r>
-              <a:rPr lang="en-US" sz="1200" b="0" i="0" u="none" strike="noStrike" kern="1200" dirty="0">
-                <a:solidFill>
-                  <a:schemeClr val="tx1"/>
-                </a:solidFill>
-                <a:effectLst/>
-                <a:latin typeface="+mn-lt"/>
-                <a:ea typeface="+mn-ea"/>
-                <a:cs typeface="+mn-cs"/>
-              </a:rPr>
-              <a:t> </a:t>
-            </a:r>
-            <a:r>
-              <a:rPr lang="en-US" sz="1200" b="0" i="0" u="none" strike="noStrike" kern="1200" dirty="0" err="1">
-                <a:solidFill>
-                  <a:schemeClr val="tx1"/>
-                </a:solidFill>
-                <a:effectLst/>
-                <a:latin typeface="+mn-lt"/>
-                <a:ea typeface="+mn-ea"/>
-                <a:cs typeface="+mn-cs"/>
-              </a:rPr>
-              <a:t>tikimybe</a:t>
-            </a:r>
-            <a:r>
-              <a:rPr lang="en-US" sz="1200" b="0" i="0" u="none" strike="noStrike" kern="1200" dirty="0">
-                <a:solidFill>
-                  <a:schemeClr val="tx1"/>
-                </a:solidFill>
-                <a:effectLst/>
-                <a:latin typeface="+mn-lt"/>
-                <a:ea typeface="+mn-ea"/>
-                <a:cs typeface="+mn-cs"/>
-              </a:rPr>
-              <a:t>, tai </a:t>
-            </a:r>
-            <a:r>
-              <a:rPr lang="en-US" sz="1200" b="0" i="0" u="none" strike="noStrike" kern="1200" dirty="0" err="1">
-                <a:solidFill>
-                  <a:schemeClr val="tx1"/>
-                </a:solidFill>
-                <a:effectLst/>
-                <a:latin typeface="+mn-lt"/>
-                <a:ea typeface="+mn-ea"/>
-                <a:cs typeface="+mn-cs"/>
-              </a:rPr>
-              <a:t>mazeja</a:t>
-            </a:r>
-            <a:r>
-              <a:rPr lang="en-US" sz="1200" b="0" i="0" u="none" strike="noStrike" kern="1200" dirty="0">
-                <a:solidFill>
-                  <a:schemeClr val="tx1"/>
-                </a:solidFill>
-                <a:effectLst/>
-                <a:latin typeface="+mn-lt"/>
-                <a:ea typeface="+mn-ea"/>
-                <a:cs typeface="+mn-cs"/>
-              </a:rPr>
-              <a:t> </a:t>
-            </a:r>
-            <a:r>
-              <a:rPr lang="en-US" sz="1200" b="0" i="0" u="none" strike="noStrike" kern="1200" dirty="0" err="1">
-                <a:solidFill>
-                  <a:schemeClr val="tx1"/>
-                </a:solidFill>
-                <a:effectLst/>
-                <a:latin typeface="+mn-lt"/>
-                <a:ea typeface="+mn-ea"/>
-                <a:cs typeface="+mn-cs"/>
-              </a:rPr>
-              <a:t>ir</a:t>
-            </a:r>
-            <a:r>
-              <a:rPr lang="en-US" sz="1200" b="0" i="0" u="none" strike="noStrike" kern="1200" dirty="0">
-                <a:solidFill>
-                  <a:schemeClr val="tx1"/>
-                </a:solidFill>
-                <a:effectLst/>
-                <a:latin typeface="+mn-lt"/>
-                <a:ea typeface="+mn-ea"/>
-                <a:cs typeface="+mn-cs"/>
-              </a:rPr>
-              <a:t> </a:t>
-            </a:r>
-            <a:r>
-              <a:rPr lang="en-US" sz="1200" b="0" i="0" u="none" strike="noStrike" kern="1200" dirty="0" err="1">
-                <a:solidFill>
-                  <a:schemeClr val="tx1"/>
-                </a:solidFill>
-                <a:effectLst/>
-                <a:latin typeface="+mn-lt"/>
-                <a:ea typeface="+mn-ea"/>
-                <a:cs typeface="+mn-cs"/>
-              </a:rPr>
-              <a:t>projekto</a:t>
-            </a:r>
-            <a:r>
-              <a:rPr lang="en-US" sz="1200" b="0" i="0" u="none" strike="noStrike" kern="1200" dirty="0">
-                <a:solidFill>
-                  <a:schemeClr val="tx1"/>
-                </a:solidFill>
-                <a:effectLst/>
-                <a:latin typeface="+mn-lt"/>
-                <a:ea typeface="+mn-ea"/>
-                <a:cs typeface="+mn-cs"/>
-              </a:rPr>
-              <a:t> </a:t>
-            </a:r>
-            <a:r>
-              <a:rPr lang="en-US" sz="1200" b="0" i="0" u="none" strike="noStrike" kern="1200" dirty="0" err="1">
-                <a:solidFill>
-                  <a:schemeClr val="tx1"/>
-                </a:solidFill>
-                <a:effectLst/>
-                <a:latin typeface="+mn-lt"/>
-                <a:ea typeface="+mn-ea"/>
-                <a:cs typeface="+mn-cs"/>
-              </a:rPr>
-              <a:t>kaina</a:t>
-            </a:r>
-            <a:endParaRPr lang="en-US" sz="1200" b="0" i="0" u="none" strike="noStrike" kern="1200" dirty="0">
-              <a:solidFill>
-                <a:schemeClr val="tx1"/>
-              </a:solidFill>
-              <a:effectLst/>
-              <a:latin typeface="+mn-lt"/>
-              <a:ea typeface="+mn-ea"/>
-              <a:cs typeface="+mn-cs"/>
-            </a:endParaRPr>
-          </a:p>
-          <a:p>
-            <a:r>
-              <a:rPr lang="en-US" sz="1200" b="1" i="0" u="none" strike="noStrike" kern="1200" dirty="0">
-                <a:solidFill>
-                  <a:schemeClr val="tx1"/>
-                </a:solidFill>
-                <a:effectLst/>
-                <a:latin typeface="+mn-lt"/>
-                <a:ea typeface="+mn-ea"/>
-                <a:cs typeface="+mn-cs"/>
-              </a:rPr>
-              <a:t>Happier Team and Better Product</a:t>
-            </a:r>
-            <a:r>
-              <a:rPr lang="en-US" sz="1200" b="0" i="0" u="none" strike="noStrike" kern="1200" dirty="0">
-                <a:solidFill>
-                  <a:schemeClr val="tx1"/>
-                </a:solidFill>
-                <a:effectLst/>
-                <a:latin typeface="+mn-lt"/>
-                <a:ea typeface="+mn-ea"/>
-                <a:cs typeface="+mn-cs"/>
-              </a:rPr>
-              <a:t>: </a:t>
-            </a:r>
-            <a:r>
-              <a:rPr lang="en-US" sz="1200" b="0" i="0" u="none" strike="noStrike" kern="1200" dirty="0" err="1">
-                <a:solidFill>
-                  <a:schemeClr val="tx1"/>
-                </a:solidFill>
-                <a:effectLst/>
-                <a:latin typeface="+mn-lt"/>
-                <a:ea typeface="+mn-ea"/>
-                <a:cs typeface="+mn-cs"/>
-              </a:rPr>
-              <a:t>viskas</a:t>
-            </a:r>
-            <a:r>
-              <a:rPr lang="en-US" sz="1200" b="0" i="0" u="none" strike="noStrike" kern="1200" dirty="0">
-                <a:solidFill>
-                  <a:schemeClr val="tx1"/>
-                </a:solidFill>
-                <a:effectLst/>
-                <a:latin typeface="+mn-lt"/>
-                <a:ea typeface="+mn-ea"/>
-                <a:cs typeface="+mn-cs"/>
-              </a:rPr>
-              <a:t> </a:t>
-            </a:r>
-            <a:r>
-              <a:rPr lang="en-US" sz="1200" b="0" i="0" u="none" strike="noStrike" kern="1200" dirty="0" err="1">
-                <a:solidFill>
-                  <a:schemeClr val="tx1"/>
-                </a:solidFill>
-                <a:effectLst/>
-                <a:latin typeface="+mn-lt"/>
-                <a:ea typeface="+mn-ea"/>
-                <a:cs typeface="+mn-cs"/>
-              </a:rPr>
-              <a:t>susiveda</a:t>
-            </a:r>
-            <a:r>
-              <a:rPr lang="en-US" sz="1200" b="0" i="0" u="none" strike="noStrike" kern="1200" dirty="0">
-                <a:solidFill>
-                  <a:schemeClr val="tx1"/>
-                </a:solidFill>
-                <a:effectLst/>
-                <a:latin typeface="+mn-lt"/>
-                <a:ea typeface="+mn-ea"/>
-                <a:cs typeface="+mn-cs"/>
-              </a:rPr>
-              <a:t> </a:t>
-            </a:r>
-            <a:r>
-              <a:rPr lang="en-US" sz="1200" b="0" i="0" u="none" strike="noStrike" kern="1200" dirty="0" err="1">
-                <a:solidFill>
-                  <a:schemeClr val="tx1"/>
-                </a:solidFill>
-                <a:effectLst/>
-                <a:latin typeface="+mn-lt"/>
-                <a:ea typeface="+mn-ea"/>
-                <a:cs typeface="+mn-cs"/>
-              </a:rPr>
-              <a:t>kad</a:t>
-            </a:r>
-            <a:r>
-              <a:rPr lang="en-US" sz="1200" b="0" i="0" u="none" strike="noStrike" kern="1200" dirty="0">
-                <a:solidFill>
-                  <a:schemeClr val="tx1"/>
-                </a:solidFill>
-                <a:effectLst/>
-                <a:latin typeface="+mn-lt"/>
-                <a:ea typeface="+mn-ea"/>
-                <a:cs typeface="+mn-cs"/>
-              </a:rPr>
-              <a:t> development </a:t>
-            </a:r>
-            <a:r>
-              <a:rPr lang="en-US" sz="1200" b="0" i="0" u="none" strike="noStrike" kern="1200" dirty="0" err="1">
-                <a:solidFill>
-                  <a:schemeClr val="tx1"/>
-                </a:solidFill>
-                <a:effectLst/>
-                <a:latin typeface="+mn-lt"/>
-                <a:ea typeface="+mn-ea"/>
-                <a:cs typeface="+mn-cs"/>
-              </a:rPr>
-              <a:t>komandai</a:t>
-            </a:r>
-            <a:r>
-              <a:rPr lang="en-US" sz="1200" b="0" i="0" u="none" strike="noStrike" kern="1200" dirty="0">
-                <a:solidFill>
-                  <a:schemeClr val="tx1"/>
-                </a:solidFill>
-                <a:effectLst/>
-                <a:latin typeface="+mn-lt"/>
-                <a:ea typeface="+mn-ea"/>
-                <a:cs typeface="+mn-cs"/>
-              </a:rPr>
-              <a:t> </a:t>
-            </a:r>
-            <a:r>
-              <a:rPr lang="en-US" sz="1200" b="0" i="0" u="none" strike="noStrike" kern="1200" dirty="0" err="1">
-                <a:solidFill>
-                  <a:schemeClr val="tx1"/>
-                </a:solidFill>
-                <a:effectLst/>
-                <a:latin typeface="+mn-lt"/>
-                <a:ea typeface="+mn-ea"/>
-                <a:cs typeface="+mn-cs"/>
-              </a:rPr>
-              <a:t>nereikia</a:t>
-            </a:r>
-            <a:r>
-              <a:rPr lang="en-US" sz="1200" b="0" i="0" u="none" strike="noStrike" kern="1200" dirty="0">
-                <a:solidFill>
-                  <a:schemeClr val="tx1"/>
-                </a:solidFill>
-                <a:effectLst/>
-                <a:latin typeface="+mn-lt"/>
-                <a:ea typeface="+mn-ea"/>
-                <a:cs typeface="+mn-cs"/>
-              </a:rPr>
-              <a:t> </a:t>
-            </a:r>
-            <a:r>
-              <a:rPr lang="en-US" sz="1200" b="0" i="0" u="none" strike="noStrike" kern="1200" dirty="0" err="1">
-                <a:solidFill>
-                  <a:schemeClr val="tx1"/>
-                </a:solidFill>
-                <a:effectLst/>
-                <a:latin typeface="+mn-lt"/>
-                <a:ea typeface="+mn-ea"/>
-                <a:cs typeface="+mn-cs"/>
-              </a:rPr>
-              <a:t>daryti</a:t>
-            </a:r>
-            <a:r>
-              <a:rPr lang="en-US" sz="1200" b="0" i="0" u="none" strike="noStrike" kern="1200" dirty="0">
-                <a:solidFill>
-                  <a:schemeClr val="tx1"/>
-                </a:solidFill>
-                <a:effectLst/>
-                <a:latin typeface="+mn-lt"/>
-                <a:ea typeface="+mn-ea"/>
-                <a:cs typeface="+mn-cs"/>
-              </a:rPr>
-              <a:t> </a:t>
-            </a:r>
-            <a:r>
-              <a:rPr lang="en-US" sz="1200" b="0" i="0" u="none" strike="noStrike" kern="1200" dirty="0" err="1">
-                <a:solidFill>
-                  <a:schemeClr val="tx1"/>
-                </a:solidFill>
-                <a:effectLst/>
-                <a:latin typeface="+mn-lt"/>
-                <a:ea typeface="+mn-ea"/>
-                <a:cs typeface="+mn-cs"/>
-              </a:rPr>
-              <a:t>paprastu</a:t>
-            </a:r>
-            <a:r>
-              <a:rPr lang="en-US" sz="1200" b="0" i="0" u="none" strike="noStrike" kern="1200" dirty="0">
-                <a:solidFill>
-                  <a:schemeClr val="tx1"/>
-                </a:solidFill>
-                <a:effectLst/>
-                <a:latin typeface="+mn-lt"/>
-                <a:ea typeface="+mn-ea"/>
-                <a:cs typeface="+mn-cs"/>
-              </a:rPr>
-              <a:t> </a:t>
-            </a:r>
-            <a:r>
-              <a:rPr lang="en-US" sz="1200" b="0" i="0" u="none" strike="noStrike" kern="1200" dirty="0" err="1">
-                <a:solidFill>
-                  <a:schemeClr val="tx1"/>
-                </a:solidFill>
-                <a:effectLst/>
-                <a:latin typeface="+mn-lt"/>
-                <a:ea typeface="+mn-ea"/>
-                <a:cs typeface="+mn-cs"/>
-              </a:rPr>
-              <a:t>tasku</a:t>
-            </a:r>
-            <a:r>
-              <a:rPr lang="en-US" sz="1200" b="0" i="0" u="none" strike="noStrike" kern="1200" dirty="0">
-                <a:solidFill>
-                  <a:schemeClr val="tx1"/>
-                </a:solidFill>
-                <a:effectLst/>
-                <a:latin typeface="+mn-lt"/>
-                <a:ea typeface="+mn-ea"/>
-                <a:cs typeface="+mn-cs"/>
-              </a:rPr>
-              <a:t> </a:t>
-            </a:r>
-            <a:r>
-              <a:rPr lang="en-US" sz="1200" b="0" i="0" u="none" strike="noStrike" kern="1200" dirty="0" err="1">
-                <a:solidFill>
-                  <a:schemeClr val="tx1"/>
-                </a:solidFill>
-                <a:effectLst/>
-                <a:latin typeface="+mn-lt"/>
-                <a:ea typeface="+mn-ea"/>
-                <a:cs typeface="+mn-cs"/>
-              </a:rPr>
-              <a:t>kaip</a:t>
-            </a:r>
-            <a:r>
-              <a:rPr lang="en-US" sz="1200" b="0" i="0" u="none" strike="noStrike" kern="1200" dirty="0">
-                <a:solidFill>
-                  <a:schemeClr val="tx1"/>
-                </a:solidFill>
-                <a:effectLst/>
-                <a:latin typeface="+mn-lt"/>
-                <a:ea typeface="+mn-ea"/>
-                <a:cs typeface="+mn-cs"/>
-              </a:rPr>
-              <a:t> build/deploy </a:t>
-            </a:r>
-            <a:r>
-              <a:rPr lang="en-US" sz="1200" b="0" i="0" u="none" strike="noStrike" kern="1200" dirty="0" err="1">
-                <a:solidFill>
-                  <a:schemeClr val="tx1"/>
-                </a:solidFill>
-                <a:effectLst/>
-                <a:latin typeface="+mn-lt"/>
-                <a:ea typeface="+mn-ea"/>
-                <a:cs typeface="+mn-cs"/>
-              </a:rPr>
-              <a:t>rankiniu</a:t>
-            </a:r>
-            <a:r>
-              <a:rPr lang="en-US" sz="1200" b="0" i="0" u="none" strike="noStrike" kern="1200" dirty="0">
-                <a:solidFill>
-                  <a:schemeClr val="tx1"/>
-                </a:solidFill>
-                <a:effectLst/>
-                <a:latin typeface="+mn-lt"/>
-                <a:ea typeface="+mn-ea"/>
-                <a:cs typeface="+mn-cs"/>
-              </a:rPr>
-              <a:t> </a:t>
-            </a:r>
-            <a:r>
-              <a:rPr lang="en-US" sz="1200" b="0" i="0" u="none" strike="noStrike" kern="1200" dirty="0" err="1">
-                <a:solidFill>
-                  <a:schemeClr val="tx1"/>
-                </a:solidFill>
-                <a:effectLst/>
-                <a:latin typeface="+mn-lt"/>
-                <a:ea typeface="+mn-ea"/>
-                <a:cs typeface="+mn-cs"/>
-              </a:rPr>
-              <a:t>budu</a:t>
-            </a:r>
-            <a:r>
-              <a:rPr lang="en-US" sz="1200" b="0" i="0" u="none" strike="noStrike" kern="1200" dirty="0">
-                <a:solidFill>
-                  <a:schemeClr val="tx1"/>
-                </a:solidFill>
-                <a:effectLst/>
-                <a:latin typeface="+mn-lt"/>
-                <a:ea typeface="+mn-ea"/>
-                <a:cs typeface="+mn-cs"/>
-              </a:rPr>
-              <a:t>, </a:t>
-            </a:r>
-            <a:r>
-              <a:rPr lang="en-US" sz="1200" b="0" i="0" u="none" strike="noStrike" kern="1200" dirty="0" err="1">
-                <a:solidFill>
-                  <a:schemeClr val="tx1"/>
-                </a:solidFill>
-                <a:effectLst/>
-                <a:latin typeface="+mn-lt"/>
-                <a:ea typeface="+mn-ea"/>
-                <a:cs typeface="+mn-cs"/>
-              </a:rPr>
-              <a:t>ir</a:t>
-            </a:r>
-            <a:r>
-              <a:rPr lang="en-US" sz="1200" b="0" i="0" u="none" strike="noStrike" kern="1200" dirty="0">
-                <a:solidFill>
-                  <a:schemeClr val="tx1"/>
-                </a:solidFill>
-                <a:effectLst/>
-                <a:latin typeface="+mn-lt"/>
-                <a:ea typeface="+mn-ea"/>
-                <a:cs typeface="+mn-cs"/>
-              </a:rPr>
-              <a:t> </a:t>
-            </a:r>
-            <a:r>
-              <a:rPr lang="en-US" sz="1200" b="0" i="0" u="none" strike="noStrike" kern="1200" dirty="0" err="1">
-                <a:solidFill>
-                  <a:schemeClr val="tx1"/>
-                </a:solidFill>
-                <a:effectLst/>
-                <a:latin typeface="+mn-lt"/>
-                <a:ea typeface="+mn-ea"/>
-                <a:cs typeface="+mn-cs"/>
-              </a:rPr>
-              <a:t>kuo</a:t>
-            </a:r>
-            <a:r>
-              <a:rPr lang="en-US" sz="1200" b="0" i="0" u="none" strike="noStrike" kern="1200" dirty="0">
-                <a:solidFill>
-                  <a:schemeClr val="tx1"/>
-                </a:solidFill>
-                <a:effectLst/>
-                <a:latin typeface="+mn-lt"/>
-                <a:ea typeface="+mn-ea"/>
-                <a:cs typeface="+mn-cs"/>
-              </a:rPr>
-              <a:t> </a:t>
-            </a:r>
-            <a:r>
-              <a:rPr lang="en-US" sz="1200" b="0" i="0" u="none" strike="noStrike" kern="1200" dirty="0" err="1">
-                <a:solidFill>
-                  <a:schemeClr val="tx1"/>
-                </a:solidFill>
-                <a:effectLst/>
-                <a:latin typeface="+mn-lt"/>
-                <a:ea typeface="+mn-ea"/>
-                <a:cs typeface="+mn-cs"/>
-              </a:rPr>
-              <a:t>daugiau</a:t>
-            </a:r>
-            <a:r>
-              <a:rPr lang="en-US" sz="1200" b="0" i="0" u="none" strike="noStrike" kern="1200" dirty="0">
-                <a:solidFill>
-                  <a:schemeClr val="tx1"/>
-                </a:solidFill>
-                <a:effectLst/>
-                <a:latin typeface="+mn-lt"/>
-                <a:ea typeface="+mn-ea"/>
-                <a:cs typeface="+mn-cs"/>
-              </a:rPr>
-              <a:t> </a:t>
-            </a:r>
-            <a:r>
-              <a:rPr lang="en-US" sz="1200" b="0" i="0" u="none" strike="noStrike" kern="1200" dirty="0" err="1">
-                <a:solidFill>
-                  <a:schemeClr val="tx1"/>
-                </a:solidFill>
-                <a:effectLst/>
-                <a:latin typeface="+mn-lt"/>
-                <a:ea typeface="+mn-ea"/>
-                <a:cs typeface="+mn-cs"/>
-              </a:rPr>
-              <a:t>kokybisko</a:t>
-            </a:r>
-            <a:r>
-              <a:rPr lang="en-US" sz="1200" b="0" i="0" u="none" strike="noStrike" kern="1200" dirty="0">
-                <a:solidFill>
-                  <a:schemeClr val="tx1"/>
-                </a:solidFill>
-                <a:effectLst/>
-                <a:latin typeface="+mn-lt"/>
-                <a:ea typeface="+mn-ea"/>
-                <a:cs typeface="+mn-cs"/>
-              </a:rPr>
-              <a:t> </a:t>
-            </a:r>
-            <a:r>
-              <a:rPr lang="en-US" sz="1200" b="0" i="0" u="none" strike="noStrike" kern="1200" dirty="0" err="1">
-                <a:solidFill>
-                  <a:schemeClr val="tx1"/>
-                </a:solidFill>
-                <a:effectLst/>
-                <a:latin typeface="+mn-lt"/>
-                <a:ea typeface="+mn-ea"/>
-                <a:cs typeface="+mn-cs"/>
-              </a:rPr>
-              <a:t>funkcionalumo</a:t>
-            </a:r>
-            <a:r>
-              <a:rPr lang="en-US" sz="1200" b="0" i="0" u="none" strike="noStrike" kern="1200" dirty="0">
-                <a:solidFill>
-                  <a:schemeClr val="tx1"/>
-                </a:solidFill>
-                <a:effectLst/>
-                <a:latin typeface="+mn-lt"/>
-                <a:ea typeface="+mn-ea"/>
-                <a:cs typeface="+mn-cs"/>
-              </a:rPr>
-              <a:t> production, </a:t>
-            </a:r>
-            <a:r>
-              <a:rPr lang="en-US" sz="1200" b="0" i="0" u="none" strike="noStrike" kern="1200" dirty="0" err="1">
-                <a:solidFill>
-                  <a:schemeClr val="tx1"/>
-                </a:solidFill>
-                <a:effectLst/>
-                <a:latin typeface="+mn-lt"/>
-                <a:ea typeface="+mn-ea"/>
-                <a:cs typeface="+mn-cs"/>
-              </a:rPr>
-              <a:t>tuo</a:t>
-            </a:r>
-            <a:r>
-              <a:rPr lang="en-US" sz="1200" b="0" i="0" u="none" strike="noStrike" kern="1200" dirty="0">
-                <a:solidFill>
-                  <a:schemeClr val="tx1"/>
-                </a:solidFill>
-                <a:effectLst/>
-                <a:latin typeface="+mn-lt"/>
-                <a:ea typeface="+mn-ea"/>
-                <a:cs typeface="+mn-cs"/>
-              </a:rPr>
-              <a:t> </a:t>
-            </a:r>
-            <a:r>
-              <a:rPr lang="en-US" sz="1200" b="0" i="0" u="none" strike="noStrike" kern="1200" dirty="0" err="1">
-                <a:solidFill>
-                  <a:schemeClr val="tx1"/>
-                </a:solidFill>
-                <a:effectLst/>
-                <a:latin typeface="+mn-lt"/>
-                <a:ea typeface="+mn-ea"/>
-                <a:cs typeface="+mn-cs"/>
-              </a:rPr>
-              <a:t>geresnis</a:t>
-            </a:r>
-            <a:r>
-              <a:rPr lang="en-US" sz="1200" b="0" i="0" u="none" strike="noStrike" kern="1200" dirty="0">
-                <a:solidFill>
-                  <a:schemeClr val="tx1"/>
-                </a:solidFill>
-                <a:effectLst/>
-                <a:latin typeface="+mn-lt"/>
-                <a:ea typeface="+mn-ea"/>
-                <a:cs typeface="+mn-cs"/>
-              </a:rPr>
-              <a:t> </a:t>
-            </a:r>
-            <a:r>
-              <a:rPr lang="en-US" sz="1200" b="0" i="0" u="none" strike="noStrike" kern="1200" dirty="0" err="1">
-                <a:solidFill>
-                  <a:schemeClr val="tx1"/>
-                </a:solidFill>
-                <a:effectLst/>
-                <a:latin typeface="+mn-lt"/>
-                <a:ea typeface="+mn-ea"/>
-                <a:cs typeface="+mn-cs"/>
-              </a:rPr>
-              <a:t>produktas</a:t>
-            </a:r>
-            <a:endParaRPr lang="en-US" sz="1200" b="0" i="0" u="none" strike="noStrike" kern="1200" dirty="0">
-              <a:solidFill>
-                <a:schemeClr val="tx1"/>
-              </a:solidFill>
-              <a:effectLst/>
-              <a:latin typeface="+mn-lt"/>
-              <a:ea typeface="+mn-ea"/>
-              <a:cs typeface="+mn-cs"/>
-            </a:endParaRPr>
+              <a:t>: the team can work in a relaxing manner. Because of frequent release, the team works closely with users and learn what ideas work and what new can be implemented to delight the users. </a:t>
+            </a:r>
           </a:p>
         </p:txBody>
       </p:sp>
@@ -2801,211 +1208,7 @@
           <a:bodyPr/>
           <a:lstStyle/>
           <a:p>
-            <a:r>
-              <a:rPr lang="en-US" dirty="0" err="1"/>
-              <a:t>Parasomas</a:t>
-            </a:r>
-            <a:r>
-              <a:rPr lang="en-US" dirty="0"/>
-              <a:t> </a:t>
-            </a:r>
-            <a:r>
-              <a:rPr lang="en-US" dirty="0" err="1"/>
-              <a:t>naujas</a:t>
-            </a:r>
-            <a:r>
-              <a:rPr lang="en-US" dirty="0"/>
-              <a:t> </a:t>
-            </a:r>
-            <a:r>
-              <a:rPr lang="en-US" dirty="0" err="1"/>
-              <a:t>kodas</a:t>
-            </a:r>
-            <a:endParaRPr lang="en-US" dirty="0"/>
-          </a:p>
-          <a:p>
-            <a:r>
-              <a:rPr lang="en-US" dirty="0" err="1"/>
-              <a:t>Naujas</a:t>
-            </a:r>
-            <a:r>
-              <a:rPr lang="en-US" dirty="0"/>
-              <a:t> </a:t>
-            </a:r>
-            <a:r>
-              <a:rPr lang="en-US" dirty="0" err="1"/>
-              <a:t>kodas</a:t>
-            </a:r>
-            <a:r>
-              <a:rPr lang="en-US" dirty="0"/>
-              <a:t> </a:t>
-            </a:r>
-            <a:r>
-              <a:rPr lang="en-US" dirty="0" err="1"/>
-              <a:t>padengiamas</a:t>
-            </a:r>
-            <a:r>
-              <a:rPr lang="en-US" dirty="0"/>
-              <a:t> unit </a:t>
-            </a:r>
-            <a:r>
-              <a:rPr lang="en-US" dirty="0" err="1"/>
-              <a:t>testais</a:t>
-            </a:r>
-            <a:endParaRPr lang="en-US" dirty="0"/>
-          </a:p>
-          <a:p>
-            <a:r>
-              <a:rPr lang="en-US" dirty="0" err="1"/>
-              <a:t>Patikrinima</a:t>
-            </a:r>
-            <a:r>
-              <a:rPr lang="en-US" dirty="0"/>
-              <a:t> </a:t>
-            </a:r>
-            <a:r>
-              <a:rPr lang="en-US" dirty="0" err="1"/>
-              <a:t>ar</a:t>
-            </a:r>
-            <a:r>
-              <a:rPr lang="en-US" dirty="0"/>
-              <a:t> </a:t>
-            </a:r>
-            <a:r>
-              <a:rPr lang="en-US" dirty="0" err="1"/>
-              <a:t>naujas</a:t>
-            </a:r>
-            <a:r>
-              <a:rPr lang="en-US" dirty="0"/>
-              <a:t> </a:t>
-            </a:r>
-            <a:r>
-              <a:rPr lang="en-US" dirty="0" err="1"/>
-              <a:t>kodas</a:t>
-            </a:r>
-            <a:r>
-              <a:rPr lang="en-US" dirty="0"/>
-              <a:t> </a:t>
-            </a:r>
-            <a:r>
-              <a:rPr lang="en-US" dirty="0" err="1"/>
-              <a:t>veikia</a:t>
-            </a:r>
-            <a:endParaRPr lang="en-US" dirty="0"/>
-          </a:p>
-          <a:p>
-            <a:r>
-              <a:rPr lang="en-US" dirty="0" err="1"/>
-              <a:t>Jeigu</a:t>
-            </a:r>
-            <a:r>
-              <a:rPr lang="en-US" dirty="0"/>
-              <a:t> </a:t>
-            </a:r>
-            <a:r>
-              <a:rPr lang="en-US" dirty="0" err="1"/>
-              <a:t>atsirado</a:t>
-            </a:r>
-            <a:r>
-              <a:rPr lang="en-US" dirty="0"/>
-              <a:t> </a:t>
-            </a:r>
-            <a:r>
-              <a:rPr lang="en-US" dirty="0" err="1"/>
-              <a:t>naujo</a:t>
-            </a:r>
-            <a:r>
-              <a:rPr lang="en-US" dirty="0"/>
-              <a:t> </a:t>
-            </a:r>
-            <a:r>
-              <a:rPr lang="en-US" dirty="0" err="1"/>
-              <a:t>sumerginto</a:t>
-            </a:r>
-            <a:r>
-              <a:rPr lang="en-US" dirty="0"/>
-              <a:t> </a:t>
-            </a:r>
-            <a:r>
-              <a:rPr lang="en-US" dirty="0" err="1"/>
-              <a:t>kodo</a:t>
-            </a:r>
-            <a:r>
-              <a:rPr lang="en-US" dirty="0"/>
-              <a:t> ji </a:t>
-            </a:r>
-            <a:r>
-              <a:rPr lang="en-US" dirty="0" err="1"/>
-              <a:t>reikia</a:t>
-            </a:r>
-            <a:r>
-              <a:rPr lang="en-US" dirty="0"/>
-              <a:t> </a:t>
-            </a:r>
-            <a:r>
-              <a:rPr lang="en-US" dirty="0" err="1"/>
-              <a:t>parsipullinti</a:t>
-            </a:r>
-            <a:endParaRPr lang="en-US" dirty="0"/>
-          </a:p>
-          <a:p>
-            <a:pPr marL="0" marR="0" lvl="0" indent="0" algn="l" defTabSz="914400" rtl="0" eaLnBrk="1" fontAlgn="auto" latinLnBrk="0" hangingPunct="1">
-              <a:lnSpc>
-                <a:spcPct val="100000"/>
-              </a:lnSpc>
-              <a:spcBef>
-                <a:spcPts val="0"/>
-              </a:spcBef>
-              <a:spcAft>
-                <a:spcPts val="0"/>
-              </a:spcAft>
-              <a:buClrTx/>
-              <a:buSzTx/>
-              <a:buFontTx/>
-              <a:buNone/>
-              <a:tabLst/>
-              <a:defRPr/>
-            </a:pPr>
-            <a:r>
-              <a:rPr lang="en-US" dirty="0" err="1"/>
-              <a:t>Kodas</a:t>
-            </a:r>
-            <a:r>
-              <a:rPr lang="en-US" dirty="0"/>
-              <a:t> </a:t>
-            </a:r>
-            <a:r>
-              <a:rPr lang="en-US" dirty="0" err="1"/>
-              <a:t>supushinamas</a:t>
-            </a:r>
-            <a:r>
-              <a:rPr lang="en-US" dirty="0"/>
-              <a:t> </a:t>
-            </a:r>
-            <a:r>
-              <a:rPr lang="en-US" dirty="0" err="1"/>
-              <a:t>i</a:t>
-            </a:r>
-            <a:r>
-              <a:rPr lang="en-US" dirty="0"/>
-              <a:t> </a:t>
-            </a:r>
-            <a:r>
-              <a:rPr lang="en-US" dirty="0" err="1"/>
-              <a:t>gito</a:t>
-            </a:r>
-            <a:r>
-              <a:rPr lang="en-US" dirty="0"/>
-              <a:t> </a:t>
-            </a:r>
-            <a:r>
-              <a:rPr lang="en-US" dirty="0" err="1"/>
-              <a:t>repositorija</a:t>
-            </a:r>
-            <a:endParaRPr lang="en-US" dirty="0"/>
-          </a:p>
-          <a:p>
-            <a:endParaRPr lang="en-US" dirty="0"/>
+            <a:endParaRPr lang="lt-LT" dirty="0"/>
           </a:p>
         </p:txBody>
       </p:sp>
@@ -3090,178 +1293,7 @@
           <a:bodyPr/>
           <a:lstStyle/>
           <a:p>
-            <a:r>
-              <a:rPr lang="en-US" dirty="0" err="1"/>
-              <a:t>Kodo</a:t>
-            </a:r>
-            <a:r>
-              <a:rPr lang="en-US" dirty="0"/>
-              <a:t> </a:t>
-            </a:r>
-            <a:r>
-              <a:rPr lang="en-US" dirty="0" err="1"/>
-              <a:t>formatavimo</a:t>
-            </a:r>
-            <a:r>
-              <a:rPr lang="en-US" dirty="0"/>
-              <a:t> </a:t>
-            </a:r>
-            <a:r>
-              <a:rPr lang="en-US" dirty="0" err="1"/>
-              <a:t>checkai</a:t>
-            </a:r>
-            <a:endParaRPr lang="en-US" dirty="0"/>
-          </a:p>
-          <a:p>
-            <a:r>
-              <a:rPr lang="en-US" dirty="0" err="1"/>
-              <a:t>Leidziami</a:t>
-            </a:r>
-            <a:r>
-              <a:rPr lang="en-US" dirty="0"/>
-              <a:t> unit </a:t>
-            </a:r>
-            <a:r>
-              <a:rPr lang="en-US" dirty="0" err="1"/>
-              <a:t>testai</a:t>
-            </a:r>
-            <a:endParaRPr lang="en-US" dirty="0"/>
-          </a:p>
-          <a:p>
-            <a:pPr marL="0" marR="0" lvl="0" indent="0" algn="l" defTabSz="914400" rtl="0" eaLnBrk="1" fontAlgn="auto" latinLnBrk="0" hangingPunct="1">
-              <a:lnSpc>
-                <a:spcPct val="100000"/>
-              </a:lnSpc>
-              <a:spcBef>
-                <a:spcPts val="0"/>
-              </a:spcBef>
-              <a:spcAft>
-                <a:spcPts val="0"/>
-              </a:spcAft>
-              <a:buClrTx/>
-              <a:buSzTx/>
-              <a:buFontTx/>
-              <a:buNone/>
-              <a:tabLst/>
-              <a:defRPr/>
-            </a:pPr>
-            <a:r>
-              <a:rPr lang="en-US" dirty="0" err="1"/>
-              <a:t>Bandoma</a:t>
-            </a:r>
-            <a:r>
-              <a:rPr lang="en-US" dirty="0"/>
-              <a:t> </a:t>
-            </a:r>
-            <a:r>
-              <a:rPr lang="en-US" dirty="0" err="1"/>
-              <a:t>subuildinti</a:t>
-            </a:r>
-            <a:r>
-              <a:rPr lang="en-US" dirty="0"/>
-              <a:t> </a:t>
-            </a:r>
-            <a:r>
-              <a:rPr lang="en-US" dirty="0" err="1"/>
-              <a:t>ir</a:t>
-            </a:r>
-            <a:r>
-              <a:rPr lang="en-US" dirty="0"/>
-              <a:t> </a:t>
-            </a:r>
-            <a:r>
-              <a:rPr lang="en-US" dirty="0" err="1"/>
-              <a:t>padeplointi</a:t>
-            </a:r>
-            <a:r>
-              <a:rPr lang="en-US" dirty="0"/>
-              <a:t> </a:t>
-            </a:r>
-            <a:r>
-              <a:rPr lang="en-US" dirty="0" err="1"/>
-              <a:t>koda</a:t>
-            </a:r>
-            <a:endParaRPr lang="en-US" dirty="0"/>
-          </a:p>
-          <a:p>
-            <a:pPr marL="0" marR="0" lvl="0" indent="0" algn="l" defTabSz="914400" rtl="0" eaLnBrk="1" fontAlgn="auto" latinLnBrk="0" hangingPunct="1">
-              <a:lnSpc>
-                <a:spcPct val="100000"/>
-              </a:lnSpc>
-              <a:spcBef>
-                <a:spcPts val="0"/>
-              </a:spcBef>
-              <a:spcAft>
-                <a:spcPts val="0"/>
-              </a:spcAft>
-              <a:buClrTx/>
-              <a:buSzTx/>
-              <a:buFontTx/>
-              <a:buNone/>
-              <a:tabLst/>
-              <a:defRPr/>
-            </a:pPr>
-            <a:r>
-              <a:rPr lang="en-US" dirty="0" err="1"/>
-              <a:t>Leidziami</a:t>
-            </a:r>
-            <a:r>
-              <a:rPr lang="en-US" dirty="0"/>
-              <a:t> integration/</a:t>
-            </a:r>
-            <a:r>
-              <a:rPr lang="en-US" dirty="0" err="1"/>
-              <a:t>api</a:t>
-            </a:r>
-            <a:r>
-              <a:rPr lang="en-US" dirty="0"/>
-              <a:t>/e2e </a:t>
-            </a:r>
-            <a:r>
-              <a:rPr lang="en-US" dirty="0" err="1"/>
-              <a:t>testai</a:t>
-            </a:r>
-            <a:endParaRPr lang="en-US" dirty="0"/>
-          </a:p>
-          <a:p>
-            <a:pPr marL="0" marR="0" lvl="0" indent="0" algn="l" defTabSz="914400" rtl="0" eaLnBrk="1" fontAlgn="auto" latinLnBrk="0" hangingPunct="1">
-              <a:lnSpc>
-                <a:spcPct val="100000"/>
-              </a:lnSpc>
-              <a:spcBef>
-                <a:spcPts val="0"/>
-              </a:spcBef>
-              <a:spcAft>
-                <a:spcPts val="0"/>
-              </a:spcAft>
-              <a:buClrTx/>
-              <a:buSzTx/>
-              <a:buFontTx/>
-              <a:buNone/>
-              <a:tabLst/>
-              <a:defRPr/>
-            </a:pPr>
-            <a:r>
-              <a:rPr lang="en-US" dirty="0" err="1"/>
-              <a:t>Kodas</a:t>
-            </a:r>
-            <a:r>
-              <a:rPr lang="en-US" dirty="0"/>
-              <a:t> </a:t>
-            </a:r>
-            <a:r>
-              <a:rPr lang="en-US" dirty="0" err="1"/>
-              <a:t>dedamas</a:t>
-            </a:r>
-            <a:r>
-              <a:rPr lang="en-US" dirty="0"/>
-              <a:t> I production </a:t>
-            </a:r>
-            <a:r>
-              <a:rPr lang="en-US" dirty="0" err="1"/>
-              <a:t>serveri</a:t>
-            </a:r>
-            <a:endParaRPr lang="en-US" dirty="0"/>
+            <a:endParaRPr lang="lt-LT" dirty="0"/>
           </a:p>
         </p:txBody>
       </p:sp>
@@ -3346,27 +1378,7 @@
           <a:bodyPr/>
           <a:lstStyle/>
           <a:p>
-            <a:r>
-              <a:rPr lang="en-US" dirty="0"/>
-              <a:t>TDE: RTC -&gt; Jenkins -&gt; slot</a:t>
-            </a:r>
-          </a:p>
-          <a:p>
-            <a:r>
-              <a:rPr lang="en-US" dirty="0"/>
-              <a:t>Mono: git -&gt; Jenkins -&gt; slot</a:t>
-            </a:r>
-          </a:p>
-          <a:p>
-            <a:r>
-              <a:rPr lang="en-US" dirty="0"/>
-              <a:t>Andromeda: git -&gt; Jenkins -&gt; </a:t>
-            </a:r>
-            <a:r>
-              <a:rPr lang="en-US" dirty="0" err="1"/>
-              <a:t>openshift</a:t>
-            </a:r>
-            <a:endParaRPr lang="en-US" dirty="0"/>
+            <a:endParaRPr lang="lt-LT" dirty="0"/>
           </a:p>
         </p:txBody>
       </p:sp>
@@ -3397,7 +1409,7 @@
     </p:spTree>
     <p:extLst>
       <p:ext uri="{BB962C8B-B14F-4D97-AF65-F5344CB8AC3E}">
-        <p14:creationId xmlns:p14="http://schemas.microsoft.com/office/powerpoint/2010/main" val="74282364"/>
+        <p14:creationId xmlns:p14="http://schemas.microsoft.com/office/powerpoint/2010/main" val="2857012820"/>
       </p:ext>
     </p:extLst>
   </p:cSld>
@@ -3451,7 +1463,7 @@
           <a:bodyPr/>
           <a:lstStyle/>
           <a:p>
-            <a:endParaRPr lang="en-US" dirty="0"/>
+            <a:endParaRPr lang="en-US"/>
           </a:p>
         </p:txBody>
       </p:sp>
@@ -3482,7 +1494,7 @@
     </p:spTree>
     <p:extLst>
       <p:ext uri="{BB962C8B-B14F-4D97-AF65-F5344CB8AC3E}">
-        <p14:creationId xmlns:p14="http://schemas.microsoft.com/office/powerpoint/2010/main" val="910042127"/>
+        <p14:creationId xmlns:p14="http://schemas.microsoft.com/office/powerpoint/2010/main" val="511200099"/>
       </p:ext>
     </p:extLst>
   </p:cSld>
@@ -3625,32 +1637,6 @@
               <a:rPr lang="en-US" dirty="0"/>
               <a:t>Tip: Heroku goes to sleep after 30 seconds</a:t>
             </a:r>
-          </a:p>
-          <a:p>
-            <a:r>
-              <a:rPr lang="en-US" dirty="0"/>
-              <a:t>Travis CI</a:t>
-            </a:r>
-          </a:p>
-          <a:p>
-            <a:r>
-              <a:rPr lang="en-US" dirty="0"/>
-              <a:t>Heroku CD</a:t>
-            </a:r>
-          </a:p>
-          <a:p>
-            <a:r>
-              <a:rPr lang="en-US" dirty="0"/>
-              <a:t>Travis </a:t>
-            </a:r>
-            <a:r>
-              <a:rPr lang="en-US" dirty="0" err="1"/>
-              <a:t>ir</a:t>
-            </a:r>
-            <a:r>
-              <a:rPr lang="en-US" dirty="0"/>
-              <a:t> Heroku demo</a:t>
-            </a:r>
             <a:endParaRPr lang="lt-LT" dirty="0"/>
           </a:p>
         </p:txBody>
@@ -3991,10 +1977,7 @@
           <a:bodyPr/>
           <a:lstStyle/>
           <a:p>
-            <a:r>
-              <a:rPr lang="en-US" dirty="0"/>
-              <a:t>Ask how many have heard something about it and what</a:t>
-            </a:r>
+            <a:endParaRPr lang="en-US" dirty="0"/>
           </a:p>
         </p:txBody>
       </p:sp>
@@ -4080,296 +2063,171 @@
           <a:lstStyle/>
           <a:p>
             <a:r>
-              <a:rPr lang="en-US" sz="1200" b="0" i="0" u="none" strike="noStrike" kern="1200" dirty="0" err="1">
-                <a:solidFill>
-                  <a:schemeClr val="tx1"/>
-                </a:solidFill>
-                <a:effectLst/>
-                <a:latin typeface="+mn-lt"/>
-                <a:ea typeface="+mn-ea"/>
-                <a:cs typeface="+mn-cs"/>
-              </a:rPr>
-              <a:t>Geras</a:t>
-            </a:r>
-            <a:r>
-              <a:rPr lang="en-US" sz="1200" b="0" i="0" u="none" strike="noStrike" kern="1200" dirty="0">
-                <a:solidFill>
-                  <a:schemeClr val="tx1"/>
-                </a:solidFill>
-                <a:effectLst/>
-                <a:latin typeface="+mn-lt"/>
-                <a:ea typeface="+mn-ea"/>
-                <a:cs typeface="+mn-cs"/>
-              </a:rPr>
+              <a:rPr lang="en-US" dirty="0"/>
+              <a:t>CI </a:t>
+            </a:r>
+            <a:r>
+              <a:rPr lang="en-US" dirty="0" err="1"/>
+              <a:t>ir</a:t>
+            </a:r>
+            <a:r>
+              <a:rPr lang="en-US" dirty="0"/>
+              <a:t> CD </a:t>
+            </a:r>
+            <a:r>
+              <a:rPr lang="en-US" dirty="0" err="1"/>
+              <a:t>yra</a:t>
+            </a:r>
+            <a:r>
+              <a:rPr lang="en-US" dirty="0"/>
               <a:t> </a:t>
             </a:r>
             <a:r>
-              <a:rPr lang="en-US" sz="1200" b="0" i="0" u="none" strike="noStrike" kern="1200" dirty="0" err="1">
-                <a:solidFill>
-                  <a:schemeClr val="tx1"/>
-                </a:solidFill>
-                <a:effectLst/>
-                <a:latin typeface="+mn-lt"/>
-                <a:ea typeface="+mn-ea"/>
-                <a:cs typeface="+mn-cs"/>
-              </a:rPr>
-              <a:t>dalykas</a:t>
-            </a:r>
-            <a:r>
-              <a:rPr lang="en-US" sz="1200" b="0" i="0" u="none" strike="noStrike" kern="1200" dirty="0">
-                <a:solidFill>
-                  <a:schemeClr val="tx1"/>
-                </a:solidFill>
-                <a:effectLst/>
-                <a:latin typeface="+mn-lt"/>
-                <a:ea typeface="+mn-ea"/>
-                <a:cs typeface="+mn-cs"/>
-              </a:rPr>
+              <a:rPr lang="en-US" dirty="0" err="1"/>
+              <a:t>procesai</a:t>
+            </a:r>
+            <a:r>
+              <a:rPr lang="en-US" dirty="0"/>
               <a:t> </a:t>
             </a:r>
             <a:r>
-              <a:rPr lang="en-US" sz="1200" b="0" i="0" u="none" strike="noStrike" kern="1200" dirty="0" err="1">
-                <a:solidFill>
-                  <a:schemeClr val="tx1"/>
-                </a:solidFill>
-                <a:effectLst/>
-                <a:latin typeface="+mn-lt"/>
-                <a:ea typeface="+mn-ea"/>
-                <a:cs typeface="+mn-cs"/>
-              </a:rPr>
-              <a:t>procesu</a:t>
-            </a:r>
-            <a:r>
-              <a:rPr lang="en-US" sz="1200" b="0" i="0" u="none" strike="noStrike" kern="1200" dirty="0">
-                <a:solidFill>
-                  <a:schemeClr val="tx1"/>
-                </a:solidFill>
-                <a:effectLst/>
-                <a:latin typeface="+mn-lt"/>
-                <a:ea typeface="+mn-ea"/>
-                <a:cs typeface="+mn-cs"/>
-              </a:rPr>
+              <a:rPr lang="en-US" dirty="0" err="1"/>
+              <a:t>kurie</a:t>
+            </a:r>
+            <a:r>
+              <a:rPr lang="en-US" dirty="0"/>
               <a:t> </a:t>
             </a:r>
             <a:r>
-              <a:rPr lang="en-US" sz="1200" b="0" i="0" u="none" strike="noStrike" kern="1200" dirty="0" err="1">
-                <a:solidFill>
-                  <a:schemeClr val="tx1"/>
-                </a:solidFill>
-                <a:effectLst/>
-                <a:latin typeface="+mn-lt"/>
-                <a:ea typeface="+mn-ea"/>
-                <a:cs typeface="+mn-cs"/>
-              </a:rPr>
-              <a:t>automatizavimui</a:t>
-            </a:r>
-            <a:r>
-              <a:rPr lang="en-US" sz="1200" b="0" i="0" u="none" strike="noStrike" kern="1200" dirty="0">
-                <a:solidFill>
-                  <a:schemeClr val="tx1"/>
-                </a:solidFill>
-                <a:effectLst/>
-                <a:latin typeface="+mn-lt"/>
-                <a:ea typeface="+mn-ea"/>
-                <a:cs typeface="+mn-cs"/>
-              </a:rPr>
+              <a:rPr lang="en-US" dirty="0" err="1"/>
+              <a:t>padeda</a:t>
+            </a:r>
+            <a:r>
+              <a:rPr lang="en-US" dirty="0"/>
+              <a:t> </a:t>
+            </a:r>
+            <a:r>
+              <a:rPr lang="en-US" dirty="0" err="1"/>
+              <a:t>komandai</a:t>
+            </a:r>
+            <a:r>
+              <a:rPr lang="en-US" dirty="0"/>
+              <a:t> </a:t>
+            </a:r>
+            <a:r>
+              <a:rPr lang="en-US" dirty="0" err="1"/>
+              <a:t>atlikti</a:t>
+            </a:r>
+            <a:r>
+              <a:rPr lang="en-US" dirty="0"/>
+              <a:t> </a:t>
+            </a:r>
+            <a:r>
+              <a:rPr lang="en-US" dirty="0" err="1"/>
+              <a:t>daznus</a:t>
+            </a:r>
+            <a:r>
+              <a:rPr lang="en-US" dirty="0"/>
+              <a:t> </a:t>
+            </a:r>
+            <a:r>
+              <a:rPr lang="en-US" dirty="0" err="1"/>
+              <a:t>kodo</a:t>
+            </a:r>
+            <a:r>
+              <a:rPr lang="en-US" dirty="0"/>
+              <a:t> </a:t>
+            </a:r>
+            <a:r>
+              <a:rPr lang="en-US" dirty="0" err="1"/>
+              <a:t>pakitimus</a:t>
+            </a:r>
+            <a:r>
+              <a:rPr lang="en-US" dirty="0"/>
               <a:t>, </a:t>
             </a:r>
             <a:r>
-              <a:rPr lang="en-US" sz="1200" b="0" i="0" u="none" strike="noStrike" kern="1200" dirty="0" err="1">
-                <a:solidFill>
-                  <a:schemeClr val="tx1"/>
-                </a:solidFill>
-                <a:effectLst/>
-                <a:latin typeface="+mn-lt"/>
-                <a:ea typeface="+mn-ea"/>
-                <a:cs typeface="+mn-cs"/>
-              </a:rPr>
-              <a:t>ypac</a:t>
-            </a:r>
-            <a:r>
-              <a:rPr lang="en-US" sz="1200" b="0" i="0" u="none" strike="noStrike" kern="1200" dirty="0">
-                <a:solidFill>
-                  <a:schemeClr val="tx1"/>
-                </a:solidFill>
-                <a:effectLst/>
-                <a:latin typeface="+mn-lt"/>
-                <a:ea typeface="+mn-ea"/>
-                <a:cs typeface="+mn-cs"/>
-              </a:rPr>
-              <a:t> kai </a:t>
-            </a:r>
-            <a:r>
-              <a:rPr lang="en-US" sz="1200" b="0" i="0" u="none" strike="noStrike" kern="1200" dirty="0" err="1">
-                <a:solidFill>
-                  <a:schemeClr val="tx1"/>
-                </a:solidFill>
-                <a:effectLst/>
-                <a:latin typeface="+mn-lt"/>
-                <a:ea typeface="+mn-ea"/>
-                <a:cs typeface="+mn-cs"/>
-              </a:rPr>
-              <a:t>daug</a:t>
-            </a:r>
-            <a:r>
-              <a:rPr lang="en-US" sz="1200" b="0" i="0" u="none" strike="noStrike" kern="1200" dirty="0">
-                <a:solidFill>
-                  <a:schemeClr val="tx1"/>
-                </a:solidFill>
-                <a:effectLst/>
-                <a:latin typeface="+mn-lt"/>
-                <a:ea typeface="+mn-ea"/>
-                <a:cs typeface="+mn-cs"/>
-              </a:rPr>
+              <a:rPr lang="en-US" dirty="0" err="1"/>
+              <a:t>nesulauzant</a:t>
+            </a:r>
+            <a:r>
+              <a:rPr lang="en-US" dirty="0"/>
               <a:t> </a:t>
             </a:r>
             <a:r>
-              <a:rPr lang="en-US" sz="1200" b="0" i="0" u="none" strike="noStrike" kern="1200" dirty="0" err="1">
-                <a:solidFill>
-                  <a:schemeClr val="tx1"/>
-                </a:solidFill>
-                <a:effectLst/>
-                <a:latin typeface="+mn-lt"/>
-                <a:ea typeface="+mn-ea"/>
-                <a:cs typeface="+mn-cs"/>
-              </a:rPr>
-              <a:t>developeriu</a:t>
-            </a:r>
-            <a:r>
-              <a:rPr lang="en-US" sz="1200" b="0" i="0" u="none" strike="noStrike" kern="1200" dirty="0">
-                <a:solidFill>
-                  <a:schemeClr val="tx1"/>
-                </a:solidFill>
-                <a:effectLst/>
-                <a:latin typeface="+mn-lt"/>
-                <a:ea typeface="+mn-ea"/>
-                <a:cs typeface="+mn-cs"/>
-              </a:rPr>
-              <a:t>, </a:t>
-            </a:r>
-            <a:r>
-              <a:rPr lang="en-US" sz="1200" b="0" i="0" u="none" strike="noStrike" kern="1200" dirty="0" err="1">
-                <a:solidFill>
-                  <a:schemeClr val="tx1"/>
-                </a:solidFill>
-                <a:effectLst/>
-                <a:latin typeface="+mn-lt"/>
-                <a:ea typeface="+mn-ea"/>
-                <a:cs typeface="+mn-cs"/>
-              </a:rPr>
-              <a:t>dirba</a:t>
-            </a:r>
-            <a:r>
-              <a:rPr lang="en-US" sz="1200" b="0" i="0" u="none" strike="noStrike" kern="1200" dirty="0">
-                <a:solidFill>
-                  <a:schemeClr val="tx1"/>
-                </a:solidFill>
-                <a:effectLst/>
-                <a:latin typeface="+mn-lt"/>
-                <a:ea typeface="+mn-ea"/>
-                <a:cs typeface="+mn-cs"/>
-              </a:rPr>
+              <a:rPr lang="en-US" dirty="0" err="1"/>
+              <a:t>kitu</a:t>
+            </a:r>
+            <a:r>
+              <a:rPr lang="en-US" dirty="0"/>
               <a:t> </a:t>
             </a:r>
             <a:r>
-              <a:rPr lang="en-US" sz="1200" b="0" i="0" u="none" strike="noStrike" kern="1200" dirty="0" err="1">
-                <a:solidFill>
-                  <a:schemeClr val="tx1"/>
-                </a:solidFill>
-                <a:effectLst/>
-                <a:latin typeface="+mn-lt"/>
-                <a:ea typeface="+mn-ea"/>
-                <a:cs typeface="+mn-cs"/>
-              </a:rPr>
-              <a:t>prie</a:t>
-            </a:r>
-            <a:r>
-              <a:rPr lang="en-US" sz="1200" b="0" i="0" u="none" strike="noStrike" kern="1200" dirty="0">
-                <a:solidFill>
-                  <a:schemeClr val="tx1"/>
-                </a:solidFill>
-                <a:effectLst/>
-                <a:latin typeface="+mn-lt"/>
-                <a:ea typeface="+mn-ea"/>
-                <a:cs typeface="+mn-cs"/>
-              </a:rPr>
+              <a:rPr lang="en-US" dirty="0" err="1"/>
+              <a:t>parasyto</a:t>
+            </a:r>
+            <a:r>
+              <a:rPr lang="en-US" dirty="0"/>
               <a:t> </a:t>
             </a:r>
             <a:r>
-              <a:rPr lang="en-US" sz="1200" b="0" i="0" u="none" strike="noStrike" kern="1200" dirty="0" err="1">
-                <a:solidFill>
-                  <a:schemeClr val="tx1"/>
-                </a:solidFill>
-                <a:effectLst/>
-                <a:latin typeface="+mn-lt"/>
-                <a:ea typeface="+mn-ea"/>
-                <a:cs typeface="+mn-cs"/>
-              </a:rPr>
-              <a:t>vieno</a:t>
-            </a:r>
-            <a:r>
-              <a:rPr lang="en-US" sz="1200" b="0" i="0" u="none" strike="noStrike" kern="1200" dirty="0">
-                <a:solidFill>
-                  <a:schemeClr val="tx1"/>
-                </a:solidFill>
-                <a:effectLst/>
-                <a:latin typeface="+mn-lt"/>
-                <a:ea typeface="+mn-ea"/>
-                <a:cs typeface="+mn-cs"/>
-              </a:rPr>
+              <a:rPr lang="en-US" dirty="0" err="1"/>
+              <a:t>funckionalumo</a:t>
+            </a:r>
+            <a:r>
+              <a:rPr lang="en-US" dirty="0"/>
+              <a:t>.</a:t>
+            </a:r>
+          </a:p>
+          <a:p>
+            <a:r>
+              <a:rPr lang="en-US" dirty="0" err="1"/>
+              <a:t>Tikslas</a:t>
+            </a:r>
+            <a:r>
+              <a:rPr lang="en-US" dirty="0"/>
               <a:t> </a:t>
             </a:r>
             <a:r>
-              <a:rPr lang="en-US" sz="1200" b="0" i="0" u="none" strike="noStrike" kern="1200" dirty="0" err="1">
-                <a:solidFill>
-                  <a:schemeClr val="tx1"/>
-                </a:solidFill>
-                <a:effectLst/>
-                <a:latin typeface="+mn-lt"/>
-                <a:ea typeface="+mn-ea"/>
-                <a:cs typeface="+mn-cs"/>
-              </a:rPr>
-              <a:t>projekto</a:t>
-            </a:r>
-            <a:r>
-              <a:rPr lang="en-US" sz="1200" b="0" i="0" u="none" strike="noStrike" kern="1200" dirty="0">
-                <a:solidFill>
-                  <a:schemeClr val="tx1"/>
-                </a:solidFill>
-                <a:effectLst/>
-                <a:latin typeface="+mn-lt"/>
-                <a:ea typeface="+mn-ea"/>
-                <a:cs typeface="+mn-cs"/>
-              </a:rPr>
+              <a:rPr lang="en-US" dirty="0" err="1"/>
+              <a:t>ir</a:t>
+            </a:r>
+            <a:r>
+              <a:rPr lang="en-US" dirty="0"/>
+              <a:t> </a:t>
+            </a:r>
+            <a:r>
+              <a:rPr lang="en-US" dirty="0" err="1"/>
+              <a:t>yra</a:t>
+            </a:r>
+            <a:r>
+              <a:rPr lang="en-US" dirty="0"/>
+              <a:t> </a:t>
+            </a:r>
+            <a:r>
+              <a:rPr lang="en-US" dirty="0" err="1"/>
+              <a:t>sumazinti</a:t>
+            </a:r>
+            <a:r>
+              <a:rPr lang="en-US" dirty="0"/>
+              <a:t> </a:t>
+            </a:r>
+            <a:r>
+              <a:rPr lang="en-US" dirty="0" err="1"/>
+              <a:t>defektu</a:t>
+            </a:r>
+            <a:r>
+              <a:rPr lang="en-US" dirty="0"/>
+              <a:t> </a:t>
+            </a:r>
+            <a:r>
+              <a:rPr lang="en-US" dirty="0" err="1"/>
+              <a:t>kieki</a:t>
+            </a:r>
+            <a:r>
+              <a:rPr lang="en-US" dirty="0"/>
               <a:t>.</a:t>
             </a:r>
-          </a:p>
-          <a:p>
-            <a:endParaRPr lang="en-US" sz="1200" b="0" i="0" u="none" strike="noStrike" kern="1200" dirty="0">
-              <a:solidFill>
-                <a:schemeClr val="tx1"/>
-              </a:solidFill>
-              <a:effectLst/>
-              <a:latin typeface="+mn-lt"/>
-              <a:ea typeface="+mn-ea"/>
-              <a:cs typeface="+mn-cs"/>
-            </a:endParaRPr>
-          </a:p>
-          <a:p>
-            <a:r>
-              <a:rPr lang="en-US" sz="1200" b="0" i="0" u="none" strike="noStrike" kern="1200" dirty="0">
-                <a:solidFill>
-                  <a:schemeClr val="tx1"/>
-                </a:solidFill>
-                <a:effectLst/>
-                <a:latin typeface="+mn-lt"/>
-                <a:ea typeface="+mn-ea"/>
-                <a:cs typeface="+mn-cs"/>
-              </a:rPr>
-              <a:t>CI/CD are the processes in which your development team involves frequent code changes that are pushed in the main branch while ensuring that it does not impact any changes made by developers working parallelly. The aim of it is to reduce the chance of defects and conflicts during the integration of the complete project. </a:t>
-            </a:r>
-          </a:p>
-          <a:p>
             <a:br>
               <a:rPr lang="en-US" dirty="0"/>
             </a:br>
@@ -4476,7 +2334,7 @@
               <a:defRPr/>
             </a:pPr>
             <a:r>
-              <a:rPr lang="en-US" sz="1200" b="0" i="0" kern="1200" dirty="0">
+              <a:rPr lang="en-US" sz="1200" b="0" i="0" kern="1200" dirty="0" err="1">
                 <a:solidFill>
                   <a:schemeClr val="tx1"/>
                 </a:solidFill>
@@ -4485,10 +2343,10 @@
                 <a:ea typeface="+mn-ea"/>
                 <a:cs typeface="+mn-cs"/>
               </a:rPr>
-              <a:t>Manual </a:t>
-            </a:r>
-            <a:r>
-              <a:rPr lang="en-US" sz="1200" b="0" i="0" kern="1200" dirty="0" err="1">
+              <a:t>Daug</a:t>
+            </a:r>
+            <a:r>
+              <a:rPr lang="en-US" sz="1200" b="0" i="0" kern="1200" dirty="0">
                 <a:solidFill>
                   <a:schemeClr val="tx1"/>
                 </a:solidFill>
@@ -4497,10 +2355,10 @@
                 <a:ea typeface="+mn-ea"/>
                 <a:cs typeface="+mn-cs"/>
               </a:rPr>
-              <a:t>budas</a:t>
-            </a:r>
-            <a:r>
-              <a:rPr lang="en-US" sz="1200" b="0" i="0" kern="1200" dirty="0">
+              <a:t> </a:t>
+            </a:r>
+            <a:r>
+              <a:rPr lang="en-US" sz="1200" b="0" i="0" kern="1200" dirty="0" err="1">
                 <a:solidFill>
                   <a:schemeClr val="tx1"/>
                 </a:solidFill>
@@ -4509,10 +2367,10 @@
                 <a:ea typeface="+mn-ea"/>
                 <a:cs typeface="+mn-cs"/>
               </a:rPr>
-              <a:t>: manual </a:t>
-            </a:r>
-            <a:r>
-              <a:rPr lang="en-US" sz="1200" b="0" i="0" kern="1200" dirty="0" err="1">
+              <a:t>developeriu</a:t>
+            </a:r>
+            <a:r>
+              <a:rPr lang="en-US" sz="1200" b="0" i="0" kern="1200" dirty="0">
                 <a:solidFill>
                   <a:schemeClr val="tx1"/>
                 </a:solidFill>
@@ -4521,10 +2379,10 @@
                 <a:ea typeface="+mn-ea"/>
                 <a:cs typeface="+mn-cs"/>
               </a:rPr>
-              <a:t>leidi</a:t>
-            </a:r>
-            <a:r>
-              <a:rPr lang="en-US" sz="1200" b="0" i="0" kern="1200" dirty="0">
+              <a:t> </a:t>
+            </a:r>
+            <a:r>
+              <a:rPr lang="en-US" sz="1200" b="0" i="0" kern="1200" dirty="0" err="1">
                 <a:solidFill>
                   <a:schemeClr val="tx1"/>
                 </a:solidFill>
@@ -4533,10 +2391,10 @@
                 <a:ea typeface="+mn-ea"/>
                 <a:cs typeface="+mn-cs"/>
               </a:rPr>
-              <a:t> build </a:t>
-            </a:r>
-            <a:r>
-              <a:rPr lang="en-US" sz="1200" b="0" i="0" kern="1200" dirty="0" err="1">
+              <a:t>gali</a:t>
+            </a:r>
+            <a:r>
+              <a:rPr lang="en-US" sz="1200" b="0" i="0" kern="1200" dirty="0">
                 <a:solidFill>
                   <a:schemeClr val="tx1"/>
                 </a:solidFill>
@@ -4545,10 +2403,10 @@
                 <a:ea typeface="+mn-ea"/>
                 <a:cs typeface="+mn-cs"/>
               </a:rPr>
-              <a:t>komanda</a:t>
-            </a:r>
-            <a:r>
-              <a:rPr lang="en-US" sz="1200" b="0" i="0" kern="1200" dirty="0">
+              <a:t> </a:t>
+            </a:r>
+            <a:r>
+              <a:rPr lang="en-US" sz="1200" b="0" i="0" kern="1200" dirty="0" err="1">
                 <a:solidFill>
                   <a:schemeClr val="tx1"/>
                 </a:solidFill>
@@ -4557,10 +2415,10 @@
                 <a:ea typeface="+mn-ea"/>
                 <a:cs typeface="+mn-cs"/>
               </a:rPr>
-              <a:t>, </a:t>
-            </a:r>
-            <a:r>
-              <a:rPr lang="en-US" sz="1200" b="0" i="0" kern="1200" dirty="0" err="1">
+              <a:t>dirbti</a:t>
+            </a:r>
+            <a:r>
+              <a:rPr lang="en-US" sz="1200" b="0" i="0" kern="1200" dirty="0">
                 <a:solidFill>
                   <a:schemeClr val="tx1"/>
                 </a:solidFill>
@@ -4569,10 +2427,10 @@
                 <a:ea typeface="+mn-ea"/>
                 <a:cs typeface="+mn-cs"/>
               </a:rPr>
-              <a:t>testus</a:t>
-            </a:r>
-            <a:r>
-              <a:rPr lang="en-US" sz="1200" b="0" i="0" kern="1200" dirty="0">
+              <a:t> </a:t>
+            </a:r>
+            <a:r>
+              <a:rPr lang="en-US" sz="1200" b="0" i="0" kern="1200" dirty="0" err="1">
                 <a:solidFill>
                   <a:schemeClr val="tx1"/>
                 </a:solidFill>
@@ -4581,10 +2439,10 @@
                 <a:ea typeface="+mn-ea"/>
                 <a:cs typeface="+mn-cs"/>
               </a:rPr>
-              <a:t>, </a:t>
-            </a:r>
-            <a:r>
-              <a:rPr lang="en-US" sz="1200" b="0" i="0" kern="1200" dirty="0" err="1">
+              <a:t>prie</a:t>
+            </a:r>
+            <a:r>
+              <a:rPr lang="en-US" sz="1200" b="0" i="0" kern="1200" dirty="0">
                 <a:solidFill>
                   <a:schemeClr val="tx1"/>
                 </a:solidFill>
@@ -4593,10 +2451,10 @@
                 <a:ea typeface="+mn-ea"/>
                 <a:cs typeface="+mn-cs"/>
               </a:rPr>
-              <a:t>kodo</a:t>
-            </a:r>
-            <a:r>
-              <a:rPr lang="en-US" sz="1200" b="0" i="0" kern="1200" dirty="0">
+              <a:t> </a:t>
+            </a:r>
+            <a:r>
+              <a:rPr lang="en-US" sz="1200" b="0" i="0" kern="1200" dirty="0" err="1">
                 <a:solidFill>
                   <a:schemeClr val="tx1"/>
                 </a:solidFill>
@@ -4605,10 +2463,10 @@
                 <a:ea typeface="+mn-ea"/>
                 <a:cs typeface="+mn-cs"/>
               </a:rPr>
-              <a:t> </a:t>
-            </a:r>
-            <a:r>
-              <a:rPr lang="en-US" sz="1200" b="0" i="0" kern="1200" dirty="0" err="1">
+              <a:t>vieno</a:t>
+            </a:r>
+            <a:r>
+              <a:rPr lang="en-US" sz="1200" b="0" i="0" kern="1200" dirty="0">
                 <a:solidFill>
                   <a:schemeClr val="tx1"/>
                 </a:solidFill>
@@ -4617,10 +2475,10 @@
                 <a:ea typeface="+mn-ea"/>
                 <a:cs typeface="+mn-cs"/>
               </a:rPr>
-              <a:t>formatavimo</a:t>
-            </a:r>
-            <a:r>
-              <a:rPr lang="en-US" sz="1200" b="0" i="0" kern="1200" dirty="0">
+              <a:t> </a:t>
+            </a:r>
+            <a:r>
+              <a:rPr lang="en-US" sz="1200" b="0" i="0" kern="1200" dirty="0" err="1">
                 <a:solidFill>
                   <a:schemeClr val="tx1"/>
                 </a:solidFill>
@@ -4629,10 +2487,10 @@
                 <a:ea typeface="+mn-ea"/>
                 <a:cs typeface="+mn-cs"/>
               </a:rPr>
-              <a:t> </a:t>
-            </a:r>
-            <a:r>
-              <a:rPr lang="en-US" sz="1200" b="0" i="0" kern="1200" dirty="0" err="1">
+              <a:t>projeto</a:t>
+            </a:r>
+            <a:r>
+              <a:rPr lang="en-US" sz="1200" b="0" i="0" kern="1200" dirty="0">
                 <a:solidFill>
                   <a:schemeClr val="tx1"/>
                 </a:solidFill>
@@ -4641,10 +2499,10 @@
                 <a:ea typeface="+mn-ea"/>
                 <a:cs typeface="+mn-cs"/>
               </a:rPr>
-              <a:t>checka</a:t>
-            </a:r>
-            <a:r>
-              <a:rPr lang="en-US" sz="1200" b="0" i="0" kern="1200" dirty="0">
+              <a:t>, </a:t>
+            </a:r>
+            <a:r>
+              <a:rPr lang="en-US" sz="1200" b="0" i="0" kern="1200" dirty="0" err="1">
                 <a:solidFill>
                   <a:schemeClr val="tx1"/>
                 </a:solidFill>
@@ -4653,8 +2511,185 @@
                 <a:ea typeface="+mn-ea"/>
                 <a:cs typeface="+mn-cs"/>
               </a:rPr>
+              <a:t>ir</a:t>
+            </a:r>
+            <a:r>
+              <a:rPr lang="en-US" sz="1200" b="0" i="0" kern="1200" dirty="0">
+                <a:solidFill>
+                  <a:schemeClr val="tx1"/>
+                </a:solidFill>
+                <a:effectLst/>
+                <a:latin typeface="+mn-lt"/>
+                <a:ea typeface="+mn-ea"/>
+                <a:cs typeface="+mn-cs"/>
+              </a:rPr>
               <a:t> </a:t>
             </a:r>
+            <a:r>
+              <a:rPr lang="en-US" sz="1200" b="0" i="0" kern="1200" dirty="0" err="1">
+                <a:solidFill>
+                  <a:schemeClr val="tx1"/>
+                </a:solidFill>
+                <a:effectLst/>
+                <a:latin typeface="+mn-lt"/>
+                <a:ea typeface="+mn-ea"/>
+                <a:cs typeface="+mn-cs"/>
+              </a:rPr>
+              <a:t>jie</a:t>
+            </a:r>
+            <a:r>
+              <a:rPr lang="en-US" sz="1200" b="0" i="0" kern="1200" dirty="0">
+                <a:solidFill>
+                  <a:schemeClr val="tx1"/>
+                </a:solidFill>
+                <a:effectLst/>
+                <a:latin typeface="+mn-lt"/>
+                <a:ea typeface="+mn-ea"/>
+                <a:cs typeface="+mn-cs"/>
+              </a:rPr>
+              <a:t> </a:t>
+            </a:r>
+            <a:r>
+              <a:rPr lang="en-US" sz="1200" b="0" i="0" kern="1200" dirty="0" err="1">
+                <a:solidFill>
+                  <a:schemeClr val="tx1"/>
+                </a:solidFill>
+                <a:effectLst/>
+                <a:latin typeface="+mn-lt"/>
+                <a:ea typeface="+mn-ea"/>
+                <a:cs typeface="+mn-cs"/>
+              </a:rPr>
+              <a:t>gali</a:t>
+            </a:r>
+            <a:r>
+              <a:rPr lang="en-US" sz="1200" b="0" i="0" kern="1200" dirty="0">
+                <a:solidFill>
+                  <a:schemeClr val="tx1"/>
+                </a:solidFill>
+                <a:effectLst/>
+                <a:latin typeface="+mn-lt"/>
+                <a:ea typeface="+mn-ea"/>
+                <a:cs typeface="+mn-cs"/>
+              </a:rPr>
+              <a:t> </a:t>
+            </a:r>
+            <a:r>
+              <a:rPr lang="en-US" sz="1200" b="0" i="0" kern="1200" dirty="0" err="1">
+                <a:solidFill>
+                  <a:schemeClr val="tx1"/>
+                </a:solidFill>
+                <a:effectLst/>
+                <a:latin typeface="+mn-lt"/>
+                <a:ea typeface="+mn-ea"/>
+                <a:cs typeface="+mn-cs"/>
+              </a:rPr>
+              <a:t>pushinti</a:t>
+            </a:r>
+            <a:r>
+              <a:rPr lang="en-US" sz="1200" b="0" i="0" kern="1200" dirty="0">
+                <a:solidFill>
+                  <a:schemeClr val="tx1"/>
+                </a:solidFill>
+                <a:effectLst/>
+                <a:latin typeface="+mn-lt"/>
+                <a:ea typeface="+mn-ea"/>
+                <a:cs typeface="+mn-cs"/>
+              </a:rPr>
+              <a:t> </a:t>
+            </a:r>
+            <a:r>
+              <a:rPr lang="en-US" sz="1200" b="0" i="0" kern="1200" dirty="0" err="1">
+                <a:solidFill>
+                  <a:schemeClr val="tx1"/>
+                </a:solidFill>
+                <a:effectLst/>
+                <a:latin typeface="+mn-lt"/>
+                <a:ea typeface="+mn-ea"/>
+                <a:cs typeface="+mn-cs"/>
+              </a:rPr>
+              <a:t>koda</a:t>
+            </a:r>
+            <a:r>
+              <a:rPr lang="en-US" sz="1200" b="0" i="0" kern="1200" dirty="0">
+                <a:solidFill>
+                  <a:schemeClr val="tx1"/>
+                </a:solidFill>
+                <a:effectLst/>
+                <a:latin typeface="+mn-lt"/>
+                <a:ea typeface="+mn-ea"/>
+                <a:cs typeface="+mn-cs"/>
+              </a:rPr>
+              <a:t> I source control </a:t>
+            </a:r>
+            <a:r>
+              <a:rPr lang="en-US" sz="1200" b="0" i="0" kern="1200" dirty="0" err="1">
+                <a:solidFill>
+                  <a:schemeClr val="tx1"/>
+                </a:solidFill>
+                <a:effectLst/>
+                <a:latin typeface="+mn-lt"/>
+                <a:ea typeface="+mn-ea"/>
+                <a:cs typeface="+mn-cs"/>
+              </a:rPr>
+              <a:t>toolsa</a:t>
+            </a:r>
+            <a:r>
+              <a:rPr lang="en-US" sz="1200" b="0" i="0" kern="1200" dirty="0">
+                <a:solidFill>
+                  <a:schemeClr val="tx1"/>
+                </a:solidFill>
+                <a:effectLst/>
+                <a:latin typeface="+mn-lt"/>
+                <a:ea typeface="+mn-ea"/>
+                <a:cs typeface="+mn-cs"/>
+              </a:rPr>
+              <a:t> </a:t>
+            </a:r>
+            <a:r>
+              <a:rPr lang="en-US" sz="1200" b="0" i="0" kern="1200" dirty="0" err="1">
+                <a:solidFill>
+                  <a:schemeClr val="tx1"/>
+                </a:solidFill>
+                <a:effectLst/>
+                <a:latin typeface="+mn-lt"/>
+                <a:ea typeface="+mn-ea"/>
+                <a:cs typeface="+mn-cs"/>
+              </a:rPr>
+              <a:t>kelis</a:t>
+            </a:r>
+            <a:r>
+              <a:rPr lang="en-US" sz="1200" b="0" i="0" kern="1200" dirty="0">
+                <a:solidFill>
+                  <a:schemeClr val="tx1"/>
+                </a:solidFill>
+                <a:effectLst/>
+                <a:latin typeface="+mn-lt"/>
+                <a:ea typeface="+mn-ea"/>
+                <a:cs typeface="+mn-cs"/>
+              </a:rPr>
+              <a:t> kart per </a:t>
+            </a:r>
+            <a:r>
+              <a:rPr lang="en-US" sz="1200" b="0" i="0" kern="1200" dirty="0" err="1">
+                <a:solidFill>
+                  <a:schemeClr val="tx1"/>
+                </a:solidFill>
+                <a:effectLst/>
+                <a:latin typeface="+mn-lt"/>
+                <a:ea typeface="+mn-ea"/>
+                <a:cs typeface="+mn-cs"/>
+              </a:rPr>
+              <a:t>diena</a:t>
+            </a:r>
+            <a:endParaRPr lang="en-US" sz="1200" b="0" i="0" kern="1200" dirty="0">
+              <a:solidFill>
+                <a:schemeClr val="tx1"/>
+              </a:solidFill>
+              <a:effectLst/>
+              <a:latin typeface="+mn-lt"/>
+              <a:ea typeface="+mn-ea"/>
+              <a:cs typeface="+mn-cs"/>
+            </a:endParaRPr>
           </a:p>
           <a:p>
             <a:pPr marL="0" marR="0" lvl="0" indent="0" algn="l" defTabSz="914400" rtl="0" eaLnBrk="1" fontAlgn="auto" latinLnBrk="0" hangingPunct="1">
@@ -4674,15 +2709,7 @@
               <a:tabLst/>
               <a:defRPr/>
             </a:pPr>
-            <a:endParaRPr lang="en-US" sz="1200" b="0" i="0" kern="1200" dirty="0">
-              <a:solidFill>
-                <a:schemeClr val="tx1"/>
-              </a:solidFill>
-              <a:effectLst/>
-              <a:latin typeface="+mn-lt"/>
-              <a:ea typeface="+mn-ea"/>
-              <a:cs typeface="+mn-cs"/>
-            </a:endParaRPr>
+            <a:endParaRPr lang="en-US" sz="1200" dirty="0"/>
           </a:p>
           <a:p>
             <a:pPr marL="0" marR="0" lvl="0" indent="0" algn="l" defTabSz="914400" rtl="0" eaLnBrk="1" fontAlgn="auto" latinLnBrk="0" hangingPunct="1">
@@ -4703,314 +2730,74 @@
               <a:defRPr/>
             </a:pPr>
             <a:r>
-              <a:rPr lang="en-US" sz="1200" b="0" i="0" kern="1200" dirty="0" err="1">
-                <a:solidFill>
-                  <a:schemeClr val="tx1"/>
-                </a:solidFill>
-                <a:effectLst/>
-                <a:latin typeface="+mn-lt"/>
-                <a:ea typeface="+mn-ea"/>
-                <a:cs typeface="+mn-cs"/>
-              </a:rPr>
-              <a:t>Automatizavimas</a:t>
-            </a:r>
-            <a:r>
-              <a:rPr lang="en-US" sz="1200" b="0" i="0" kern="1200" dirty="0">
-                <a:solidFill>
-                  <a:schemeClr val="tx1"/>
-                </a:solidFill>
-                <a:effectLst/>
-                <a:latin typeface="+mn-lt"/>
-                <a:ea typeface="+mn-ea"/>
-                <a:cs typeface="+mn-cs"/>
-              </a:rPr>
+              <a:rPr lang="en-US" sz="1200" dirty="0" err="1"/>
+              <a:t>Jeigu</a:t>
+            </a:r>
+            <a:r>
+              <a:rPr lang="en-US" sz="1200" dirty="0"/>
               <a:t> </a:t>
             </a:r>
             <a:r>
-              <a:rPr lang="en-US" sz="1200" b="0" i="0" kern="1200" dirty="0" err="1">
-                <a:solidFill>
-                  <a:schemeClr val="tx1"/>
-                </a:solidFill>
-                <a:effectLst/>
-                <a:latin typeface="+mn-lt"/>
-                <a:ea typeface="+mn-ea"/>
-                <a:cs typeface="+mn-cs"/>
-              </a:rPr>
-              <a:t>sumazina</a:t>
-            </a:r>
-            <a:r>
-              <a:rPr lang="en-US" sz="1200" b="0" i="0" kern="1200" dirty="0">
-                <a:solidFill>
-                  <a:schemeClr val="tx1"/>
-                </a:solidFill>
-                <a:effectLst/>
-                <a:latin typeface="+mn-lt"/>
-                <a:ea typeface="+mn-ea"/>
-                <a:cs typeface="+mn-cs"/>
-              </a:rPr>
+              <a:rPr lang="en-US" sz="1200" dirty="0" err="1"/>
+              <a:t>viska</a:t>
+            </a:r>
+            <a:r>
+              <a:rPr lang="en-US" sz="1200" dirty="0"/>
               <a:t> </a:t>
             </a:r>
             <a:r>
-              <a:rPr lang="en-US" sz="1200" b="0" i="0" kern="1200" dirty="0" err="1">
-                <a:solidFill>
-                  <a:schemeClr val="tx1"/>
-                </a:solidFill>
-                <a:effectLst/>
-                <a:latin typeface="+mn-lt"/>
-                <a:ea typeface="+mn-ea"/>
-                <a:cs typeface="+mn-cs"/>
-              </a:rPr>
-              <a:t>projekto</a:t>
-            </a:r>
-            <a:r>
-              <a:rPr lang="en-US" sz="1200" b="0" i="0" kern="1200" dirty="0">
-                <a:solidFill>
-                  <a:schemeClr val="tx1"/>
-                </a:solidFill>
-                <a:effectLst/>
-                <a:latin typeface="+mn-lt"/>
-                <a:ea typeface="+mn-ea"/>
-                <a:cs typeface="+mn-cs"/>
-              </a:rPr>
+              <a:rPr lang="en-US" sz="1200" dirty="0" err="1"/>
+              <a:t>mainteninti</a:t>
+            </a:r>
+            <a:r>
+              <a:rPr lang="en-US" sz="1200" dirty="0"/>
+              <a:t> manual, tai </a:t>
+            </a:r>
+            <a:r>
+              <a:rPr lang="en-US" sz="1200" dirty="0" err="1"/>
+              <a:t>tiesiog</a:t>
+            </a:r>
+            <a:r>
+              <a:rPr lang="en-US" sz="1200" dirty="0"/>
               <a:t> </a:t>
             </a:r>
             <a:r>
-              <a:rPr lang="en-US" sz="1200" b="0" i="0" kern="1200" dirty="0" err="1">
-                <a:solidFill>
-                  <a:schemeClr val="tx1"/>
-                </a:solidFill>
-                <a:effectLst/>
-                <a:latin typeface="+mn-lt"/>
-                <a:ea typeface="+mn-ea"/>
-                <a:cs typeface="+mn-cs"/>
-              </a:rPr>
-              <a:t>kastus</a:t>
-            </a:r>
-            <a:r>
-              <a:rPr lang="en-US" sz="1200" b="0" i="0" kern="1200" dirty="0">
-                <a:solidFill>
-                  <a:schemeClr val="tx1"/>
-                </a:solidFill>
-                <a:effectLst/>
-                <a:latin typeface="+mn-lt"/>
-                <a:ea typeface="+mn-ea"/>
-                <a:cs typeface="+mn-cs"/>
-              </a:rPr>
+              <a:rPr lang="en-US" sz="1200" dirty="0" err="1"/>
+              <a:t>kainuoja</a:t>
+            </a:r>
+            <a:r>
+              <a:rPr lang="en-US" sz="1200" dirty="0"/>
+              <a:t> </a:t>
+            </a:r>
+            <a:r>
+              <a:rPr lang="en-US" sz="1200" dirty="0" err="1"/>
+              <a:t>brangiau</a:t>
+            </a:r>
+            <a:r>
+              <a:rPr lang="en-US" sz="1200" dirty="0"/>
               <a:t>, </a:t>
             </a:r>
             <a:r>
-              <a:rPr lang="en-US" sz="1200" b="0" i="0" kern="1200" dirty="0" err="1">
-                <a:solidFill>
-                  <a:schemeClr val="tx1"/>
-                </a:solidFill>
-                <a:effectLst/>
-                <a:latin typeface="+mn-lt"/>
-                <a:ea typeface="+mn-ea"/>
-                <a:cs typeface="+mn-cs"/>
-              </a:rPr>
-              <a:t>tiek</a:t>
-            </a:r>
-            <a:r>
-              <a:rPr lang="en-US" sz="1200" b="0" i="0" kern="1200" dirty="0">
-                <a:solidFill>
-                  <a:schemeClr val="tx1"/>
-                </a:solidFill>
-                <a:effectLst/>
-                <a:latin typeface="+mn-lt"/>
-                <a:ea typeface="+mn-ea"/>
-                <a:cs typeface="+mn-cs"/>
-              </a:rPr>
-              <a:t> del to </a:t>
-            </a:r>
-            <a:r>
-              <a:rPr lang="en-US" sz="1200" b="0" i="0" kern="1200" dirty="0" err="1">
-                <a:solidFill>
-                  <a:schemeClr val="tx1"/>
-                </a:solidFill>
-                <a:effectLst/>
-                <a:latin typeface="+mn-lt"/>
-                <a:ea typeface="+mn-ea"/>
-                <a:cs typeface="+mn-cs"/>
-              </a:rPr>
-              <a:t>kad</a:t>
-            </a:r>
-            <a:r>
-              <a:rPr lang="en-US" sz="1200" b="0" i="0" kern="1200" dirty="0">
-                <a:solidFill>
-                  <a:schemeClr val="tx1"/>
-                </a:solidFill>
-                <a:effectLst/>
-                <a:latin typeface="+mn-lt"/>
-                <a:ea typeface="+mn-ea"/>
-                <a:cs typeface="+mn-cs"/>
-              </a:rPr>
+              <a:rPr lang="en-US" sz="1200" dirty="0" err="1"/>
+              <a:t>nei</a:t>
+            </a:r>
+            <a:r>
+              <a:rPr lang="en-US" sz="1200" dirty="0"/>
               <a:t> </a:t>
             </a:r>
             <a:r>
-              <a:rPr lang="en-US" sz="1200" b="0" i="0" kern="1200" dirty="0" err="1">
-                <a:solidFill>
-                  <a:schemeClr val="tx1"/>
-                </a:solidFill>
-                <a:effectLst/>
-                <a:latin typeface="+mn-lt"/>
-                <a:ea typeface="+mn-ea"/>
-                <a:cs typeface="+mn-cs"/>
-              </a:rPr>
-              <a:t>nereikia</a:t>
-            </a:r>
-            <a:r>
-              <a:rPr lang="en-US" sz="1200" b="0" i="0" kern="1200" dirty="0">
-                <a:solidFill>
-                  <a:schemeClr val="tx1"/>
-                </a:solidFill>
-                <a:effectLst/>
-                <a:latin typeface="+mn-lt"/>
-                <a:ea typeface="+mn-ea"/>
-                <a:cs typeface="+mn-cs"/>
-              </a:rPr>
-              <a:t> manual </a:t>
-            </a:r>
-            <a:r>
-              <a:rPr lang="en-US" sz="1200" b="0" i="0" kern="1200" dirty="0" err="1">
-                <a:solidFill>
-                  <a:schemeClr val="tx1"/>
-                </a:solidFill>
-                <a:effectLst/>
-                <a:latin typeface="+mn-lt"/>
-                <a:ea typeface="+mn-ea"/>
-                <a:cs typeface="+mn-cs"/>
-              </a:rPr>
-              <a:t>daryti</a:t>
-            </a:r>
-            <a:r>
-              <a:rPr lang="en-US" sz="1200" b="0" i="0" kern="1200" dirty="0">
-                <a:solidFill>
-                  <a:schemeClr val="tx1"/>
-                </a:solidFill>
-                <a:effectLst/>
-                <a:latin typeface="+mn-lt"/>
-                <a:ea typeface="+mn-ea"/>
-                <a:cs typeface="+mn-cs"/>
-              </a:rPr>
-              <a:t>, </a:t>
-            </a:r>
-            <a:r>
-              <a:rPr lang="en-US" sz="1200" b="0" i="0" kern="1200" dirty="0" err="1">
-                <a:solidFill>
-                  <a:schemeClr val="tx1"/>
-                </a:solidFill>
-                <a:effectLst/>
-                <a:latin typeface="+mn-lt"/>
-                <a:ea typeface="+mn-ea"/>
-                <a:cs typeface="+mn-cs"/>
-              </a:rPr>
-              <a:t>tiek</a:t>
-            </a:r>
-            <a:r>
-              <a:rPr lang="en-US" sz="1200" b="0" i="0" kern="1200" dirty="0">
-                <a:solidFill>
-                  <a:schemeClr val="tx1"/>
-                </a:solidFill>
-                <a:effectLst/>
-                <a:latin typeface="+mn-lt"/>
-                <a:ea typeface="+mn-ea"/>
-                <a:cs typeface="+mn-cs"/>
-              </a:rPr>
-              <a:t> del to </a:t>
-            </a:r>
-            <a:r>
-              <a:rPr lang="en-US" sz="1200" b="0" i="0" kern="1200" dirty="0" err="1">
-                <a:solidFill>
-                  <a:schemeClr val="tx1"/>
-                </a:solidFill>
-                <a:effectLst/>
-                <a:latin typeface="+mn-lt"/>
-                <a:ea typeface="+mn-ea"/>
-                <a:cs typeface="+mn-cs"/>
-              </a:rPr>
-              <a:t>kad</a:t>
-            </a:r>
-            <a:r>
-              <a:rPr lang="en-US" sz="1200" b="0" i="0" kern="1200" dirty="0">
-                <a:solidFill>
-                  <a:schemeClr val="tx1"/>
-                </a:solidFill>
-                <a:effectLst/>
-                <a:latin typeface="+mn-lt"/>
-                <a:ea typeface="+mn-ea"/>
-                <a:cs typeface="+mn-cs"/>
-              </a:rPr>
-              <a:t> </a:t>
-            </a:r>
-            <a:r>
-              <a:rPr lang="en-US" sz="1200" b="0" i="0" kern="1200" dirty="0" err="1">
-                <a:solidFill>
-                  <a:schemeClr val="tx1"/>
-                </a:solidFill>
-                <a:effectLst/>
-                <a:latin typeface="+mn-lt"/>
-                <a:ea typeface="+mn-ea"/>
-                <a:cs typeface="+mn-cs"/>
-              </a:rPr>
-              <a:t>sumazeja</a:t>
-            </a:r>
-            <a:r>
-              <a:rPr lang="en-US" sz="1200" b="0" i="0" kern="1200" dirty="0">
-                <a:solidFill>
-                  <a:schemeClr val="tx1"/>
-                </a:solidFill>
-                <a:effectLst/>
-                <a:latin typeface="+mn-lt"/>
-                <a:ea typeface="+mn-ea"/>
-                <a:cs typeface="+mn-cs"/>
-              </a:rPr>
-              <a:t> </a:t>
-            </a:r>
-            <a:r>
-              <a:rPr lang="en-US" sz="1200" b="0" i="0" kern="1200" dirty="0" err="1">
-                <a:solidFill>
-                  <a:schemeClr val="tx1"/>
-                </a:solidFill>
-                <a:effectLst/>
-                <a:latin typeface="+mn-lt"/>
-                <a:ea typeface="+mn-ea"/>
-                <a:cs typeface="+mn-cs"/>
-              </a:rPr>
-              <a:t>klaidu</a:t>
-            </a:r>
-            <a:r>
-              <a:rPr lang="en-US" sz="1200" b="0" i="0" kern="1200" dirty="0">
-                <a:solidFill>
-                  <a:schemeClr val="tx1"/>
-                </a:solidFill>
-                <a:effectLst/>
-                <a:latin typeface="+mn-lt"/>
-                <a:ea typeface="+mn-ea"/>
-                <a:cs typeface="+mn-cs"/>
-              </a:rPr>
-              <a:t> </a:t>
-            </a:r>
-            <a:r>
-              <a:rPr lang="en-US" sz="1200" b="0" i="0" kern="1200" dirty="0" err="1">
-                <a:solidFill>
-                  <a:schemeClr val="tx1"/>
-                </a:solidFill>
-                <a:effectLst/>
-                <a:latin typeface="+mn-lt"/>
-                <a:ea typeface="+mn-ea"/>
-                <a:cs typeface="+mn-cs"/>
-              </a:rPr>
-              <a:t>tikimybe</a:t>
-            </a:r>
-            <a:endParaRPr lang="en-US" sz="1200" b="0" i="0" kern="1200" dirty="0">
-              <a:solidFill>
-                <a:schemeClr val="tx1"/>
-              </a:solidFill>
-              <a:effectLst/>
-              <a:latin typeface="+mn-lt"/>
-              <a:ea typeface="+mn-ea"/>
-              <a:cs typeface="+mn-cs"/>
-            </a:endParaRPr>
+              <a:rPr lang="en-US" sz="1200" dirty="0" err="1"/>
+              <a:t>naudotis</a:t>
+            </a:r>
+            <a:r>
+              <a:rPr lang="en-US" sz="1200" dirty="0"/>
+              <a:t> CI/CD </a:t>
+            </a:r>
+            <a:r>
+              <a:rPr lang="en-US" sz="1200" dirty="0" err="1"/>
+              <a:t>toolsais</a:t>
+            </a:r>
+            <a:endParaRPr lang="en-US" sz="1200" dirty="0"/>
           </a:p>
         </p:txBody>
       </p:sp>
@@ -5105,7 +2892,7 @@
                 <a:ea typeface="+mn-ea"/>
                 <a:cs typeface="+mn-cs"/>
               </a:rPr>
-              <a:t>Kelis</a:t>
+              <a:t>Galima</a:t>
             </a:r>
             <a:r>
               <a:rPr lang="en-US" sz="1200" b="0" i="0" kern="1200" dirty="0">
@@ -5117,7 +2904,7 @@
                 <a:ea typeface="+mn-ea"/>
                 <a:cs typeface="+mn-cs"/>
               </a:rPr>
-              <a:t> kart per </a:t>
+              <a:t> </a:t>
             </a:r>
             <a:r>
               <a:rPr lang="en-US" sz="1200" b="0" i="0" kern="1200" dirty="0" err="1">
@@ -5129,7 +2916,367 @@
                 <a:ea typeface="+mn-ea"/>
                 <a:cs typeface="+mn-cs"/>
               </a:rPr>
+              <a:t>pushinti</a:t>
+            </a:r>
+            <a:r>
+              <a:rPr lang="en-US" sz="1200" b="0" i="0" kern="1200" dirty="0">
+                <a:solidFill>
+                  <a:schemeClr val="tx1"/>
+                </a:solidFill>
+                <a:effectLst/>
+                <a:latin typeface="+mn-lt"/>
+                <a:ea typeface="+mn-ea"/>
+                <a:cs typeface="+mn-cs"/>
+              </a:rPr>
+              <a:t>/</a:t>
+            </a:r>
+            <a:r>
+              <a:rPr lang="en-US" sz="1200" b="0" i="0" kern="1200" dirty="0" err="1">
+                <a:solidFill>
+                  <a:schemeClr val="tx1"/>
+                </a:solidFill>
+                <a:effectLst/>
+                <a:latin typeface="+mn-lt"/>
+                <a:ea typeface="+mn-ea"/>
+                <a:cs typeface="+mn-cs"/>
+              </a:rPr>
+              <a:t>merginti</a:t>
+            </a:r>
+            <a:r>
+              <a:rPr lang="en-US" sz="1200" b="0" i="0" kern="1200" dirty="0">
+                <a:solidFill>
+                  <a:schemeClr val="tx1"/>
+                </a:solidFill>
+                <a:effectLst/>
+                <a:latin typeface="+mn-lt"/>
+                <a:ea typeface="+mn-ea"/>
+                <a:cs typeface="+mn-cs"/>
+              </a:rPr>
+              <a:t> </a:t>
+            </a:r>
+            <a:r>
+              <a:rPr lang="en-US" sz="1200" b="0" i="0" kern="1200" dirty="0" err="1">
+                <a:solidFill>
+                  <a:schemeClr val="tx1"/>
+                </a:solidFill>
+                <a:effectLst/>
+                <a:latin typeface="+mn-lt"/>
+                <a:ea typeface="+mn-ea"/>
+                <a:cs typeface="+mn-cs"/>
+              </a:rPr>
+              <a:t>koda</a:t>
+            </a:r>
+            <a:r>
+              <a:rPr lang="en-US" sz="1200" b="0" i="0" kern="1200" dirty="0">
+                <a:solidFill>
+                  <a:schemeClr val="tx1"/>
+                </a:solidFill>
+                <a:effectLst/>
+                <a:latin typeface="+mn-lt"/>
+                <a:ea typeface="+mn-ea"/>
+                <a:cs typeface="+mn-cs"/>
+              </a:rPr>
+              <a:t> </a:t>
+            </a:r>
+            <a:r>
+              <a:rPr lang="en-US" sz="1200" b="0" i="0" kern="1200" dirty="0" err="1">
+                <a:solidFill>
+                  <a:schemeClr val="tx1"/>
+                </a:solidFill>
+                <a:effectLst/>
+                <a:latin typeface="+mn-lt"/>
+                <a:ea typeface="+mn-ea"/>
+                <a:cs typeface="+mn-cs"/>
+              </a:rPr>
+              <a:t>kelis</a:t>
+            </a:r>
+            <a:r>
+              <a:rPr lang="en-US" sz="1200" b="0" i="0" kern="1200" dirty="0">
+                <a:solidFill>
+                  <a:schemeClr val="tx1"/>
+                </a:solidFill>
+                <a:effectLst/>
+                <a:latin typeface="+mn-lt"/>
+                <a:ea typeface="+mn-ea"/>
+                <a:cs typeface="+mn-cs"/>
+              </a:rPr>
+              <a:t> </a:t>
+            </a:r>
+            <a:r>
+              <a:rPr lang="en-US" sz="1200" b="0" i="0" kern="1200" dirty="0" err="1">
+                <a:solidFill>
+                  <a:schemeClr val="tx1"/>
+                </a:solidFill>
+                <a:effectLst/>
+                <a:latin typeface="+mn-lt"/>
+                <a:ea typeface="+mn-ea"/>
+                <a:cs typeface="+mn-cs"/>
+              </a:rPr>
+              <a:t>kartus</a:t>
+            </a:r>
+            <a:r>
+              <a:rPr lang="en-US" sz="1200" b="0" i="0" kern="1200" dirty="0">
+                <a:solidFill>
+                  <a:schemeClr val="tx1"/>
+                </a:solidFill>
+                <a:effectLst/>
+                <a:latin typeface="+mn-lt"/>
+                <a:ea typeface="+mn-ea"/>
+                <a:cs typeface="+mn-cs"/>
+              </a:rPr>
+              <a:t> per </a:t>
+            </a:r>
+            <a:r>
+              <a:rPr lang="en-US" sz="1200" b="0" i="0" kern="1200" dirty="0" err="1">
+                <a:solidFill>
+                  <a:schemeClr val="tx1"/>
+                </a:solidFill>
+                <a:effectLst/>
+                <a:latin typeface="+mn-lt"/>
+                <a:ea typeface="+mn-ea"/>
+                <a:cs typeface="+mn-cs"/>
+              </a:rPr>
               <a:t>diena</a:t>
+            </a:r>
+            <a:r>
+              <a:rPr lang="en-US" sz="1200" b="0" i="0" kern="1200" dirty="0">
+                <a:solidFill>
+                  <a:schemeClr val="tx1"/>
+                </a:solidFill>
+                <a:effectLst/>
+                <a:latin typeface="+mn-lt"/>
+                <a:ea typeface="+mn-ea"/>
+                <a:cs typeface="+mn-cs"/>
+              </a:rPr>
+              <a:t>, </a:t>
+            </a:r>
+            <a:r>
+              <a:rPr lang="en-US" sz="1200" b="0" i="0" kern="1200" dirty="0" err="1">
+                <a:solidFill>
+                  <a:schemeClr val="tx1"/>
+                </a:solidFill>
+                <a:effectLst/>
+                <a:latin typeface="+mn-lt"/>
+                <a:ea typeface="+mn-ea"/>
+                <a:cs typeface="+mn-cs"/>
+              </a:rPr>
+              <a:t>automatiniai</a:t>
+            </a:r>
+            <a:r>
+              <a:rPr lang="en-US" sz="1200" b="0" i="0" kern="1200" dirty="0">
+                <a:solidFill>
+                  <a:schemeClr val="tx1"/>
+                </a:solidFill>
+                <a:effectLst/>
+                <a:latin typeface="+mn-lt"/>
+                <a:ea typeface="+mn-ea"/>
+                <a:cs typeface="+mn-cs"/>
+              </a:rPr>
+              <a:t> </a:t>
+            </a:r>
+            <a:r>
+              <a:rPr lang="en-US" sz="1200" b="0" i="0" kern="1200" dirty="0" err="1">
+                <a:solidFill>
+                  <a:schemeClr val="tx1"/>
+                </a:solidFill>
+                <a:effectLst/>
+                <a:latin typeface="+mn-lt"/>
+                <a:ea typeface="+mn-ea"/>
+                <a:cs typeface="+mn-cs"/>
+              </a:rPr>
+              <a:t>testai</a:t>
+            </a:r>
+            <a:r>
+              <a:rPr lang="en-US" sz="1200" b="0" i="0" kern="1200" dirty="0">
+                <a:solidFill>
+                  <a:schemeClr val="tx1"/>
+                </a:solidFill>
+                <a:effectLst/>
+                <a:latin typeface="+mn-lt"/>
+                <a:ea typeface="+mn-ea"/>
+                <a:cs typeface="+mn-cs"/>
+              </a:rPr>
+              <a:t>/</a:t>
+            </a:r>
+            <a:r>
+              <a:rPr lang="en-US" sz="1200" b="0" i="0" kern="1200" dirty="0" err="1">
+                <a:solidFill>
+                  <a:schemeClr val="tx1"/>
+                </a:solidFill>
+                <a:effectLst/>
+                <a:latin typeface="+mn-lt"/>
+                <a:ea typeface="+mn-ea"/>
+                <a:cs typeface="+mn-cs"/>
+              </a:rPr>
+              <a:t>buildai</a:t>
+            </a:r>
+            <a:r>
+              <a:rPr lang="en-US" sz="1200" b="0" i="0" kern="1200" dirty="0">
+                <a:solidFill>
+                  <a:schemeClr val="tx1"/>
+                </a:solidFill>
+                <a:effectLst/>
+                <a:latin typeface="+mn-lt"/>
+                <a:ea typeface="+mn-ea"/>
+                <a:cs typeface="+mn-cs"/>
+              </a:rPr>
+              <a:t> </a:t>
+            </a:r>
+            <a:r>
+              <a:rPr lang="en-US" sz="1200" b="0" i="0" kern="1200" dirty="0" err="1">
+                <a:solidFill>
+                  <a:schemeClr val="tx1"/>
+                </a:solidFill>
+                <a:effectLst/>
+                <a:latin typeface="+mn-lt"/>
+                <a:ea typeface="+mn-ea"/>
+                <a:cs typeface="+mn-cs"/>
+              </a:rPr>
+              <a:t>verifikuoja</a:t>
+            </a:r>
+            <a:r>
+              <a:rPr lang="en-US" sz="1200" b="0" i="0" kern="1200" dirty="0">
+                <a:solidFill>
+                  <a:schemeClr val="tx1"/>
+                </a:solidFill>
+                <a:effectLst/>
+                <a:latin typeface="+mn-lt"/>
+                <a:ea typeface="+mn-ea"/>
+                <a:cs typeface="+mn-cs"/>
+              </a:rPr>
+              <a:t> </a:t>
+            </a:r>
+            <a:r>
+              <a:rPr lang="en-US" sz="1200" b="0" i="0" kern="1200" dirty="0" err="1">
+                <a:solidFill>
+                  <a:schemeClr val="tx1"/>
+                </a:solidFill>
+                <a:effectLst/>
+                <a:latin typeface="+mn-lt"/>
+                <a:ea typeface="+mn-ea"/>
+                <a:cs typeface="+mn-cs"/>
+              </a:rPr>
+              <a:t>ar</a:t>
+            </a:r>
+            <a:r>
+              <a:rPr lang="en-US" sz="1200" b="0" i="0" kern="1200" dirty="0">
+                <a:solidFill>
+                  <a:schemeClr val="tx1"/>
+                </a:solidFill>
+                <a:effectLst/>
+                <a:latin typeface="+mn-lt"/>
+                <a:ea typeface="+mn-ea"/>
+                <a:cs typeface="+mn-cs"/>
+              </a:rPr>
+              <a:t> </a:t>
+            </a:r>
+            <a:r>
+              <a:rPr lang="en-US" sz="1200" b="0" i="0" kern="1200" dirty="0" err="1">
+                <a:solidFill>
+                  <a:schemeClr val="tx1"/>
+                </a:solidFill>
+                <a:effectLst/>
+                <a:latin typeface="+mn-lt"/>
+                <a:ea typeface="+mn-ea"/>
+                <a:cs typeface="+mn-cs"/>
+              </a:rPr>
+              <a:t>kodas</a:t>
+            </a:r>
+            <a:r>
+              <a:rPr lang="en-US" sz="1200" b="0" i="0" kern="1200" dirty="0">
+                <a:solidFill>
+                  <a:schemeClr val="tx1"/>
+                </a:solidFill>
+                <a:effectLst/>
+                <a:latin typeface="+mn-lt"/>
+                <a:ea typeface="+mn-ea"/>
+                <a:cs typeface="+mn-cs"/>
+              </a:rPr>
+              <a:t> vis </a:t>
+            </a:r>
+            <a:r>
+              <a:rPr lang="en-US" sz="1200" b="0" i="0" kern="1200" dirty="0" err="1">
+                <a:solidFill>
+                  <a:schemeClr val="tx1"/>
+                </a:solidFill>
+                <a:effectLst/>
+                <a:latin typeface="+mn-lt"/>
+                <a:ea typeface="+mn-ea"/>
+                <a:cs typeface="+mn-cs"/>
+              </a:rPr>
+              <a:t>dar</a:t>
+            </a:r>
+            <a:r>
+              <a:rPr lang="en-US" sz="1200" b="0" i="0" kern="1200" dirty="0">
+                <a:solidFill>
+                  <a:schemeClr val="tx1"/>
+                </a:solidFill>
+                <a:effectLst/>
+                <a:latin typeface="+mn-lt"/>
+                <a:ea typeface="+mn-ea"/>
+                <a:cs typeface="+mn-cs"/>
+              </a:rPr>
+              <a:t> </a:t>
+            </a:r>
+            <a:r>
+              <a:rPr lang="en-US" sz="1200" b="0" i="0" kern="1200" dirty="0" err="1">
+                <a:solidFill>
+                  <a:schemeClr val="tx1"/>
+                </a:solidFill>
+                <a:effectLst/>
+                <a:latin typeface="+mn-lt"/>
+                <a:ea typeface="+mn-ea"/>
+                <a:cs typeface="+mn-cs"/>
+              </a:rPr>
+              <a:t>veikia</a:t>
+            </a:r>
+            <a:r>
+              <a:rPr lang="en-US" sz="1200" b="0" i="0" kern="1200" dirty="0">
+                <a:solidFill>
+                  <a:schemeClr val="tx1"/>
+                </a:solidFill>
+                <a:effectLst/>
+                <a:latin typeface="+mn-lt"/>
+                <a:ea typeface="+mn-ea"/>
+                <a:cs typeface="+mn-cs"/>
+              </a:rPr>
+              <a:t> </a:t>
+            </a:r>
+            <a:r>
+              <a:rPr lang="en-US" sz="1200" b="0" i="0" kern="1200" dirty="0" err="1">
+                <a:solidFill>
+                  <a:schemeClr val="tx1"/>
+                </a:solidFill>
+                <a:effectLst/>
+                <a:latin typeface="+mn-lt"/>
+                <a:ea typeface="+mn-ea"/>
+                <a:cs typeface="+mn-cs"/>
+              </a:rPr>
+              <a:t>kaip</a:t>
+            </a:r>
+            <a:r>
+              <a:rPr lang="en-US" sz="1200" b="0" i="0" kern="1200" dirty="0">
+                <a:solidFill>
+                  <a:schemeClr val="tx1"/>
+                </a:solidFill>
+                <a:effectLst/>
+                <a:latin typeface="+mn-lt"/>
+                <a:ea typeface="+mn-ea"/>
+                <a:cs typeface="+mn-cs"/>
+              </a:rPr>
+              <a:t> </a:t>
+            </a:r>
+            <a:r>
+              <a:rPr lang="en-US" sz="1200" b="0" i="0" kern="1200" dirty="0" err="1">
+                <a:solidFill>
+                  <a:schemeClr val="tx1"/>
+                </a:solidFill>
+                <a:effectLst/>
+                <a:latin typeface="+mn-lt"/>
+                <a:ea typeface="+mn-ea"/>
+                <a:cs typeface="+mn-cs"/>
+              </a:rPr>
+              <a:t>tikimasi</a:t>
             </a:r>
             <a:endParaRPr lang="en-US" sz="1200" b="0" i="0" kern="1200" dirty="0">
               <a:solidFill>
@@ -5142,90 +3289,6 @@
             </a:endParaRPr>
           </a:p>
           <a:p>
-            <a:r>
-              <a:rPr lang="en-US" sz="1200" b="0" i="0" kern="1200" dirty="0" err="1">
-                <a:solidFill>
-                  <a:schemeClr val="tx1"/>
-                </a:solidFill>
-                <a:effectLst/>
-                <a:latin typeface="+mn-lt"/>
-                <a:ea typeface="+mn-ea"/>
-                <a:cs typeface="+mn-cs"/>
-              </a:rPr>
-              <a:t>Automatizuoti</a:t>
-            </a:r>
-            <a:r>
-              <a:rPr lang="en-US" sz="1200" b="0" i="0" kern="1200" dirty="0">
-                <a:solidFill>
-                  <a:schemeClr val="tx1"/>
-                </a:solidFill>
-                <a:effectLst/>
-                <a:latin typeface="+mn-lt"/>
-                <a:ea typeface="+mn-ea"/>
-                <a:cs typeface="+mn-cs"/>
-              </a:rPr>
-              <a:t> </a:t>
-            </a:r>
-            <a:r>
-              <a:rPr lang="en-US" sz="1200" b="0" i="0" kern="1200" dirty="0" err="1">
-                <a:solidFill>
-                  <a:schemeClr val="tx1"/>
-                </a:solidFill>
-                <a:effectLst/>
-                <a:latin typeface="+mn-lt"/>
-                <a:ea typeface="+mn-ea"/>
-                <a:cs typeface="+mn-cs"/>
-              </a:rPr>
-              <a:t>testai</a:t>
-            </a:r>
-            <a:r>
-              <a:rPr lang="en-US" sz="1200" b="0" i="0" kern="1200" dirty="0">
-                <a:solidFill>
-                  <a:schemeClr val="tx1"/>
-                </a:solidFill>
-                <a:effectLst/>
-                <a:latin typeface="+mn-lt"/>
-                <a:ea typeface="+mn-ea"/>
-                <a:cs typeface="+mn-cs"/>
-              </a:rPr>
-              <a:t> </a:t>
-            </a:r>
-            <a:r>
-              <a:rPr lang="en-US" sz="1200" b="0" i="0" kern="1200" dirty="0" err="1">
-                <a:solidFill>
-                  <a:schemeClr val="tx1"/>
-                </a:solidFill>
-                <a:effectLst/>
-                <a:latin typeface="+mn-lt"/>
-                <a:ea typeface="+mn-ea"/>
-                <a:cs typeface="+mn-cs"/>
-              </a:rPr>
-              <a:t>ir</a:t>
-            </a:r>
-            <a:r>
-              <a:rPr lang="en-US" sz="1200" b="0" i="0" kern="1200" dirty="0">
-                <a:solidFill>
-                  <a:schemeClr val="tx1"/>
-                </a:solidFill>
-                <a:effectLst/>
-                <a:latin typeface="+mn-lt"/>
-                <a:ea typeface="+mn-ea"/>
-                <a:cs typeface="+mn-cs"/>
-              </a:rPr>
-              <a:t> </a:t>
-            </a:r>
-            <a:r>
-              <a:rPr lang="en-US" sz="1200" b="0" i="0" kern="1200" dirty="0" err="1">
-                <a:solidFill>
-                  <a:schemeClr val="tx1"/>
-                </a:solidFill>
-                <a:effectLst/>
-                <a:latin typeface="+mn-lt"/>
-                <a:ea typeface="+mn-ea"/>
-                <a:cs typeface="+mn-cs"/>
-              </a:rPr>
-              <a:t>buildai</a:t>
-            </a:r>
             <a:endParaRPr lang="en-US" sz="1200" b="0" i="0" kern="1200" dirty="0">
               <a:solidFill>
                 <a:schemeClr val="tx1"/>
@@ -5237,19 +3300,8 @@
             </a:endParaRPr>
           </a:p>
           <a:p>
-            <a:endParaRPr lang="en-US" sz="1200" b="0" i="0" kern="1200" dirty="0">
-              <a:solidFill>
-                <a:schemeClr val="tx1"/>
-              </a:solidFill>
-              <a:effectLst/>
-              <a:latin typeface="+mn-lt"/>
-              <a:ea typeface="+mn-ea"/>
-              <a:cs typeface="+mn-cs"/>
-            </a:endParaRPr>
-          </a:p>
-          <a:p>
-            <a:r>
-              <a:rPr lang="en-US" sz="1200" b="0" i="0" kern="1200" dirty="0" err="1">
+            <a:r>
+              <a:rPr lang="en-US" sz="1200" b="0" i="0" kern="1200" dirty="0">
                 <a:solidFill>
                   <a:schemeClr val="tx1"/>
                 </a:solidFill>
@@ -5258,10 +3310,10 @@
                 <a:ea typeface="+mn-ea"/>
                 <a:cs typeface="+mn-cs"/>
               </a:rPr>
-              <a:t>Saugo</a:t>
-            </a:r>
-            <a:r>
-              <a:rPr lang="en-US" sz="1200" b="0" i="0" kern="1200" dirty="0">
+              <a:t>Taupo </a:t>
+            </a:r>
+            <a:r>
+              <a:rPr lang="en-US" sz="1200" b="0" i="0" kern="1200" dirty="0" err="1">
                 <a:solidFill>
                   <a:schemeClr val="tx1"/>
                 </a:solidFill>
@@ -5270,10 +3322,10 @@
                 <a:ea typeface="+mn-ea"/>
                 <a:cs typeface="+mn-cs"/>
               </a:rPr>
-              <a:t> </a:t>
-            </a:r>
-            <a:r>
-              <a:rPr lang="en-US" sz="1200" b="0" i="0" kern="1200" dirty="0" err="1">
+              <a:t>laika</a:t>
+            </a:r>
+            <a:r>
+              <a:rPr lang="en-US" sz="1200" b="0" i="0" kern="1200" dirty="0">
                 <a:solidFill>
                   <a:schemeClr val="tx1"/>
                 </a:solidFill>
@@ -5282,10 +3334,10 @@
                 <a:ea typeface="+mn-ea"/>
                 <a:cs typeface="+mn-cs"/>
               </a:rPr>
-              <a:t>laika</a:t>
-            </a:r>
-            <a:r>
-              <a:rPr lang="en-US" sz="1200" b="0" i="0" kern="1200" dirty="0">
+              <a:t> </a:t>
+            </a:r>
+            <a:r>
+              <a:rPr lang="en-US" sz="1200" b="0" i="0" kern="1200" dirty="0" err="1">
                 <a:solidFill>
                   <a:schemeClr val="tx1"/>
                 </a:solidFill>
@@ -5294,10 +3346,10 @@
                 <a:ea typeface="+mn-ea"/>
                 <a:cs typeface="+mn-cs"/>
               </a:rPr>
-              <a:t> </a:t>
-            </a:r>
-            <a:r>
-              <a:rPr lang="en-US" sz="1200" b="0" i="0" kern="1200" dirty="0" err="1">
+              <a:t>ir</a:t>
+            </a:r>
+            <a:r>
+              <a:rPr lang="en-US" sz="1200" b="0" i="0" kern="1200" dirty="0">
                 <a:solidFill>
                   <a:schemeClr val="tx1"/>
                 </a:solidFill>
@@ -5306,10 +3358,10 @@
                 <a:ea typeface="+mn-ea"/>
                 <a:cs typeface="+mn-cs"/>
               </a:rPr>
-              <a:t>ir</a:t>
-            </a:r>
-            <a:r>
-              <a:rPr lang="en-US" sz="1200" b="0" i="0" kern="1200" dirty="0">
+              <a:t> </a:t>
+            </a:r>
+            <a:r>
+              <a:rPr lang="en-US" sz="1200" b="0" i="0" kern="1200" dirty="0" err="1">
                 <a:solidFill>
                   <a:schemeClr val="tx1"/>
                 </a:solidFill>
@@ -5318,31 +3370,7 @@
                 <a:ea typeface="+mn-ea"/>
                 <a:cs typeface="+mn-cs"/>
               </a:rPr>
-              <a:t> </a:t>
-            </a:r>
-            <a:r>
-              <a:rPr lang="en-US" sz="1200" b="0" i="0" kern="1200" dirty="0" err="1">
-                <a:solidFill>
-                  <a:schemeClr val="tx1"/>
-                </a:solidFill>
-                <a:effectLst/>
-                <a:latin typeface="+mn-lt"/>
-                <a:ea typeface="+mn-ea"/>
-                <a:cs typeface="+mn-cs"/>
-              </a:rPr>
               <a:t>pinigus</a:t>
-            </a:r>
-            <a:r>
-              <a:rPr lang="en-US" sz="1200" b="0" i="0" kern="1200" dirty="0">
-                <a:solidFill>
-                  <a:schemeClr val="tx1"/>
-                </a:solidFill>
-                <a:effectLst/>
-                <a:latin typeface="+mn-lt"/>
-                <a:ea typeface="+mn-ea"/>
-                <a:cs typeface="+mn-cs"/>
-              </a:rPr>
-              <a:t>!</a:t>
             </a:r>
             <a:endParaRPr lang="lt-LT" dirty="0"/>
           </a:p>
@@ -5430,7 +3458,7 @@
           <a:lstStyle/>
           <a:p>
             <a:r>
-              <a:rPr lang="en-US" sz="1200" b="1" i="0" u="none" strike="noStrike" kern="1200" dirty="0" err="1">
+              <a:rPr lang="en-US" sz="1200" b="1" i="0" u="none" strike="noStrike" kern="1200" dirty="0">
                 <a:solidFill>
                   <a:schemeClr val="tx1"/>
                 </a:solidFill>
@@ -5439,10 +3467,10 @@
                 <a:ea typeface="+mn-ea"/>
                 <a:cs typeface="+mn-cs"/>
               </a:rPr>
-              <a:t>Sumazina</a:t>
-            </a:r>
-            <a:r>
-              <a:rPr lang="en-US" sz="1200" b="1" i="0" u="none" strike="noStrike" kern="1200" dirty="0">
+              <a:t>Reduces Bug Count:</a:t>
+            </a:r>
+            <a:r>
+              <a:rPr lang="en-US" sz="1200" b="0" i="0" u="none" strike="noStrike" kern="1200" dirty="0">
                 <a:solidFill>
                   <a:schemeClr val="tx1"/>
                 </a:solidFill>
@@ -5451,10 +3479,10 @@
                 <a:ea typeface="+mn-ea"/>
                 <a:cs typeface="+mn-cs"/>
               </a:rPr>
-              <a:t> </a:t>
-            </a:r>
-            <a:r>
-              <a:rPr lang="en-US" sz="1200" b="1" i="0" u="none" strike="noStrike" kern="1200" dirty="0" err="1">
+              <a:t> </a:t>
+            </a:r>
+            <a:r>
+              <a:rPr lang="en-US" sz="1200" b="0" i="0" u="none" strike="noStrike" kern="1200" dirty="0" err="1">
                 <a:solidFill>
                   <a:schemeClr val="tx1"/>
                 </a:solidFill>
@@ -5463,10 +3491,10 @@
                 <a:ea typeface="+mn-ea"/>
                 <a:cs typeface="+mn-cs"/>
               </a:rPr>
-              <a:t>bugu</a:t>
-            </a:r>
-            <a:r>
-              <a:rPr lang="en-US" sz="1200" b="1" i="0" u="none" strike="noStrike" kern="1200" dirty="0">
+              <a:t>sumazina</a:t>
+            </a:r>
+            <a:r>
+              <a:rPr lang="en-US" sz="1200" b="0" i="0" u="none" strike="noStrike" kern="1200" dirty="0">
                 <a:solidFill>
                   <a:schemeClr val="tx1"/>
                 </a:solidFill>
@@ -5478,7 +3506,7 @@
               <a:t> </a:t>
             </a:r>
             <a:r>
-              <a:rPr lang="en-US" sz="1200" b="1" i="0" u="none" strike="noStrike" kern="1200" dirty="0" err="1">
+              <a:rPr lang="en-US" sz="1200" b="0" i="0" u="none" strike="noStrike" kern="1200" dirty="0" err="1">
                 <a:solidFill>
                   <a:schemeClr val="tx1"/>
                 </a:solidFill>
@@ -5487,10 +3515,10 @@
                 <a:ea typeface="+mn-ea"/>
                 <a:cs typeface="+mn-cs"/>
               </a:rPr>
-              <a:t>kieki</a:t>
-            </a:r>
-            <a:r>
-              <a:rPr lang="en-US" sz="1200" b="1" i="0" u="none" strike="noStrike" kern="1200" dirty="0">
+              <a:t>bugu</a:t>
+            </a:r>
+            <a:r>
+              <a:rPr lang="en-US" sz="1200" b="0" i="0" u="none" strike="noStrike" kern="1200" dirty="0">
                 <a:solidFill>
                   <a:schemeClr val="tx1"/>
                 </a:solidFill>
@@ -5499,10 +3527,10 @@
                 <a:ea typeface="+mn-ea"/>
                 <a:cs typeface="+mn-cs"/>
               </a:rPr>
-              <a:t>:</a:t>
-            </a:r>
-            <a:r>
-              <a:rPr lang="en-US" sz="1200" b="0" i="0" u="none" strike="noStrike" kern="1200" dirty="0">
+              <a:t> </a:t>
+            </a:r>
+            <a:r>
+              <a:rPr lang="en-US" sz="1200" b="0" i="0" u="none" strike="noStrike" kern="1200" dirty="0" err="1">
                 <a:solidFill>
                   <a:schemeClr val="tx1"/>
                 </a:solidFill>
@@ -5511,10 +3539,10 @@
                 <a:ea typeface="+mn-ea"/>
                 <a:cs typeface="+mn-cs"/>
               </a:rPr>
-              <a:t> </a:t>
-            </a:r>
-            <a:r>
-              <a:rPr lang="en-US" sz="1200" b="0" i="0" u="none" strike="noStrike" kern="1200" dirty="0" err="1">
+              <a:t>kieki</a:t>
+            </a:r>
+            <a:r>
+              <a:rPr lang="en-US" sz="1200" b="0" i="0" u="none" strike="noStrike" kern="1200" dirty="0">
                 <a:solidFill>
                   <a:schemeClr val="tx1"/>
                 </a:solidFill>
@@ -5523,10 +3551,10 @@
                 <a:ea typeface="+mn-ea"/>
                 <a:cs typeface="+mn-cs"/>
               </a:rPr>
-              <a:t>pastoviai</a:t>
-            </a:r>
-            <a:r>
-              <a:rPr lang="en-US" sz="1200" b="0" i="0" u="none" strike="noStrike" kern="1200" dirty="0">
+              <a:t>, </a:t>
+            </a:r>
+            <a:r>
+              <a:rPr lang="en-US" sz="1200" b="0" i="0" u="none" strike="noStrike" kern="1200" dirty="0" err="1">
                 <a:solidFill>
                   <a:schemeClr val="tx1"/>
                 </a:solidFill>
@@ -5535,10 +3563,10 @@
                 <a:ea typeface="+mn-ea"/>
                 <a:cs typeface="+mn-cs"/>
               </a:rPr>
-              <a:t> </a:t>
-            </a:r>
-            <a:r>
-              <a:rPr lang="en-US" sz="1200" b="0" i="0" u="none" strike="noStrike" kern="1200" dirty="0" err="1">
+              <a:t>nes</a:t>
+            </a:r>
+            <a:r>
+              <a:rPr lang="en-US" sz="1200" b="0" i="0" u="none" strike="noStrike" kern="1200" dirty="0">
                 <a:solidFill>
                   <a:schemeClr val="tx1"/>
                 </a:solidFill>
@@ -5547,10 +3575,10 @@
                 <a:ea typeface="+mn-ea"/>
                 <a:cs typeface="+mn-cs"/>
               </a:rPr>
-              <a:t>sukami</a:t>
-            </a:r>
-            <a:r>
-              <a:rPr lang="en-US" sz="1200" b="0" i="0" u="none" strike="noStrike" kern="1200" dirty="0">
+              <a:t> </a:t>
+            </a:r>
+            <a:r>
+              <a:rPr lang="en-US" sz="1200" b="0" i="0" u="none" strike="noStrike" kern="1200" dirty="0" err="1">
                 <a:solidFill>
                   <a:schemeClr val="tx1"/>
                 </a:solidFill>
@@ -5559,10 +3587,10 @@
                 <a:ea typeface="+mn-ea"/>
                 <a:cs typeface="+mn-cs"/>
               </a:rPr>
-              <a:t> </a:t>
-            </a:r>
-            <a:r>
-              <a:rPr lang="en-US" sz="1200" b="0" i="0" u="none" strike="noStrike" kern="1200" dirty="0" err="1">
+              <a:t>verifikuoja</a:t>
+            </a:r>
+            <a:r>
+              <a:rPr lang="en-US" sz="1200" b="0" i="0" u="none" strike="noStrike" kern="1200" dirty="0">
                 <a:solidFill>
                   <a:schemeClr val="tx1"/>
                 </a:solidFill>
@@ -5571,10 +3599,10 @@
                 <a:ea typeface="+mn-ea"/>
                 <a:cs typeface="+mn-cs"/>
               </a:rPr>
-              <a:t>testai</a:t>
-            </a:r>
-            <a:r>
-              <a:rPr lang="en-US" sz="1200" b="0" i="0" u="none" strike="noStrike" kern="1200" dirty="0">
+              <a:t> </a:t>
+            </a:r>
+            <a:r>
+              <a:rPr lang="en-US" sz="1200" b="0" i="0" u="none" strike="noStrike" kern="1200" dirty="0" err="1">
                 <a:solidFill>
                   <a:schemeClr val="tx1"/>
                 </a:solidFill>
@@ -5583,10 +3611,10 @@
                 <a:ea typeface="+mn-ea"/>
                 <a:cs typeface="+mn-cs"/>
               </a:rPr>
-              <a:t>, </a:t>
-            </a:r>
-            <a:r>
-              <a:rPr lang="en-US" sz="1200" b="0" i="0" u="none" strike="noStrike" kern="1200" dirty="0" err="1">
+              <a:t>visada</a:t>
+            </a:r>
+            <a:r>
+              <a:rPr lang="en-US" sz="1200" b="0" i="0" u="none" strike="noStrike" kern="1200" dirty="0">
                 <a:solidFill>
                   <a:schemeClr val="tx1"/>
                 </a:solidFill>
@@ -5595,10 +3623,10 @@
                 <a:ea typeface="+mn-ea"/>
                 <a:cs typeface="+mn-cs"/>
               </a:rPr>
-              <a:t>neleist</a:t>
-            </a:r>
-            <a:r>
-              <a:rPr lang="en-US" sz="1200" b="0" i="0" u="none" strike="noStrike" kern="1200" dirty="0">
+              <a:t> </a:t>
+            </a:r>
+            <a:r>
+              <a:rPr lang="en-US" sz="1200" b="0" i="0" u="none" strike="noStrike" kern="1200" dirty="0" err="1">
                 <a:solidFill>
                   <a:schemeClr val="tx1"/>
                 </a:solidFill>
@@ -5607,10 +3635,10 @@
                 <a:ea typeface="+mn-ea"/>
                 <a:cs typeface="+mn-cs"/>
               </a:rPr>
-              <a:t> </a:t>
-            </a:r>
-            <a:r>
-              <a:rPr lang="en-US" sz="1200" b="0" i="0" u="none" strike="noStrike" kern="1200" dirty="0" err="1">
+              <a:t>tiksliai</a:t>
+            </a:r>
+            <a:r>
+              <a:rPr lang="en-US" sz="1200" b="0" i="0" u="none" strike="noStrike" kern="1200" dirty="0">
                 <a:solidFill>
                   <a:schemeClr val="tx1"/>
                 </a:solidFill>
@@ -5619,10 +3647,10 @@
                 <a:ea typeface="+mn-ea"/>
                 <a:cs typeface="+mn-cs"/>
               </a:rPr>
-              <a:t>merginti</a:t>
-            </a:r>
-            <a:r>
-              <a:rPr lang="en-US" sz="1200" b="0" i="0" u="none" strike="noStrike" kern="1200" dirty="0">
+              <a:t> </a:t>
+            </a:r>
+            <a:r>
+              <a:rPr lang="en-US" sz="1200" b="0" i="0" u="none" strike="noStrike" kern="1200" dirty="0" err="1">
                 <a:solidFill>
                   <a:schemeClr val="tx1"/>
                 </a:solidFill>
@@ -5631,43 +3659,7 @@
                 <a:ea typeface="+mn-ea"/>
                 <a:cs typeface="+mn-cs"/>
               </a:rPr>
-              <a:t> </a:t>
-            </a:r>
-            <a:r>
-              <a:rPr lang="en-US" sz="1200" b="0" i="0" u="none" strike="noStrike" kern="1200" dirty="0" err="1">
-                <a:solidFill>
-                  <a:schemeClr val="tx1"/>
-                </a:solidFill>
-                <a:effectLst/>
-                <a:latin typeface="+mn-lt"/>
-                <a:ea typeface="+mn-ea"/>
-                <a:cs typeface="+mn-cs"/>
-              </a:rPr>
-              <a:t>failinancio</a:t>
-            </a:r>
-            <a:r>
-              <a:rPr lang="en-US" sz="1200" b="0" i="0" u="none" strike="noStrike" kern="1200" dirty="0">
-                <a:solidFill>
-                  <a:schemeClr val="tx1"/>
-                </a:solidFill>
-                <a:effectLst/>
-                <a:latin typeface="+mn-lt"/>
-                <a:ea typeface="+mn-ea"/>
-                <a:cs typeface="+mn-cs"/>
-              </a:rPr>
-              <a:t> </a:t>
-            </a:r>
-            <a:r>
-              <a:rPr lang="en-US" sz="1200" b="0" i="0" u="none" strike="noStrike" kern="1200" dirty="0" err="1">
-                <a:solidFill>
-                  <a:schemeClr val="tx1"/>
-                </a:solidFill>
-                <a:effectLst/>
-                <a:latin typeface="+mn-lt"/>
-                <a:ea typeface="+mn-ea"/>
-                <a:cs typeface="+mn-cs"/>
-              </a:rPr>
-              <a:t>kodo</a:t>
+              <a:t>automatika</a:t>
             </a:r>
             <a:endParaRPr lang="en-US" sz="1200" b="0" i="0" u="none" strike="noStrike" kern="1200" dirty="0">
               <a:solidFill>
@@ -5681,7 +3673,7 @@
           </a:p>
           <a:p>
             <a:r>
-              <a:rPr lang="en-US" sz="1200" b="1" i="0" u="none" strike="noStrike" kern="1200" dirty="0" err="1">
+              <a:rPr lang="en-US" sz="1200" b="1" i="0" u="none" strike="noStrike" kern="1200" dirty="0">
                 <a:solidFill>
                   <a:schemeClr val="tx1"/>
                 </a:solidFill>
@@ -5690,10 +3682,10 @@
                 <a:ea typeface="+mn-ea"/>
                 <a:cs typeface="+mn-cs"/>
               </a:rPr>
-              <a:t>Automatiniai</a:t>
-            </a:r>
-            <a:r>
-              <a:rPr lang="en-US" sz="1200" b="1" i="0" u="none" strike="noStrike" kern="1200" dirty="0">
+              <a:t>Automating the Process</a:t>
+            </a:r>
+            <a:r>
+              <a:rPr lang="en-US" sz="1200" b="0" i="0" u="none" strike="noStrike" kern="1200" dirty="0">
                 <a:solidFill>
                   <a:schemeClr val="tx1"/>
                 </a:solidFill>
@@ -5702,10 +3694,10 @@
                 <a:ea typeface="+mn-ea"/>
                 <a:cs typeface="+mn-cs"/>
               </a:rPr>
-              <a:t> </a:t>
-            </a:r>
-            <a:r>
-              <a:rPr lang="en-US" sz="1200" b="1" i="0" u="none" strike="noStrike" kern="1200" dirty="0" err="1">
+              <a:t>: </a:t>
+            </a:r>
+            <a:r>
+              <a:rPr lang="en-US" sz="1200" b="0" i="0" u="none" strike="noStrike" kern="1200" dirty="0" err="1">
                 <a:solidFill>
                   <a:schemeClr val="tx1"/>
                 </a:solidFill>
@@ -5714,7 +3706,7 @@
                 <a:ea typeface="+mn-ea"/>
                 <a:cs typeface="+mn-cs"/>
               </a:rPr>
-              <a:t>procesai</a:t>
+              <a:t>sumazina</a:t>
             </a:r>
             <a:r>
               <a:rPr lang="en-US" sz="1200" b="0" i="0" u="none" strike="noStrike" kern="1200" dirty="0">
@@ -5726,7 +3718,7 @@
                 <a:ea typeface="+mn-ea"/>
                 <a:cs typeface="+mn-cs"/>
               </a:rPr>
-              <a:t>: </a:t>
+              <a:t> </a:t>
             </a:r>
             <a:r>
               <a:rPr lang="en-US" sz="1200" b="0" i="0" u="none" strike="noStrike" kern="1200" dirty="0" err="1">
@@ -5738,7 +3730,7 @@
                 <a:ea typeface="+mn-ea"/>
                 <a:cs typeface="+mn-cs"/>
               </a:rPr>
-              <a:t>sumazeja</a:t>
+              <a:t>zmogaus</a:t>
             </a:r>
             <a:r>
               <a:rPr lang="en-US" sz="1200" b="0" i="0" u="none" strike="noStrike" kern="1200" dirty="0">
@@ -5750,7 +3742,7 @@
                 <a:ea typeface="+mn-ea"/>
                 <a:cs typeface="+mn-cs"/>
               </a:rPr>
-              <a:t> manual </a:t>
+              <a:t> </a:t>
             </a:r>
             <a:r>
               <a:rPr lang="en-US" sz="1200" b="0" i="0" u="none" strike="noStrike" kern="1200" dirty="0" err="1">
@@ -5762,7 +3754,7 @@
                 <a:ea typeface="+mn-ea"/>
                 <a:cs typeface="+mn-cs"/>
               </a:rPr>
-              <a:t>darbas</a:t>
+              <a:t>reikalinga</a:t>
             </a:r>
             <a:r>
               <a:rPr lang="en-US" sz="1200" b="0" i="0" u="none" strike="noStrike" kern="1200" dirty="0">
@@ -5774,7 +3766,7 @@
                 <a:ea typeface="+mn-ea"/>
                 <a:cs typeface="+mn-cs"/>
               </a:rPr>
-              <a:t>, </a:t>
+              <a:t> </a:t>
             </a:r>
             <a:r>
               <a:rPr lang="en-US" sz="1200" b="0" i="0" u="none" strike="noStrike" kern="1200" dirty="0" err="1">
@@ -5786,7 +3778,7 @@
                 <a:ea typeface="+mn-ea"/>
                 <a:cs typeface="+mn-cs"/>
               </a:rPr>
-              <a:t>nes</a:t>
+              <a:t>darba</a:t>
             </a:r>
             <a:r>
               <a:rPr lang="en-US" sz="1200" b="0" i="0" u="none" strike="noStrike" kern="1200" dirty="0">
@@ -5810,7 +3802,7 @@
                 <a:ea typeface="+mn-ea"/>
                 <a:cs typeface="+mn-cs"/>
               </a:rPr>
-              <a:t>paspaudi</a:t>
+              <a:t>palaikyti</a:t>
             </a:r>
             <a:r>
               <a:rPr lang="en-US" sz="1200" b="0" i="0" u="none" strike="noStrike" kern="1200" dirty="0">
@@ -5834,175 +3826,7 @@
                 <a:ea typeface="+mn-ea"/>
                 <a:cs typeface="+mn-cs"/>
               </a:rPr>
-              <a:t>viena</a:t>
-            </a:r>
-            <a:r>
-              <a:rPr lang="en-US" sz="1200" b="0" i="0" u="none" strike="noStrike" kern="1200" dirty="0">
-                <a:solidFill>
-                  <a:schemeClr val="tx1"/>
-                </a:solidFill>
-                <a:effectLst/>
-                <a:latin typeface="+mn-lt"/>
-                <a:ea typeface="+mn-ea"/>
-                <a:cs typeface="+mn-cs"/>
-              </a:rPr>
-              <a:t> </a:t>
-            </a:r>
-            <a:r>
-              <a:rPr lang="en-US" sz="1200" b="0" i="0" u="none" strike="noStrike" kern="1200" dirty="0" err="1">
-                <a:solidFill>
-                  <a:schemeClr val="tx1"/>
-                </a:solidFill>
-                <a:effectLst/>
-                <a:latin typeface="+mn-lt"/>
-                <a:ea typeface="+mn-ea"/>
-                <a:cs typeface="+mn-cs"/>
-              </a:rPr>
-              <a:t>mygtuka</a:t>
-            </a:r>
-            <a:r>
-              <a:rPr lang="en-US" sz="1200" b="0" i="0" u="none" strike="noStrike" kern="1200" dirty="0">
-                <a:solidFill>
-                  <a:schemeClr val="tx1"/>
-                </a:solidFill>
-                <a:effectLst/>
-                <a:latin typeface="+mn-lt"/>
-                <a:ea typeface="+mn-ea"/>
-                <a:cs typeface="+mn-cs"/>
-              </a:rPr>
-              <a:t> </a:t>
-            </a:r>
-            <a:r>
-              <a:rPr lang="en-US" sz="1200" b="0" i="0" u="none" strike="noStrike" kern="1200" dirty="0" err="1">
-                <a:solidFill>
-                  <a:schemeClr val="tx1"/>
-                </a:solidFill>
-                <a:effectLst/>
-                <a:latin typeface="+mn-lt"/>
-                <a:ea typeface="+mn-ea"/>
-                <a:cs typeface="+mn-cs"/>
-              </a:rPr>
-              <a:t>ir</a:t>
-            </a:r>
-            <a:r>
-              <a:rPr lang="en-US" sz="1200" b="0" i="0" u="none" strike="noStrike" kern="1200" dirty="0">
-                <a:solidFill>
-                  <a:schemeClr val="tx1"/>
-                </a:solidFill>
-                <a:effectLst/>
-                <a:latin typeface="+mn-lt"/>
-                <a:ea typeface="+mn-ea"/>
-                <a:cs typeface="+mn-cs"/>
-              </a:rPr>
-              <a:t> </a:t>
-            </a:r>
-            <a:r>
-              <a:rPr lang="en-US" sz="1200" b="0" i="0" u="none" strike="noStrike" kern="1200" dirty="0" err="1">
-                <a:solidFill>
-                  <a:schemeClr val="tx1"/>
-                </a:solidFill>
-                <a:effectLst/>
-                <a:latin typeface="+mn-lt"/>
-                <a:ea typeface="+mn-ea"/>
-                <a:cs typeface="+mn-cs"/>
-              </a:rPr>
-              <a:t>lauki</a:t>
-            </a:r>
-            <a:r>
-              <a:rPr lang="en-US" sz="1200" b="0" i="0" u="none" strike="noStrike" kern="1200" dirty="0">
-                <a:solidFill>
-                  <a:schemeClr val="tx1"/>
-                </a:solidFill>
-                <a:effectLst/>
-                <a:latin typeface="+mn-lt"/>
-                <a:ea typeface="+mn-ea"/>
-                <a:cs typeface="+mn-cs"/>
-              </a:rPr>
-              <a:t> </a:t>
-            </a:r>
-            <a:r>
-              <a:rPr lang="en-US" sz="1200" b="0" i="0" u="none" strike="noStrike" kern="1200" dirty="0" err="1">
-                <a:solidFill>
-                  <a:schemeClr val="tx1"/>
-                </a:solidFill>
-                <a:effectLst/>
-                <a:latin typeface="+mn-lt"/>
-                <a:ea typeface="+mn-ea"/>
-                <a:cs typeface="+mn-cs"/>
-              </a:rPr>
-              <a:t>kol</a:t>
-            </a:r>
-            <a:r>
-              <a:rPr lang="en-US" sz="1200" b="0" i="0" u="none" strike="noStrike" kern="1200" dirty="0">
-                <a:solidFill>
-                  <a:schemeClr val="tx1"/>
-                </a:solidFill>
-                <a:effectLst/>
-                <a:latin typeface="+mn-lt"/>
-                <a:ea typeface="+mn-ea"/>
-                <a:cs typeface="+mn-cs"/>
-              </a:rPr>
-              <a:t> </a:t>
-            </a:r>
-            <a:r>
-              <a:rPr lang="en-US" sz="1200" b="0" i="0" u="none" strike="noStrike" kern="1200" dirty="0" err="1">
-                <a:solidFill>
-                  <a:schemeClr val="tx1"/>
-                </a:solidFill>
-                <a:effectLst/>
-                <a:latin typeface="+mn-lt"/>
-                <a:ea typeface="+mn-ea"/>
-                <a:cs typeface="+mn-cs"/>
-              </a:rPr>
-              <a:t>prasisuks</a:t>
-            </a:r>
-            <a:r>
-              <a:rPr lang="en-US" sz="1200" b="0" i="0" u="none" strike="noStrike" kern="1200" dirty="0">
-                <a:solidFill>
-                  <a:schemeClr val="tx1"/>
-                </a:solidFill>
-                <a:effectLst/>
-                <a:latin typeface="+mn-lt"/>
-                <a:ea typeface="+mn-ea"/>
-                <a:cs typeface="+mn-cs"/>
-              </a:rPr>
-              <a:t> </a:t>
-            </a:r>
-            <a:r>
-              <a:rPr lang="en-US" sz="1200" b="0" i="0" u="none" strike="noStrike" kern="1200" dirty="0" err="1">
-                <a:solidFill>
-                  <a:schemeClr val="tx1"/>
-                </a:solidFill>
-                <a:effectLst/>
-                <a:latin typeface="+mn-lt"/>
-                <a:ea typeface="+mn-ea"/>
-                <a:cs typeface="+mn-cs"/>
-              </a:rPr>
-              <a:t>visi</a:t>
-            </a:r>
-            <a:r>
-              <a:rPr lang="en-US" sz="1200" b="0" i="0" u="none" strike="noStrike" kern="1200" dirty="0">
-                <a:solidFill>
-                  <a:schemeClr val="tx1"/>
-                </a:solidFill>
-                <a:effectLst/>
-                <a:latin typeface="+mn-lt"/>
-                <a:ea typeface="+mn-ea"/>
-                <a:cs typeface="+mn-cs"/>
-              </a:rPr>
-              <a:t> </a:t>
-            </a:r>
-            <a:r>
-              <a:rPr lang="en-US" sz="1200" b="0" i="0" u="none" strike="noStrike" kern="1200" dirty="0" err="1">
-                <a:solidFill>
-                  <a:schemeClr val="tx1"/>
-                </a:solidFill>
-                <a:effectLst/>
-                <a:latin typeface="+mn-lt"/>
-                <a:ea typeface="+mn-ea"/>
-                <a:cs typeface="+mn-cs"/>
-              </a:rPr>
-              <a:t>darbai</a:t>
+              <a:t>kokybei</a:t>
             </a:r>
             <a:endParaRPr lang="en-US" sz="1200" b="0" i="0" u="none" strike="noStrike" kern="1200" dirty="0">
               <a:solidFill>
@@ -6016,7 +3840,7 @@
           </a:p>
           <a:p>
             <a:r>
-              <a:rPr lang="en-US" sz="1200" b="1" i="0" u="none" strike="noStrike" kern="1200" dirty="0" err="1">
+              <a:rPr lang="en-US" sz="1200" b="1" i="0" u="none" strike="noStrike" kern="1200" dirty="0">
                 <a:solidFill>
                   <a:schemeClr val="tx1"/>
                 </a:solidFill>
@@ -6025,10 +3849,10 @@
                 <a:ea typeface="+mn-ea"/>
                 <a:cs typeface="+mn-cs"/>
               </a:rPr>
-              <a:t>Aiskus</a:t>
-            </a:r>
-            <a:r>
-              <a:rPr lang="en-US" sz="1200" b="1" i="0" u="none" strike="noStrike" kern="1200" dirty="0">
+              <a:t>The Process Becomes Transparent</a:t>
+            </a:r>
+            <a:r>
+              <a:rPr lang="en-US" sz="1200" b="0" i="0" u="none" strike="noStrike" kern="1200" dirty="0">
                 <a:solidFill>
                   <a:schemeClr val="tx1"/>
                 </a:solidFill>
@@ -6037,10 +3861,10 @@
                 <a:ea typeface="+mn-ea"/>
                 <a:cs typeface="+mn-cs"/>
               </a:rPr>
-              <a:t> </a:t>
-            </a:r>
-            <a:r>
-              <a:rPr lang="en-US" sz="1200" b="1" i="0" u="none" strike="noStrike" kern="1200" dirty="0" err="1">
+              <a:t>: Visa </a:t>
+            </a:r>
+            <a:r>
+              <a:rPr lang="en-US" sz="1200" b="0" i="0" u="none" strike="noStrike" kern="1200" dirty="0" err="1">
                 <a:solidFill>
                   <a:schemeClr val="tx1"/>
                 </a:solidFill>
@@ -6049,7 +3873,7 @@
                 <a:ea typeface="+mn-ea"/>
                 <a:cs typeface="+mn-cs"/>
               </a:rPr>
-              <a:t>procesai</a:t>
+              <a:t>komanda</a:t>
             </a:r>
             <a:r>
               <a:rPr lang="en-US" sz="1200" b="0" i="0" u="none" strike="noStrike" kern="1200" dirty="0">
@@ -6061,7 +3885,7 @@
                 <a:ea typeface="+mn-ea"/>
                 <a:cs typeface="+mn-cs"/>
               </a:rPr>
-              <a:t>: </a:t>
+              <a:t> </a:t>
             </a:r>
             <a:r>
               <a:rPr lang="en-US" sz="1200" b="0" i="0" u="none" strike="noStrike" kern="1200" dirty="0" err="1">
@@ -6073,7 +3897,7 @@
                 <a:ea typeface="+mn-ea"/>
                 <a:cs typeface="+mn-cs"/>
               </a:rPr>
-              <a:t>aiskiai</a:t>
+              <a:t>gali</a:t>
             </a:r>
             <a:r>
               <a:rPr lang="en-US" sz="1200" b="0" i="0" u="none" strike="noStrike" kern="1200" dirty="0">
@@ -6097,7 +3921,7 @@
                 <a:ea typeface="+mn-ea"/>
                 <a:cs typeface="+mn-cs"/>
               </a:rPr>
-              <a:t>matomi</a:t>
+              <a:t>matyti</a:t>
             </a:r>
             <a:r>
               <a:rPr lang="en-US" sz="1200" b="0" i="0" u="none" strike="noStrike" kern="1200" dirty="0">
@@ -6121,7 +3945,7 @@
                 <a:ea typeface="+mn-ea"/>
                 <a:cs typeface="+mn-cs"/>
               </a:rPr>
-              <a:t>buildu</a:t>
+              <a:t>automatinisu</a:t>
             </a:r>
             <a:r>
               <a:rPr lang="en-US" sz="1200" b="0" i="0" u="none" strike="noStrike" kern="1200" dirty="0">
@@ -6145,7 +3969,7 @@
                 <a:ea typeface="+mn-ea"/>
                 <a:cs typeface="+mn-cs"/>
               </a:rPr>
-              <a:t>progresai</a:t>
+              <a:t>buildus</a:t>
             </a:r>
             <a:r>
               <a:rPr lang="en-US" sz="1200" b="0" i="0" u="none" strike="noStrike" kern="1200" dirty="0">
@@ -6169,7 +3993,7 @@
                 <a:ea typeface="+mn-ea"/>
                 <a:cs typeface="+mn-cs"/>
               </a:rPr>
-              <a:t>ar</a:t>
+              <a:t>ir</a:t>
             </a:r>
             <a:r>
               <a:rPr lang="en-US" sz="1200" b="0" i="0" u="none" strike="noStrike" kern="1200" dirty="0">
@@ -6193,7 +4017,7 @@
                 <a:ea typeface="+mn-ea"/>
                 <a:cs typeface="+mn-cs"/>
               </a:rPr>
-              <a:t>failinimo</a:t>
+              <a:t>zinoti</a:t>
             </a:r>
             <a:r>
               <a:rPr lang="en-US" sz="1200" b="0" i="0" u="none" strike="noStrike" kern="1200" dirty="0">
@@ -6217,7 +4041,127 @@
                 <a:ea typeface="+mn-ea"/>
                 <a:cs typeface="+mn-cs"/>
               </a:rPr>
-              <a:t>priezastys</a:t>
+              <a:t>ar</a:t>
+            </a:r>
+            <a:r>
+              <a:rPr lang="en-US" sz="1200" b="0" i="0" u="none" strike="noStrike" kern="1200" dirty="0">
+                <a:solidFill>
+                  <a:schemeClr val="tx1"/>
+                </a:solidFill>
+                <a:effectLst/>
+                <a:latin typeface="+mn-lt"/>
+                <a:ea typeface="+mn-ea"/>
+                <a:cs typeface="+mn-cs"/>
+              </a:rPr>
+              <a:t> </a:t>
+            </a:r>
+            <a:r>
+              <a:rPr lang="en-US" sz="1200" b="0" i="0" u="none" strike="noStrike" kern="1200" dirty="0" err="1">
+                <a:solidFill>
+                  <a:schemeClr val="tx1"/>
+                </a:solidFill>
+                <a:effectLst/>
+                <a:latin typeface="+mn-lt"/>
+                <a:ea typeface="+mn-ea"/>
+                <a:cs typeface="+mn-cs"/>
+              </a:rPr>
+              <a:t>ie</a:t>
+            </a:r>
+            <a:r>
+              <a:rPr lang="en-US" sz="1200" b="0" i="0" u="none" strike="noStrike" kern="1200" dirty="0">
+                <a:solidFill>
+                  <a:schemeClr val="tx1"/>
+                </a:solidFill>
+                <a:effectLst/>
+                <a:latin typeface="+mn-lt"/>
+                <a:ea typeface="+mn-ea"/>
+                <a:cs typeface="+mn-cs"/>
+              </a:rPr>
+              <a:t> </a:t>
+            </a:r>
+            <a:r>
+              <a:rPr lang="en-US" sz="1200" b="0" i="0" u="none" strike="noStrike" kern="1200" dirty="0" err="1">
+                <a:solidFill>
+                  <a:schemeClr val="tx1"/>
+                </a:solidFill>
+                <a:effectLst/>
+                <a:latin typeface="+mn-lt"/>
+                <a:ea typeface="+mn-ea"/>
+                <a:cs typeface="+mn-cs"/>
+              </a:rPr>
+              <a:t>failina</a:t>
+            </a:r>
+            <a:r>
+              <a:rPr lang="en-US" sz="1200" b="0" i="0" u="none" strike="noStrike" kern="1200" dirty="0">
+                <a:solidFill>
+                  <a:schemeClr val="tx1"/>
+                </a:solidFill>
+                <a:effectLst/>
+                <a:latin typeface="+mn-lt"/>
+                <a:ea typeface="+mn-ea"/>
+                <a:cs typeface="+mn-cs"/>
+              </a:rPr>
+              <a:t> </a:t>
+            </a:r>
+            <a:r>
+              <a:rPr lang="en-US" sz="1200" b="0" i="0" u="none" strike="noStrike" kern="1200" dirty="0" err="1">
+                <a:solidFill>
+                  <a:schemeClr val="tx1"/>
+                </a:solidFill>
+                <a:effectLst/>
+                <a:latin typeface="+mn-lt"/>
+                <a:ea typeface="+mn-ea"/>
+                <a:cs typeface="+mn-cs"/>
+              </a:rPr>
+              <a:t>ar</a:t>
+            </a:r>
+            <a:r>
+              <a:rPr lang="en-US" sz="1200" b="0" i="0" u="none" strike="noStrike" kern="1200" dirty="0">
+                <a:solidFill>
+                  <a:schemeClr val="tx1"/>
+                </a:solidFill>
+                <a:effectLst/>
+                <a:latin typeface="+mn-lt"/>
+                <a:ea typeface="+mn-ea"/>
+                <a:cs typeface="+mn-cs"/>
+              </a:rPr>
+              <a:t> ne, </a:t>
+            </a:r>
+            <a:r>
+              <a:rPr lang="en-US" sz="1200" b="0" i="0" u="none" strike="noStrike" kern="1200" dirty="0" err="1">
+                <a:solidFill>
+                  <a:schemeClr val="tx1"/>
+                </a:solidFill>
+                <a:effectLst/>
+                <a:latin typeface="+mn-lt"/>
+                <a:ea typeface="+mn-ea"/>
+                <a:cs typeface="+mn-cs"/>
+              </a:rPr>
+              <a:t>ir</a:t>
+            </a:r>
+            <a:r>
+              <a:rPr lang="en-US" sz="1200" b="0" i="0" u="none" strike="noStrike" kern="1200" dirty="0">
+                <a:solidFill>
+                  <a:schemeClr val="tx1"/>
+                </a:solidFill>
+                <a:effectLst/>
+                <a:latin typeface="+mn-lt"/>
+                <a:ea typeface="+mn-ea"/>
+                <a:cs typeface="+mn-cs"/>
+              </a:rPr>
+              <a:t> </a:t>
+            </a:r>
+            <a:r>
+              <a:rPr lang="en-US" sz="1200" b="0" i="0" u="none" strike="noStrike" kern="1200" dirty="0" err="1">
+                <a:solidFill>
+                  <a:schemeClr val="tx1"/>
+                </a:solidFill>
+                <a:effectLst/>
+                <a:latin typeface="+mn-lt"/>
+                <a:ea typeface="+mn-ea"/>
+                <a:cs typeface="+mn-cs"/>
+              </a:rPr>
+              <a:t>kodel</a:t>
             </a:r>
             <a:endParaRPr lang="en-US" sz="1200" b="0" i="0" u="none" strike="noStrike" kern="1200" dirty="0">
               <a:solidFill>
@@ -6230,19 +4174,8 @@
             </a:endParaRPr>
           </a:p>
           <a:p>
-            <a:endParaRPr lang="en-US" sz="1200" b="0" i="0" u="none" strike="noStrike" kern="1200" dirty="0">
-              <a:solidFill>
-                <a:schemeClr val="tx1"/>
-              </a:solidFill>
-              <a:effectLst/>
-              <a:latin typeface="+mn-lt"/>
-              <a:ea typeface="+mn-ea"/>
-              <a:cs typeface="+mn-cs"/>
-            </a:endParaRPr>
-          </a:p>
-          <a:p>
-            <a:r>
-              <a:rPr lang="en-US" sz="1200" b="1" i="0" u="none" strike="noStrike" kern="1200" dirty="0" err="1">
+            <a:r>
+              <a:rPr lang="en-US" sz="1200" b="1" i="0" u="none" strike="noStrike" kern="1200" dirty="0">
                 <a:solidFill>
                   <a:schemeClr val="tx1"/>
                 </a:solidFill>
@@ -6251,10 +4184,10 @@
                 <a:ea typeface="+mn-ea"/>
                 <a:cs typeface="+mn-cs"/>
               </a:rPr>
-              <a:t>Efektyvus</a:t>
-            </a:r>
-            <a:r>
-              <a:rPr lang="en-US" sz="1200" b="1" i="0" u="none" strike="noStrike" kern="1200" dirty="0">
+              <a:t>Cost-Effective Process</a:t>
+            </a:r>
+            <a:r>
+              <a:rPr lang="en-US" sz="1200" b="0" i="0" u="none" strike="noStrike" kern="1200" dirty="0">
                 <a:solidFill>
                   <a:schemeClr val="tx1"/>
                 </a:solidFill>
@@ -6263,10 +4196,10 @@
                 <a:ea typeface="+mn-ea"/>
                 <a:cs typeface="+mn-cs"/>
               </a:rPr>
-              <a:t> </a:t>
-            </a:r>
-            <a:r>
-              <a:rPr lang="en-US" sz="1200" b="1" i="0" u="none" strike="noStrike" kern="1200" dirty="0" err="1">
+              <a:t>: Del </a:t>
+            </a:r>
+            <a:r>
+              <a:rPr lang="en-US" sz="1200" b="0" i="0" u="none" strike="noStrike" kern="1200" dirty="0" err="1">
                 <a:solidFill>
                   <a:schemeClr val="tx1"/>
                 </a:solidFill>
@@ -6275,7 +4208,7 @@
                 <a:ea typeface="+mn-ea"/>
                 <a:cs typeface="+mn-cs"/>
               </a:rPr>
-              <a:t>procesai</a:t>
+              <a:t>sumazejusiu</a:t>
             </a:r>
             <a:r>
               <a:rPr lang="en-US" sz="1200" b="0" i="0" u="none" strike="noStrike" kern="1200" dirty="0">
@@ -6287,7 +4220,7 @@
                 <a:ea typeface="+mn-ea"/>
                 <a:cs typeface="+mn-cs"/>
               </a:rPr>
-              <a:t>: </a:t>
+              <a:t> </a:t>
             </a:r>
             <a:r>
               <a:rPr lang="en-US" sz="1200" b="0" i="0" u="none" strike="noStrike" kern="1200" dirty="0" err="1">
@@ -6299,7 +4232,7 @@
                 <a:ea typeface="+mn-ea"/>
                 <a:cs typeface="+mn-cs"/>
               </a:rPr>
-              <a:t>visi</a:t>
+              <a:t>bugu</a:t>
             </a:r>
             <a:r>
               <a:rPr lang="en-US" sz="1200" b="0" i="0" u="none" strike="noStrike" kern="1200" dirty="0">
@@ -6311,7 +4244,7 @@
                 <a:ea typeface="+mn-ea"/>
                 <a:cs typeface="+mn-cs"/>
               </a:rPr>
-              <a:t> pries tai </a:t>
+              <a:t> </a:t>
             </a:r>
             <a:r>
               <a:rPr lang="en-US" sz="1200" b="0" i="0" u="none" strike="noStrike" kern="1200" dirty="0" err="1">
@@ -6323,7 +4256,7 @@
                 <a:ea typeface="+mn-ea"/>
                 <a:cs typeface="+mn-cs"/>
               </a:rPr>
-              <a:t>isvardinti</a:t>
+              <a:t>kiekio</a:t>
             </a:r>
             <a:r>
               <a:rPr lang="en-US" sz="1200" b="0" i="0" u="none" strike="noStrike" kern="1200" dirty="0">
@@ -6335,7 +4268,7 @@
                 <a:ea typeface="+mn-ea"/>
                 <a:cs typeface="+mn-cs"/>
               </a:rPr>
-              <a:t> </a:t>
+              <a:t>, </a:t>
             </a:r>
             <a:r>
               <a:rPr lang="en-US" sz="1200" b="0" i="0" u="none" strike="noStrike" kern="1200" dirty="0" err="1">
@@ -6347,7 +4280,7 @@
                 <a:ea typeface="+mn-ea"/>
                 <a:cs typeface="+mn-cs"/>
               </a:rPr>
-              <a:t>privaluymai</a:t>
+              <a:t>zmogaus</a:t>
             </a:r>
             <a:r>
               <a:rPr lang="en-US" sz="1200" b="0" i="0" u="none" strike="noStrike" kern="1200" dirty="0">
@@ -6371,7 +4304,7 @@
                 <a:ea typeface="+mn-ea"/>
                 <a:cs typeface="+mn-cs"/>
               </a:rPr>
-              <a:t>taupo</a:t>
+              <a:t>darbo</a:t>
             </a:r>
             <a:r>
               <a:rPr lang="en-US" sz="1200" b="0" i="0" u="none" strike="noStrike" kern="1200" dirty="0">
@@ -6395,7 +4328,7 @@
                 <a:ea typeface="+mn-ea"/>
                 <a:cs typeface="+mn-cs"/>
               </a:rPr>
-              <a:t>projekto</a:t>
+              <a:t>poreikio</a:t>
             </a:r>
             <a:r>
               <a:rPr lang="en-US" sz="1200" b="0" i="0" u="none" strike="noStrike" kern="1200" dirty="0">
@@ -6407,7 +4340,7 @@
                 <a:ea typeface="+mn-ea"/>
                 <a:cs typeface="+mn-cs"/>
               </a:rPr>
-              <a:t> </a:t>
+              <a:t>, </a:t>
             </a:r>
             <a:r>
               <a:rPr lang="en-US" sz="1200" b="0" i="0" u="none" strike="noStrike" kern="1200" dirty="0" err="1">
@@ -6419,7 +4352,127 @@
                 <a:ea typeface="+mn-ea"/>
                 <a:cs typeface="+mn-cs"/>
               </a:rPr>
+              <a:t>ir</a:t>
+            </a:r>
+            <a:r>
+              <a:rPr lang="en-US" sz="1200" b="0" i="0" u="none" strike="noStrike" kern="1200" dirty="0">
+                <a:solidFill>
+                  <a:schemeClr val="tx1"/>
+                </a:solidFill>
+                <a:effectLst/>
+                <a:latin typeface="+mn-lt"/>
+                <a:ea typeface="+mn-ea"/>
+                <a:cs typeface="+mn-cs"/>
+              </a:rPr>
+              <a:t> </a:t>
+            </a:r>
+            <a:r>
+              <a:rPr lang="en-US" sz="1200" b="0" i="0" u="none" strike="noStrike" kern="1200" dirty="0" err="1">
+                <a:solidFill>
+                  <a:schemeClr val="tx1"/>
+                </a:solidFill>
+                <a:effectLst/>
+                <a:latin typeface="+mn-lt"/>
+                <a:ea typeface="+mn-ea"/>
+                <a:cs typeface="+mn-cs"/>
+              </a:rPr>
+              <a:t>sistemos</a:t>
+            </a:r>
+            <a:r>
+              <a:rPr lang="en-US" sz="1200" b="0" i="0" u="none" strike="noStrike" kern="1200" dirty="0">
+                <a:solidFill>
+                  <a:schemeClr val="tx1"/>
+                </a:solidFill>
+                <a:effectLst/>
+                <a:latin typeface="+mn-lt"/>
+                <a:ea typeface="+mn-ea"/>
+                <a:cs typeface="+mn-cs"/>
+              </a:rPr>
+              <a:t> </a:t>
+            </a:r>
+            <a:r>
+              <a:rPr lang="en-US" sz="1200" b="0" i="0" u="none" strike="noStrike" kern="1200" dirty="0" err="1">
+                <a:solidFill>
+                  <a:schemeClr val="tx1"/>
+                </a:solidFill>
+                <a:effectLst/>
+                <a:latin typeface="+mn-lt"/>
+                <a:ea typeface="+mn-ea"/>
+                <a:cs typeface="+mn-cs"/>
+              </a:rPr>
+              <a:t>aiskumo</a:t>
+            </a:r>
+            <a:r>
+              <a:rPr lang="en-US" sz="1200" b="0" i="0" u="none" strike="noStrike" kern="1200" dirty="0">
+                <a:solidFill>
+                  <a:schemeClr val="tx1"/>
+                </a:solidFill>
+                <a:effectLst/>
+                <a:latin typeface="+mn-lt"/>
+                <a:ea typeface="+mn-ea"/>
+                <a:cs typeface="+mn-cs"/>
+              </a:rPr>
+              <a:t>, tai </a:t>
+            </a:r>
+            <a:r>
+              <a:rPr lang="en-US" sz="1200" b="0" i="0" u="none" strike="noStrike" kern="1200" dirty="0" err="1">
+                <a:solidFill>
+                  <a:schemeClr val="tx1"/>
+                </a:solidFill>
+                <a:effectLst/>
+                <a:latin typeface="+mn-lt"/>
+                <a:ea typeface="+mn-ea"/>
+                <a:cs typeface="+mn-cs"/>
+              </a:rPr>
+              <a:t>sutaupo</a:t>
+            </a:r>
+            <a:r>
+              <a:rPr lang="en-US" sz="1200" b="0" i="0" u="none" strike="noStrike" kern="1200" dirty="0">
+                <a:solidFill>
+                  <a:schemeClr val="tx1"/>
+                </a:solidFill>
+                <a:effectLst/>
+                <a:latin typeface="+mn-lt"/>
+                <a:ea typeface="+mn-ea"/>
+                <a:cs typeface="+mn-cs"/>
+              </a:rPr>
+              <a:t> </a:t>
+            </a:r>
+            <a:r>
+              <a:rPr lang="en-US" sz="1200" b="0" i="0" u="none" strike="noStrike" kern="1200" dirty="0" err="1">
+                <a:solidFill>
+                  <a:schemeClr val="tx1"/>
+                </a:solidFill>
+                <a:effectLst/>
+                <a:latin typeface="+mn-lt"/>
+                <a:ea typeface="+mn-ea"/>
+                <a:cs typeface="+mn-cs"/>
+              </a:rPr>
               <a:t>pinigus</a:t>
+            </a:r>
+            <a:r>
+              <a:rPr lang="en-US" sz="1200" b="0" i="0" u="none" strike="noStrike" kern="1200" dirty="0">
+                <a:solidFill>
+                  <a:schemeClr val="tx1"/>
+                </a:solidFill>
+                <a:effectLst/>
+                <a:latin typeface="+mn-lt"/>
+                <a:ea typeface="+mn-ea"/>
+                <a:cs typeface="+mn-cs"/>
+              </a:rPr>
+              <a:t> </a:t>
+            </a:r>
+            <a:r>
+              <a:rPr lang="en-US" sz="1200" b="0" i="0" u="none" strike="noStrike" kern="1200" dirty="0" err="1">
+                <a:solidFill>
+                  <a:schemeClr val="tx1"/>
+                </a:solidFill>
+                <a:effectLst/>
+                <a:latin typeface="+mn-lt"/>
+                <a:ea typeface="+mn-ea"/>
+                <a:cs typeface="+mn-cs"/>
+              </a:rPr>
+              <a:t>imonei</a:t>
             </a:r>
             <a:endParaRPr lang="en-US" sz="1200" b="0" i="0" u="none" strike="noStrike" kern="1200" dirty="0">
               <a:solidFill>
@@ -6459,7 +4512,7 @@
                 <a:ea typeface="+mn-ea"/>
                 <a:cs typeface="+mn-cs"/>
               </a:rPr>
-              <a:t>Pasitikejimas</a:t>
+              <a:t>Confidency</a:t>
             </a:r>
             <a:r>
               <a:rPr lang="en-US" sz="1200" b="0" i="0" u="none" strike="noStrike" kern="1200" dirty="0">
@@ -6483,7 +4536,7 @@
                 <a:ea typeface="+mn-ea"/>
                 <a:cs typeface="+mn-cs"/>
               </a:rPr>
-              <a:t>implementavus</a:t>
+              <a:t>Developeriams</a:t>
             </a:r>
             <a:r>
               <a:rPr lang="en-US" sz="1200" b="0" i="0" u="none" strike="noStrike" kern="1200" dirty="0">
@@ -6495,7 +4548,7 @@
                 <a:ea typeface="+mn-ea"/>
                 <a:cs typeface="+mn-cs"/>
               </a:rPr>
-              <a:t> net </a:t>
+              <a:t> </a:t>
             </a:r>
             <a:r>
               <a:rPr lang="en-US" sz="1200" b="0" i="0" u="none" strike="noStrike" kern="1200" dirty="0" err="1">
@@ -6507,7 +4560,7 @@
                 <a:ea typeface="+mn-ea"/>
                 <a:cs typeface="+mn-cs"/>
               </a:rPr>
-              <a:t>dideli</a:t>
+              <a:t>padidina</a:t>
             </a:r>
             <a:r>
               <a:rPr lang="en-US" sz="1200" b="0" i="0" u="none" strike="noStrike" kern="1200" dirty="0">
@@ -6519,7 +4572,7 @@
                 <a:ea typeface="+mn-ea"/>
                 <a:cs typeface="+mn-cs"/>
               </a:rPr>
-              <a:t> change, </a:t>
+              <a:t> </a:t>
             </a:r>
             <a:r>
               <a:rPr lang="en-US" sz="1200" b="0" i="0" u="none" strike="noStrike" kern="1200" dirty="0" err="1">
@@ -6531,7 +4584,7 @@
                 <a:ea typeface="+mn-ea"/>
                 <a:cs typeface="+mn-cs"/>
               </a:rPr>
-              <a:t>jei</a:t>
+              <a:t>pasitikejima</a:t>
             </a:r>
             <a:r>
               <a:rPr lang="en-US" sz="1200" b="0" i="0" u="none" strike="noStrike" kern="1200" dirty="0">
@@ -6555,7 +4608,7 @@
                 <a:ea typeface="+mn-ea"/>
                 <a:cs typeface="+mn-cs"/>
               </a:rPr>
-              <a:t>visi</a:t>
+              <a:t>daryti</a:t>
             </a:r>
             <a:r>
               <a:rPr lang="en-US" sz="1200" b="0" i="0" u="none" strike="noStrike" kern="1200" dirty="0">
@@ -6567,7 +4620,7 @@
                 <a:ea typeface="+mn-ea"/>
                 <a:cs typeface="+mn-cs"/>
               </a:rPr>
-              <a:t> </a:t>
+              <a:t> code changes, </a:t>
             </a:r>
             <a:r>
               <a:rPr lang="en-US" sz="1200" b="0" i="0" u="none" strike="noStrike" kern="1200" dirty="0" err="1">
@@ -6579,7 +4632,7 @@
                 <a:ea typeface="+mn-ea"/>
                 <a:cs typeface="+mn-cs"/>
               </a:rPr>
-              <a:t>buildai</a:t>
+              <a:t>ir</a:t>
             </a:r>
             <a:r>
               <a:rPr lang="en-US" sz="1200" b="0" i="0" u="none" strike="noStrike" kern="1200" dirty="0">
@@ -6603,7 +4656,7 @@
                 <a:ea typeface="+mn-ea"/>
                 <a:cs typeface="+mn-cs"/>
               </a:rPr>
-              <a:t>prasisuko</a:t>
+              <a:t>pushint</a:t>
             </a:r>
             <a:r>
               <a:rPr lang="en-US" sz="1200" b="0" i="0" u="none" strike="noStrike" kern="1200" dirty="0">
@@ -6627,7 +4680,7 @@
                 <a:ea typeface="+mn-ea"/>
                 <a:cs typeface="+mn-cs"/>
               </a:rPr>
-              <a:t>gerai</a:t>
+              <a:t>juos</a:t>
             </a:r>
             <a:r>
               <a:rPr lang="en-US" sz="1200" b="0" i="0" u="none" strike="noStrike" kern="1200" dirty="0">
@@ -6639,10 +4692,10 @@
                 <a:ea typeface="+mn-ea"/>
                 <a:cs typeface="+mn-cs"/>
               </a:rPr>
-              <a:t>, </a:t>
-            </a:r>
-            <a:r>
-              <a:rPr lang="en-US" sz="1200" b="0" i="0" u="none" strike="noStrike" kern="1200" dirty="0" err="1">
+              <a:t> </a:t>
+            </a:r>
+            <a:r>
+              <a:rPr lang="en-US" sz="1200" b="0" i="0" u="none" strike="noStrike" kern="1200">
                 <a:solidFill>
                   <a:schemeClr val="tx1"/>
                 </a:solidFill>
@@ -6651,223 +4704,7 @@
                 <a:ea typeface="+mn-ea"/>
                 <a:cs typeface="+mn-cs"/>
               </a:rPr>
-              <a:t>gali</a:t>
-            </a:r>
-            <a:r>
-              <a:rPr lang="en-US" sz="1200" b="0" i="0" u="none" strike="noStrike" kern="1200" dirty="0">
-                <a:solidFill>
-                  <a:schemeClr val="tx1"/>
-                </a:solidFill>
-                <a:effectLst/>
-                <a:latin typeface="+mn-lt"/>
-                <a:ea typeface="+mn-ea"/>
-                <a:cs typeface="+mn-cs"/>
-              </a:rPr>
-              <a:t> </a:t>
-            </a:r>
-            <a:r>
-              <a:rPr lang="en-US" sz="1200" b="0" i="0" u="none" strike="noStrike" kern="1200" dirty="0" err="1">
-                <a:solidFill>
-                  <a:schemeClr val="tx1"/>
-                </a:solidFill>
-                <a:effectLst/>
-                <a:latin typeface="+mn-lt"/>
-                <a:ea typeface="+mn-ea"/>
-                <a:cs typeface="+mn-cs"/>
-              </a:rPr>
-              <a:t>jaustis</a:t>
-            </a:r>
-            <a:r>
-              <a:rPr lang="en-US" sz="1200" b="0" i="0" u="none" strike="noStrike" kern="1200" dirty="0">
-                <a:solidFill>
-                  <a:schemeClr val="tx1"/>
-                </a:solidFill>
-                <a:effectLst/>
-                <a:latin typeface="+mn-lt"/>
-                <a:ea typeface="+mn-ea"/>
-                <a:cs typeface="+mn-cs"/>
-              </a:rPr>
-              <a:t> </a:t>
-            </a:r>
-            <a:r>
-              <a:rPr lang="en-US" sz="1200" b="0" i="0" u="none" strike="noStrike" kern="1200" dirty="0" err="1">
-                <a:solidFill>
-                  <a:schemeClr val="tx1"/>
-                </a:solidFill>
-                <a:effectLst/>
-                <a:latin typeface="+mn-lt"/>
-                <a:ea typeface="+mn-ea"/>
-                <a:cs typeface="+mn-cs"/>
-              </a:rPr>
-              <a:t>ramiau</a:t>
-            </a:r>
-            <a:r>
-              <a:rPr lang="en-US" sz="1200" b="0" i="0" u="none" strike="noStrike" kern="1200" dirty="0">
-                <a:solidFill>
-                  <a:schemeClr val="tx1"/>
-                </a:solidFill>
-                <a:effectLst/>
-                <a:latin typeface="+mn-lt"/>
-                <a:ea typeface="+mn-ea"/>
-                <a:cs typeface="+mn-cs"/>
-              </a:rPr>
-              <a:t> </a:t>
-            </a:r>
-            <a:r>
-              <a:rPr lang="en-US" sz="1200" b="0" i="0" u="none" strike="noStrike" kern="1200" dirty="0" err="1">
-                <a:solidFill>
-                  <a:schemeClr val="tx1"/>
-                </a:solidFill>
-                <a:effectLst/>
-                <a:latin typeface="+mn-lt"/>
-                <a:ea typeface="+mn-ea"/>
-                <a:cs typeface="+mn-cs"/>
-              </a:rPr>
-              <a:t>zinodamas</a:t>
-            </a:r>
-            <a:r>
-              <a:rPr lang="en-US" sz="1200" b="0" i="0" u="none" strike="noStrike" kern="1200" dirty="0">
-                <a:solidFill>
-                  <a:schemeClr val="tx1"/>
-                </a:solidFill>
-                <a:effectLst/>
-                <a:latin typeface="+mn-lt"/>
-                <a:ea typeface="+mn-ea"/>
-                <a:cs typeface="+mn-cs"/>
-              </a:rPr>
-              <a:t> </a:t>
-            </a:r>
-            <a:r>
-              <a:rPr lang="en-US" sz="1200" b="0" i="0" u="none" strike="noStrike" kern="1200" dirty="0" err="1">
-                <a:solidFill>
-                  <a:schemeClr val="tx1"/>
-                </a:solidFill>
-                <a:effectLst/>
-                <a:latin typeface="+mn-lt"/>
-                <a:ea typeface="+mn-ea"/>
-                <a:cs typeface="+mn-cs"/>
-              </a:rPr>
-              <a:t>kad</a:t>
-            </a:r>
-            <a:r>
-              <a:rPr lang="en-US" sz="1200" b="0" i="0" u="none" strike="noStrike" kern="1200" dirty="0">
-                <a:solidFill>
-                  <a:schemeClr val="tx1"/>
-                </a:solidFill>
-                <a:effectLst/>
-                <a:latin typeface="+mn-lt"/>
-                <a:ea typeface="+mn-ea"/>
-                <a:cs typeface="+mn-cs"/>
-              </a:rPr>
-              <a:t> </a:t>
-            </a:r>
-            <a:r>
-              <a:rPr lang="en-US" sz="1200" b="0" i="0" u="none" strike="noStrike" kern="1200" dirty="0" err="1">
-                <a:solidFill>
-                  <a:schemeClr val="tx1"/>
-                </a:solidFill>
-                <a:effectLst/>
-                <a:latin typeface="+mn-lt"/>
-                <a:ea typeface="+mn-ea"/>
-                <a:cs typeface="+mn-cs"/>
-              </a:rPr>
-              <a:t>daugiau</a:t>
-            </a:r>
-            <a:r>
-              <a:rPr lang="en-US" sz="1200" b="0" i="0" u="none" strike="noStrike" kern="1200" dirty="0">
-                <a:solidFill>
-                  <a:schemeClr val="tx1"/>
-                </a:solidFill>
-                <a:effectLst/>
-                <a:latin typeface="+mn-lt"/>
-                <a:ea typeface="+mn-ea"/>
-                <a:cs typeface="+mn-cs"/>
-              </a:rPr>
-              <a:t> </a:t>
-            </a:r>
-            <a:r>
-              <a:rPr lang="en-US" sz="1200" b="0" i="0" u="none" strike="noStrike" kern="1200" dirty="0" err="1">
-                <a:solidFill>
-                  <a:schemeClr val="tx1"/>
-                </a:solidFill>
-                <a:effectLst/>
-                <a:latin typeface="+mn-lt"/>
-                <a:ea typeface="+mn-ea"/>
-                <a:cs typeface="+mn-cs"/>
-              </a:rPr>
-              <a:t>maziau</a:t>
-            </a:r>
-            <a:r>
-              <a:rPr lang="en-US" sz="1200" b="0" i="0" u="none" strike="noStrike" kern="1200" dirty="0">
-                <a:solidFill>
-                  <a:schemeClr val="tx1"/>
-                </a:solidFill>
-                <a:effectLst/>
-                <a:latin typeface="+mn-lt"/>
-                <a:ea typeface="+mn-ea"/>
-                <a:cs typeface="+mn-cs"/>
-              </a:rPr>
-              <a:t> </a:t>
-            </a:r>
-            <a:r>
-              <a:rPr lang="en-US" sz="1200" b="0" i="0" u="none" strike="noStrike" kern="1200" dirty="0" err="1">
-                <a:solidFill>
-                  <a:schemeClr val="tx1"/>
-                </a:solidFill>
-                <a:effectLst/>
-                <a:latin typeface="+mn-lt"/>
-                <a:ea typeface="+mn-ea"/>
-                <a:cs typeface="+mn-cs"/>
-              </a:rPr>
-              <a:t>viskas</a:t>
-            </a:r>
-            <a:r>
-              <a:rPr lang="en-US" sz="1200" b="0" i="0" u="none" strike="noStrike" kern="1200" dirty="0">
-                <a:solidFill>
-                  <a:schemeClr val="tx1"/>
-                </a:solidFill>
-                <a:effectLst/>
-                <a:latin typeface="+mn-lt"/>
-                <a:ea typeface="+mn-ea"/>
-                <a:cs typeface="+mn-cs"/>
-              </a:rPr>
-              <a:t> </a:t>
-            </a:r>
-            <a:r>
-              <a:rPr lang="en-US" sz="1200" b="0" i="0" u="none" strike="noStrike" kern="1200" dirty="0" err="1">
-                <a:solidFill>
-                  <a:schemeClr val="tx1"/>
-                </a:solidFill>
-                <a:effectLst/>
-                <a:latin typeface="+mn-lt"/>
-                <a:ea typeface="+mn-ea"/>
-                <a:cs typeface="+mn-cs"/>
-              </a:rPr>
-              <a:t>yra</a:t>
-            </a:r>
-            <a:r>
-              <a:rPr lang="en-US" sz="1200" b="0" i="0" u="none" strike="noStrike" kern="1200" dirty="0">
-                <a:solidFill>
-                  <a:schemeClr val="tx1"/>
-                </a:solidFill>
-                <a:effectLst/>
-                <a:latin typeface="+mn-lt"/>
-                <a:ea typeface="+mn-ea"/>
-                <a:cs typeface="+mn-cs"/>
-              </a:rPr>
-              <a:t> </a:t>
-            </a:r>
-            <a:r>
-              <a:rPr lang="en-US" sz="1200" b="0" i="0" u="none" strike="noStrike" kern="1200" dirty="0" err="1">
-                <a:solidFill>
-                  <a:schemeClr val="tx1"/>
-                </a:solidFill>
-                <a:effectLst/>
-                <a:latin typeface="+mn-lt"/>
-                <a:ea typeface="+mn-ea"/>
-                <a:cs typeface="+mn-cs"/>
-              </a:rPr>
-              <a:t>gerai</a:t>
+              <a:t>I </a:t>
             </a:r>
             <a:endParaRPr lang="en-US" sz="1200" b="0" i="0" u="none" strike="noStrike" kern="1200" dirty="0">
               <a:solidFill>
@@ -6974,7 +4811,7 @@
           <a:lstStyle/>
           <a:p>
             <a:r>
-              <a:rPr lang="en-US" sz="1200" b="0" i="0" kern="1200" dirty="0" err="1">
+              <a:rPr lang="en-US" sz="1200" b="0" i="0" kern="1200" dirty="0">
                 <a:solidFill>
                   <a:schemeClr val="tx1"/>
                 </a:solidFill>
@@ -6983,10 +4820,10 @@
                 <a:ea typeface="+mn-ea"/>
                 <a:cs typeface="+mn-cs"/>
               </a:rPr>
-              <a:t>Mygtuko</a:t>
-            </a:r>
-            <a:r>
-              <a:rPr lang="en-US" sz="1200" b="0" i="0" kern="1200" dirty="0">
+              <a:t>CD </a:t>
+            </a:r>
+            <a:r>
+              <a:rPr lang="en-US" sz="1200" b="0" i="0" kern="1200" dirty="0" err="1">
                 <a:solidFill>
                   <a:schemeClr val="tx1"/>
                 </a:solidFill>
@@ -6995,10 +4832,10 @@
                 <a:ea typeface="+mn-ea"/>
                 <a:cs typeface="+mn-cs"/>
               </a:rPr>
-              <a:t> </a:t>
-            </a:r>
-            <a:r>
-              <a:rPr lang="en-US" sz="1200" b="0" i="0" kern="1200" dirty="0" err="1">
+              <a:t>yra</a:t>
+            </a:r>
+            <a:r>
+              <a:rPr lang="en-US" sz="1200" b="0" i="0" kern="1200" dirty="0">
                 <a:solidFill>
                   <a:schemeClr val="tx1"/>
                 </a:solidFill>
@@ -7007,10 +4844,10 @@
                 <a:ea typeface="+mn-ea"/>
                 <a:cs typeface="+mn-cs"/>
               </a:rPr>
-              <a:t>paspaudimu</a:t>
-            </a:r>
-            <a:r>
-              <a:rPr lang="en-US" sz="1200" b="0" i="0" kern="1200" dirty="0">
+              <a:t> </a:t>
+            </a:r>
+            <a:r>
+              <a:rPr lang="en-US" sz="1200" b="0" i="0" kern="1200" dirty="0" err="1">
                 <a:solidFill>
                   <a:schemeClr val="tx1"/>
                 </a:solidFill>
@@ -7019,10 +4856,10 @@
                 <a:ea typeface="+mn-ea"/>
                 <a:cs typeface="+mn-cs"/>
               </a:rPr>
-              <a:t> </a:t>
-            </a:r>
-            <a:r>
-              <a:rPr lang="en-US" sz="1200" b="0" i="0" kern="1200" dirty="0" err="1">
+              <a:t>skirtas</a:t>
+            </a:r>
+            <a:r>
+              <a:rPr lang="en-US" sz="1200" b="0" i="0" kern="1200" dirty="0">
                 <a:solidFill>
                   <a:schemeClr val="tx1"/>
                 </a:solidFill>
@@ -7031,10 +4868,10 @@
                 <a:ea typeface="+mn-ea"/>
                 <a:cs typeface="+mn-cs"/>
               </a:rPr>
-              <a:t>viskas</a:t>
-            </a:r>
-            <a:r>
-              <a:rPr lang="en-US" sz="1200" b="0" i="0" kern="1200" dirty="0">
+              <a:t> </a:t>
+            </a:r>
+            <a:r>
+              <a:rPr lang="en-US" sz="1200" b="0" i="0" kern="1200" dirty="0" err="1">
                 <a:solidFill>
                   <a:schemeClr val="tx1"/>
                 </a:solidFill>
@@ -7043,10 +4880,10 @@
                 <a:ea typeface="+mn-ea"/>
                 <a:cs typeface="+mn-cs"/>
               </a:rPr>
-              <a:t> </a:t>
-            </a:r>
-            <a:r>
-              <a:rPr lang="en-US" sz="1200" b="0" i="0" kern="1200" dirty="0" err="1">
+              <a:t>sustumti</a:t>
+            </a:r>
+            <a:r>
+              <a:rPr lang="en-US" sz="1200" b="0" i="0" kern="1200" dirty="0">
                 <a:solidFill>
                   <a:schemeClr val="tx1"/>
                 </a:solidFill>
@@ -7055,10 +4892,10 @@
                 <a:ea typeface="+mn-ea"/>
                 <a:cs typeface="+mn-cs"/>
               </a:rPr>
-              <a:t>padaroma</a:t>
-            </a:r>
-            <a:r>
-              <a:rPr lang="en-US" sz="1200" b="0" i="0" kern="1200" dirty="0">
+              <a:t> </a:t>
+            </a:r>
+            <a:r>
+              <a:rPr lang="en-US" sz="1200" b="0" i="0" kern="1200" dirty="0" err="1">
                 <a:solidFill>
                   <a:schemeClr val="tx1"/>
                 </a:solidFill>
@@ -7067,10 +4904,10 @@
                 <a:ea typeface="+mn-ea"/>
                 <a:cs typeface="+mn-cs"/>
               </a:rPr>
-              <a:t>, </a:t>
-            </a:r>
-            <a:r>
-              <a:rPr lang="en-US" sz="1200" b="0" i="0" kern="1200" dirty="0" err="1">
+              <a:t>koda</a:t>
+            </a:r>
+            <a:r>
+              <a:rPr lang="en-US" sz="1200" b="0" i="0" kern="1200" dirty="0">
                 <a:solidFill>
                   <a:schemeClr val="tx1"/>
                 </a:solidFill>
@@ -7079,10 +4916,10 @@
                 <a:ea typeface="+mn-ea"/>
                 <a:cs typeface="+mn-cs"/>
               </a:rPr>
-              <a:t>nes</a:t>
-            </a:r>
-            <a:r>
-              <a:rPr lang="en-US" sz="1200" b="0" i="0" kern="1200" dirty="0">
+              <a:t> I </a:t>
+            </a:r>
+            <a:r>
+              <a:rPr lang="en-US" sz="1200" b="0" i="0" kern="1200" dirty="0" err="1">
                 <a:solidFill>
                   <a:schemeClr val="tx1"/>
                 </a:solidFill>
@@ -7091,10 +4928,10 @@
                 <a:ea typeface="+mn-ea"/>
                 <a:cs typeface="+mn-cs"/>
               </a:rPr>
-              <a:t> </a:t>
-            </a:r>
-            <a:r>
-              <a:rPr lang="en-US" sz="1200" b="0" i="0" kern="1200" dirty="0" err="1">
+              <a:t>produkcija</a:t>
+            </a:r>
+            <a:r>
+              <a:rPr lang="en-US" sz="1200" b="0" i="0" kern="1200" dirty="0">
                 <a:solidFill>
                   <a:schemeClr val="tx1"/>
                 </a:solidFill>
@@ -7103,10 +4940,10 @@
                 <a:ea typeface="+mn-ea"/>
                 <a:cs typeface="+mn-cs"/>
               </a:rPr>
-              <a:t>kitaip</a:t>
-            </a:r>
-            <a:r>
-              <a:rPr lang="en-US" sz="1200" b="0" i="0" kern="1200" dirty="0">
+              <a:t>, tai </a:t>
+            </a:r>
+            <a:r>
+              <a:rPr lang="en-US" sz="1200" b="0" i="0" kern="1200" dirty="0" err="1">
                 <a:solidFill>
                   <a:schemeClr val="tx1"/>
                 </a:solidFill>
@@ -7115,10 +4952,10 @@
                 <a:ea typeface="+mn-ea"/>
                 <a:cs typeface="+mn-cs"/>
               </a:rPr>
-              <a:t> </a:t>
-            </a:r>
-            <a:r>
-              <a:rPr lang="en-US" sz="1200" b="0" i="0" kern="1200" dirty="0" err="1">
+              <a:t>gali</a:t>
+            </a:r>
+            <a:r>
+              <a:rPr lang="en-US" sz="1200" b="0" i="0" kern="1200" dirty="0">
                 <a:solidFill>
                   <a:schemeClr val="tx1"/>
                 </a:solidFill>
@@ -7127,10 +4964,10 @@
                 <a:ea typeface="+mn-ea"/>
                 <a:cs typeface="+mn-cs"/>
               </a:rPr>
-              <a:t>reiketu</a:t>
-            </a:r>
-            <a:r>
-              <a:rPr lang="en-US" sz="1200" b="0" i="0" kern="1200" dirty="0">
+              <a:t> </a:t>
+            </a:r>
+            <a:r>
+              <a:rPr lang="en-US" sz="1200" b="0" i="0" kern="1200" dirty="0" err="1">
                 <a:solidFill>
                   <a:schemeClr val="tx1"/>
                 </a:solidFill>
@@ -7139,10 +4976,10 @@
                 <a:ea typeface="+mn-ea"/>
                 <a:cs typeface="+mn-cs"/>
               </a:rPr>
-              <a:t> </a:t>
-            </a:r>
-            <a:r>
-              <a:rPr lang="en-US" sz="1200" b="0" i="0" kern="1200" dirty="0" err="1">
+              <a:t>buti</a:t>
+            </a:r>
+            <a:r>
+              <a:rPr lang="en-US" sz="1200" b="0" i="0" kern="1200" dirty="0">
                 <a:solidFill>
                   <a:schemeClr val="tx1"/>
                 </a:solidFill>
@@ -7151,10 +4988,10 @@
                 <a:ea typeface="+mn-ea"/>
                 <a:cs typeface="+mn-cs"/>
               </a:rPr>
-              <a:t>paciam</a:t>
-            </a:r>
-            <a:r>
-              <a:rPr lang="en-US" sz="1200" b="0" i="0" kern="1200" dirty="0">
+              <a:t> bet </a:t>
+            </a:r>
+            <a:r>
+              <a:rPr lang="en-US" sz="1200" b="0" i="0" kern="1200" dirty="0" err="1">
                 <a:solidFill>
                   <a:schemeClr val="tx1"/>
                 </a:solidFill>
@@ -7163,10 +5000,10 @@
                 <a:ea typeface="+mn-ea"/>
                 <a:cs typeface="+mn-cs"/>
               </a:rPr>
-              <a:t> </a:t>
-            </a:r>
-            <a:r>
-              <a:rPr lang="en-US" sz="1200" b="0" i="0" kern="1200" dirty="0" err="1">
+              <a:t>kokio</a:t>
+            </a:r>
+            <a:r>
+              <a:rPr lang="en-US" sz="1200" b="0" i="0" kern="1200" dirty="0">
                 <a:solidFill>
                   <a:schemeClr val="tx1"/>
                 </a:solidFill>
@@ -7175,10 +5012,10 @@
                 <a:ea typeface="+mn-ea"/>
                 <a:cs typeface="+mn-cs"/>
               </a:rPr>
-              <a:t>prisijungti</a:t>
-            </a:r>
-            <a:r>
-              <a:rPr lang="en-US" sz="1200" b="0" i="0" kern="1200" dirty="0">
+              <a:t> </a:t>
+            </a:r>
+            <a:r>
+              <a:rPr lang="en-US" sz="1200" b="0" i="0" kern="1200" dirty="0" err="1">
                 <a:solidFill>
                   <a:schemeClr val="tx1"/>
                 </a:solidFill>
@@ -7187,10 +5024,10 @@
                 <a:ea typeface="+mn-ea"/>
                 <a:cs typeface="+mn-cs"/>
               </a:rPr>
-              <a:t> I </a:t>
-            </a:r>
-            <a:r>
-              <a:rPr lang="en-US" sz="1200" b="0" i="0" kern="1200" dirty="0" err="1">
+              <a:t>tipo</a:t>
+            </a:r>
+            <a:r>
+              <a:rPr lang="en-US" sz="1200" b="0" i="0" kern="1200" dirty="0">
                 <a:solidFill>
                   <a:schemeClr val="tx1"/>
                 </a:solidFill>
@@ -7199,10 +5036,10 @@
                 <a:ea typeface="+mn-ea"/>
                 <a:cs typeface="+mn-cs"/>
               </a:rPr>
-              <a:t>serveri</a:t>
-            </a:r>
-            <a:r>
-              <a:rPr lang="en-US" sz="1200" b="0" i="0" kern="1200" dirty="0">
+              <a:t> changes, configuration, features, fixes. </a:t>
+            </a:r>
+            <a:r>
+              <a:rPr lang="en-US" sz="1200" b="0" i="0" kern="1200" dirty="0" err="1">
                 <a:solidFill>
                   <a:schemeClr val="tx1"/>
                 </a:solidFill>
@@ -7211,10 +5048,10 @@
                 <a:ea typeface="+mn-ea"/>
                 <a:cs typeface="+mn-cs"/>
               </a:rPr>
-              <a:t>, </a:t>
-            </a:r>
-            <a:r>
-              <a:rPr lang="en-US" sz="1200" b="0" i="0" kern="1200" dirty="0" err="1">
+              <a:t>Jie</a:t>
+            </a:r>
+            <a:r>
+              <a:rPr lang="en-US" sz="1200" b="0" i="0" kern="1200" dirty="0">
                 <a:solidFill>
                   <a:schemeClr val="tx1"/>
                 </a:solidFill>
@@ -7223,10 +5060,10 @@
                 <a:ea typeface="+mn-ea"/>
                 <a:cs typeface="+mn-cs"/>
               </a:rPr>
-              <a:t>pullintis</a:t>
-            </a:r>
-            <a:r>
-              <a:rPr lang="en-US" sz="1200" b="0" i="0" kern="1200" dirty="0">
+              <a:t> </a:t>
+            </a:r>
+            <a:r>
+              <a:rPr lang="en-US" sz="1200" b="0" i="0" kern="1200" dirty="0" err="1">
                 <a:solidFill>
                   <a:schemeClr val="tx1"/>
                 </a:solidFill>
@@ -7235,10 +5072,10 @@
                 <a:ea typeface="+mn-ea"/>
                 <a:cs typeface="+mn-cs"/>
               </a:rPr>
-              <a:t> </a:t>
-            </a:r>
-            <a:r>
-              <a:rPr lang="en-US" sz="1200" b="0" i="0" kern="1200" dirty="0" err="1">
+              <a:t>yra</a:t>
+            </a:r>
+            <a:r>
+              <a:rPr lang="en-US" sz="1200" b="0" i="0" kern="1200" dirty="0">
                 <a:solidFill>
                   <a:schemeClr val="tx1"/>
                 </a:solidFill>
@@ -7247,10 +5084,10 @@
                 <a:ea typeface="+mn-ea"/>
                 <a:cs typeface="+mn-cs"/>
               </a:rPr>
-              <a:t>gito</a:t>
-            </a:r>
-            <a:r>
-              <a:rPr lang="en-US" sz="1200" b="0" i="0" kern="1200" dirty="0">
+              <a:t> </a:t>
+            </a:r>
+            <a:r>
+              <a:rPr lang="en-US" sz="1200" b="0" i="0" kern="1200" dirty="0" err="1">
                 <a:solidFill>
                   <a:schemeClr val="tx1"/>
                 </a:solidFill>
@@ -7259,10 +5096,10 @@
                 <a:ea typeface="+mn-ea"/>
                 <a:cs typeface="+mn-cs"/>
               </a:rPr>
-              <a:t> </a:t>
-            </a:r>
-            <a:r>
-              <a:rPr lang="en-US" sz="1200" b="0" i="0" kern="1200" dirty="0" err="1">
+              <a:t>deliverinami</a:t>
+            </a:r>
+            <a:r>
+              <a:rPr lang="en-US" sz="1200" b="0" i="0" kern="1200" dirty="0">
                 <a:solidFill>
                   <a:schemeClr val="tx1"/>
                 </a:solidFill>
@@ -7271,10 +5108,10 @@
                 <a:ea typeface="+mn-ea"/>
                 <a:cs typeface="+mn-cs"/>
               </a:rPr>
-              <a:t>changus</a:t>
-            </a:r>
-            <a:r>
-              <a:rPr lang="en-US" sz="1200" b="0" i="0" kern="1200" dirty="0">
+              <a:t> </a:t>
+            </a:r>
+            <a:r>
+              <a:rPr lang="en-US" sz="1200" b="0" i="0" kern="1200" dirty="0" err="1">
                 <a:solidFill>
                   <a:schemeClr val="tx1"/>
                 </a:solidFill>
@@ -7283,10 +5120,10 @@
                 <a:ea typeface="+mn-ea"/>
                 <a:cs typeface="+mn-cs"/>
               </a:rPr>
-              <a:t>, </a:t>
-            </a:r>
-            <a:r>
-              <a:rPr lang="en-US" sz="1200" b="0" i="0" kern="1200" dirty="0" err="1">
+              <a:t>customeriui</a:t>
+            </a:r>
+            <a:r>
+              <a:rPr lang="en-US" sz="1200" b="0" i="0" kern="1200" dirty="0">
                 <a:solidFill>
                   <a:schemeClr val="tx1"/>
                 </a:solidFill>
@@ -7295,10 +5132,10 @@
                 <a:ea typeface="+mn-ea"/>
                 <a:cs typeface="+mn-cs"/>
               </a:rPr>
-              <a:t>paleisti</a:t>
-            </a:r>
-            <a:r>
-              <a:rPr lang="en-US" sz="1200" b="0" i="0" kern="1200" dirty="0">
+              <a:t> </a:t>
+            </a:r>
+            <a:r>
+              <a:rPr lang="en-US" sz="1200" b="0" i="0" kern="1200" dirty="0" err="1">
                 <a:solidFill>
                   <a:schemeClr val="tx1"/>
                 </a:solidFill>
@@ -7307,10 +5144,10 @@
                 <a:ea typeface="+mn-ea"/>
                 <a:cs typeface="+mn-cs"/>
               </a:rPr>
-              <a:t>/</a:t>
-            </a:r>
-            <a:r>
-              <a:rPr lang="en-US" sz="1200" b="0" i="0" kern="1200" dirty="0" err="1">
+              <a:t>saugiu</a:t>
+            </a:r>
+            <a:r>
+              <a:rPr lang="en-US" sz="1200" b="0" i="0" kern="1200" dirty="0">
                 <a:solidFill>
                   <a:schemeClr val="tx1"/>
                 </a:solidFill>
@@ -7319,10 +5156,10 @@
                 <a:ea typeface="+mn-ea"/>
                 <a:cs typeface="+mn-cs"/>
               </a:rPr>
-              <a:t>restartuoti</a:t>
-            </a:r>
-            <a:r>
-              <a:rPr lang="en-US" sz="1200" b="0" i="0" kern="1200" dirty="0">
+              <a:t> </a:t>
+            </a:r>
+            <a:r>
+              <a:rPr lang="en-US" sz="1200" b="0" i="0" kern="1200" dirty="0" err="1">
                 <a:solidFill>
                   <a:schemeClr val="tx1"/>
                 </a:solidFill>
@@ -7331,10 +5168,10 @@
                 <a:ea typeface="+mn-ea"/>
                 <a:cs typeface="+mn-cs"/>
               </a:rPr>
-              <a:t> </a:t>
-            </a:r>
-            <a:r>
-              <a:rPr lang="en-US" sz="1200" b="0" i="0" kern="1200" dirty="0" err="1">
+              <a:t>ir</a:t>
+            </a:r>
+            <a:r>
+              <a:rPr lang="en-US" sz="1200" b="0" i="0" kern="1200" dirty="0">
                 <a:solidFill>
                   <a:schemeClr val="tx1"/>
                 </a:solidFill>
@@ -7343,10 +5180,10 @@
                 <a:ea typeface="+mn-ea"/>
                 <a:cs typeface="+mn-cs"/>
               </a:rPr>
-              <a:t>reikalingus</a:t>
-            </a:r>
-            <a:r>
-              <a:rPr lang="en-US" sz="1200" b="0" i="0" kern="1200" dirty="0">
+              <a:t> </a:t>
+            </a:r>
+            <a:r>
+              <a:rPr lang="en-US" sz="1200" b="0" i="0" kern="1200" dirty="0" err="1">
                 <a:solidFill>
                   <a:schemeClr val="tx1"/>
                 </a:solidFill>
@@ -7355,10 +5192,10 @@
                 <a:ea typeface="+mn-ea"/>
                 <a:cs typeface="+mn-cs"/>
               </a:rPr>
-              <a:t> </a:t>
-            </a:r>
-            <a:r>
-              <a:rPr lang="en-US" sz="1200" b="0" i="0" kern="1200" dirty="0" err="1">
+              <a:t>greitu</a:t>
+            </a:r>
+            <a:r>
+              <a:rPr lang="en-US" sz="1200" b="0" i="0" kern="1200" dirty="0">
                 <a:solidFill>
                   <a:schemeClr val="tx1"/>
                 </a:solidFill>
@@ -7367,10 +5204,10 @@
                 <a:ea typeface="+mn-ea"/>
                 <a:cs typeface="+mn-cs"/>
               </a:rPr>
-              <a:t>servisus</a:t>
-            </a:r>
-            <a:r>
-              <a:rPr lang="en-US" sz="1200" b="0" i="0" kern="1200" dirty="0">
+              <a:t> </a:t>
+            </a:r>
+            <a:r>
+              <a:rPr lang="en-US" sz="1200" b="0" i="0" kern="1200" dirty="0" err="1">
                 <a:solidFill>
                   <a:schemeClr val="tx1"/>
                 </a:solidFill>
@@ -7379,8 +5216,9 @@
                 <a:ea typeface="+mn-ea"/>
                 <a:cs typeface="+mn-cs"/>
               </a:rPr>
-              <a:t>.</a:t>
-            </a:r>
+              <a:t>budu</a:t>
+            </a:r>
+            <a:endParaRPr lang="lt-LT" dirty="0"/>
           </a:p>
         </p:txBody>
       </p:sp>
@@ -7466,7 +5304,7 @@
           <a:lstStyle/>
           <a:p>
             <a:r>
-              <a:rPr lang="en-US" sz="1200" b="0" i="0" kern="1200" dirty="0" err="1">
+              <a:rPr lang="en-US" sz="1200" b="0" i="0" kern="1200" dirty="0">
                 <a:solidFill>
                   <a:schemeClr val="tx1"/>
                 </a:solidFill>
@@ -7475,356 +5313,21 @@
                 <a:ea typeface="+mn-ea"/>
                 <a:cs typeface="+mn-cs"/>
               </a:rPr>
-              <a:t>Paskutinis</a:t>
-            </a:r>
-            <a:r>
-              <a:rPr lang="en-US" sz="1200" b="0" i="0" kern="1200" dirty="0">
-                <a:solidFill>
-                  <a:schemeClr val="tx1"/>
-                </a:solidFill>
-                <a:effectLst/>
-                <a:latin typeface="+mn-lt"/>
-                <a:ea typeface="+mn-ea"/>
-                <a:cs typeface="+mn-cs"/>
-              </a:rPr>
-              <a:t> </a:t>
-            </a:r>
-            <a:r>
-              <a:rPr lang="en-US" sz="1200" b="0" i="0" kern="1200" dirty="0" err="1">
-                <a:solidFill>
-                  <a:schemeClr val="tx1"/>
-                </a:solidFill>
-                <a:effectLst/>
-                <a:latin typeface="+mn-lt"/>
-                <a:ea typeface="+mn-ea"/>
-                <a:cs typeface="+mn-cs"/>
-              </a:rPr>
-              <a:t>zingsnis</a:t>
-            </a:r>
-            <a:r>
-              <a:rPr lang="en-US" sz="1200" b="0" i="0" kern="1200" dirty="0">
-                <a:solidFill>
-                  <a:schemeClr val="tx1"/>
-                </a:solidFill>
-                <a:effectLst/>
-                <a:latin typeface="+mn-lt"/>
-                <a:ea typeface="+mn-ea"/>
-                <a:cs typeface="+mn-cs"/>
-              </a:rPr>
-              <a:t> CI/CD </a:t>
-            </a:r>
-            <a:r>
-              <a:rPr lang="en-US" sz="1200" b="0" i="0" kern="1200" dirty="0" err="1">
-                <a:solidFill>
-                  <a:schemeClr val="tx1"/>
-                </a:solidFill>
-                <a:effectLst/>
-                <a:latin typeface="+mn-lt"/>
-                <a:ea typeface="+mn-ea"/>
-                <a:cs typeface="+mn-cs"/>
-              </a:rPr>
-              <a:t>procese</a:t>
-            </a:r>
-            <a:r>
-              <a:rPr lang="en-US" sz="1200" b="0" i="0" kern="1200" dirty="0">
-                <a:solidFill>
-                  <a:schemeClr val="tx1"/>
-                </a:solidFill>
-                <a:effectLst/>
-                <a:latin typeface="+mn-lt"/>
-                <a:ea typeface="+mn-ea"/>
-                <a:cs typeface="+mn-cs"/>
-              </a:rPr>
-              <a:t>, </a:t>
-            </a:r>
-            <a:r>
-              <a:rPr lang="en-US" sz="1200" b="0" i="0" kern="1200" dirty="0" err="1">
-                <a:solidFill>
-                  <a:schemeClr val="tx1"/>
-                </a:solidFill>
-                <a:effectLst/>
-                <a:latin typeface="+mn-lt"/>
-                <a:ea typeface="+mn-ea"/>
-                <a:cs typeface="+mn-cs"/>
-              </a:rPr>
-              <a:t>yra</a:t>
-            </a:r>
-            <a:r>
-              <a:rPr lang="en-US" sz="1200" b="0" i="0" kern="1200" dirty="0">
-                <a:solidFill>
-                  <a:schemeClr val="tx1"/>
-                </a:solidFill>
-                <a:effectLst/>
-                <a:latin typeface="+mn-lt"/>
-                <a:ea typeface="+mn-ea"/>
-                <a:cs typeface="+mn-cs"/>
-              </a:rPr>
-              <a:t> </a:t>
-            </a:r>
-            <a:r>
-              <a:rPr lang="en-US" sz="1200" b="0" i="0" kern="1200" dirty="0" err="1">
-                <a:solidFill>
-                  <a:schemeClr val="tx1"/>
-                </a:solidFill>
-                <a:effectLst/>
-                <a:latin typeface="+mn-lt"/>
-                <a:ea typeface="+mn-ea"/>
-                <a:cs typeface="+mn-cs"/>
-              </a:rPr>
-              <a:t>padeplointi</a:t>
-            </a:r>
-            <a:r>
-              <a:rPr lang="en-US" sz="1200" b="0" i="0" kern="1200" dirty="0">
-                <a:solidFill>
-                  <a:schemeClr val="tx1"/>
-                </a:solidFill>
-                <a:effectLst/>
-                <a:latin typeface="+mn-lt"/>
-                <a:ea typeface="+mn-ea"/>
-                <a:cs typeface="+mn-cs"/>
-              </a:rPr>
-              <a:t> </a:t>
-            </a:r>
-            <a:r>
-              <a:rPr lang="en-US" sz="1200" b="0" i="0" kern="1200" dirty="0" err="1">
-                <a:solidFill>
-                  <a:schemeClr val="tx1"/>
-                </a:solidFill>
-                <a:effectLst/>
-                <a:latin typeface="+mn-lt"/>
-                <a:ea typeface="+mn-ea"/>
-                <a:cs typeface="+mn-cs"/>
-              </a:rPr>
-              <a:t>nauja</a:t>
-            </a:r>
-            <a:r>
-              <a:rPr lang="en-US" sz="1200" b="0" i="0" kern="1200" dirty="0">
-                <a:solidFill>
-                  <a:schemeClr val="tx1"/>
-                </a:solidFill>
-                <a:effectLst/>
-                <a:latin typeface="+mn-lt"/>
-                <a:ea typeface="+mn-ea"/>
-                <a:cs typeface="+mn-cs"/>
-              </a:rPr>
-              <a:t> </a:t>
-            </a:r>
-            <a:r>
-              <a:rPr lang="en-US" sz="1200" b="0" i="0" kern="1200" dirty="0" err="1">
-                <a:solidFill>
-                  <a:schemeClr val="tx1"/>
-                </a:solidFill>
-                <a:effectLst/>
-                <a:latin typeface="+mn-lt"/>
-                <a:ea typeface="+mn-ea"/>
-                <a:cs typeface="+mn-cs"/>
-              </a:rPr>
-              <a:t>funkcionaluma</a:t>
-            </a:r>
-            <a:r>
-              <a:rPr lang="en-US" sz="1200" b="0" i="0" kern="1200" dirty="0">
-                <a:solidFill>
-                  <a:schemeClr val="tx1"/>
-                </a:solidFill>
-                <a:effectLst/>
-                <a:latin typeface="+mn-lt"/>
-                <a:ea typeface="+mn-ea"/>
-                <a:cs typeface="+mn-cs"/>
-              </a:rPr>
-              <a:t> </a:t>
-            </a:r>
-            <a:r>
-              <a:rPr lang="en-US" sz="1200" b="0" i="0" kern="1200" dirty="0" err="1">
-                <a:solidFill>
-                  <a:schemeClr val="tx1"/>
-                </a:solidFill>
-                <a:effectLst/>
-                <a:latin typeface="+mn-lt"/>
-                <a:ea typeface="+mn-ea"/>
-                <a:cs typeface="+mn-cs"/>
-              </a:rPr>
-              <a:t>ar</a:t>
-            </a:r>
-            <a:r>
-              <a:rPr lang="en-US" sz="1200" b="0" i="0" kern="1200" dirty="0">
-                <a:solidFill>
-                  <a:schemeClr val="tx1"/>
-                </a:solidFill>
-                <a:effectLst/>
-                <a:latin typeface="+mn-lt"/>
-                <a:ea typeface="+mn-ea"/>
-                <a:cs typeface="+mn-cs"/>
-              </a:rPr>
-              <a:t> </a:t>
-            </a:r>
-            <a:r>
-              <a:rPr lang="en-US" sz="1200" b="0" i="0" kern="1200" dirty="0" err="1">
-                <a:solidFill>
-                  <a:schemeClr val="tx1"/>
-                </a:solidFill>
-                <a:effectLst/>
-                <a:latin typeface="+mn-lt"/>
-                <a:ea typeface="+mn-ea"/>
-                <a:cs typeface="+mn-cs"/>
-              </a:rPr>
-              <a:t>pataisyma</a:t>
-            </a:r>
-            <a:r>
-              <a:rPr lang="en-US" sz="1200" b="0" i="0" kern="1200" dirty="0">
-                <a:solidFill>
-                  <a:schemeClr val="tx1"/>
-                </a:solidFill>
-                <a:effectLst/>
-                <a:latin typeface="+mn-lt"/>
-                <a:ea typeface="+mn-ea"/>
-                <a:cs typeface="+mn-cs"/>
-              </a:rPr>
-              <a:t> </a:t>
-            </a:r>
-            <a:r>
-              <a:rPr lang="en-US" sz="1200" b="0" i="0" kern="1200" dirty="0" err="1">
-                <a:solidFill>
-                  <a:schemeClr val="tx1"/>
-                </a:solidFill>
-                <a:effectLst/>
-                <a:latin typeface="+mn-lt"/>
-                <a:ea typeface="+mn-ea"/>
-                <a:cs typeface="+mn-cs"/>
-              </a:rPr>
-              <a:t>vartotojui</a:t>
-            </a:r>
-            <a:r>
-              <a:rPr lang="en-US" sz="1200" b="0" i="0" kern="1200" dirty="0">
-                <a:solidFill>
-                  <a:schemeClr val="tx1"/>
-                </a:solidFill>
-                <a:effectLst/>
-                <a:latin typeface="+mn-lt"/>
-                <a:ea typeface="+mn-ea"/>
-                <a:cs typeface="+mn-cs"/>
-              </a:rPr>
-              <a:t>, </a:t>
-            </a:r>
-            <a:r>
-              <a:rPr lang="en-US" sz="1200" b="0" i="0" kern="1200" dirty="0" err="1">
-                <a:solidFill>
-                  <a:schemeClr val="tx1"/>
-                </a:solidFill>
-                <a:effectLst/>
-                <a:latin typeface="+mn-lt"/>
-                <a:ea typeface="+mn-ea"/>
-                <a:cs typeface="+mn-cs"/>
-              </a:rPr>
-              <a:t>jeigu</a:t>
-            </a:r>
-            <a:r>
-              <a:rPr lang="en-US" sz="1200" b="0" i="0" kern="1200" dirty="0">
-                <a:solidFill>
-                  <a:schemeClr val="tx1"/>
-                </a:solidFill>
-                <a:effectLst/>
-                <a:latin typeface="+mn-lt"/>
-                <a:ea typeface="+mn-ea"/>
-                <a:cs typeface="+mn-cs"/>
-              </a:rPr>
-              <a:t> </a:t>
-            </a:r>
-            <a:r>
-              <a:rPr lang="en-US" sz="1200" b="0" i="0" kern="1200" dirty="0" err="1">
-                <a:solidFill>
-                  <a:schemeClr val="tx1"/>
-                </a:solidFill>
-                <a:effectLst/>
-                <a:latin typeface="+mn-lt"/>
-                <a:ea typeface="+mn-ea"/>
-                <a:cs typeface="+mn-cs"/>
-              </a:rPr>
-              <a:t>visi</a:t>
-            </a:r>
-            <a:r>
-              <a:rPr lang="en-US" sz="1200" b="0" i="0" kern="1200" dirty="0">
-                <a:solidFill>
-                  <a:schemeClr val="tx1"/>
-                </a:solidFill>
-                <a:effectLst/>
-                <a:latin typeface="+mn-lt"/>
-                <a:ea typeface="+mn-ea"/>
-                <a:cs typeface="+mn-cs"/>
-              </a:rPr>
-              <a:t> </a:t>
-            </a:r>
-            <a:r>
-              <a:rPr lang="en-US" sz="1200" b="0" i="0" kern="1200" dirty="0" err="1">
-                <a:solidFill>
-                  <a:schemeClr val="tx1"/>
-                </a:solidFill>
-                <a:effectLst/>
-                <a:latin typeface="+mn-lt"/>
-                <a:ea typeface="+mn-ea"/>
-                <a:cs typeface="+mn-cs"/>
-              </a:rPr>
-              <a:t>checkai</a:t>
-            </a:r>
-            <a:r>
-              <a:rPr lang="en-US" sz="1200" b="0" i="0" kern="1200" dirty="0">
-                <a:solidFill>
-                  <a:schemeClr val="tx1"/>
-                </a:solidFill>
-                <a:effectLst/>
-                <a:latin typeface="+mn-lt"/>
-                <a:ea typeface="+mn-ea"/>
-                <a:cs typeface="+mn-cs"/>
-              </a:rPr>
-              <a:t> </a:t>
-            </a:r>
-            <a:r>
-              <a:rPr lang="en-US" sz="1200" b="0" i="0" kern="1200" dirty="0" err="1">
-                <a:solidFill>
-                  <a:schemeClr val="tx1"/>
-                </a:solidFill>
-                <a:effectLst/>
-                <a:latin typeface="+mn-lt"/>
-                <a:ea typeface="+mn-ea"/>
-                <a:cs typeface="+mn-cs"/>
-              </a:rPr>
-              <a:t>sekmingai</a:t>
-            </a:r>
-            <a:r>
-              <a:rPr lang="en-US" sz="1200" b="0" i="0" kern="1200" dirty="0">
-                <a:solidFill>
-                  <a:schemeClr val="tx1"/>
-                </a:solidFill>
-                <a:effectLst/>
-                <a:latin typeface="+mn-lt"/>
-                <a:ea typeface="+mn-ea"/>
-                <a:cs typeface="+mn-cs"/>
-              </a:rPr>
-              <a:t> </a:t>
-            </a:r>
-            <a:r>
-              <a:rPr lang="en-US" sz="1200" b="0" i="0" kern="1200" dirty="0" err="1">
-                <a:solidFill>
-                  <a:schemeClr val="tx1"/>
-                </a:solidFill>
-                <a:effectLst/>
-                <a:latin typeface="+mn-lt"/>
-                <a:ea typeface="+mn-ea"/>
-                <a:cs typeface="+mn-cs"/>
-              </a:rPr>
-              <a:t>prasisuko</a:t>
-            </a:r>
-            <a:r>
-              <a:rPr lang="en-US" sz="1200" b="0" i="0" kern="1200" dirty="0">
-                <a:solidFill>
-                  <a:schemeClr val="tx1"/>
-                </a:solidFill>
-                <a:effectLst/>
-                <a:latin typeface="+mn-lt"/>
-                <a:ea typeface="+mn-ea"/>
-                <a:cs typeface="+mn-cs"/>
-              </a:rPr>
-              <a:t>.</a:t>
-            </a:r>
+              <a:t>Continuous deployment extends continuous delivery so that the software build will automatically deploy if it passes all tests. In such a process, there is no need for a person to decide when and what goes into production. The last step in a CI/CD system will automatically deploy whatever build components/packages successfully exit the delivery pipeline. Such automatic deployments can be configured to quickly distribute components, features, and fixes to customers, and provide clarity on precisely what has is presently in production.</a:t>
+            </a:r>
+          </a:p>
+          <a:p>
+            <a:endParaRPr lang="en-US" sz="1200" b="0" i="0" kern="1200" dirty="0">
+              <a:solidFill>
+                <a:schemeClr val="tx1"/>
+              </a:solidFill>
+              <a:effectLst/>
+              <a:latin typeface="+mn-lt"/>
+              <a:ea typeface="+mn-ea"/>
+              <a:cs typeface="+mn-cs"/>
+            </a:endParaRPr>
+          </a:p>
+          <a:p>
             <a:endParaRPr lang="lt-LT" dirty="0"/>
           </a:p>
         </p:txBody>
@@ -21189,7 +18692,7 @@
           <a:p>
             <a:r>
               <a:rPr lang="en-US" b="1" dirty="0"/>
-              <a:t>How To Perform Continuous Delivery (Manual part)</a:t>
+              <a:t>How To Perform Continuous Delivery (1)</a:t>
             </a:r>
           </a:p>
         </p:txBody>
@@ -21206,8 +18709,8 @@
         </p:nvSpPr>
         <p:spPr>
           <a:xfrm>
-            <a:off x="809624" y="1776845"/>
-            <a:ext cx="10621963" cy="4067364"/>
+            <a:off x="809624" y="1533905"/>
+            <a:ext cx="10621963" cy="4310304"/>
           </a:xfrm>
         </p:spPr>
         <p:txBody>
@@ -21216,38 +18719,20 @@
           <a:p>
             <a:r>
               <a:rPr lang="en-US" sz="3200" dirty="0"/>
-              <a:t>New code writing</a:t>
+              <a:t>The developer builds their code on the local system that has all the new changes or new requirements.</a:t>
             </a:r>
           </a:p>
           <a:p>
             <a:r>
               <a:rPr lang="en-US" sz="3200" dirty="0"/>
-              <a:t>Covering new code with unit tests</a:t>
+              <a:t>Once coding is completed, the developer needs to write automated unit testing scripts that will test the code. This process is optional, however, and can be done by the testing team as well.</a:t>
             </a:r>
           </a:p>
           <a:p>
             <a:r>
               <a:rPr lang="en-US" sz="3200" dirty="0"/>
-              <a:t>Local build checks if new code is working</a:t>
-            </a:r>
-          </a:p>
-          <a:p>
-            <a:r>
-              <a:rPr lang="en-US" sz="3200" dirty="0"/>
-              <a:t>Pull newly merge code, and resolve conflicts if any</a:t>
-            </a:r>
-          </a:p>
-          <a:p>
-            <a:r>
-              <a:rPr lang="en-US" sz="3200" dirty="0"/>
-              <a:t>Push your code to git</a:t>
-            </a:r>
-          </a:p>
-          <a:p>
-            <a:endParaRPr lang="en-US" sz="2800" dirty="0"/>
-          </a:p>
-          <a:p>
-            <a:endParaRPr lang="en-US" sz="3200" dirty="0"/>
+              <a:t>A local build is executed which ensures that no breakage is occurring in the application because of the code.</a:t>
+            </a:r>
           </a:p>
         </p:txBody>
       </p:sp>
@@ -21359,7 +18844,7 @@
           <a:p>
             <a:r>
               <a:rPr lang="en-US" b="1" dirty="0"/>
-              <a:t>How To Perform Continuous Delivery (Automated part)</a:t>
+              <a:t>How To Perform Continuous Delivery (2)</a:t>
             </a:r>
           </a:p>
         </p:txBody>
@@ -21386,38 +18871,20 @@
           <a:p>
             <a:r>
               <a:rPr lang="en-US" sz="3200" dirty="0"/>
-              <a:t>Code format checks</a:t>
+              <a:t>After a successful build, the developer checks if any of his team members or peers have checked-in anything new. If there are any incoming changes, they should be accepted by the developer to make sure that the copy he is uploading is the most recent one.</a:t>
             </a:r>
           </a:p>
           <a:p>
             <a:r>
               <a:rPr lang="en-US" sz="3200" dirty="0"/>
-              <a:t>Unit test</a:t>
+              <a:t>Because of the newly merged copies, syncing the code with the main branch may cause certain conflicts.</a:t>
             </a:r>
           </a:p>
           <a:p>
             <a:r>
               <a:rPr lang="en-US" sz="3200" dirty="0"/>
-              <a:t>Build and deploy to stage</a:t>
-            </a:r>
-          </a:p>
-          <a:p>
-            <a:r>
-              <a:rPr lang="en-US" sz="3200" dirty="0"/>
-              <a:t>Integration/API/E2E tests</a:t>
-            </a:r>
-          </a:p>
-          <a:p>
-            <a:r>
-              <a:rPr lang="en-US" sz="3200" dirty="0"/>
-              <a:t>Code deploying in production</a:t>
-            </a:r>
-          </a:p>
-          <a:p>
-            <a:endParaRPr lang="en-US" sz="2000" dirty="0"/>
-          </a:p>
-          <a:p>
-            <a:endParaRPr lang="en-US" sz="3200" dirty="0"/>
+              <a:t>In case there is any conflict, they should be fixed to make sure the changes made are in sync with the main branch.</a:t>
+            </a:r>
           </a:p>
         </p:txBody>
       </p:sp>
@@ -21529,7 +18996,7 @@
           <a:p>
             <a:r>
               <a:rPr lang="en-US" b="1" dirty="0"/>
-              <a:t>How It looks in the bank</a:t>
+              <a:t>How To Perform Continuous Delivery (3)</a:t>
             </a:r>
           </a:p>
         </p:txBody>
@@ -21546,7 +19013,7 @@
         </p:nvSpPr>
         <p:spPr>
           <a:xfrm>
-            <a:off x="809624" y="1533905"/>
+            <a:off x="782637" y="1533905"/>
             <a:ext cx="10621963" cy="4310304"/>
           </a:xfrm>
         </p:spPr>
@@ -21555,12 +19022,24 @@
           <a:lstStyle/>
           <a:p>
             <a:r>
-              <a:rPr lang="en-US" sz="2000" dirty="0"/>
-              <a:t>Confidential demo</a:t>
-            </a:r>
-          </a:p>
-          <a:p>
-            <a:endParaRPr lang="en-US" sz="3200" dirty="0"/>
+              <a:rPr lang="en-US" sz="3200" dirty="0"/>
+              <a:t>The changes are now ready to be checked in. This process is known as a “code commit.”</a:t>
+            </a:r>
+          </a:p>
+          <a:p>
+            <a:r>
+              <a:rPr lang="en-US" sz="3200" dirty="0"/>
+              <a:t>After the code is committed, another build of the source code is run on the integration system.</a:t>
+            </a:r>
+          </a:p>
+          <a:p>
+            <a:r>
+              <a:rPr lang="en-US" sz="3200" dirty="0"/>
+              <a:t>The new and updated code is finally ready for the next stage, i.e. testing or deployment. In the next section, we shall discuss some basic checklist for continuous delivery.</a:t>
+            </a:r>
+          </a:p>
+          <a:p>
+            <a:endParaRPr lang="en-US" sz="2000" dirty="0"/>
           </a:p>
         </p:txBody>
       </p:sp>
@@ -21628,7 +19107,7 @@
     </p:spTree>
     <p:extLst>
       <p:ext uri="{BB962C8B-B14F-4D97-AF65-F5344CB8AC3E}">
-        <p14:creationId xmlns:p14="http://schemas.microsoft.com/office/powerpoint/2010/main" val="467749128"/>
+        <p14:creationId xmlns:p14="http://schemas.microsoft.com/office/powerpoint/2010/main" val="3572206408"/>
       </p:ext>
     </p:extLst>
   </p:cSld>
@@ -21655,58 +19134,73 @@
           <a:chExt cx="0" cy="0"/>
         </a:xfrm>
       </p:grpSpPr>
-      <p:sp>
-        <p:nvSpPr>
-          <p:cNvPr id="2" name="Title 1"/>
-          <p:cNvSpPr>
-            <a:spLocks noGrp="1"/>
-          </p:cNvSpPr>
-          <p:nvPr>
-            <p:ph type="title"/>
-          </p:nvPr>
-        </p:nvSpPr>
+      <p:pic>
+        <p:nvPicPr>
+          <p:cNvPr id="10" name="Picture Placeholder 9"/>
+          <p:cNvPicPr>
+            <a:picLocks noGrp="1" noChangeAspect="1"/>
+          </p:cNvPicPr>
+          <p:nvPr>
+            <p:ph type="pic" sz="quarter" idx="13"/>
+          </p:nvPr>
+        </p:nvPicPr>
+        <p:blipFill>
+          <a:blip r:embed="rId3">
+            <a:extLst>
+              <a:ext uri="{28A0092B-C50C-407E-A947-70E740481C1C}">
+                <a14:useLocalDpi xmlns:a14="http://schemas.microsoft.com/office/drawing/2010/main" val="0"/>
+              </a:ext>
+            </a:extLst>
+          </a:blip>
+          <a:srcRect l="4" r="4"/>
+          <a:stretch>
+            <a:fillRect/>
+          </a:stretch>
+        </p:blipFill>
         <p:spPr/>
+      </p:pic>
+      <p:sp>
+        <p:nvSpPr>
+          <p:cNvPr id="7" name="Title 6"/>
+          <p:cNvSpPr>
+            <a:spLocks noGrp="1"/>
+          </p:cNvSpPr>
+          <p:nvPr>
+            <p:ph type="ctrTitle"/>
+          </p:nvPr>
+        </p:nvSpPr>
+        <p:spPr/>
         <p:txBody>
           <a:bodyPr/>
           <a:lstStyle/>
           <a:p>
             <a:r>
-              <a:rPr lang="en-US" b="1" dirty="0"/>
-              <a:t>How It looks in personal projects</a:t>
-            </a:r>
-          </a:p>
-        </p:txBody>
-      </p:sp>
-      <p:sp>
-        <p:nvSpPr>
-          <p:cNvPr id="3" name="Content Placeholder 2"/>
-          <p:cNvSpPr>
-            <a:spLocks noGrp="1"/>
-          </p:cNvSpPr>
-          <p:nvPr>
-            <p:ph idx="1"/>
-          </p:nvPr>
-        </p:nvSpPr>
-        <p:spPr>
-          <a:xfrm>
-            <a:off x="809624" y="1533905"/>
-            <a:ext cx="10621963" cy="4310304"/>
-          </a:xfrm>
-        </p:spPr>
+              <a:rPr lang="en-US" dirty="0"/>
+              <a:t>Demo of Swedbank CI/CD</a:t>
+            </a:r>
+            <a:endParaRPr lang="en-GB" dirty="0"/>
+          </a:p>
+        </p:txBody>
+      </p:sp>
+      <p:sp>
+        <p:nvSpPr>
+          <p:cNvPr id="8" name="Subtitle 7"/>
+          <p:cNvSpPr>
+            <a:spLocks noGrp="1"/>
+          </p:cNvSpPr>
+          <p:nvPr>
+            <p:ph type="subTitle" idx="1"/>
+          </p:nvPr>
+        </p:nvSpPr>
+        <p:spPr/>
         <p:txBody>
           <a:bodyPr/>
           <a:lstStyle/>
           <a:p>
-            <a:r>
-              <a:rPr lang="en-US" sz="3200" dirty="0"/>
-              <a:t>Demo</a:t>
-            </a:r>
-          </a:p>
-          <a:p>
-            <a:endParaRPr lang="en-US" sz="2000" dirty="0"/>
-          </a:p>
-          <a:p>
-            <a:endParaRPr lang="en-US" sz="3200" dirty="0"/>
+            <a:pPr>
+              <a:buNone/>
+            </a:pPr>
+            <a:endParaRPr lang="en-GB" dirty="0"/>
           </a:p>
         </p:txBody>
       </p:sp>
@@ -21725,7 +19219,7 @@
           <a:bodyPr/>
           <a:lstStyle/>
           <a:p>
-            <a:endParaRPr lang="en-GB" noProof="0" dirty="0"/>
+            <a:endParaRPr lang="en-GB" dirty="0"/>
           </a:p>
         </p:txBody>
       </p:sp>
@@ -21744,7 +19238,7 @@
           <a:bodyPr/>
           <a:lstStyle/>
           <a:p>
-            <a:endParaRPr lang="en-GB" noProof="0" dirty="0"/>
+            <a:endParaRPr lang="en-GB" dirty="0"/>
           </a:p>
         </p:txBody>
       </p:sp>
@@ -21763,18 +19257,19 @@
           <a:bodyPr/>
           <a:lstStyle/>
           <a:p>
-            <a:fld id="{859873C9-BF5D-4A9A-BB31-45BBB7BABAF7}" type="slidenum">
-              <a:rPr lang="en-GB" noProof="0" smtClean="0"/>
+            <a:fld id="{24C8C45C-947F-4981-8B3F-4F32E973C901}" type="slidenum">
+              <a:rPr lang="en-GB" smtClean="0"/>
+              <a:pPr/>
               <a:t>15</a:t>
             </a:fld>
-            <a:endParaRPr lang="en-GB" noProof="0" dirty="0"/>
+            <a:endParaRPr lang="en-GB" dirty="0"/>
           </a:p>
         </p:txBody>
       </p:sp>
     </p:spTree>
     <p:extLst>
       <p:ext uri="{BB962C8B-B14F-4D97-AF65-F5344CB8AC3E}">
-        <p14:creationId xmlns:p14="http://schemas.microsoft.com/office/powerpoint/2010/main" val="3474684397"/>
+        <p14:creationId xmlns:p14="http://schemas.microsoft.com/office/powerpoint/2010/main" val="1104591450"/>
       </p:ext>
     </p:extLst>
   </p:cSld>
@@ -21973,40 +19468,31 @@
       </p:grpSpPr>
       <p:sp>
         <p:nvSpPr>
-          <p:cNvPr id="3" name="Content Placeholder 2"/>
-          <p:cNvSpPr>
-            <a:spLocks noGrp="1"/>
-          </p:cNvSpPr>
-          <p:nvPr>
-            <p:ph idx="1"/>
-          </p:nvPr>
-        </p:nvSpPr>
-        <p:spPr>
-          <a:xfrm>
-            <a:off x="809624" y="1533905"/>
-            <a:ext cx="10621963" cy="4310304"/>
-          </a:xfrm>
-        </p:spPr>
+          <p:cNvPr id="4" name="Date Placeholder 3"/>
+          <p:cNvSpPr>
+            <a:spLocks noGrp="1"/>
+          </p:cNvSpPr>
+          <p:nvPr>
+            <p:ph type="dt" sz="half" idx="10"/>
+          </p:nvPr>
+        </p:nvSpPr>
+        <p:spPr/>
         <p:txBody>
           <a:bodyPr/>
           <a:lstStyle/>
           <a:p>
-            <a:endParaRPr lang="lt-LT" sz="3200" b="1" u="sng" dirty="0">
-              <a:solidFill>
-                <a:srgbClr val="0070C0"/>
-              </a:solidFill>
-            </a:endParaRPr>
-          </a:p>
-        </p:txBody>
-      </p:sp>
-      <p:sp>
-        <p:nvSpPr>
-          <p:cNvPr id="4" name="Date Placeholder 3"/>
-          <p:cNvSpPr>
-            <a:spLocks noGrp="1"/>
-          </p:cNvSpPr>
-          <p:nvPr>
-            <p:ph type="dt" sz="half" idx="10"/>
+            <a:endParaRPr lang="en-GB" noProof="0" dirty="0"/>
+          </a:p>
+        </p:txBody>
+      </p:sp>
+      <p:sp>
+        <p:nvSpPr>
+          <p:cNvPr id="5" name="Footer Placeholder 4"/>
+          <p:cNvSpPr>
+            <a:spLocks noGrp="1"/>
+          </p:cNvSpPr>
+          <p:nvPr>
+            <p:ph type="ftr" sz="quarter" idx="11"/>
           </p:nvPr>
         </p:nvSpPr>
         <p:spPr/>
@@ -22020,39 +19506,15 @@
       </p:sp>
       <p:sp>
         <p:nvSpPr>
-          <p:cNvPr id="5" name="Footer Placeholder 4"/>
-          <p:cNvSpPr>
-            <a:spLocks noGrp="1"/>
-          </p:cNvSpPr>
-          <p:nvPr>
-            <p:ph type="ftr" sz="quarter" idx="11"/>
+          <p:cNvPr id="6" name="Slide Number Placeholder 5"/>
+          <p:cNvSpPr>
+            <a:spLocks noGrp="1"/>
+          </p:cNvSpPr>
+          <p:nvPr>
+            <p:ph type="sldNum" sz="quarter" idx="12"/>
           </p:nvPr>
         </p:nvSpPr>
         <p:spPr/>
-        <p:txBody>
-          <a:bodyPr/>
-          <a:lstStyle/>
-          <a:p>
-            <a:endParaRPr lang="en-GB" noProof="0" dirty="0"/>
-          </a:p>
-        </p:txBody>
-      </p:sp>
-      <p:sp>
-        <p:nvSpPr>
-          <p:cNvPr id="6" name="Slide Number Placeholder 5"/>
-          <p:cNvSpPr>
-            <a:spLocks noGrp="1"/>
-          </p:cNvSpPr>
-          <p:nvPr>
-            <p:ph type="sldNum" sz="quarter" idx="12"/>
-          </p:nvPr>
-        </p:nvSpPr>
-        <p:spPr>
-          <a:xfrm>
-            <a:off x="11404600" y="6351405"/>
-            <a:ext cx="477736" cy="242418"/>
-          </a:xfrm>
-        </p:spPr>
         <p:txBody>
           <a:bodyPr/>
           <a:lstStyle/>
@@ -22065,37 +19527,12 @@
           </a:p>
         </p:txBody>
       </p:sp>
-      <p:sp>
-        <p:nvSpPr>
-          <p:cNvPr id="8" name="Title 7">
+      <p:pic>
+        <p:nvPicPr>
+          <p:cNvPr id="4104" name="Picture 8" descr="Image result for heroku">
             <a:extLst>
               <a:ext uri="{FF2B5EF4-FFF2-40B4-BE49-F238E27FC236}">
-                <a16:creationId xmlns:a16="http://schemas.microsoft.com/office/drawing/2014/main" id="{06358C34-A921-4AAA-8F4B-94CF2DD5BF2B}"/>
-              </a:ext>
-            </a:extLst>
-          </p:cNvPr>
-          <p:cNvSpPr>
-            <a:spLocks noGrp="1"/>
-          </p:cNvSpPr>
-          <p:nvPr>
-            <p:ph type="title"/>
-          </p:nvPr>
-        </p:nvSpPr>
-        <p:spPr/>
-        <p:txBody>
-          <a:bodyPr/>
-          <a:lstStyle/>
-          <a:p>
-            <a:endParaRPr lang="lt-LT" dirty="0"/>
-          </a:p>
-        </p:txBody>
-      </p:sp>
-      <p:pic>
-        <p:nvPicPr>
-          <p:cNvPr id="4100" name="Picture 4" descr="Image result for travis ci">
-            <a:extLst>
-              <a:ext uri="{FF2B5EF4-FFF2-40B4-BE49-F238E27FC236}">
-                <a16:creationId xmlns:a16="http://schemas.microsoft.com/office/drawing/2014/main" id="{F7410A72-3EDB-47E1-BE81-CA40615858F8}"/>
+                <a16:creationId xmlns:a16="http://schemas.microsoft.com/office/drawing/2014/main" id="{E1574296-DA1E-469D-B6FB-55FCD886D6E9}"/>
               </a:ext>
             </a:extLst>
           </p:cNvPr>
@@ -22119,8 +19556,8 @@
         </p:blipFill>
         <p:spPr bwMode="auto">
           <a:xfrm>
-            <a:off x="760413" y="818603"/>
-            <a:ext cx="4505492" cy="4505492"/>
+            <a:off x="6925716" y="0"/>
+            <a:ext cx="3367427" cy="3697876"/>
           </a:xfrm>
           <a:prstGeom prst="rect">
             <a:avLst/>
@@ -22139,10 +19576,10 @@
       </p:pic>
       <p:pic>
         <p:nvPicPr>
-          <p:cNvPr id="4104" name="Picture 8" descr="Image result for heroku">
+          <p:cNvPr id="1026" name="Picture 2" descr="Jenkins">
             <a:extLst>
               <a:ext uri="{FF2B5EF4-FFF2-40B4-BE49-F238E27FC236}">
-                <a16:creationId xmlns:a16="http://schemas.microsoft.com/office/drawing/2014/main" id="{E1574296-DA1E-469D-B6FB-55FCD886D6E9}"/>
+                <a16:creationId xmlns:a16="http://schemas.microsoft.com/office/drawing/2014/main" id="{684799DE-0F30-4B86-BB77-5B502F4DC9BF}"/>
               </a:ext>
             </a:extLst>
           </p:cNvPr>
@@ -22166,8 +19603,55 @@
         </p:blipFill>
         <p:spPr bwMode="auto">
           <a:xfrm>
-            <a:off x="6598484" y="597539"/>
-            <a:ext cx="4505492" cy="4947620"/>
+            <a:off x="820375" y="768932"/>
+            <a:ext cx="3503431" cy="4832319"/>
+          </a:xfrm>
+          <a:prstGeom prst="rect">
+            <a:avLst/>
+          </a:prstGeom>
+          <a:noFill/>
+          <a:extLst>
+            <a:ext uri="{909E8E84-426E-40DD-AFC4-6F175D3DCCD1}">
+              <a14:hiddenFill xmlns:a14="http://schemas.microsoft.com/office/drawing/2010/main">
+                <a:solidFill>
+                  <a:srgbClr val="FFFFFF"/>
+                </a:solidFill>
+              </a14:hiddenFill>
+            </a:ext>
+          </a:extLst>
+        </p:spPr>
+      </p:pic>
+      <p:pic>
+        <p:nvPicPr>
+          <p:cNvPr id="1028" name="Picture 4" descr="GitHub (@github) / Twitter">
+            <a:extLst>
+              <a:ext uri="{FF2B5EF4-FFF2-40B4-BE49-F238E27FC236}">
+                <a16:creationId xmlns:a16="http://schemas.microsoft.com/office/drawing/2014/main" id="{51B6FCF7-B474-469E-A926-A186ED384D80}"/>
+              </a:ext>
+            </a:extLst>
+          </p:cNvPr>
+          <p:cNvPicPr>
+            <a:picLocks noChangeAspect="1" noChangeArrowheads="1"/>
+          </p:cNvPicPr>
+          <p:nvPr/>
+        </p:nvPicPr>
+        <p:blipFill>
+          <a:blip r:embed="rId5">
+            <a:extLst>
+              <a:ext uri="{28A0092B-C50C-407E-A947-70E740481C1C}">
+                <a14:useLocalDpi xmlns:a14="http://schemas.microsoft.com/office/drawing/2010/main" val="0"/>
+              </a:ext>
+            </a:extLst>
+          </a:blip>
+          <a:srcRect/>
+          <a:stretch>
+            <a:fillRect/>
+          </a:stretch>
+        </p:blipFill>
+        <p:spPr bwMode="auto">
+          <a:xfrm>
+            <a:off x="7133598" y="3642162"/>
+            <a:ext cx="2951661" cy="2951661"/>
           </a:xfrm>
           <a:prstGeom prst="rect">
             <a:avLst/>
@@ -22272,12 +19756,7 @@
             <p:ph type="subTitle" idx="1"/>
           </p:nvPr>
         </p:nvSpPr>
-        <p:spPr>
-          <a:xfrm>
-            <a:off x="1948867" y="3892550"/>
-            <a:ext cx="8005624" cy="854599"/>
-          </a:xfrm>
-        </p:spPr>
+        <p:spPr/>
         <p:txBody>
           <a:bodyPr/>
           <a:lstStyle/>
@@ -22285,10 +19764,7 @@
             <a:pPr>
               <a:buNone/>
             </a:pPr>
-            <a:r>
-              <a:rPr lang="en-GB" dirty="0"/>
-              <a:t>https://github.com/mantelisb/CICD-lecture/blob/master/instructions.md</a:t>
-            </a:r>
+            <a:endParaRPr lang="en-GB" dirty="0"/>
           </a:p>
         </p:txBody>
       </p:sp>
@@ -22394,16 +19870,9 @@
             <p:ph type="title"/>
           </p:nvPr>
         </p:nvSpPr>
-        <p:spPr>
-          <a:xfrm>
-            <a:off x="784225" y="481665"/>
-            <a:ext cx="9182100" cy="1052240"/>
-          </a:xfrm>
-        </p:spPr>
-        <p:txBody>
-          <a:bodyPr anchor="t">
-            <a:normAutofit/>
-          </a:bodyPr>
+        <p:spPr/>
+        <p:txBody>
+          <a:bodyPr/>
           <a:lstStyle/>
           <a:p>
             <a:r>
@@ -22413,12 +19882,98 @@
           </a:p>
         </p:txBody>
       </p:sp>
+      <p:sp>
+        <p:nvSpPr>
+          <p:cNvPr id="4" name="Date Placeholder 3"/>
+          <p:cNvSpPr>
+            <a:spLocks noGrp="1"/>
+          </p:cNvSpPr>
+          <p:nvPr>
+            <p:ph type="dt" sz="half" idx="10"/>
+          </p:nvPr>
+        </p:nvSpPr>
+        <p:spPr/>
+        <p:txBody>
+          <a:bodyPr/>
+          <a:lstStyle/>
+          <a:p>
+            <a:endParaRPr lang="en-GB" noProof="0" dirty="0"/>
+          </a:p>
+        </p:txBody>
+      </p:sp>
+      <p:sp>
+        <p:nvSpPr>
+          <p:cNvPr id="5" name="Footer Placeholder 4"/>
+          <p:cNvSpPr>
+            <a:spLocks noGrp="1"/>
+          </p:cNvSpPr>
+          <p:nvPr>
+            <p:ph type="ftr" sz="quarter" idx="11"/>
+          </p:nvPr>
+        </p:nvSpPr>
+        <p:spPr/>
+        <p:txBody>
+          <a:bodyPr/>
+          <a:lstStyle/>
+          <a:p>
+            <a:endParaRPr lang="en-GB" noProof="0" dirty="0"/>
+          </a:p>
+        </p:txBody>
+      </p:sp>
+      <p:sp>
+        <p:nvSpPr>
+          <p:cNvPr id="6" name="Slide Number Placeholder 5"/>
+          <p:cNvSpPr>
+            <a:spLocks noGrp="1"/>
+          </p:cNvSpPr>
+          <p:nvPr>
+            <p:ph type="sldNum" sz="quarter" idx="12"/>
+          </p:nvPr>
+        </p:nvSpPr>
+        <p:spPr/>
+        <p:txBody>
+          <a:bodyPr/>
+          <a:lstStyle/>
+          <a:p>
+            <a:fld id="{859873C9-BF5D-4A9A-BB31-45BBB7BABAF7}" type="slidenum">
+              <a:rPr lang="en-GB" noProof="0" smtClean="0"/>
+              <a:t>19</a:t>
+            </a:fld>
+            <a:endParaRPr lang="en-GB" noProof="0" dirty="0"/>
+          </a:p>
+        </p:txBody>
+      </p:sp>
+      <p:sp>
+        <p:nvSpPr>
+          <p:cNvPr id="8" name="Content Placeholder 7">
+            <a:extLst>
+              <a:ext uri="{FF2B5EF4-FFF2-40B4-BE49-F238E27FC236}">
+                <a16:creationId xmlns:a16="http://schemas.microsoft.com/office/drawing/2014/main" id="{DAFE1992-D15F-4510-A068-CE3D3A950790}"/>
+              </a:ext>
+            </a:extLst>
+          </p:cNvPr>
+          <p:cNvSpPr>
+            <a:spLocks noGrp="1"/>
+          </p:cNvSpPr>
+          <p:nvPr>
+            <p:ph idx="1"/>
+          </p:nvPr>
+        </p:nvSpPr>
+        <p:spPr/>
+        <p:txBody>
+          <a:bodyPr/>
+          <a:lstStyle/>
+          <a:p>
+            <a:endParaRPr lang="lt-LT"/>
+          </a:p>
+        </p:txBody>
+      </p:sp>
       <p:pic>
         <p:nvPicPr>
-          <p:cNvPr id="3" name="Picture 2">
+          <p:cNvPr id="9" name="Picture 8">
             <a:extLst>
               <a:ext uri="{FF2B5EF4-FFF2-40B4-BE49-F238E27FC236}">
-                <a16:creationId xmlns:a16="http://schemas.microsoft.com/office/drawing/2014/main" id="{C94EDC84-EB3E-45EE-ACA2-C426AB52BDA2}"/>
+                <a16:creationId xmlns:a16="http://schemas.microsoft.com/office/drawing/2014/main" id="{DC3F12EB-9745-446B-AB68-8D2E2F05AE33}"/>
               </a:ext>
             </a:extLst>
           </p:cNvPr>
@@ -22435,115 +19990,14 @@
         </p:blipFill>
         <p:spPr>
           <a:xfrm>
-            <a:off x="1746118" y="1763713"/>
-            <a:ext cx="8698178" cy="4175125"/>
+            <a:off x="2035633" y="1277269"/>
+            <a:ext cx="8119144" cy="4769853"/>
           </a:xfrm>
           <a:prstGeom prst="rect">
             <a:avLst/>
           </a:prstGeom>
-          <a:noFill/>
         </p:spPr>
       </p:pic>
-      <p:sp>
-        <p:nvSpPr>
-          <p:cNvPr id="13" name="Date Placeholder 3">
-            <a:extLst>
-              <a:ext uri="{FF2B5EF4-FFF2-40B4-BE49-F238E27FC236}">
-                <a16:creationId xmlns:a16="http://schemas.microsoft.com/office/drawing/2014/main" id="{F32262D1-EA27-457D-A5DF-0DCC180D2948}"/>
-              </a:ext>
-            </a:extLst>
-          </p:cNvPr>
-          <p:cNvSpPr>
-            <a:spLocks noGrp="1"/>
-          </p:cNvSpPr>
-          <p:nvPr>
-            <p:ph type="dt" sz="half" idx="10"/>
-          </p:nvPr>
-        </p:nvSpPr>
-        <p:spPr>
-          <a:xfrm>
-            <a:off x="9568800" y="6351405"/>
-            <a:ext cx="1835800" cy="242607"/>
-          </a:xfrm>
-        </p:spPr>
-        <p:txBody>
-          <a:bodyPr/>
-          <a:lstStyle/>
-          <a:p>
-            <a:endParaRPr lang="en-GB" noProof="0"/>
-          </a:p>
-        </p:txBody>
-      </p:sp>
-      <p:sp>
-        <p:nvSpPr>
-          <p:cNvPr id="15" name="Footer Placeholder 4">
-            <a:extLst>
-              <a:ext uri="{FF2B5EF4-FFF2-40B4-BE49-F238E27FC236}">
-                <a16:creationId xmlns:a16="http://schemas.microsoft.com/office/drawing/2014/main" id="{963DA23C-9698-4450-BA08-4EBB909B2249}"/>
-              </a:ext>
-            </a:extLst>
-          </p:cNvPr>
-          <p:cNvSpPr>
-            <a:spLocks noGrp="1"/>
-          </p:cNvSpPr>
-          <p:nvPr>
-            <p:ph type="ftr" sz="quarter" idx="11"/>
-          </p:nvPr>
-        </p:nvSpPr>
-        <p:spPr>
-          <a:xfrm>
-            <a:off x="4456800" y="6351405"/>
-            <a:ext cx="5112000" cy="242418"/>
-          </a:xfrm>
-        </p:spPr>
-        <p:txBody>
-          <a:bodyPr/>
-          <a:lstStyle/>
-          <a:p>
-            <a:endParaRPr lang="en-GB" noProof="0"/>
-          </a:p>
-        </p:txBody>
-      </p:sp>
-      <p:sp>
-        <p:nvSpPr>
-          <p:cNvPr id="6" name="Slide Number Placeholder 5"/>
-          <p:cNvSpPr>
-            <a:spLocks noGrp="1"/>
-          </p:cNvSpPr>
-          <p:nvPr>
-            <p:ph type="sldNum" sz="quarter" idx="12"/>
-          </p:nvPr>
-        </p:nvSpPr>
-        <p:spPr>
-          <a:xfrm>
-            <a:off x="11404600" y="6351405"/>
-            <a:ext cx="477736" cy="242418"/>
-          </a:xfrm>
-        </p:spPr>
-        <p:txBody>
-          <a:bodyPr anchor="t">
-            <a:normAutofit/>
-          </a:bodyPr>
-          <a:lstStyle/>
-          <a:p>
-            <a:pPr>
-              <a:spcAft>
-                <a:spcPts val="600"/>
-              </a:spcAft>
-            </a:pPr>
-            <a:fld id="{859873C9-BF5D-4A9A-BB31-45BBB7BABAF7}" type="slidenum">
-              <a:rPr lang="en-GB" noProof="0" smtClean="0"/>
-              <a:pPr>
-                <a:spcAft>
-                  <a:spcPts val="600"/>
-                </a:spcAft>
-              </a:pPr>
-              <a:t>19</a:t>
-            </a:fld>
-            <a:endParaRPr lang="en-GB" noProof="0"/>
-          </a:p>
-        </p:txBody>
-      </p:sp>
     </p:spTree>
     <p:extLst>
       <p:ext uri="{BB962C8B-B14F-4D97-AF65-F5344CB8AC3E}">
@@ -22922,12 +20376,7 @@
             <p:ph type="title"/>
           </p:nvPr>
         </p:nvSpPr>
-        <p:spPr>
-          <a:xfrm>
-            <a:off x="784225" y="481665"/>
-            <a:ext cx="9182100" cy="1052240"/>
-          </a:xfrm>
-        </p:spPr>
+        <p:spPr/>
         <p:txBody>
           <a:bodyPr/>
           <a:lstStyle/>
@@ -23112,12 +20561,7 @@
             <p:ph type="sldNum" sz="quarter" idx="12"/>
           </p:nvPr>
         </p:nvSpPr>
-        <p:spPr>
-          <a:xfrm>
-            <a:off x="11404600" y="6351405"/>
-            <a:ext cx="477736" cy="242418"/>
-          </a:xfrm>
-        </p:spPr>
+        <p:spPr/>
         <p:txBody>
           <a:bodyPr/>
           <a:lstStyle/>
@@ -23760,14 +21204,15 @@
           <a:p>
             <a:r>
               <a:rPr lang="en-US" sz="3600" dirty="0"/>
-              <a:t>Cost-effective process</a:t>
-            </a:r>
-          </a:p>
-          <a:p>
-            <a:r>
-              <a:rPr lang="en-US" sz="3600" dirty="0"/>
-              <a:t>Confidence</a:t>
-            </a:r>
+              <a:t>Cos-effective process</a:t>
+            </a:r>
+          </a:p>
+          <a:p>
+            <a:r>
+              <a:rPr lang="en-US" sz="3600" dirty="0" err="1"/>
+              <a:t>Confidency</a:t>
+            </a:r>
+            <a:endParaRPr lang="en-US" sz="3600" dirty="0"/>
           </a:p>
           <a:p>
             <a:endParaRPr lang="lt-LT" sz="3600" dirty="0"/>
@@ -24968,12 +22413,6 @@
 </file>
 
 <file path=customXml/item1.xml><?xml version="1.0" encoding="utf-8"?>
-<p:properties xmlns:p="http://schemas.microsoft.com/office/2006/metadata/properties" xmlns:xsi="http://www.w3.org/2001/XMLSchema-instance" xmlns:pc="http://schemas.microsoft.com/office/infopath/2007/PartnerControls">
-  <documentManagement/>
-</p:properties>
-</file>
-
-<file path=customXml/item2.xml><?xml version="1.0" encoding="utf-8"?>
 <ct:contentTypeSchema xmlns:ct="http://schemas.microsoft.com/office/2006/metadata/contentType" xmlns:ma="http://schemas.microsoft.com/office/2006/metadata/properties/metaAttributes" ct:_="" ma:_="" ma:contentTypeName="Document" ma:contentTypeID="0x01010019ED4169A17A9943A0C4D616F29F7EA9" ma:contentTypeVersion="2" ma:contentTypeDescription="Create a new document." ma:contentTypeScope="" ma:versionID="ee2590c771e3efcf6e927d932d0f80bf">
   <xsd:schema xmlns:xsd="http://www.w3.org/2001/XMLSchema" xmlns:xs="http://www.w3.org/2001/XMLSchema" xmlns:p="http://schemas.microsoft.com/office/2006/metadata/properties" xmlns:ns2="6ed449f5-9e03-46ec-8941-bbdaa84be2a0" targetNamespace="http://schemas.microsoft.com/office/2006/metadata/properties" ma:root="true" ma:fieldsID="14228b68809949e600f8d74e51d27844" ns2:_="">
     <xsd:import namespace="6ed449f5-9e03-46ec-8941-bbdaa84be2a0"/>
@@ -25121,6 +22560,12 @@
 </ct:contentTypeSchema>
 </file>
 
+<file path=customXml/item2.xml><?xml version="1.0" encoding="utf-8"?>
+<p:properties xmlns:p="http://schemas.microsoft.com/office/2006/metadata/properties" xmlns:xsi="http://www.w3.org/2001/XMLSchema-instance" xmlns:pc="http://schemas.microsoft.com/office/infopath/2007/PartnerControls">
+  <documentManagement/>
+</p:properties>
+</file>
+
 <file path=customXml/item3.xml><?xml version="1.0" encoding="utf-8"?>
 <?mso-contentType ?>
 <FormTemplates xmlns="http://schemas.microsoft.com/sharepoint/v3/contenttype/forms">
@@ -25131,15 +22576,6 @@
 </file>
 
 <file path=customXml/itemProps1.xml><?xml version="1.0" encoding="utf-8"?>
-<ds:datastoreItem xmlns:ds="http://schemas.openxmlformats.org/officeDocument/2006/customXml" ds:itemID="{1ED6C778-C4AA-4A66-B6B5-60690C5199CD}">
-  <ds:schemaRefs>
-    <ds:schemaRef ds:uri="http://schemas.microsoft.com/office/2006/metadata/properties"/>
-    <ds:schemaRef ds:uri="http://schemas.microsoft.com/office/infopath/2007/PartnerControls"/>
-  </ds:schemaRefs>
-</ds:datastoreItem>
-</file>
-
-<file path=customXml/itemProps2.xml><?xml version="1.0" encoding="utf-8"?>
 <ds:datastoreItem xmlns:ds="http://schemas.openxmlformats.org/officeDocument/2006/customXml" ds:itemID="{C9AC8E36-112B-4773-8318-FE4A82DF39EC}">
   <ds:schemaRefs>
     <ds:schemaRef ds:uri="http://schemas.microsoft.com/office/2006/metadata/contentType"/>
@@ -25157,6 +22593,22 @@
 </ds:datastoreItem>
 </file>
 
+<file path=customXml/itemProps2.xml><?xml version="1.0" encoding="utf-8"?>
+<ds:datastoreItem xmlns:ds="http://schemas.openxmlformats.org/officeDocument/2006/customXml" ds:itemID="{1ED6C778-C4AA-4A66-B6B5-60690C5199CD}">
+  <ds:schemaRefs>
+    <ds:schemaRef ds:uri="http://schemas.microsoft.com/office/2006/documentManagement/types"/>
+    <ds:schemaRef ds:uri="http://schemas.openxmlformats.org/package/2006/metadata/core-properties"/>
+    <ds:schemaRef ds:uri="http://purl.org/dc/dcmitype/"/>
+    <ds:schemaRef ds:uri="6ed449f5-9e03-46ec-8941-bbdaa84be2a0"/>
+    <ds:schemaRef ds:uri="http://purl.org/dc/elements/1.1/"/>
+    <ds:schemaRef ds:uri="http://schemas.microsoft.com/office/2006/metadata/properties"/>
+    <ds:schemaRef ds:uri="http://schemas.microsoft.com/office/infopath/2007/PartnerControls"/>
+    <ds:schemaRef ds:uri="http://www.w3.org/XML/1998/namespace"/>
+    <ds:schemaRef ds:uri="http://purl.org/dc/terms/"/>
+  </ds:schemaRefs>
+</ds:datastoreItem>
+</file>
+
 <file path=customXml/itemProps3.xml><?xml version="1.0" encoding="utf-8"?>
 <ds:datastoreItem xmlns:ds="http://schemas.openxmlformats.org/officeDocument/2006/customXml" ds:itemID="{C98144AE-B0E9-4A9D-8BA0-7C7CD27128C4}">
   <ds:schemaRefs>
